--- a/Terahertz Metrology/Ch4/Terahertz Metrology_Ch4.pptx
+++ b/Terahertz Metrology/Ch4/Terahertz Metrology_Ch4.pptx
@@ -5,14 +5,16 @@
     <p:sldMasterId id="2147483660" r:id="rId1"/>
   </p:sldMasterIdLst>
   <p:notesMasterIdLst>
-    <p:notesMasterId r:id="rId7"/>
+    <p:notesMasterId r:id="rId9"/>
   </p:notesMasterIdLst>
   <p:sldIdLst>
     <p:sldId id="258" r:id="rId2"/>
     <p:sldId id="257" r:id="rId3"/>
     <p:sldId id="273" r:id="rId4"/>
     <p:sldId id="276" r:id="rId5"/>
-    <p:sldId id="275" r:id="rId6"/>
+    <p:sldId id="277" r:id="rId6"/>
+    <p:sldId id="278" r:id="rId7"/>
+    <p:sldId id="275" r:id="rId8"/>
   </p:sldIdLst>
   <p:sldSz cx="9144000" cy="6858000" type="screen4x3"/>
   <p:notesSz cx="6858000" cy="9144000"/>
@@ -201,7 +203,7 @@
           <a:p>
             <a:fld id="{A9D6DECA-6E4E-4D09-9277-E151A2E3F74C}" type="datetimeFigureOut">
               <a:rPr lang="ko-KR" altLang="en-US" smtClean="0"/>
-              <a:t>2018-03-20</a:t>
+              <a:t>2018-03-21</a:t>
             </a:fld>
             <a:endParaRPr lang="ko-KR" altLang="en-US"/>
           </a:p>
@@ -879,6 +881,174 @@
     </p:spTree>
     <p:extLst>
       <p:ext uri="{BB962C8B-B14F-4D97-AF65-F5344CB8AC3E}">
+        <p14:creationId xmlns:p14="http://schemas.microsoft.com/office/powerpoint/2010/main" val="1537885076"/>
+      </p:ext>
+    </p:extLst>
+  </p:cSld>
+  <p:clrMapOvr>
+    <a:masterClrMapping/>
+  </p:clrMapOvr>
+</p:notes>
+</file>
+
+<file path=ppt/notesSlides/notesSlide6.xml><?xml version="1.0" encoding="utf-8"?>
+<p:notes xmlns:a="http://schemas.openxmlformats.org/drawingml/2006/main" xmlns:r="http://schemas.openxmlformats.org/officeDocument/2006/relationships" xmlns:p="http://schemas.openxmlformats.org/presentationml/2006/main">
+  <p:cSld>
+    <p:spTree>
+      <p:nvGrpSpPr>
+        <p:cNvPr id="1" name=""/>
+        <p:cNvGrpSpPr/>
+        <p:nvPr/>
+      </p:nvGrpSpPr>
+      <p:grpSpPr>
+        <a:xfrm>
+          <a:off x="0" y="0"/>
+          <a:ext cx="0" cy="0"/>
+          <a:chOff x="0" y="0"/>
+          <a:chExt cx="0" cy="0"/>
+        </a:xfrm>
+      </p:grpSpPr>
+      <p:sp>
+        <p:nvSpPr>
+          <p:cNvPr id="2" name="슬라이드 이미지 개체 틀 1"/>
+          <p:cNvSpPr>
+            <a:spLocks noGrp="1" noRot="1" noChangeAspect="1"/>
+          </p:cNvSpPr>
+          <p:nvPr>
+            <p:ph type="sldImg"/>
+          </p:nvPr>
+        </p:nvSpPr>
+        <p:spPr/>
+      </p:sp>
+      <p:sp>
+        <p:nvSpPr>
+          <p:cNvPr id="3" name="슬라이드 노트 개체 틀 2"/>
+          <p:cNvSpPr>
+            <a:spLocks noGrp="1"/>
+          </p:cNvSpPr>
+          <p:nvPr>
+            <p:ph type="body" idx="1"/>
+          </p:nvPr>
+        </p:nvSpPr>
+        <p:spPr/>
+        <p:txBody>
+          <a:bodyPr/>
+          <a:lstStyle/>
+          <a:p>
+            <a:endParaRPr lang="ko-KR" altLang="en-US"/>
+          </a:p>
+        </p:txBody>
+      </p:sp>
+      <p:sp>
+        <p:nvSpPr>
+          <p:cNvPr id="4" name="슬라이드 번호 개체 틀 3"/>
+          <p:cNvSpPr>
+            <a:spLocks noGrp="1"/>
+          </p:cNvSpPr>
+          <p:nvPr>
+            <p:ph type="sldNum" sz="quarter" idx="10"/>
+          </p:nvPr>
+        </p:nvSpPr>
+        <p:spPr/>
+        <p:txBody>
+          <a:bodyPr/>
+          <a:lstStyle/>
+          <a:p>
+            <a:fld id="{6D0ABE42-EEBB-47F0-BC6E-2BB25FA03CFE}" type="slidenum">
+              <a:rPr lang="ko-KR" altLang="en-US" smtClean="0"/>
+              <a:t>6</a:t>
+            </a:fld>
+            <a:endParaRPr lang="ko-KR" altLang="en-US"/>
+          </a:p>
+        </p:txBody>
+      </p:sp>
+    </p:spTree>
+    <p:extLst>
+      <p:ext uri="{BB962C8B-B14F-4D97-AF65-F5344CB8AC3E}">
+        <p14:creationId xmlns:p14="http://schemas.microsoft.com/office/powerpoint/2010/main" val="353336694"/>
+      </p:ext>
+    </p:extLst>
+  </p:cSld>
+  <p:clrMapOvr>
+    <a:masterClrMapping/>
+  </p:clrMapOvr>
+</p:notes>
+</file>
+
+<file path=ppt/notesSlides/notesSlide7.xml><?xml version="1.0" encoding="utf-8"?>
+<p:notes xmlns:a="http://schemas.openxmlformats.org/drawingml/2006/main" xmlns:r="http://schemas.openxmlformats.org/officeDocument/2006/relationships" xmlns:p="http://schemas.openxmlformats.org/presentationml/2006/main">
+  <p:cSld>
+    <p:spTree>
+      <p:nvGrpSpPr>
+        <p:cNvPr id="1" name=""/>
+        <p:cNvGrpSpPr/>
+        <p:nvPr/>
+      </p:nvGrpSpPr>
+      <p:grpSpPr>
+        <a:xfrm>
+          <a:off x="0" y="0"/>
+          <a:ext cx="0" cy="0"/>
+          <a:chOff x="0" y="0"/>
+          <a:chExt cx="0" cy="0"/>
+        </a:xfrm>
+      </p:grpSpPr>
+      <p:sp>
+        <p:nvSpPr>
+          <p:cNvPr id="2" name="슬라이드 이미지 개체 틀 1"/>
+          <p:cNvSpPr>
+            <a:spLocks noGrp="1" noRot="1" noChangeAspect="1"/>
+          </p:cNvSpPr>
+          <p:nvPr>
+            <p:ph type="sldImg"/>
+          </p:nvPr>
+        </p:nvSpPr>
+        <p:spPr/>
+      </p:sp>
+      <p:sp>
+        <p:nvSpPr>
+          <p:cNvPr id="3" name="슬라이드 노트 개체 틀 2"/>
+          <p:cNvSpPr>
+            <a:spLocks noGrp="1"/>
+          </p:cNvSpPr>
+          <p:nvPr>
+            <p:ph type="body" idx="1"/>
+          </p:nvPr>
+        </p:nvSpPr>
+        <p:spPr/>
+        <p:txBody>
+          <a:bodyPr/>
+          <a:lstStyle/>
+          <a:p>
+            <a:endParaRPr lang="ko-KR" altLang="en-US"/>
+          </a:p>
+        </p:txBody>
+      </p:sp>
+      <p:sp>
+        <p:nvSpPr>
+          <p:cNvPr id="4" name="슬라이드 번호 개체 틀 3"/>
+          <p:cNvSpPr>
+            <a:spLocks noGrp="1"/>
+          </p:cNvSpPr>
+          <p:nvPr>
+            <p:ph type="sldNum" sz="quarter" idx="10"/>
+          </p:nvPr>
+        </p:nvSpPr>
+        <p:spPr/>
+        <p:txBody>
+          <a:bodyPr/>
+          <a:lstStyle/>
+          <a:p>
+            <a:fld id="{6D0ABE42-EEBB-47F0-BC6E-2BB25FA03CFE}" type="slidenum">
+              <a:rPr lang="ko-KR" altLang="en-US" smtClean="0"/>
+              <a:t>7</a:t>
+            </a:fld>
+            <a:endParaRPr lang="ko-KR" altLang="en-US"/>
+          </a:p>
+        </p:txBody>
+      </p:sp>
+    </p:spTree>
+    <p:extLst>
+      <p:ext uri="{BB962C8B-B14F-4D97-AF65-F5344CB8AC3E}">
         <p14:creationId xmlns:p14="http://schemas.microsoft.com/office/powerpoint/2010/main" val="1671263539"/>
       </p:ext>
     </p:extLst>
@@ -1020,7 +1190,7 @@
           <a:p>
             <a:fld id="{78E89258-A40F-4400-BA1A-638141289729}" type="datetime1">
               <a:rPr lang="ko-KR" altLang="en-US" smtClean="0"/>
-              <a:t>2018-03-20</a:t>
+              <a:t>2018-03-21</a:t>
             </a:fld>
             <a:endParaRPr lang="ko-KR" altLang="en-US"/>
           </a:p>
@@ -1197,7 +1367,7 @@
           <a:p>
             <a:fld id="{CD116CEF-802E-43F7-8932-78519DF2A264}" type="datetime1">
               <a:rPr lang="ko-KR" altLang="en-US" smtClean="0"/>
-              <a:t>2018-03-20</a:t>
+              <a:t>2018-03-21</a:t>
             </a:fld>
             <a:endParaRPr lang="ko-KR" altLang="en-US"/>
           </a:p>
@@ -1377,7 +1547,7 @@
           <a:p>
             <a:fld id="{EFD9D7C3-1982-427D-BFA7-1AF9687AAB0F}" type="datetime1">
               <a:rPr lang="ko-KR" altLang="en-US" smtClean="0"/>
-              <a:t>2018-03-20</a:t>
+              <a:t>2018-03-21</a:t>
             </a:fld>
             <a:endParaRPr lang="ko-KR" altLang="en-US"/>
           </a:p>
@@ -1547,7 +1717,7 @@
           <a:p>
             <a:fld id="{EDD93E7F-B437-40E5-8ACB-B79696783EFA}" type="datetime1">
               <a:rPr lang="ko-KR" altLang="en-US" smtClean="0"/>
-              <a:t>2018-03-20</a:t>
+              <a:t>2018-03-21</a:t>
             </a:fld>
             <a:endParaRPr lang="ko-KR" altLang="en-US"/>
           </a:p>
@@ -1791,7 +1961,7 @@
           <a:p>
             <a:fld id="{DB249950-0BD4-4F6E-BE3F-CB53B7E2FD06}" type="datetime1">
               <a:rPr lang="ko-KR" altLang="en-US" smtClean="0"/>
-              <a:t>2018-03-20</a:t>
+              <a:t>2018-03-21</a:t>
             </a:fld>
             <a:endParaRPr lang="ko-KR" altLang="en-US"/>
           </a:p>
@@ -2023,7 +2193,7 @@
           <a:p>
             <a:fld id="{7B016D7E-32C0-4DB3-B6B3-0506A62840FB}" type="datetime1">
               <a:rPr lang="ko-KR" altLang="en-US" smtClean="0"/>
-              <a:t>2018-03-20</a:t>
+              <a:t>2018-03-21</a:t>
             </a:fld>
             <a:endParaRPr lang="ko-KR" altLang="en-US"/>
           </a:p>
@@ -2390,7 +2560,7 @@
           <a:p>
             <a:fld id="{B246672D-B3FD-4B2E-92C0-4A80DA670927}" type="datetime1">
               <a:rPr lang="ko-KR" altLang="en-US" smtClean="0"/>
-              <a:t>2018-03-20</a:t>
+              <a:t>2018-03-21</a:t>
             </a:fld>
             <a:endParaRPr lang="ko-KR" altLang="en-US"/>
           </a:p>
@@ -2508,7 +2678,7 @@
           <a:p>
             <a:fld id="{9B9B7D2E-B202-4D7A-9519-0C490A04EB9C}" type="datetime1">
               <a:rPr lang="ko-KR" altLang="en-US" smtClean="0"/>
-              <a:t>2018-03-20</a:t>
+              <a:t>2018-03-21</a:t>
             </a:fld>
             <a:endParaRPr lang="ko-KR" altLang="en-US"/>
           </a:p>
@@ -2603,7 +2773,7 @@
           <a:p>
             <a:fld id="{12FB9327-987E-47D6-AE2D-63CED8A79494}" type="datetime1">
               <a:rPr lang="ko-KR" altLang="en-US" smtClean="0"/>
-              <a:t>2018-03-20</a:t>
+              <a:t>2018-03-21</a:t>
             </a:fld>
             <a:endParaRPr lang="ko-KR" altLang="en-US"/>
           </a:p>
@@ -2880,7 +3050,7 @@
           <a:p>
             <a:fld id="{D8D87011-7294-4632-A156-4F695AB9E41C}" type="datetime1">
               <a:rPr lang="ko-KR" altLang="en-US" smtClean="0"/>
-              <a:t>2018-03-20</a:t>
+              <a:t>2018-03-21</a:t>
             </a:fld>
             <a:endParaRPr lang="ko-KR" altLang="en-US"/>
           </a:p>
@@ -3137,7 +3307,7 @@
           <a:p>
             <a:fld id="{1BDC7FDB-72DE-4D65-AF4F-510496DAF70F}" type="datetime1">
               <a:rPr lang="ko-KR" altLang="en-US" smtClean="0"/>
-              <a:t>2018-03-20</a:t>
+              <a:t>2018-03-21</a:t>
             </a:fld>
             <a:endParaRPr lang="ko-KR" altLang="en-US"/>
           </a:p>
@@ -3350,7 +3520,7 @@
           <a:p>
             <a:fld id="{9A286DBF-DB43-470A-A903-26374CB6EF47}" type="datetime1">
               <a:rPr lang="ko-KR" altLang="en-US" smtClean="0"/>
-              <a:t>2018-03-20</a:t>
+              <a:t>2018-03-21</a:t>
             </a:fld>
             <a:endParaRPr lang="ko-KR" altLang="en-US"/>
           </a:p>
@@ -3961,7 +4131,7 @@
           <a:p>
             <a:fld id="{32C03489-23FC-4021-B9AB-958EFB3C0FE7}" type="datetime1">
               <a:rPr lang="ko-KR" altLang="en-US" smtClean="0"/>
-              <a:t>2018-03-20</a:t>
+              <a:t>2018-03-21</a:t>
             </a:fld>
             <a:endParaRPr lang="ko-KR" altLang="en-US"/>
           </a:p>
@@ -4250,7 +4420,7 @@
           <a:p>
             <a:fld id="{D71C2118-E1AA-468B-9259-8864ED518988}" type="datetime1">
               <a:rPr lang="ko-KR" altLang="en-US" smtClean="0"/>
-              <a:t>2018-03-20</a:t>
+              <a:t>2018-03-21</a:t>
             </a:fld>
             <a:endParaRPr lang="ko-KR" altLang="en-US"/>
           </a:p>
@@ -4459,7 +4629,7 @@
           <a:p>
             <a:fld id="{F85A177F-6FD3-496B-8A9C-B332CA04E863}" type="datetime1">
               <a:rPr lang="ko-KR" altLang="en-US" smtClean="0"/>
-              <a:t>2018-03-20</a:t>
+              <a:t>2018-03-21</a:t>
             </a:fld>
             <a:endParaRPr lang="ko-KR" altLang="en-US"/>
           </a:p>
@@ -4576,7 +4746,7 @@
           <a:p>
             <a:pPr algn="ctr"/>
             <a:r>
-              <a:rPr lang="en-US" altLang="ko-KR" sz="1600" dirty="0" smtClean="0">
+              <a:rPr lang="en-US" altLang="ko-KR" sz="2800" dirty="0" smtClean="0">
                 <a:solidFill>
                   <a:schemeClr val="bg1"/>
                 </a:solidFill>
@@ -4584,12 +4754,6 @@
               </a:rPr>
               <a:t>1.1 General Definitions</a:t>
             </a:r>
-            <a:endParaRPr lang="en-US" altLang="ko-KR" sz="1600" dirty="0" smtClean="0">
-              <a:solidFill>
-                <a:schemeClr val="bg1"/>
-              </a:solidFill>
-              <a:latin typeface="Arial" panose="020B0604020202020204" pitchFamily="34" charset="0"/>
-            </a:endParaRPr>
           </a:p>
         </p:txBody>
       </p:sp>
@@ -4610,7 +4774,7 @@
           <a:p>
             <a:fld id="{53646E5C-8775-44A9-9523-40B6CCA06789}" type="datetime1">
               <a:rPr lang="ko-KR" altLang="en-US" smtClean="0"/>
-              <a:t>2018-03-20</a:t>
+              <a:t>2018-03-21</a:t>
             </a:fld>
             <a:endParaRPr lang="ko-KR" altLang="en-US"/>
           </a:p>
@@ -4648,7 +4812,7 @@
         <p:spPr>
           <a:xfrm>
             <a:off x="720969" y="914202"/>
-            <a:ext cx="7794381" cy="1631216"/>
+            <a:ext cx="7794381" cy="1323439"/>
           </a:xfrm>
           <a:prstGeom prst="rect">
             <a:avLst/>
@@ -4670,26 +4834,17 @@
               <a:t>Type A uncertainty</a:t>
             </a:r>
             <a:r>
+              <a:rPr lang="en-US" altLang="ko-KR" sz="2000" dirty="0"/>
+              <a:t>: uncertainty by a statistical </a:t>
+            </a:r>
+            <a:r>
               <a:rPr lang="en-US" altLang="ko-KR" sz="2000" dirty="0" smtClean="0"/>
-              <a:t>: Random uncertainties</a:t>
-            </a:r>
-          </a:p>
-          <a:p>
-            <a:r>
-              <a:rPr lang="en-US" altLang="ko-KR" sz="2000" dirty="0">
-                <a:sym typeface="Wingdings" panose="05000000000000000000" pitchFamily="2" charset="2"/>
-              </a:rPr>
-              <a:t>	</a:t>
-            </a:r>
-            <a:r>
-              <a:rPr lang="en-US" altLang="ko-KR" sz="2000" dirty="0" smtClean="0">
-                <a:sym typeface="Wingdings" panose="05000000000000000000" pitchFamily="2" charset="2"/>
-              </a:rPr>
-              <a:t> averaging</a:t>
-            </a:r>
-          </a:p>
-          <a:p>
-            <a:endParaRPr lang="en-US" altLang="ko-KR" sz="2000" dirty="0" smtClean="0"/>
+              <a:t>analysis of </a:t>
+            </a:r>
+            <a:r>
+              <a:rPr lang="en-US" altLang="ko-KR" sz="2000" dirty="0"/>
+              <a:t>quantity values obtained by measurements under repeatability conditions</a:t>
+            </a:r>
           </a:p>
           <a:p>
             <a:pPr marL="342900" indent="-342900">
@@ -4701,22 +4856,16 @@
               <a:t>Type B uncertainty</a:t>
             </a:r>
             <a:r>
+              <a:rPr lang="en-US" altLang="ko-KR" sz="2000" dirty="0"/>
+              <a:t>: uncertainty by means other than </a:t>
+            </a:r>
+            <a:r>
               <a:rPr lang="en-US" altLang="ko-KR" sz="2000" dirty="0" smtClean="0"/>
-              <a:t>: Systematic uncertainties</a:t>
-            </a:r>
-          </a:p>
-          <a:p>
-            <a:r>
-              <a:rPr lang="en-US" altLang="ko-KR" sz="2000" dirty="0">
-                <a:sym typeface="Wingdings" panose="05000000000000000000" pitchFamily="2" charset="2"/>
-              </a:rPr>
-              <a:t>	</a:t>
-            </a:r>
-            <a:r>
-              <a:rPr lang="en-US" altLang="ko-KR" sz="2000" dirty="0" smtClean="0">
-                <a:sym typeface="Wingdings" panose="05000000000000000000" pitchFamily="2" charset="2"/>
-              </a:rPr>
-              <a:t> cannot be analyzed with statistics</a:t>
+              <a:t>a statistical </a:t>
+            </a:r>
+            <a:r>
+              <a:rPr lang="en-US" altLang="ko-KR" sz="2000" dirty="0"/>
+              <a:t>analysis of quantity values obtained by measurement</a:t>
             </a:r>
             <a:endParaRPr lang="en-US" altLang="ko-KR" sz="2000" dirty="0" smtClean="0"/>
           </a:p>
@@ -4731,7 +4880,7 @@
         <p:spPr>
           <a:xfrm>
             <a:off x="268165" y="6078224"/>
-            <a:ext cx="8607669" cy="253916"/>
+            <a:ext cx="8607669" cy="415498"/>
           </a:xfrm>
           <a:prstGeom prst="rect">
             <a:avLst/>
@@ -4745,11 +4894,18 @@
           <a:lstStyle/>
           <a:p>
             <a:r>
+              <a:rPr lang="en-US" altLang="ko-KR" sz="1050" i="1" dirty="0">
+                <a:latin typeface="Times New Roman" panose="02020603050405020304" pitchFamily="18" charset="0"/>
+                <a:cs typeface="Times New Roman" panose="02020603050405020304" pitchFamily="18" charset="0"/>
+              </a:rPr>
+              <a:t>International Vocabulary of Basic and General Terms in Metrology </a:t>
+            </a:r>
+            <a:r>
               <a:rPr lang="en-US" altLang="ko-KR" sz="1050" dirty="0">
                 <a:latin typeface="Times New Roman" panose="02020603050405020304" pitchFamily="18" charset="0"/>
                 <a:cs typeface="Times New Roman" panose="02020603050405020304" pitchFamily="18" charset="0"/>
               </a:rPr>
-              <a:t>International Vocabulary of Basic and General Terms in Metrology (</a:t>
+              <a:t>(</a:t>
             </a:r>
             <a:r>
               <a:rPr lang="en-US" altLang="ko-KR" sz="1050" i="1" dirty="0">
@@ -4763,11 +4919,821 @@
                 <a:latin typeface="Times New Roman" panose="02020603050405020304" pitchFamily="18" charset="0"/>
                 <a:cs typeface="Times New Roman" panose="02020603050405020304" pitchFamily="18" charset="0"/>
               </a:rPr>
-              <a:t>), ISO, 2004.</a:t>
-            </a:r>
-          </a:p>
-        </p:txBody>
-      </p:sp>
+              <a:t>), ISO, 2004</a:t>
+            </a:r>
+            <a:r>
+              <a:rPr lang="en-US" altLang="ko-KR" sz="1050" dirty="0" smtClean="0">
+                <a:latin typeface="Times New Roman" panose="02020603050405020304" pitchFamily="18" charset="0"/>
+                <a:cs typeface="Times New Roman" panose="02020603050405020304" pitchFamily="18" charset="0"/>
+              </a:rPr>
+              <a:t>.</a:t>
+            </a:r>
+          </a:p>
+          <a:p>
+            <a:r>
+              <a:rPr lang="en-US" altLang="ko-KR" sz="1050" dirty="0" err="1">
+                <a:latin typeface="Times New Roman" panose="02020603050405020304" pitchFamily="18" charset="0"/>
+                <a:cs typeface="Times New Roman" panose="02020603050405020304" pitchFamily="18" charset="0"/>
+              </a:rPr>
+              <a:t>Grabe</a:t>
+            </a:r>
+            <a:r>
+              <a:rPr lang="en-US" altLang="ko-KR" sz="1050" dirty="0">
+                <a:latin typeface="Times New Roman" panose="02020603050405020304" pitchFamily="18" charset="0"/>
+                <a:cs typeface="Times New Roman" panose="02020603050405020304" pitchFamily="18" charset="0"/>
+              </a:rPr>
+              <a:t>, M., </a:t>
+            </a:r>
+            <a:r>
+              <a:rPr lang="en-US" altLang="ko-KR" sz="1050" i="1" dirty="0">
+                <a:latin typeface="Times New Roman" panose="02020603050405020304" pitchFamily="18" charset="0"/>
+                <a:cs typeface="Times New Roman" panose="02020603050405020304" pitchFamily="18" charset="0"/>
+              </a:rPr>
+              <a:t>Measurement Uncertainties in Science and Technology</a:t>
+            </a:r>
+            <a:r>
+              <a:rPr lang="en-US" altLang="ko-KR" sz="1050" dirty="0">
+                <a:latin typeface="Times New Roman" panose="02020603050405020304" pitchFamily="18" charset="0"/>
+                <a:cs typeface="Times New Roman" panose="02020603050405020304" pitchFamily="18" charset="0"/>
+              </a:rPr>
+              <a:t>, New York: Springer, 2005</a:t>
+            </a:r>
+            <a:r>
+              <a:rPr lang="en-US" altLang="ko-KR" sz="1050" dirty="0" smtClean="0">
+                <a:latin typeface="Times New Roman" panose="02020603050405020304" pitchFamily="18" charset="0"/>
+                <a:cs typeface="Times New Roman" panose="02020603050405020304" pitchFamily="18" charset="0"/>
+              </a:rPr>
+              <a:t>.</a:t>
+            </a:r>
+            <a:endParaRPr lang="en-US" altLang="ko-KR" sz="1050" dirty="0">
+              <a:latin typeface="Times New Roman" panose="02020603050405020304" pitchFamily="18" charset="0"/>
+              <a:cs typeface="Times New Roman" panose="02020603050405020304" pitchFamily="18" charset="0"/>
+            </a:endParaRPr>
+          </a:p>
+        </p:txBody>
+      </p:sp>
+      <p:pic>
+        <p:nvPicPr>
+          <p:cNvPr id="3" name="그림 2"/>
+          <p:cNvPicPr>
+            <a:picLocks noChangeAspect="1"/>
+          </p:cNvPicPr>
+          <p:nvPr/>
+        </p:nvPicPr>
+        <p:blipFill>
+          <a:blip r:embed="rId3"/>
+          <a:stretch>
+            <a:fillRect/>
+          </a:stretch>
+        </p:blipFill>
+        <p:spPr>
+          <a:xfrm>
+            <a:off x="5858240" y="2211472"/>
+            <a:ext cx="2586771" cy="3866752"/>
+          </a:xfrm>
+          <a:prstGeom prst="rect">
+            <a:avLst/>
+          </a:prstGeom>
+        </p:spPr>
+      </p:pic>
+      <mc:AlternateContent xmlns:mc="http://schemas.openxmlformats.org/markup-compatibility/2006">
+        <mc:Choice xmlns:a14="http://schemas.microsoft.com/office/drawing/2010/main" Requires="a14">
+          <p:sp>
+            <p:nvSpPr>
+              <p:cNvPr id="9" name="TextBox 8"/>
+              <p:cNvSpPr txBox="1"/>
+              <p:nvPr/>
+            </p:nvSpPr>
+            <p:spPr>
+              <a:xfrm>
+                <a:off x="720970" y="2459693"/>
+                <a:ext cx="5066932" cy="3607654"/>
+              </a:xfrm>
+              <a:prstGeom prst="rect">
+                <a:avLst/>
+              </a:prstGeom>
+              <a:noFill/>
+            </p:spPr>
+            <p:txBody>
+              <a:bodyPr wrap="square" rtlCol="0">
+                <a:spAutoFit/>
+              </a:bodyPr>
+              <a:lstStyle/>
+              <a:p>
+                <a:pPr marL="342900" indent="-342900">
+                  <a:buFont typeface="Arial" panose="020B0604020202020204" pitchFamily="34" charset="0"/>
+                  <a:buChar char="•"/>
+                </a:pPr>
+                <a:r>
+                  <a:rPr lang="en-US" altLang="ko-KR" sz="2000" b="1" dirty="0" smtClean="0"/>
+                  <a:t>True Value (</a:t>
+                </a:r>
+                <a14:m>
+                  <m:oMath xmlns:m="http://schemas.openxmlformats.org/officeDocument/2006/math">
+                    <m:sSub>
+                      <m:sSubPr>
+                        <m:ctrlPr>
+                          <a:rPr lang="en-US" altLang="ko-KR" sz="2000" b="1" i="1" smtClean="0">
+                            <a:latin typeface="Cambria Math" panose="02040503050406030204" pitchFamily="18" charset="0"/>
+                          </a:rPr>
+                        </m:ctrlPr>
+                      </m:sSubPr>
+                      <m:e>
+                        <m:r>
+                          <a:rPr lang="en-US" altLang="ko-KR" sz="2000" b="1" i="1" smtClean="0">
+                            <a:latin typeface="Cambria Math" panose="02040503050406030204" pitchFamily="18" charset="0"/>
+                          </a:rPr>
+                          <m:t>𝒙</m:t>
+                        </m:r>
+                      </m:e>
+                      <m:sub>
+                        <m:r>
+                          <a:rPr lang="en-US" altLang="ko-KR" sz="2000" b="1" i="1" smtClean="0">
+                            <a:latin typeface="Cambria Math" panose="02040503050406030204" pitchFamily="18" charset="0"/>
+                          </a:rPr>
+                          <m:t>𝟎</m:t>
+                        </m:r>
+                      </m:sub>
+                    </m:sSub>
+                  </m:oMath>
+                </a14:m>
+                <a:r>
+                  <a:rPr lang="en-US" altLang="ko-KR" sz="2000" b="1" dirty="0" smtClean="0"/>
+                  <a:t>)</a:t>
+                </a:r>
+                <a:r>
+                  <a:rPr lang="en-US" altLang="ko-KR" sz="2000" dirty="0"/>
+                  <a:t>: The </a:t>
+                </a:r>
+                <a:r>
+                  <a:rPr lang="en-US" altLang="ko-KR" sz="2000" dirty="0" smtClean="0"/>
+                  <a:t>value </a:t>
+                </a:r>
+                <a:r>
+                  <a:rPr lang="en-US" altLang="ko-KR" sz="2000" dirty="0"/>
+                  <a:t>would be obtainable by a perfect measurement, that is </a:t>
+                </a:r>
+                <a:r>
+                  <a:rPr lang="en-US" altLang="ko-KR" sz="2000" dirty="0" smtClean="0"/>
+                  <a:t>a measurement </a:t>
+                </a:r>
+                <a:r>
+                  <a:rPr lang="en-US" altLang="ko-KR" sz="2000" dirty="0"/>
+                  <a:t>without measurement error</a:t>
+                </a:r>
+                <a:r>
+                  <a:rPr lang="en-US" altLang="ko-KR" sz="2000" dirty="0" smtClean="0"/>
+                  <a:t>.</a:t>
+                </a:r>
+              </a:p>
+              <a:p>
+                <a:pPr marL="342900" indent="-342900">
+                  <a:buFont typeface="Arial" panose="020B0604020202020204" pitchFamily="34" charset="0"/>
+                  <a:buChar char="•"/>
+                </a:pPr>
+                <a:r>
+                  <a:rPr lang="en-US" altLang="ko-KR" sz="2000" b="1" dirty="0" smtClean="0"/>
+                  <a:t>Measured Value (</a:t>
+                </a:r>
+                <a14:m>
+                  <m:oMath xmlns:m="http://schemas.openxmlformats.org/officeDocument/2006/math">
+                    <m:sSub>
+                      <m:sSubPr>
+                        <m:ctrlPr>
+                          <a:rPr lang="en-US" altLang="ko-KR" sz="2000" b="1" i="1" smtClean="0">
+                            <a:latin typeface="Cambria Math" panose="02040503050406030204" pitchFamily="18" charset="0"/>
+                          </a:rPr>
+                        </m:ctrlPr>
+                      </m:sSubPr>
+                      <m:e>
+                        <m:r>
+                          <a:rPr lang="en-US" altLang="ko-KR" sz="2000" b="1" i="1" smtClean="0">
+                            <a:latin typeface="Cambria Math" panose="02040503050406030204" pitchFamily="18" charset="0"/>
+                          </a:rPr>
+                          <m:t>𝒙</m:t>
+                        </m:r>
+                      </m:e>
+                      <m:sub>
+                        <m:r>
+                          <a:rPr lang="en-US" altLang="ko-KR" sz="2000" b="1" i="1" smtClean="0">
+                            <a:latin typeface="Cambria Math" panose="02040503050406030204" pitchFamily="18" charset="0"/>
+                          </a:rPr>
+                          <m:t>𝒍</m:t>
+                        </m:r>
+                      </m:sub>
+                    </m:sSub>
+                  </m:oMath>
+                </a14:m>
+                <a:r>
+                  <a:rPr lang="en-US" altLang="ko-KR" sz="2000" b="1" dirty="0" smtClean="0"/>
+                  <a:t>)</a:t>
+                </a:r>
+                <a:r>
+                  <a:rPr lang="en-US" altLang="ko-KR" sz="2000" dirty="0" smtClean="0"/>
+                  <a:t>:</a:t>
+                </a:r>
+              </a:p>
+              <a:p>
+                <a14:m>
+                  <m:oMathPara xmlns:m="http://schemas.openxmlformats.org/officeDocument/2006/math">
+                    <m:oMathParaPr>
+                      <m:jc m:val="centerGroup"/>
+                    </m:oMathParaPr>
+                    <m:oMath xmlns:m="http://schemas.openxmlformats.org/officeDocument/2006/math">
+                      <m:sSub>
+                        <m:sSubPr>
+                          <m:ctrlPr>
+                            <a:rPr lang="en-US" altLang="ko-KR" sz="2000" b="0" i="1" smtClean="0">
+                              <a:latin typeface="Cambria Math" panose="02040503050406030204" pitchFamily="18" charset="0"/>
+                            </a:rPr>
+                          </m:ctrlPr>
+                        </m:sSubPr>
+                        <m:e>
+                          <m:r>
+                            <a:rPr lang="en-US" altLang="ko-KR" sz="2000" b="0" i="1" smtClean="0">
+                              <a:latin typeface="Cambria Math" panose="02040503050406030204" pitchFamily="18" charset="0"/>
+                            </a:rPr>
+                            <m:t>𝑥</m:t>
+                          </m:r>
+                        </m:e>
+                        <m:sub>
+                          <m:r>
+                            <a:rPr lang="en-US" altLang="ko-KR" sz="2000" b="0" i="1" smtClean="0">
+                              <a:latin typeface="Cambria Math" panose="02040503050406030204" pitchFamily="18" charset="0"/>
+                            </a:rPr>
+                            <m:t>𝑙</m:t>
+                          </m:r>
+                        </m:sub>
+                      </m:sSub>
+                      <m:r>
+                        <a:rPr lang="en-US" altLang="ko-KR" sz="2000" b="0" i="1" smtClean="0">
+                          <a:latin typeface="Cambria Math" panose="02040503050406030204" pitchFamily="18" charset="0"/>
+                        </a:rPr>
+                        <m:t>=</m:t>
+                      </m:r>
+                      <m:sSub>
+                        <m:sSubPr>
+                          <m:ctrlPr>
+                            <a:rPr lang="en-US" altLang="ko-KR" sz="2000" b="0" i="1" smtClean="0">
+                              <a:latin typeface="Cambria Math" panose="02040503050406030204" pitchFamily="18" charset="0"/>
+                            </a:rPr>
+                          </m:ctrlPr>
+                        </m:sSubPr>
+                        <m:e>
+                          <m:r>
+                            <a:rPr lang="en-US" altLang="ko-KR" sz="2000" b="0" i="1" smtClean="0">
+                              <a:latin typeface="Cambria Math" panose="02040503050406030204" pitchFamily="18" charset="0"/>
+                            </a:rPr>
+                            <m:t>𝑥</m:t>
+                          </m:r>
+                        </m:e>
+                        <m:sub>
+                          <m:r>
+                            <a:rPr lang="en-US" altLang="ko-KR" sz="2000" b="0" i="1" smtClean="0">
+                              <a:latin typeface="Cambria Math" panose="02040503050406030204" pitchFamily="18" charset="0"/>
+                            </a:rPr>
+                            <m:t>0</m:t>
+                          </m:r>
+                        </m:sub>
+                      </m:sSub>
+                      <m:r>
+                        <a:rPr lang="en-US" altLang="ko-KR" sz="2000" b="0" i="1" smtClean="0">
+                          <a:latin typeface="Cambria Math" panose="02040503050406030204" pitchFamily="18" charset="0"/>
+                        </a:rPr>
+                        <m:t>+</m:t>
+                      </m:r>
+                      <m:sSub>
+                        <m:sSubPr>
+                          <m:ctrlPr>
+                            <a:rPr lang="en-US" altLang="ko-KR" sz="2000" b="0" i="1" smtClean="0">
+                              <a:latin typeface="Cambria Math" panose="02040503050406030204" pitchFamily="18" charset="0"/>
+                            </a:rPr>
+                          </m:ctrlPr>
+                        </m:sSubPr>
+                        <m:e>
+                          <m:r>
+                            <a:rPr lang="en-US" altLang="ko-KR" sz="2000" b="0" i="1" smtClean="0">
+                              <a:latin typeface="Cambria Math" panose="02040503050406030204" pitchFamily="18" charset="0"/>
+                            </a:rPr>
+                            <m:t>𝜖</m:t>
+                          </m:r>
+                        </m:e>
+                        <m:sub>
+                          <m:r>
+                            <a:rPr lang="en-US" altLang="ko-KR" sz="2000" b="0" i="1" smtClean="0">
+                              <a:latin typeface="Cambria Math" panose="02040503050406030204" pitchFamily="18" charset="0"/>
+                            </a:rPr>
+                            <m:t>𝑙</m:t>
+                          </m:r>
+                        </m:sub>
+                      </m:sSub>
+                      <m:r>
+                        <a:rPr lang="en-US" altLang="ko-KR" sz="2000" b="0" i="1" smtClean="0">
+                          <a:latin typeface="Cambria Math" panose="02040503050406030204" pitchFamily="18" charset="0"/>
+                        </a:rPr>
+                        <m:t>+</m:t>
+                      </m:r>
+                      <m:r>
+                        <a:rPr lang="en-US" altLang="ko-KR" sz="2000" b="0" i="1" smtClean="0">
+                          <a:latin typeface="Cambria Math" panose="02040503050406030204" pitchFamily="18" charset="0"/>
+                        </a:rPr>
+                        <m:t>𝑓</m:t>
+                      </m:r>
+                    </m:oMath>
+                  </m:oMathPara>
+                </a14:m>
+                <a:endParaRPr lang="en-US" altLang="ko-KR" sz="2000" dirty="0" smtClean="0"/>
+              </a:p>
+              <a:p>
+                <a14:m>
+                  <m:oMathPara xmlns:m="http://schemas.openxmlformats.org/officeDocument/2006/math">
+                    <m:oMathParaPr>
+                      <m:jc m:val="centerGroup"/>
+                    </m:oMathParaPr>
+                    <m:oMath xmlns:m="http://schemas.openxmlformats.org/officeDocument/2006/math">
+                      <m:sSub>
+                        <m:sSubPr>
+                          <m:ctrlPr>
+                            <a:rPr lang="en-US" altLang="ko-KR" sz="2000" b="0" i="1" smtClean="0">
+                              <a:latin typeface="Cambria Math" panose="02040503050406030204" pitchFamily="18" charset="0"/>
+                            </a:rPr>
+                          </m:ctrlPr>
+                        </m:sSubPr>
+                        <m:e>
+                          <m:r>
+                            <a:rPr lang="en-US" altLang="ko-KR" sz="2000" b="0" i="1" smtClean="0">
+                              <a:latin typeface="Cambria Math" panose="02040503050406030204" pitchFamily="18" charset="0"/>
+                            </a:rPr>
+                            <m:t>𝜇</m:t>
+                          </m:r>
+                        </m:e>
+                        <m:sub>
+                          <m:r>
+                            <a:rPr lang="en-US" altLang="ko-KR" sz="2000" b="0" i="1" smtClean="0">
+                              <a:latin typeface="Cambria Math" panose="02040503050406030204" pitchFamily="18" charset="0"/>
+                            </a:rPr>
+                            <m:t>𝑥</m:t>
+                          </m:r>
+                        </m:sub>
+                      </m:sSub>
+                      <m:r>
+                        <a:rPr lang="en-US" altLang="ko-KR" sz="2000" b="0" i="1" smtClean="0">
+                          <a:latin typeface="Cambria Math" panose="02040503050406030204" pitchFamily="18" charset="0"/>
+                        </a:rPr>
+                        <m:t>=</m:t>
+                      </m:r>
+                      <m:sSub>
+                        <m:sSubPr>
+                          <m:ctrlPr>
+                            <a:rPr lang="en-US" altLang="ko-KR" sz="2000" b="0" i="1" smtClean="0">
+                              <a:latin typeface="Cambria Math" panose="02040503050406030204" pitchFamily="18" charset="0"/>
+                            </a:rPr>
+                          </m:ctrlPr>
+                        </m:sSubPr>
+                        <m:e>
+                          <m:r>
+                            <a:rPr lang="en-US" altLang="ko-KR" sz="2000" b="0" i="1" smtClean="0">
+                              <a:latin typeface="Cambria Math" panose="02040503050406030204" pitchFamily="18" charset="0"/>
+                            </a:rPr>
+                            <m:t>𝑥</m:t>
+                          </m:r>
+                        </m:e>
+                        <m:sub>
+                          <m:r>
+                            <a:rPr lang="en-US" altLang="ko-KR" sz="2000" b="0" i="1" smtClean="0">
+                              <a:latin typeface="Cambria Math" panose="02040503050406030204" pitchFamily="18" charset="0"/>
+                            </a:rPr>
+                            <m:t>0</m:t>
+                          </m:r>
+                        </m:sub>
+                      </m:sSub>
+                      <m:r>
+                        <a:rPr lang="en-US" altLang="ko-KR" sz="2000" b="0" i="1" smtClean="0">
+                          <a:latin typeface="Cambria Math" panose="02040503050406030204" pitchFamily="18" charset="0"/>
+                        </a:rPr>
+                        <m:t>+</m:t>
+                      </m:r>
+                      <m:r>
+                        <a:rPr lang="en-US" altLang="ko-KR" sz="2000" b="0" i="1" smtClean="0">
+                          <a:latin typeface="Cambria Math" panose="02040503050406030204" pitchFamily="18" charset="0"/>
+                        </a:rPr>
+                        <m:t>𝑓</m:t>
+                      </m:r>
+                    </m:oMath>
+                  </m:oMathPara>
+                </a14:m>
+                <a:endParaRPr lang="en-US" altLang="ko-KR" sz="2000" dirty="0" smtClean="0"/>
+              </a:p>
+              <a:p>
+                <a14:m>
+                  <m:oMathPara xmlns:m="http://schemas.openxmlformats.org/officeDocument/2006/math">
+                    <m:oMathParaPr>
+                      <m:jc m:val="centerGroup"/>
+                    </m:oMathParaPr>
+                    <m:oMath xmlns:m="http://schemas.openxmlformats.org/officeDocument/2006/math">
+                      <m:acc>
+                        <m:accPr>
+                          <m:chr m:val="̅"/>
+                          <m:ctrlPr>
+                            <a:rPr lang="en-US" altLang="ko-KR" sz="2000" i="1" smtClean="0">
+                              <a:latin typeface="Cambria Math" panose="02040503050406030204" pitchFamily="18" charset="0"/>
+                            </a:rPr>
+                          </m:ctrlPr>
+                        </m:accPr>
+                        <m:e>
+                          <m:r>
+                            <a:rPr lang="en-US" altLang="ko-KR" sz="2000" b="0" i="1" smtClean="0">
+                              <a:latin typeface="Cambria Math" panose="02040503050406030204" pitchFamily="18" charset="0"/>
+                            </a:rPr>
+                            <m:t>𝑥</m:t>
+                          </m:r>
+                        </m:e>
+                      </m:acc>
+                      <m:r>
+                        <a:rPr lang="en-US" altLang="ko-KR" sz="2000" b="0" i="1" smtClean="0">
+                          <a:latin typeface="Cambria Math" panose="02040503050406030204" pitchFamily="18" charset="0"/>
+                        </a:rPr>
+                        <m:t>=</m:t>
+                      </m:r>
+                      <m:f>
+                        <m:fPr>
+                          <m:ctrlPr>
+                            <a:rPr lang="en-US" altLang="ko-KR" sz="2000" b="0" i="1" smtClean="0">
+                              <a:latin typeface="Cambria Math" panose="02040503050406030204" pitchFamily="18" charset="0"/>
+                            </a:rPr>
+                          </m:ctrlPr>
+                        </m:fPr>
+                        <m:num>
+                          <m:r>
+                            <a:rPr lang="en-US" altLang="ko-KR" sz="2000" b="0" i="1" smtClean="0">
+                              <a:latin typeface="Cambria Math" panose="02040503050406030204" pitchFamily="18" charset="0"/>
+                            </a:rPr>
+                            <m:t>1</m:t>
+                          </m:r>
+                        </m:num>
+                        <m:den>
+                          <m:r>
+                            <a:rPr lang="en-US" altLang="ko-KR" sz="2000" b="0" i="1" smtClean="0">
+                              <a:latin typeface="Cambria Math" panose="02040503050406030204" pitchFamily="18" charset="0"/>
+                            </a:rPr>
+                            <m:t>𝑛</m:t>
+                          </m:r>
+                        </m:den>
+                      </m:f>
+                      <m:nary>
+                        <m:naryPr>
+                          <m:chr m:val="∑"/>
+                          <m:subHide m:val="on"/>
+                          <m:supHide m:val="on"/>
+                          <m:ctrlPr>
+                            <a:rPr lang="en-US" altLang="ko-KR" sz="2000" b="0" i="1" smtClean="0">
+                              <a:latin typeface="Cambria Math" panose="02040503050406030204" pitchFamily="18" charset="0"/>
+                            </a:rPr>
+                          </m:ctrlPr>
+                        </m:naryPr>
+                        <m:sub/>
+                        <m:sup/>
+                        <m:e>
+                          <m:sSub>
+                            <m:sSubPr>
+                              <m:ctrlPr>
+                                <a:rPr lang="en-US" altLang="ko-KR" sz="2000" b="0" i="1" smtClean="0">
+                                  <a:latin typeface="Cambria Math" panose="02040503050406030204" pitchFamily="18" charset="0"/>
+                                </a:rPr>
+                              </m:ctrlPr>
+                            </m:sSubPr>
+                            <m:e>
+                              <m:r>
+                                <a:rPr lang="en-US" altLang="ko-KR" sz="2000" b="0" i="1" smtClean="0">
+                                  <a:latin typeface="Cambria Math" panose="02040503050406030204" pitchFamily="18" charset="0"/>
+                                </a:rPr>
+                                <m:t>𝑥</m:t>
+                              </m:r>
+                            </m:e>
+                            <m:sub>
+                              <m:r>
+                                <a:rPr lang="en-US" altLang="ko-KR" sz="2000" b="0" i="1" smtClean="0">
+                                  <a:latin typeface="Cambria Math" panose="02040503050406030204" pitchFamily="18" charset="0"/>
+                                </a:rPr>
+                                <m:t>𝑙</m:t>
+                              </m:r>
+                            </m:sub>
+                          </m:sSub>
+                        </m:e>
+                      </m:nary>
+                      <m:r>
+                        <a:rPr lang="en-US" altLang="ko-KR" sz="2000" b="0" i="1" smtClean="0">
+                          <a:latin typeface="Cambria Math" panose="02040503050406030204" pitchFamily="18" charset="0"/>
+                        </a:rPr>
+                        <m:t>=</m:t>
+                      </m:r>
+                      <m:sSub>
+                        <m:sSubPr>
+                          <m:ctrlPr>
+                            <a:rPr lang="en-US" altLang="ko-KR" sz="2000" b="0" i="1" smtClean="0">
+                              <a:latin typeface="Cambria Math" panose="02040503050406030204" pitchFamily="18" charset="0"/>
+                            </a:rPr>
+                          </m:ctrlPr>
+                        </m:sSubPr>
+                        <m:e>
+                          <m:r>
+                            <a:rPr lang="en-US" altLang="ko-KR" sz="2000" b="0" i="1" smtClean="0">
+                              <a:latin typeface="Cambria Math" panose="02040503050406030204" pitchFamily="18" charset="0"/>
+                            </a:rPr>
+                            <m:t>𝑥</m:t>
+                          </m:r>
+                        </m:e>
+                        <m:sub>
+                          <m:r>
+                            <a:rPr lang="en-US" altLang="ko-KR" sz="2000" b="0" i="1" smtClean="0">
+                              <a:latin typeface="Cambria Math" panose="02040503050406030204" pitchFamily="18" charset="0"/>
+                            </a:rPr>
+                            <m:t>0</m:t>
+                          </m:r>
+                        </m:sub>
+                      </m:sSub>
+                      <m:r>
+                        <a:rPr lang="en-US" altLang="ko-KR" sz="2000" b="0" i="1" smtClean="0">
+                          <a:latin typeface="Cambria Math" panose="02040503050406030204" pitchFamily="18" charset="0"/>
+                        </a:rPr>
+                        <m:t>+</m:t>
+                      </m:r>
+                      <m:f>
+                        <m:fPr>
+                          <m:ctrlPr>
+                            <a:rPr lang="en-US" altLang="ko-KR" sz="2000" b="0" i="1" smtClean="0">
+                              <a:latin typeface="Cambria Math" panose="02040503050406030204" pitchFamily="18" charset="0"/>
+                            </a:rPr>
+                          </m:ctrlPr>
+                        </m:fPr>
+                        <m:num>
+                          <m:r>
+                            <a:rPr lang="en-US" altLang="ko-KR" sz="2000" b="0" i="1" smtClean="0">
+                              <a:latin typeface="Cambria Math" panose="02040503050406030204" pitchFamily="18" charset="0"/>
+                            </a:rPr>
+                            <m:t>1</m:t>
+                          </m:r>
+                        </m:num>
+                        <m:den>
+                          <m:r>
+                            <a:rPr lang="en-US" altLang="ko-KR" sz="2000" b="0" i="1" smtClean="0">
+                              <a:latin typeface="Cambria Math" panose="02040503050406030204" pitchFamily="18" charset="0"/>
+                            </a:rPr>
+                            <m:t>𝑛</m:t>
+                          </m:r>
+                        </m:den>
+                      </m:f>
+                      <m:nary>
+                        <m:naryPr>
+                          <m:chr m:val="∑"/>
+                          <m:subHide m:val="on"/>
+                          <m:supHide m:val="on"/>
+                          <m:ctrlPr>
+                            <a:rPr lang="en-US" altLang="ko-KR" sz="2000" b="0" i="1" smtClean="0">
+                              <a:latin typeface="Cambria Math" panose="02040503050406030204" pitchFamily="18" charset="0"/>
+                            </a:rPr>
+                          </m:ctrlPr>
+                        </m:naryPr>
+                        <m:sub/>
+                        <m:sup/>
+                        <m:e>
+                          <m:sSub>
+                            <m:sSubPr>
+                              <m:ctrlPr>
+                                <a:rPr lang="en-US" altLang="ko-KR" sz="2000" b="0" i="1" smtClean="0">
+                                  <a:latin typeface="Cambria Math" panose="02040503050406030204" pitchFamily="18" charset="0"/>
+                                </a:rPr>
+                              </m:ctrlPr>
+                            </m:sSubPr>
+                            <m:e>
+                              <m:r>
+                                <a:rPr lang="en-US" altLang="ko-KR" sz="2000" b="0" i="1" smtClean="0">
+                                  <a:latin typeface="Cambria Math" panose="02040503050406030204" pitchFamily="18" charset="0"/>
+                                </a:rPr>
+                                <m:t>𝜖</m:t>
+                              </m:r>
+                            </m:e>
+                            <m:sub>
+                              <m:r>
+                                <a:rPr lang="en-US" altLang="ko-KR" sz="2000" b="0" i="1" smtClean="0">
+                                  <a:latin typeface="Cambria Math" panose="02040503050406030204" pitchFamily="18" charset="0"/>
+                                </a:rPr>
+                                <m:t>𝑙</m:t>
+                              </m:r>
+                            </m:sub>
+                          </m:sSub>
+                        </m:e>
+                      </m:nary>
+                      <m:r>
+                        <a:rPr lang="en-US" altLang="ko-KR" sz="2000" b="0" i="1" smtClean="0">
+                          <a:latin typeface="Cambria Math" panose="02040503050406030204" pitchFamily="18" charset="0"/>
+                        </a:rPr>
+                        <m:t>+</m:t>
+                      </m:r>
+                      <m:r>
+                        <a:rPr lang="en-US" altLang="ko-KR" sz="2000" b="0" i="1" smtClean="0">
+                          <a:latin typeface="Cambria Math" panose="02040503050406030204" pitchFamily="18" charset="0"/>
+                        </a:rPr>
+                        <m:t>𝑓</m:t>
+                      </m:r>
+                    </m:oMath>
+                  </m:oMathPara>
+                </a14:m>
+                <a:endParaRPr lang="en-US" altLang="ko-KR" sz="2000" dirty="0" smtClean="0"/>
+              </a:p>
+              <a:p>
+                <a:pPr marL="342900" indent="-342900">
+                  <a:buFont typeface="Arial" panose="020B0604020202020204" pitchFamily="34" charset="0"/>
+                  <a:buChar char="•"/>
+                </a:pPr>
+                <a:r>
+                  <a:rPr lang="en-US" altLang="ko-KR" sz="2000" b="1" dirty="0" smtClean="0"/>
+                  <a:t>Uncertainty (</a:t>
+                </a:r>
+                <a14:m>
+                  <m:oMath xmlns:m="http://schemas.openxmlformats.org/officeDocument/2006/math">
+                    <m:sSub>
+                      <m:sSubPr>
+                        <m:ctrlPr>
+                          <a:rPr lang="en-US" altLang="ko-KR" sz="2000" b="1" i="1" smtClean="0">
+                            <a:latin typeface="Cambria Math" panose="02040503050406030204" pitchFamily="18" charset="0"/>
+                          </a:rPr>
+                        </m:ctrlPr>
+                      </m:sSubPr>
+                      <m:e>
+                        <m:r>
+                          <a:rPr lang="en-US" altLang="ko-KR" sz="2000" b="1" i="1" smtClean="0">
+                            <a:latin typeface="Cambria Math" panose="02040503050406030204" pitchFamily="18" charset="0"/>
+                          </a:rPr>
+                          <m:t>𝒖</m:t>
+                        </m:r>
+                      </m:e>
+                      <m:sub>
+                        <m:acc>
+                          <m:accPr>
+                            <m:chr m:val="̅"/>
+                            <m:ctrlPr>
+                              <a:rPr lang="en-US" altLang="ko-KR" sz="2000" b="1" i="1" smtClean="0">
+                                <a:latin typeface="Cambria Math" panose="02040503050406030204" pitchFamily="18" charset="0"/>
+                              </a:rPr>
+                            </m:ctrlPr>
+                          </m:accPr>
+                          <m:e>
+                            <m:r>
+                              <a:rPr lang="en-US" altLang="ko-KR" sz="2000" b="1" i="1" smtClean="0">
+                                <a:latin typeface="Cambria Math" panose="02040503050406030204" pitchFamily="18" charset="0"/>
+                              </a:rPr>
+                              <m:t>𝒙</m:t>
+                            </m:r>
+                          </m:e>
+                        </m:acc>
+                      </m:sub>
+                    </m:sSub>
+                  </m:oMath>
+                </a14:m>
+                <a:r>
+                  <a:rPr lang="en-US" altLang="ko-KR" sz="2000" b="1" dirty="0" smtClean="0"/>
+                  <a:t>)</a:t>
+                </a:r>
+                <a:r>
+                  <a:rPr lang="en-US" altLang="ko-KR" sz="2000" dirty="0" smtClean="0"/>
+                  <a:t>:</a:t>
+                </a:r>
+              </a:p>
+              <a:p>
+                <a14:m>
+                  <m:oMathPara xmlns:m="http://schemas.openxmlformats.org/officeDocument/2006/math">
+                    <m:oMathParaPr>
+                      <m:jc m:val="centerGroup"/>
+                    </m:oMathParaPr>
+                    <m:oMath xmlns:m="http://schemas.openxmlformats.org/officeDocument/2006/math">
+                      <m:sSub>
+                        <m:sSubPr>
+                          <m:ctrlPr>
+                            <a:rPr lang="en-US" altLang="ko-KR" sz="2000" b="0" i="1" smtClean="0">
+                              <a:latin typeface="Cambria Math" panose="02040503050406030204" pitchFamily="18" charset="0"/>
+                            </a:rPr>
+                          </m:ctrlPr>
+                        </m:sSubPr>
+                        <m:e>
+                          <m:r>
+                            <a:rPr lang="en-US" altLang="ko-KR" sz="2000" b="0" i="1" smtClean="0">
+                              <a:latin typeface="Cambria Math" panose="02040503050406030204" pitchFamily="18" charset="0"/>
+                            </a:rPr>
+                            <m:t>𝑢</m:t>
+                          </m:r>
+                        </m:e>
+                        <m:sub>
+                          <m:acc>
+                            <m:accPr>
+                              <m:chr m:val="̅"/>
+                              <m:ctrlPr>
+                                <a:rPr lang="en-US" altLang="ko-KR" sz="2000" b="0" i="1" smtClean="0">
+                                  <a:latin typeface="Cambria Math" panose="02040503050406030204" pitchFamily="18" charset="0"/>
+                                </a:rPr>
+                              </m:ctrlPr>
+                            </m:accPr>
+                            <m:e>
+                              <m:r>
+                                <a:rPr lang="en-US" altLang="ko-KR" sz="2000" b="0" i="1" smtClean="0">
+                                  <a:latin typeface="Cambria Math" panose="02040503050406030204" pitchFamily="18" charset="0"/>
+                                </a:rPr>
+                                <m:t>𝑥</m:t>
+                              </m:r>
+                            </m:e>
+                          </m:acc>
+                        </m:sub>
+                      </m:sSub>
+                      <m:r>
+                        <a:rPr lang="en-US" altLang="ko-KR" sz="2000" b="0" i="1" smtClean="0">
+                          <a:latin typeface="Cambria Math" panose="02040503050406030204" pitchFamily="18" charset="0"/>
+                        </a:rPr>
+                        <m:t>=</m:t>
+                      </m:r>
+                      <m:sSub>
+                        <m:sSubPr>
+                          <m:ctrlPr>
+                            <a:rPr lang="en-US" altLang="ko-KR" sz="2000" b="0" i="1" smtClean="0">
+                              <a:latin typeface="Cambria Math" panose="02040503050406030204" pitchFamily="18" charset="0"/>
+                            </a:rPr>
+                          </m:ctrlPr>
+                        </m:sSubPr>
+                        <m:e>
+                          <m:r>
+                            <a:rPr lang="en-US" altLang="ko-KR" sz="2000" b="0" i="1" smtClean="0">
+                              <a:latin typeface="Cambria Math" panose="02040503050406030204" pitchFamily="18" charset="0"/>
+                            </a:rPr>
+                            <m:t>𝑠</m:t>
+                          </m:r>
+                        </m:e>
+                        <m:sub>
+                          <m:r>
+                            <a:rPr lang="en-US" altLang="ko-KR" sz="2000" b="0" i="1" smtClean="0">
+                              <a:latin typeface="Cambria Math" panose="02040503050406030204" pitchFamily="18" charset="0"/>
+                            </a:rPr>
+                            <m:t>𝑥</m:t>
+                          </m:r>
+                        </m:sub>
+                      </m:sSub>
+                      <m:r>
+                        <a:rPr lang="en-US" altLang="ko-KR" sz="2000" b="0" i="1" smtClean="0">
+                          <a:latin typeface="Cambria Math" panose="02040503050406030204" pitchFamily="18" charset="0"/>
+                        </a:rPr>
+                        <m:t>+</m:t>
+                      </m:r>
+                      <m:r>
+                        <a:rPr lang="en-US" altLang="ko-KR" sz="2000" b="0" i="1" smtClean="0">
+                          <a:latin typeface="Cambria Math" panose="02040503050406030204" pitchFamily="18" charset="0"/>
+                        </a:rPr>
+                        <m:t>𝑓</m:t>
+                      </m:r>
+                    </m:oMath>
+                  </m:oMathPara>
+                </a14:m>
+                <a:endParaRPr lang="en-US" altLang="ko-KR" sz="2000" dirty="0" smtClean="0"/>
+              </a:p>
+            </p:txBody>
+          </p:sp>
+        </mc:Choice>
+        <mc:Fallback>
+          <p:sp>
+            <p:nvSpPr>
+              <p:cNvPr id="9" name="TextBox 8"/>
+              <p:cNvSpPr txBox="1">
+                <a:spLocks noRot="1" noChangeAspect="1" noMove="1" noResize="1" noEditPoints="1" noAdjustHandles="1" noChangeArrowheads="1" noChangeShapeType="1" noTextEdit="1"/>
+              </p:cNvSpPr>
+              <p:nvPr/>
+            </p:nvSpPr>
+            <p:spPr>
+              <a:xfrm>
+                <a:off x="720970" y="2459693"/>
+                <a:ext cx="5066932" cy="3607654"/>
+              </a:xfrm>
+              <a:prstGeom prst="rect">
+                <a:avLst/>
+              </a:prstGeom>
+              <a:blipFill rotWithShape="0">
+                <a:blip r:embed="rId4"/>
+                <a:stretch>
+                  <a:fillRect l="-1083" t="-845" r="-361" b="-676"/>
+                </a:stretch>
+              </a:blipFill>
+            </p:spPr>
+            <p:txBody>
+              <a:bodyPr/>
+              <a:lstStyle/>
+              <a:p>
+                <a:r>
+                  <a:rPr lang="ko-KR" altLang="en-US">
+                    <a:noFill/>
+                  </a:rPr>
+                  <a:t> </a:t>
+                </a:r>
+              </a:p>
+            </p:txBody>
+          </p:sp>
+        </mc:Fallback>
+      </mc:AlternateContent>
     </p:spTree>
     <p:extLst>
       <p:ext uri="{BB962C8B-B14F-4D97-AF65-F5344CB8AC3E}">
@@ -4862,6 +5828,700 @@
                 </a:solidFill>
                 <a:latin typeface="Arial" panose="020B0604020202020204" pitchFamily="34" charset="0"/>
               </a:rPr>
+              <a:t>1.2 Evaluation of Random and Systematic Errors</a:t>
+            </a:r>
+            <a:endParaRPr lang="en-US" altLang="ko-KR" sz="2800" dirty="0" smtClean="0">
+              <a:solidFill>
+                <a:schemeClr val="bg1"/>
+              </a:solidFill>
+              <a:latin typeface="Arial" panose="020B0604020202020204" pitchFamily="34" charset="0"/>
+            </a:endParaRPr>
+          </a:p>
+        </p:txBody>
+      </p:sp>
+      <p:sp>
+        <p:nvSpPr>
+          <p:cNvPr id="2" name="날짜 개체 틀 1"/>
+          <p:cNvSpPr>
+            <a:spLocks noGrp="1"/>
+          </p:cNvSpPr>
+          <p:nvPr>
+            <p:ph type="dt" sz="half" idx="10"/>
+          </p:nvPr>
+        </p:nvSpPr>
+        <p:spPr/>
+        <p:txBody>
+          <a:bodyPr/>
+          <a:lstStyle/>
+          <a:p>
+            <a:fld id="{53646E5C-8775-44A9-9523-40B6CCA06789}" type="datetime1">
+              <a:rPr lang="ko-KR" altLang="en-US" smtClean="0"/>
+              <a:t>2018-03-21</a:t>
+            </a:fld>
+            <a:endParaRPr lang="ko-KR" altLang="en-US"/>
+          </a:p>
+        </p:txBody>
+      </p:sp>
+      <p:sp>
+        <p:nvSpPr>
+          <p:cNvPr id="15" name="슬라이드 번호 개체 틀 14"/>
+          <p:cNvSpPr>
+            <a:spLocks noGrp="1"/>
+          </p:cNvSpPr>
+          <p:nvPr>
+            <p:ph type="sldNum" sz="quarter" idx="12"/>
+          </p:nvPr>
+        </p:nvSpPr>
+        <p:spPr/>
+        <p:txBody>
+          <a:bodyPr/>
+          <a:lstStyle/>
+          <a:p>
+            <a:fld id="{8765F8EB-1186-4395-8E70-F957669279DD}" type="slidenum">
+              <a:rPr lang="ko-KR" altLang="en-US" smtClean="0"/>
+              <a:t>5</a:t>
+            </a:fld>
+            <a:endParaRPr lang="ko-KR" altLang="en-US"/>
+          </a:p>
+        </p:txBody>
+      </p:sp>
+      <p:sp>
+        <p:nvSpPr>
+          <p:cNvPr id="18" name="TextBox 17"/>
+          <p:cNvSpPr txBox="1"/>
+          <p:nvPr/>
+        </p:nvSpPr>
+        <p:spPr>
+          <a:xfrm>
+            <a:off x="720969" y="914202"/>
+            <a:ext cx="7794381" cy="1631216"/>
+          </a:xfrm>
+          <a:prstGeom prst="rect">
+            <a:avLst/>
+          </a:prstGeom>
+          <a:noFill/>
+        </p:spPr>
+        <p:txBody>
+          <a:bodyPr wrap="square" rtlCol="0">
+            <a:spAutoFit/>
+          </a:bodyPr>
+          <a:lstStyle/>
+          <a:p>
+            <a:pPr marL="342900" indent="-342900">
+              <a:buFont typeface="Arial" panose="020B0604020202020204" pitchFamily="34" charset="0"/>
+              <a:buChar char="•"/>
+            </a:pPr>
+            <a:r>
+              <a:rPr lang="en-US" altLang="ko-KR" sz="2000" b="1" dirty="0" smtClean="0"/>
+              <a:t>Type A uncertainty</a:t>
+            </a:r>
+            <a:r>
+              <a:rPr lang="en-US" altLang="ko-KR" sz="2000" dirty="0" smtClean="0"/>
+              <a:t>: Random uncertainties</a:t>
+            </a:r>
+          </a:p>
+          <a:p>
+            <a:r>
+              <a:rPr lang="en-US" altLang="ko-KR" sz="2000" dirty="0">
+                <a:sym typeface="Wingdings" panose="05000000000000000000" pitchFamily="2" charset="2"/>
+              </a:rPr>
+              <a:t>	</a:t>
+            </a:r>
+            <a:r>
+              <a:rPr lang="en-US" altLang="ko-KR" sz="2000" dirty="0" smtClean="0">
+                <a:sym typeface="Wingdings" panose="05000000000000000000" pitchFamily="2" charset="2"/>
+              </a:rPr>
+              <a:t> averaging</a:t>
+            </a:r>
+          </a:p>
+          <a:p>
+            <a:endParaRPr lang="en-US" altLang="ko-KR" sz="2000" dirty="0" smtClean="0"/>
+          </a:p>
+          <a:p>
+            <a:pPr marL="342900" indent="-342900">
+              <a:buFont typeface="Arial" panose="020B0604020202020204" pitchFamily="34" charset="0"/>
+              <a:buChar char="•"/>
+            </a:pPr>
+            <a:r>
+              <a:rPr lang="en-US" altLang="ko-KR" sz="2000" b="1" dirty="0" smtClean="0"/>
+              <a:t>Type B uncertainty</a:t>
+            </a:r>
+            <a:r>
+              <a:rPr lang="en-US" altLang="ko-KR" sz="2000" dirty="0" smtClean="0"/>
+              <a:t>: Systematic uncertainties</a:t>
+            </a:r>
+          </a:p>
+          <a:p>
+            <a:r>
+              <a:rPr lang="en-US" altLang="ko-KR" sz="2000" dirty="0">
+                <a:sym typeface="Wingdings" panose="05000000000000000000" pitchFamily="2" charset="2"/>
+              </a:rPr>
+              <a:t>	</a:t>
+            </a:r>
+            <a:r>
+              <a:rPr lang="en-US" altLang="ko-KR" sz="2000" dirty="0" smtClean="0">
+                <a:sym typeface="Wingdings" panose="05000000000000000000" pitchFamily="2" charset="2"/>
+              </a:rPr>
+              <a:t> cannot be analyzed with statistics</a:t>
+            </a:r>
+            <a:endParaRPr lang="en-US" altLang="ko-KR" sz="2000" dirty="0" smtClean="0"/>
+          </a:p>
+        </p:txBody>
+      </p:sp>
+      <p:sp>
+        <p:nvSpPr>
+          <p:cNvPr id="19" name="TextBox 18"/>
+          <p:cNvSpPr txBox="1"/>
+          <p:nvPr/>
+        </p:nvSpPr>
+        <p:spPr>
+          <a:xfrm>
+            <a:off x="268165" y="6078224"/>
+            <a:ext cx="8607669" cy="415498"/>
+          </a:xfrm>
+          <a:prstGeom prst="rect">
+            <a:avLst/>
+          </a:prstGeom>
+          <a:noFill/>
+        </p:spPr>
+        <p:txBody>
+          <a:bodyPr wrap="square" rtlCol="0">
+            <a:spAutoFit/>
+          </a:bodyPr>
+          <a:lstStyle/>
+          <a:p>
+            <a:r>
+              <a:rPr lang="en-US" altLang="ko-KR" sz="1050" i="1" dirty="0">
+                <a:latin typeface="Times New Roman" panose="02020603050405020304" pitchFamily="18" charset="0"/>
+                <a:cs typeface="Times New Roman" panose="02020603050405020304" pitchFamily="18" charset="0"/>
+              </a:rPr>
+              <a:t>International Vocabulary of Basic and General Terms in Metrology </a:t>
+            </a:r>
+            <a:r>
+              <a:rPr lang="en-US" altLang="ko-KR" sz="1050" dirty="0">
+                <a:latin typeface="Times New Roman" panose="02020603050405020304" pitchFamily="18" charset="0"/>
+                <a:cs typeface="Times New Roman" panose="02020603050405020304" pitchFamily="18" charset="0"/>
+              </a:rPr>
+              <a:t>(</a:t>
+            </a:r>
+            <a:r>
+              <a:rPr lang="en-US" altLang="ko-KR" sz="1050" i="1" dirty="0">
+                <a:latin typeface="Times New Roman" panose="02020603050405020304" pitchFamily="18" charset="0"/>
+                <a:cs typeface="Times New Roman" panose="02020603050405020304" pitchFamily="18" charset="0"/>
+              </a:rPr>
+              <a:t>VIM</a:t>
+            </a:r>
+            <a:r>
+              <a:rPr lang="en-US" altLang="ko-KR" sz="1050" dirty="0">
+                <a:latin typeface="Times New Roman" panose="02020603050405020304" pitchFamily="18" charset="0"/>
+                <a:cs typeface="Times New Roman" panose="02020603050405020304" pitchFamily="18" charset="0"/>
+              </a:rPr>
+              <a:t>), ISO, 2004</a:t>
+            </a:r>
+            <a:r>
+              <a:rPr lang="en-US" altLang="ko-KR" sz="1050" dirty="0" smtClean="0">
+                <a:latin typeface="Times New Roman" panose="02020603050405020304" pitchFamily="18" charset="0"/>
+                <a:cs typeface="Times New Roman" panose="02020603050405020304" pitchFamily="18" charset="0"/>
+              </a:rPr>
+              <a:t>.</a:t>
+            </a:r>
+          </a:p>
+          <a:p>
+            <a:r>
+              <a:rPr lang="en-US" altLang="ko-KR" sz="1050" dirty="0" err="1">
+                <a:latin typeface="Times New Roman" panose="02020603050405020304" pitchFamily="18" charset="0"/>
+                <a:cs typeface="Times New Roman" panose="02020603050405020304" pitchFamily="18" charset="0"/>
+              </a:rPr>
+              <a:t>Grabe</a:t>
+            </a:r>
+            <a:r>
+              <a:rPr lang="en-US" altLang="ko-KR" sz="1050" dirty="0">
+                <a:latin typeface="Times New Roman" panose="02020603050405020304" pitchFamily="18" charset="0"/>
+                <a:cs typeface="Times New Roman" panose="02020603050405020304" pitchFamily="18" charset="0"/>
+              </a:rPr>
+              <a:t>, M., </a:t>
+            </a:r>
+            <a:r>
+              <a:rPr lang="en-US" altLang="ko-KR" sz="1050" i="1" dirty="0">
+                <a:latin typeface="Times New Roman" panose="02020603050405020304" pitchFamily="18" charset="0"/>
+                <a:cs typeface="Times New Roman" panose="02020603050405020304" pitchFamily="18" charset="0"/>
+              </a:rPr>
+              <a:t>Measurement Uncertainties in Science and Technology</a:t>
+            </a:r>
+            <a:r>
+              <a:rPr lang="en-US" altLang="ko-KR" sz="1050" dirty="0">
+                <a:latin typeface="Times New Roman" panose="02020603050405020304" pitchFamily="18" charset="0"/>
+                <a:cs typeface="Times New Roman" panose="02020603050405020304" pitchFamily="18" charset="0"/>
+              </a:rPr>
+              <a:t>, New York: Springer, 2005</a:t>
+            </a:r>
+            <a:r>
+              <a:rPr lang="en-US" altLang="ko-KR" sz="1050" dirty="0" smtClean="0">
+                <a:latin typeface="Times New Roman" panose="02020603050405020304" pitchFamily="18" charset="0"/>
+                <a:cs typeface="Times New Roman" panose="02020603050405020304" pitchFamily="18" charset="0"/>
+              </a:rPr>
+              <a:t>.</a:t>
+            </a:r>
+            <a:endParaRPr lang="en-US" altLang="ko-KR" sz="1050" dirty="0">
+              <a:latin typeface="Times New Roman" panose="02020603050405020304" pitchFamily="18" charset="0"/>
+              <a:cs typeface="Times New Roman" panose="02020603050405020304" pitchFamily="18" charset="0"/>
+            </a:endParaRPr>
+          </a:p>
+        </p:txBody>
+      </p:sp>
+    </p:spTree>
+    <p:extLst>
+      <p:ext uri="{BB962C8B-B14F-4D97-AF65-F5344CB8AC3E}">
+        <p14:creationId xmlns:p14="http://schemas.microsoft.com/office/powerpoint/2010/main" val="1823490110"/>
+      </p:ext>
+    </p:extLst>
+  </p:cSld>
+  <p:clrMapOvr>
+    <a:masterClrMapping/>
+  </p:clrMapOvr>
+  <p:timing>
+    <p:tnLst>
+      <p:par>
+        <p:cTn id="1" dur="indefinite" restart="never" nodeType="tmRoot"/>
+      </p:par>
+    </p:tnLst>
+  </p:timing>
+</p:sld>
+</file>
+
+<file path=ppt/slides/slide6.xml><?xml version="1.0" encoding="utf-8"?>
+<p:sld xmlns:a="http://schemas.openxmlformats.org/drawingml/2006/main" xmlns:r="http://schemas.openxmlformats.org/officeDocument/2006/relationships" xmlns:p="http://schemas.openxmlformats.org/presentationml/2006/main">
+  <p:cSld>
+    <p:spTree>
+      <p:nvGrpSpPr>
+        <p:cNvPr id="1" name=""/>
+        <p:cNvGrpSpPr/>
+        <p:nvPr/>
+      </p:nvGrpSpPr>
+      <p:grpSpPr>
+        <a:xfrm>
+          <a:off x="0" y="0"/>
+          <a:ext cx="0" cy="0"/>
+          <a:chOff x="0" y="0"/>
+          <a:chExt cx="0" cy="0"/>
+        </a:xfrm>
+      </p:grpSpPr>
+      <p:sp>
+        <p:nvSpPr>
+          <p:cNvPr id="6199" name="Rectangle 55"/>
+          <p:cNvSpPr>
+            <a:spLocks noChangeArrowheads="1"/>
+          </p:cNvSpPr>
+          <p:nvPr/>
+        </p:nvSpPr>
+        <p:spPr bwMode="auto">
+          <a:xfrm>
+            <a:off x="0" y="0"/>
+            <a:ext cx="9144000" cy="692150"/>
+          </a:xfrm>
+          <a:prstGeom prst="rect">
+            <a:avLst/>
+          </a:prstGeom>
+          <a:solidFill>
+            <a:srgbClr val="3333FF"/>
+          </a:solidFill>
+          <a:ln>
+            <a:noFill/>
+          </a:ln>
+          <a:effectLst/>
+          <a:extLst>
+            <a:ext uri="{91240B29-F687-4F45-9708-019B960494DF}">
+              <a14:hiddenLine xmlns:a14="http://schemas.microsoft.com/office/drawing/2010/main" w="9525">
+                <a:solidFill>
+                  <a:schemeClr val="tx1"/>
+                </a:solidFill>
+                <a:miter lim="800000"/>
+                <a:headEnd/>
+                <a:tailEnd/>
+              </a14:hiddenLine>
+            </a:ext>
+            <a:ext uri="{AF507438-7753-43E0-B8FC-AC1667EBCBE1}">
+              <a14:hiddenEffects xmlns:a14="http://schemas.microsoft.com/office/drawing/2010/main">
+                <a:effectLst>
+                  <a:outerShdw dist="35921" dir="2700000" algn="ctr" rotWithShape="0">
+                    <a:schemeClr val="bg2"/>
+                  </a:outerShdw>
+                </a:effectLst>
+              </a14:hiddenEffects>
+            </a:ext>
+          </a:extLst>
+        </p:spPr>
+        <p:txBody>
+          <a:bodyPr wrap="none" anchor="ctr"/>
+          <a:lstStyle/>
+          <a:p>
+            <a:pPr algn="ctr"/>
+            <a:r>
+              <a:rPr lang="en-US" altLang="ko-KR" sz="2500" dirty="0" smtClean="0">
+                <a:solidFill>
+                  <a:schemeClr val="bg1"/>
+                </a:solidFill>
+                <a:latin typeface="Arial" panose="020B0604020202020204" pitchFamily="34" charset="0"/>
+              </a:rPr>
+              <a:t>1.3 Propagation and Combination of Measurement Uncertainty</a:t>
+            </a:r>
+            <a:endParaRPr lang="en-US" altLang="ko-KR" sz="2500" dirty="0" smtClean="0">
+              <a:solidFill>
+                <a:schemeClr val="bg1"/>
+              </a:solidFill>
+              <a:latin typeface="Arial" panose="020B0604020202020204" pitchFamily="34" charset="0"/>
+            </a:endParaRPr>
+          </a:p>
+        </p:txBody>
+      </p:sp>
+      <p:sp>
+        <p:nvSpPr>
+          <p:cNvPr id="2" name="날짜 개체 틀 1"/>
+          <p:cNvSpPr>
+            <a:spLocks noGrp="1"/>
+          </p:cNvSpPr>
+          <p:nvPr>
+            <p:ph type="dt" sz="half" idx="10"/>
+          </p:nvPr>
+        </p:nvSpPr>
+        <p:spPr/>
+        <p:txBody>
+          <a:bodyPr/>
+          <a:lstStyle/>
+          <a:p>
+            <a:fld id="{53646E5C-8775-44A9-9523-40B6CCA06789}" type="datetime1">
+              <a:rPr lang="ko-KR" altLang="en-US" smtClean="0"/>
+              <a:t>2018-03-21</a:t>
+            </a:fld>
+            <a:endParaRPr lang="ko-KR" altLang="en-US"/>
+          </a:p>
+        </p:txBody>
+      </p:sp>
+      <p:sp>
+        <p:nvSpPr>
+          <p:cNvPr id="15" name="슬라이드 번호 개체 틀 14"/>
+          <p:cNvSpPr>
+            <a:spLocks noGrp="1"/>
+          </p:cNvSpPr>
+          <p:nvPr>
+            <p:ph type="sldNum" sz="quarter" idx="12"/>
+          </p:nvPr>
+        </p:nvSpPr>
+        <p:spPr/>
+        <p:txBody>
+          <a:bodyPr/>
+          <a:lstStyle/>
+          <a:p>
+            <a:fld id="{8765F8EB-1186-4395-8E70-F957669279DD}" type="slidenum">
+              <a:rPr lang="ko-KR" altLang="en-US" smtClean="0"/>
+              <a:t>6</a:t>
+            </a:fld>
+            <a:endParaRPr lang="ko-KR" altLang="en-US"/>
+          </a:p>
+        </p:txBody>
+      </p:sp>
+      <p:sp>
+        <p:nvSpPr>
+          <p:cNvPr id="18" name="TextBox 17"/>
+          <p:cNvSpPr txBox="1"/>
+          <p:nvPr/>
+        </p:nvSpPr>
+        <p:spPr>
+          <a:xfrm>
+            <a:off x="720969" y="914202"/>
+            <a:ext cx="7794381" cy="1631216"/>
+          </a:xfrm>
+          <a:prstGeom prst="rect">
+            <a:avLst/>
+          </a:prstGeom>
+          <a:noFill/>
+        </p:spPr>
+        <p:txBody>
+          <a:bodyPr wrap="square" rtlCol="0">
+            <a:spAutoFit/>
+          </a:bodyPr>
+          <a:lstStyle/>
+          <a:p>
+            <a:pPr marL="342900" indent="-342900">
+              <a:buFont typeface="Arial" panose="020B0604020202020204" pitchFamily="34" charset="0"/>
+              <a:buChar char="•"/>
+            </a:pPr>
+            <a:r>
+              <a:rPr lang="en-US" altLang="ko-KR" sz="2000" b="1" dirty="0" smtClean="0"/>
+              <a:t>Type A uncertainty</a:t>
+            </a:r>
+            <a:r>
+              <a:rPr lang="en-US" altLang="ko-KR" sz="2000" dirty="0" smtClean="0"/>
+              <a:t>: Random uncertainties</a:t>
+            </a:r>
+          </a:p>
+          <a:p>
+            <a:r>
+              <a:rPr lang="en-US" altLang="ko-KR" sz="2000" dirty="0">
+                <a:sym typeface="Wingdings" panose="05000000000000000000" pitchFamily="2" charset="2"/>
+              </a:rPr>
+              <a:t>	</a:t>
+            </a:r>
+            <a:r>
+              <a:rPr lang="en-US" altLang="ko-KR" sz="2000" dirty="0" smtClean="0">
+                <a:sym typeface="Wingdings" panose="05000000000000000000" pitchFamily="2" charset="2"/>
+              </a:rPr>
+              <a:t> averaging</a:t>
+            </a:r>
+          </a:p>
+          <a:p>
+            <a:endParaRPr lang="en-US" altLang="ko-KR" sz="2000" dirty="0" smtClean="0"/>
+          </a:p>
+          <a:p>
+            <a:pPr marL="342900" indent="-342900">
+              <a:buFont typeface="Arial" panose="020B0604020202020204" pitchFamily="34" charset="0"/>
+              <a:buChar char="•"/>
+            </a:pPr>
+            <a:r>
+              <a:rPr lang="en-US" altLang="ko-KR" sz="2000" b="1" dirty="0" smtClean="0"/>
+              <a:t>Type B uncertainty</a:t>
+            </a:r>
+            <a:r>
+              <a:rPr lang="en-US" altLang="ko-KR" sz="2000" dirty="0" smtClean="0"/>
+              <a:t>: Systematic uncertainties</a:t>
+            </a:r>
+          </a:p>
+          <a:p>
+            <a:r>
+              <a:rPr lang="en-US" altLang="ko-KR" sz="2000" dirty="0">
+                <a:sym typeface="Wingdings" panose="05000000000000000000" pitchFamily="2" charset="2"/>
+              </a:rPr>
+              <a:t>	</a:t>
+            </a:r>
+            <a:r>
+              <a:rPr lang="en-US" altLang="ko-KR" sz="2000" dirty="0" smtClean="0">
+                <a:sym typeface="Wingdings" panose="05000000000000000000" pitchFamily="2" charset="2"/>
+              </a:rPr>
+              <a:t> cannot be analyzed with statistics</a:t>
+            </a:r>
+            <a:endParaRPr lang="en-US" altLang="ko-KR" sz="2000" dirty="0" smtClean="0"/>
+          </a:p>
+        </p:txBody>
+      </p:sp>
+      <p:sp>
+        <p:nvSpPr>
+          <p:cNvPr id="19" name="TextBox 18"/>
+          <p:cNvSpPr txBox="1"/>
+          <p:nvPr/>
+        </p:nvSpPr>
+        <p:spPr>
+          <a:xfrm>
+            <a:off x="268165" y="6078224"/>
+            <a:ext cx="8607669" cy="415498"/>
+          </a:xfrm>
+          <a:prstGeom prst="rect">
+            <a:avLst/>
+          </a:prstGeom>
+          <a:noFill/>
+        </p:spPr>
+        <p:txBody>
+          <a:bodyPr wrap="square" rtlCol="0">
+            <a:spAutoFit/>
+          </a:bodyPr>
+          <a:lstStyle/>
+          <a:p>
+            <a:r>
+              <a:rPr lang="en-US" altLang="ko-KR" sz="1050" i="1" dirty="0">
+                <a:latin typeface="Times New Roman" panose="02020603050405020304" pitchFamily="18" charset="0"/>
+                <a:cs typeface="Times New Roman" panose="02020603050405020304" pitchFamily="18" charset="0"/>
+              </a:rPr>
+              <a:t>International Vocabulary of Basic and General Terms in Metrology </a:t>
+            </a:r>
+            <a:r>
+              <a:rPr lang="en-US" altLang="ko-KR" sz="1050" dirty="0">
+                <a:latin typeface="Times New Roman" panose="02020603050405020304" pitchFamily="18" charset="0"/>
+                <a:cs typeface="Times New Roman" panose="02020603050405020304" pitchFamily="18" charset="0"/>
+              </a:rPr>
+              <a:t>(</a:t>
+            </a:r>
+            <a:r>
+              <a:rPr lang="en-US" altLang="ko-KR" sz="1050" i="1" dirty="0">
+                <a:latin typeface="Times New Roman" panose="02020603050405020304" pitchFamily="18" charset="0"/>
+                <a:cs typeface="Times New Roman" panose="02020603050405020304" pitchFamily="18" charset="0"/>
+              </a:rPr>
+              <a:t>VIM</a:t>
+            </a:r>
+            <a:r>
+              <a:rPr lang="en-US" altLang="ko-KR" sz="1050" dirty="0">
+                <a:latin typeface="Times New Roman" panose="02020603050405020304" pitchFamily="18" charset="0"/>
+                <a:cs typeface="Times New Roman" panose="02020603050405020304" pitchFamily="18" charset="0"/>
+              </a:rPr>
+              <a:t>), ISO, 2004</a:t>
+            </a:r>
+            <a:r>
+              <a:rPr lang="en-US" altLang="ko-KR" sz="1050" dirty="0" smtClean="0">
+                <a:latin typeface="Times New Roman" panose="02020603050405020304" pitchFamily="18" charset="0"/>
+                <a:cs typeface="Times New Roman" panose="02020603050405020304" pitchFamily="18" charset="0"/>
+              </a:rPr>
+              <a:t>.</a:t>
+            </a:r>
+          </a:p>
+          <a:p>
+            <a:r>
+              <a:rPr lang="en-US" altLang="ko-KR" sz="1050" dirty="0" err="1">
+                <a:latin typeface="Times New Roman" panose="02020603050405020304" pitchFamily="18" charset="0"/>
+                <a:cs typeface="Times New Roman" panose="02020603050405020304" pitchFamily="18" charset="0"/>
+              </a:rPr>
+              <a:t>Grabe</a:t>
+            </a:r>
+            <a:r>
+              <a:rPr lang="en-US" altLang="ko-KR" sz="1050" dirty="0">
+                <a:latin typeface="Times New Roman" panose="02020603050405020304" pitchFamily="18" charset="0"/>
+                <a:cs typeface="Times New Roman" panose="02020603050405020304" pitchFamily="18" charset="0"/>
+              </a:rPr>
+              <a:t>, M., </a:t>
+            </a:r>
+            <a:r>
+              <a:rPr lang="en-US" altLang="ko-KR" sz="1050" i="1" dirty="0">
+                <a:latin typeface="Times New Roman" panose="02020603050405020304" pitchFamily="18" charset="0"/>
+                <a:cs typeface="Times New Roman" panose="02020603050405020304" pitchFamily="18" charset="0"/>
+              </a:rPr>
+              <a:t>Measurement Uncertainties in Science and Technology</a:t>
+            </a:r>
+            <a:r>
+              <a:rPr lang="en-US" altLang="ko-KR" sz="1050" dirty="0">
+                <a:latin typeface="Times New Roman" panose="02020603050405020304" pitchFamily="18" charset="0"/>
+                <a:cs typeface="Times New Roman" panose="02020603050405020304" pitchFamily="18" charset="0"/>
+              </a:rPr>
+              <a:t>, New York: Springer, 2005</a:t>
+            </a:r>
+            <a:r>
+              <a:rPr lang="en-US" altLang="ko-KR" sz="1050" dirty="0" smtClean="0">
+                <a:latin typeface="Times New Roman" panose="02020603050405020304" pitchFamily="18" charset="0"/>
+                <a:cs typeface="Times New Roman" panose="02020603050405020304" pitchFamily="18" charset="0"/>
+              </a:rPr>
+              <a:t>.</a:t>
+            </a:r>
+            <a:endParaRPr lang="en-US" altLang="ko-KR" sz="1050" dirty="0">
+              <a:latin typeface="Times New Roman" panose="02020603050405020304" pitchFamily="18" charset="0"/>
+              <a:cs typeface="Times New Roman" panose="02020603050405020304" pitchFamily="18" charset="0"/>
+            </a:endParaRPr>
+          </a:p>
+        </p:txBody>
+      </p:sp>
+      <p:pic>
+        <p:nvPicPr>
+          <p:cNvPr id="3" name="그림 2"/>
+          <p:cNvPicPr>
+            <a:picLocks noChangeAspect="1"/>
+          </p:cNvPicPr>
+          <p:nvPr/>
+        </p:nvPicPr>
+        <p:blipFill>
+          <a:blip r:embed="rId3"/>
+          <a:stretch>
+            <a:fillRect/>
+          </a:stretch>
+        </p:blipFill>
+        <p:spPr>
+          <a:xfrm>
+            <a:off x="5858240" y="2211472"/>
+            <a:ext cx="2586771" cy="3866752"/>
+          </a:xfrm>
+          <a:prstGeom prst="rect">
+            <a:avLst/>
+          </a:prstGeom>
+        </p:spPr>
+      </p:pic>
+    </p:spTree>
+    <p:extLst>
+      <p:ext uri="{BB962C8B-B14F-4D97-AF65-F5344CB8AC3E}">
+        <p14:creationId xmlns:p14="http://schemas.microsoft.com/office/powerpoint/2010/main" val="1726728944"/>
+      </p:ext>
+    </p:extLst>
+  </p:cSld>
+  <p:clrMapOvr>
+    <a:masterClrMapping/>
+  </p:clrMapOvr>
+  <p:timing>
+    <p:tnLst>
+      <p:par>
+        <p:cTn id="1" dur="indefinite" restart="never" nodeType="tmRoot"/>
+      </p:par>
+    </p:tnLst>
+  </p:timing>
+</p:sld>
+</file>
+
+<file path=ppt/slides/slide7.xml><?xml version="1.0" encoding="utf-8"?>
+<p:sld xmlns:a="http://schemas.openxmlformats.org/drawingml/2006/main" xmlns:r="http://schemas.openxmlformats.org/officeDocument/2006/relationships" xmlns:p="http://schemas.openxmlformats.org/presentationml/2006/main">
+  <p:cSld>
+    <p:spTree>
+      <p:nvGrpSpPr>
+        <p:cNvPr id="1" name=""/>
+        <p:cNvGrpSpPr/>
+        <p:nvPr/>
+      </p:nvGrpSpPr>
+      <p:grpSpPr>
+        <a:xfrm>
+          <a:off x="0" y="0"/>
+          <a:ext cx="0" cy="0"/>
+          <a:chOff x="0" y="0"/>
+          <a:chExt cx="0" cy="0"/>
+        </a:xfrm>
+      </p:grpSpPr>
+      <p:sp>
+        <p:nvSpPr>
+          <p:cNvPr id="6199" name="Rectangle 55"/>
+          <p:cNvSpPr>
+            <a:spLocks noChangeArrowheads="1"/>
+          </p:cNvSpPr>
+          <p:nvPr/>
+        </p:nvSpPr>
+        <p:spPr bwMode="auto">
+          <a:xfrm>
+            <a:off x="0" y="0"/>
+            <a:ext cx="9144000" cy="692150"/>
+          </a:xfrm>
+          <a:prstGeom prst="rect">
+            <a:avLst/>
+          </a:prstGeom>
+          <a:solidFill>
+            <a:srgbClr val="3333FF"/>
+          </a:solidFill>
+          <a:ln>
+            <a:noFill/>
+          </a:ln>
+          <a:effectLst/>
+          <a:extLst>
+            <a:ext uri="{91240B29-F687-4F45-9708-019B960494DF}">
+              <a14:hiddenLine xmlns:a14="http://schemas.microsoft.com/office/drawing/2010/main" w="9525">
+                <a:solidFill>
+                  <a:schemeClr val="tx1"/>
+                </a:solidFill>
+                <a:miter lim="800000"/>
+                <a:headEnd/>
+                <a:tailEnd/>
+              </a14:hiddenLine>
+            </a:ext>
+            <a:ext uri="{AF507438-7753-43E0-B8FC-AC1667EBCBE1}">
+              <a14:hiddenEffects xmlns:a14="http://schemas.microsoft.com/office/drawing/2010/main">
+                <a:effectLst>
+                  <a:outerShdw dist="35921" dir="2700000" algn="ctr" rotWithShape="0">
+                    <a:schemeClr val="bg2"/>
+                  </a:outerShdw>
+                </a:effectLst>
+              </a14:hiddenEffects>
+            </a:ext>
+          </a:extLst>
+        </p:spPr>
+        <p:txBody>
+          <a:bodyPr wrap="none" anchor="ctr"/>
+          <a:lstStyle/>
+          <a:p>
+            <a:pPr algn="ctr"/>
+            <a:r>
+              <a:rPr lang="en-US" altLang="ko-KR" sz="2800" dirty="0" smtClean="0">
+                <a:solidFill>
+                  <a:schemeClr val="bg1"/>
+                </a:solidFill>
+                <a:latin typeface="Arial" panose="020B0604020202020204" pitchFamily="34" charset="0"/>
+              </a:rPr>
               <a:t>References</a:t>
             </a:r>
             <a:endParaRPr lang="en-US" altLang="ko-KR" sz="2800" dirty="0">
@@ -4882,7 +6542,7 @@
         <p:spPr>
           <a:xfrm>
             <a:off x="268165" y="1362807"/>
-            <a:ext cx="8607669" cy="369332"/>
+            <a:ext cx="8607669" cy="923330"/>
           </a:xfrm>
           <a:prstGeom prst="rect">
             <a:avLst/>
@@ -4900,11 +6560,18 @@
               <a:buChar char="•"/>
             </a:pPr>
             <a:r>
+              <a:rPr lang="en-US" altLang="ko-KR" i="1" dirty="0" smtClean="0">
+                <a:latin typeface="Times New Roman" panose="02020603050405020304" pitchFamily="18" charset="0"/>
+                <a:cs typeface="Times New Roman" panose="02020603050405020304" pitchFamily="18" charset="0"/>
+              </a:rPr>
+              <a:t>International Vocabulary of Basic and General Terms in Metrology </a:t>
+            </a:r>
+            <a:r>
               <a:rPr lang="en-US" altLang="ko-KR" dirty="0" smtClean="0">
                 <a:latin typeface="Times New Roman" panose="02020603050405020304" pitchFamily="18" charset="0"/>
                 <a:cs typeface="Times New Roman" panose="02020603050405020304" pitchFamily="18" charset="0"/>
               </a:rPr>
-              <a:t>International Vocabulary of Basic and General Terms in Metrology (</a:t>
+              <a:t>(</a:t>
             </a:r>
             <a:r>
               <a:rPr lang="en-US" altLang="ko-KR" i="1" dirty="0" smtClean="0">
@@ -4918,7 +6585,48 @@
                 <a:latin typeface="Times New Roman" panose="02020603050405020304" pitchFamily="18" charset="0"/>
                 <a:cs typeface="Times New Roman" panose="02020603050405020304" pitchFamily="18" charset="0"/>
               </a:rPr>
-              <a:t>), ISO, 2004.</a:t>
+              <a:t>), ISO, 2004</a:t>
+            </a:r>
+            <a:r>
+              <a:rPr lang="en-US" altLang="ko-KR" dirty="0" smtClean="0">
+                <a:latin typeface="Times New Roman" panose="02020603050405020304" pitchFamily="18" charset="0"/>
+                <a:cs typeface="Times New Roman" panose="02020603050405020304" pitchFamily="18" charset="0"/>
+              </a:rPr>
+              <a:t>.</a:t>
+            </a:r>
+          </a:p>
+          <a:p>
+            <a:pPr marL="285750" indent="-285750">
+              <a:buFont typeface="Arial" panose="020B0604020202020204" pitchFamily="34" charset="0"/>
+              <a:buChar char="•"/>
+            </a:pPr>
+            <a:r>
+              <a:rPr lang="en-US" altLang="ko-KR" dirty="0" err="1" smtClean="0">
+                <a:latin typeface="Times New Roman" panose="02020603050405020304" pitchFamily="18" charset="0"/>
+                <a:cs typeface="Times New Roman" panose="02020603050405020304" pitchFamily="18" charset="0"/>
+              </a:rPr>
+              <a:t>Grabe</a:t>
+            </a:r>
+            <a:r>
+              <a:rPr lang="en-US" altLang="ko-KR" dirty="0" smtClean="0">
+                <a:latin typeface="Times New Roman" panose="02020603050405020304" pitchFamily="18" charset="0"/>
+                <a:cs typeface="Times New Roman" panose="02020603050405020304" pitchFamily="18" charset="0"/>
+              </a:rPr>
+              <a:t>, M., </a:t>
+            </a:r>
+            <a:r>
+              <a:rPr lang="en-US" altLang="ko-KR" i="1" dirty="0" smtClean="0">
+                <a:latin typeface="Times New Roman" panose="02020603050405020304" pitchFamily="18" charset="0"/>
+                <a:cs typeface="Times New Roman" panose="02020603050405020304" pitchFamily="18" charset="0"/>
+              </a:rPr>
+              <a:t>Measurement Uncertainties in Science and Technology</a:t>
+            </a:r>
+            <a:r>
+              <a:rPr lang="en-US" altLang="ko-KR" dirty="0" smtClean="0">
+                <a:latin typeface="Times New Roman" panose="02020603050405020304" pitchFamily="18" charset="0"/>
+                <a:cs typeface="Times New Roman" panose="02020603050405020304" pitchFamily="18" charset="0"/>
+              </a:rPr>
+              <a:t>, New York: Springer, 2005.</a:t>
             </a:r>
             <a:endParaRPr lang="en-US" altLang="ko-KR" dirty="0" smtClean="0">
               <a:latin typeface="Times New Roman" panose="02020603050405020304" pitchFamily="18" charset="0"/>
@@ -4944,7 +6652,7 @@
           <a:p>
             <a:fld id="{6509A91F-0059-474E-BAEC-65E67593FE25}" type="datetime1">
               <a:rPr lang="ko-KR" altLang="en-US" smtClean="0"/>
-              <a:t>2018-03-20</a:t>
+              <a:t>2018-03-21</a:t>
             </a:fld>
             <a:endParaRPr lang="ko-KR" altLang="en-US"/>
           </a:p>
@@ -4967,7 +6675,7 @@
           <a:p>
             <a:fld id="{8765F8EB-1186-4395-8E70-F957669279DD}" type="slidenum">
               <a:rPr lang="ko-KR" altLang="en-US" smtClean="0"/>
-              <a:t>5</a:t>
+              <a:t>7</a:t>
             </a:fld>
             <a:endParaRPr lang="ko-KR" altLang="en-US"/>
           </a:p>

--- a/Terahertz Metrology/Ch4/Terahertz Metrology_Ch4.pptx
+++ b/Terahertz Metrology/Ch4/Terahertz Metrology_Ch4.pptx
@@ -5,7 +5,7 @@
     <p:sldMasterId id="2147483660" r:id="rId1"/>
   </p:sldMasterIdLst>
   <p:notesMasterIdLst>
-    <p:notesMasterId r:id="rId9"/>
+    <p:notesMasterId r:id="rId13"/>
   </p:notesMasterIdLst>
   <p:sldIdLst>
     <p:sldId id="258" r:id="rId2"/>
@@ -14,7 +14,11 @@
     <p:sldId id="276" r:id="rId5"/>
     <p:sldId id="277" r:id="rId6"/>
     <p:sldId id="278" r:id="rId7"/>
-    <p:sldId id="275" r:id="rId8"/>
+    <p:sldId id="279" r:id="rId8"/>
+    <p:sldId id="280" r:id="rId9"/>
+    <p:sldId id="281" r:id="rId10"/>
+    <p:sldId id="282" r:id="rId11"/>
+    <p:sldId id="275" r:id="rId12"/>
   </p:sldIdLst>
   <p:sldSz cx="9144000" cy="6858000" type="screen4x3"/>
   <p:notesSz cx="6858000" cy="9144000"/>
@@ -203,7 +207,7 @@
           <a:p>
             <a:fld id="{A9D6DECA-6E4E-4D09-9277-E151A2E3F74C}" type="datetimeFigureOut">
               <a:rPr lang="ko-KR" altLang="en-US" smtClean="0"/>
-              <a:t>2018-03-21</a:t>
+              <a:t>2018-03-22</a:t>
             </a:fld>
             <a:endParaRPr lang="ko-KR" altLang="en-US"/>
           </a:p>
@@ -555,6 +559,174 @@
 </p:notes>
 </file>
 
+<file path=ppt/notesSlides/notesSlide10.xml><?xml version="1.0" encoding="utf-8"?>
+<p:notes xmlns:a="http://schemas.openxmlformats.org/drawingml/2006/main" xmlns:r="http://schemas.openxmlformats.org/officeDocument/2006/relationships" xmlns:p="http://schemas.openxmlformats.org/presentationml/2006/main">
+  <p:cSld>
+    <p:spTree>
+      <p:nvGrpSpPr>
+        <p:cNvPr id="1" name=""/>
+        <p:cNvGrpSpPr/>
+        <p:nvPr/>
+      </p:nvGrpSpPr>
+      <p:grpSpPr>
+        <a:xfrm>
+          <a:off x="0" y="0"/>
+          <a:ext cx="0" cy="0"/>
+          <a:chOff x="0" y="0"/>
+          <a:chExt cx="0" cy="0"/>
+        </a:xfrm>
+      </p:grpSpPr>
+      <p:sp>
+        <p:nvSpPr>
+          <p:cNvPr id="2" name="슬라이드 이미지 개체 틀 1"/>
+          <p:cNvSpPr>
+            <a:spLocks noGrp="1" noRot="1" noChangeAspect="1"/>
+          </p:cNvSpPr>
+          <p:nvPr>
+            <p:ph type="sldImg"/>
+          </p:nvPr>
+        </p:nvSpPr>
+        <p:spPr/>
+      </p:sp>
+      <p:sp>
+        <p:nvSpPr>
+          <p:cNvPr id="3" name="슬라이드 노트 개체 틀 2"/>
+          <p:cNvSpPr>
+            <a:spLocks noGrp="1"/>
+          </p:cNvSpPr>
+          <p:nvPr>
+            <p:ph type="body" idx="1"/>
+          </p:nvPr>
+        </p:nvSpPr>
+        <p:spPr/>
+        <p:txBody>
+          <a:bodyPr/>
+          <a:lstStyle/>
+          <a:p>
+            <a:endParaRPr lang="ko-KR" altLang="en-US"/>
+          </a:p>
+        </p:txBody>
+      </p:sp>
+      <p:sp>
+        <p:nvSpPr>
+          <p:cNvPr id="4" name="슬라이드 번호 개체 틀 3"/>
+          <p:cNvSpPr>
+            <a:spLocks noGrp="1"/>
+          </p:cNvSpPr>
+          <p:nvPr>
+            <p:ph type="sldNum" sz="quarter" idx="10"/>
+          </p:nvPr>
+        </p:nvSpPr>
+        <p:spPr/>
+        <p:txBody>
+          <a:bodyPr/>
+          <a:lstStyle/>
+          <a:p>
+            <a:fld id="{6D0ABE42-EEBB-47F0-BC6E-2BB25FA03CFE}" type="slidenum">
+              <a:rPr lang="ko-KR" altLang="en-US" smtClean="0"/>
+              <a:t>10</a:t>
+            </a:fld>
+            <a:endParaRPr lang="ko-KR" altLang="en-US"/>
+          </a:p>
+        </p:txBody>
+      </p:sp>
+    </p:spTree>
+    <p:extLst>
+      <p:ext uri="{BB962C8B-B14F-4D97-AF65-F5344CB8AC3E}">
+        <p14:creationId xmlns:p14="http://schemas.microsoft.com/office/powerpoint/2010/main" val="2814729408"/>
+      </p:ext>
+    </p:extLst>
+  </p:cSld>
+  <p:clrMapOvr>
+    <a:masterClrMapping/>
+  </p:clrMapOvr>
+</p:notes>
+</file>
+
+<file path=ppt/notesSlides/notesSlide11.xml><?xml version="1.0" encoding="utf-8"?>
+<p:notes xmlns:a="http://schemas.openxmlformats.org/drawingml/2006/main" xmlns:r="http://schemas.openxmlformats.org/officeDocument/2006/relationships" xmlns:p="http://schemas.openxmlformats.org/presentationml/2006/main">
+  <p:cSld>
+    <p:spTree>
+      <p:nvGrpSpPr>
+        <p:cNvPr id="1" name=""/>
+        <p:cNvGrpSpPr/>
+        <p:nvPr/>
+      </p:nvGrpSpPr>
+      <p:grpSpPr>
+        <a:xfrm>
+          <a:off x="0" y="0"/>
+          <a:ext cx="0" cy="0"/>
+          <a:chOff x="0" y="0"/>
+          <a:chExt cx="0" cy="0"/>
+        </a:xfrm>
+      </p:grpSpPr>
+      <p:sp>
+        <p:nvSpPr>
+          <p:cNvPr id="2" name="슬라이드 이미지 개체 틀 1"/>
+          <p:cNvSpPr>
+            <a:spLocks noGrp="1" noRot="1" noChangeAspect="1"/>
+          </p:cNvSpPr>
+          <p:nvPr>
+            <p:ph type="sldImg"/>
+          </p:nvPr>
+        </p:nvSpPr>
+        <p:spPr/>
+      </p:sp>
+      <p:sp>
+        <p:nvSpPr>
+          <p:cNvPr id="3" name="슬라이드 노트 개체 틀 2"/>
+          <p:cNvSpPr>
+            <a:spLocks noGrp="1"/>
+          </p:cNvSpPr>
+          <p:nvPr>
+            <p:ph type="body" idx="1"/>
+          </p:nvPr>
+        </p:nvSpPr>
+        <p:spPr/>
+        <p:txBody>
+          <a:bodyPr/>
+          <a:lstStyle/>
+          <a:p>
+            <a:endParaRPr lang="ko-KR" altLang="en-US"/>
+          </a:p>
+        </p:txBody>
+      </p:sp>
+      <p:sp>
+        <p:nvSpPr>
+          <p:cNvPr id="4" name="슬라이드 번호 개체 틀 3"/>
+          <p:cNvSpPr>
+            <a:spLocks noGrp="1"/>
+          </p:cNvSpPr>
+          <p:nvPr>
+            <p:ph type="sldNum" sz="quarter" idx="10"/>
+          </p:nvPr>
+        </p:nvSpPr>
+        <p:spPr/>
+        <p:txBody>
+          <a:bodyPr/>
+          <a:lstStyle/>
+          <a:p>
+            <a:fld id="{6D0ABE42-EEBB-47F0-BC6E-2BB25FA03CFE}" type="slidenum">
+              <a:rPr lang="ko-KR" altLang="en-US" smtClean="0"/>
+              <a:t>11</a:t>
+            </a:fld>
+            <a:endParaRPr lang="ko-KR" altLang="en-US"/>
+          </a:p>
+        </p:txBody>
+      </p:sp>
+    </p:spTree>
+    <p:extLst>
+      <p:ext uri="{BB962C8B-B14F-4D97-AF65-F5344CB8AC3E}">
+        <p14:creationId xmlns:p14="http://schemas.microsoft.com/office/powerpoint/2010/main" val="1671263539"/>
+      </p:ext>
+    </p:extLst>
+  </p:cSld>
+  <p:clrMapOvr>
+    <a:masterClrMapping/>
+  </p:clrMapOvr>
+</p:notes>
+</file>
+
 <file path=ppt/notesSlides/notesSlide2.xml><?xml version="1.0" encoding="utf-8"?>
 <p:notes xmlns:a="http://schemas.openxmlformats.org/drawingml/2006/main" xmlns:r="http://schemas.openxmlformats.org/officeDocument/2006/relationships" xmlns:p="http://schemas.openxmlformats.org/presentationml/2006/main">
   <p:cSld>
@@ -1049,7 +1221,175 @@
     </p:spTree>
     <p:extLst>
       <p:ext uri="{BB962C8B-B14F-4D97-AF65-F5344CB8AC3E}">
-        <p14:creationId xmlns:p14="http://schemas.microsoft.com/office/powerpoint/2010/main" val="1671263539"/>
+        <p14:creationId xmlns:p14="http://schemas.microsoft.com/office/powerpoint/2010/main" val="2674015252"/>
+      </p:ext>
+    </p:extLst>
+  </p:cSld>
+  <p:clrMapOvr>
+    <a:masterClrMapping/>
+  </p:clrMapOvr>
+</p:notes>
+</file>
+
+<file path=ppt/notesSlides/notesSlide8.xml><?xml version="1.0" encoding="utf-8"?>
+<p:notes xmlns:a="http://schemas.openxmlformats.org/drawingml/2006/main" xmlns:r="http://schemas.openxmlformats.org/officeDocument/2006/relationships" xmlns:p="http://schemas.openxmlformats.org/presentationml/2006/main">
+  <p:cSld>
+    <p:spTree>
+      <p:nvGrpSpPr>
+        <p:cNvPr id="1" name=""/>
+        <p:cNvGrpSpPr/>
+        <p:nvPr/>
+      </p:nvGrpSpPr>
+      <p:grpSpPr>
+        <a:xfrm>
+          <a:off x="0" y="0"/>
+          <a:ext cx="0" cy="0"/>
+          <a:chOff x="0" y="0"/>
+          <a:chExt cx="0" cy="0"/>
+        </a:xfrm>
+      </p:grpSpPr>
+      <p:sp>
+        <p:nvSpPr>
+          <p:cNvPr id="2" name="슬라이드 이미지 개체 틀 1"/>
+          <p:cNvSpPr>
+            <a:spLocks noGrp="1" noRot="1" noChangeAspect="1"/>
+          </p:cNvSpPr>
+          <p:nvPr>
+            <p:ph type="sldImg"/>
+          </p:nvPr>
+        </p:nvSpPr>
+        <p:spPr/>
+      </p:sp>
+      <p:sp>
+        <p:nvSpPr>
+          <p:cNvPr id="3" name="슬라이드 노트 개체 틀 2"/>
+          <p:cNvSpPr>
+            <a:spLocks noGrp="1"/>
+          </p:cNvSpPr>
+          <p:nvPr>
+            <p:ph type="body" idx="1"/>
+          </p:nvPr>
+        </p:nvSpPr>
+        <p:spPr/>
+        <p:txBody>
+          <a:bodyPr/>
+          <a:lstStyle/>
+          <a:p>
+            <a:endParaRPr lang="ko-KR" altLang="en-US"/>
+          </a:p>
+        </p:txBody>
+      </p:sp>
+      <p:sp>
+        <p:nvSpPr>
+          <p:cNvPr id="4" name="슬라이드 번호 개체 틀 3"/>
+          <p:cNvSpPr>
+            <a:spLocks noGrp="1"/>
+          </p:cNvSpPr>
+          <p:nvPr>
+            <p:ph type="sldNum" sz="quarter" idx="10"/>
+          </p:nvPr>
+        </p:nvSpPr>
+        <p:spPr/>
+        <p:txBody>
+          <a:bodyPr/>
+          <a:lstStyle/>
+          <a:p>
+            <a:fld id="{6D0ABE42-EEBB-47F0-BC6E-2BB25FA03CFE}" type="slidenum">
+              <a:rPr lang="ko-KR" altLang="en-US" smtClean="0"/>
+              <a:t>8</a:t>
+            </a:fld>
+            <a:endParaRPr lang="ko-KR" altLang="en-US"/>
+          </a:p>
+        </p:txBody>
+      </p:sp>
+    </p:spTree>
+    <p:extLst>
+      <p:ext uri="{BB962C8B-B14F-4D97-AF65-F5344CB8AC3E}">
+        <p14:creationId xmlns:p14="http://schemas.microsoft.com/office/powerpoint/2010/main" val="923210483"/>
+      </p:ext>
+    </p:extLst>
+  </p:cSld>
+  <p:clrMapOvr>
+    <a:masterClrMapping/>
+  </p:clrMapOvr>
+</p:notes>
+</file>
+
+<file path=ppt/notesSlides/notesSlide9.xml><?xml version="1.0" encoding="utf-8"?>
+<p:notes xmlns:a="http://schemas.openxmlformats.org/drawingml/2006/main" xmlns:r="http://schemas.openxmlformats.org/officeDocument/2006/relationships" xmlns:p="http://schemas.openxmlformats.org/presentationml/2006/main">
+  <p:cSld>
+    <p:spTree>
+      <p:nvGrpSpPr>
+        <p:cNvPr id="1" name=""/>
+        <p:cNvGrpSpPr/>
+        <p:nvPr/>
+      </p:nvGrpSpPr>
+      <p:grpSpPr>
+        <a:xfrm>
+          <a:off x="0" y="0"/>
+          <a:ext cx="0" cy="0"/>
+          <a:chOff x="0" y="0"/>
+          <a:chExt cx="0" cy="0"/>
+        </a:xfrm>
+      </p:grpSpPr>
+      <p:sp>
+        <p:nvSpPr>
+          <p:cNvPr id="2" name="슬라이드 이미지 개체 틀 1"/>
+          <p:cNvSpPr>
+            <a:spLocks noGrp="1" noRot="1" noChangeAspect="1"/>
+          </p:cNvSpPr>
+          <p:nvPr>
+            <p:ph type="sldImg"/>
+          </p:nvPr>
+        </p:nvSpPr>
+        <p:spPr/>
+      </p:sp>
+      <p:sp>
+        <p:nvSpPr>
+          <p:cNvPr id="3" name="슬라이드 노트 개체 틀 2"/>
+          <p:cNvSpPr>
+            <a:spLocks noGrp="1"/>
+          </p:cNvSpPr>
+          <p:nvPr>
+            <p:ph type="body" idx="1"/>
+          </p:nvPr>
+        </p:nvSpPr>
+        <p:spPr/>
+        <p:txBody>
+          <a:bodyPr/>
+          <a:lstStyle/>
+          <a:p>
+            <a:endParaRPr lang="ko-KR" altLang="en-US"/>
+          </a:p>
+        </p:txBody>
+      </p:sp>
+      <p:sp>
+        <p:nvSpPr>
+          <p:cNvPr id="4" name="슬라이드 번호 개체 틀 3"/>
+          <p:cNvSpPr>
+            <a:spLocks noGrp="1"/>
+          </p:cNvSpPr>
+          <p:nvPr>
+            <p:ph type="sldNum" sz="quarter" idx="10"/>
+          </p:nvPr>
+        </p:nvSpPr>
+        <p:spPr/>
+        <p:txBody>
+          <a:bodyPr/>
+          <a:lstStyle/>
+          <a:p>
+            <a:fld id="{6D0ABE42-EEBB-47F0-BC6E-2BB25FA03CFE}" type="slidenum">
+              <a:rPr lang="ko-KR" altLang="en-US" smtClean="0"/>
+              <a:t>9</a:t>
+            </a:fld>
+            <a:endParaRPr lang="ko-KR" altLang="en-US"/>
+          </a:p>
+        </p:txBody>
+      </p:sp>
+    </p:spTree>
+    <p:extLst>
+      <p:ext uri="{BB962C8B-B14F-4D97-AF65-F5344CB8AC3E}">
+        <p14:creationId xmlns:p14="http://schemas.microsoft.com/office/powerpoint/2010/main" val="4188067359"/>
       </p:ext>
     </p:extLst>
   </p:cSld>
@@ -1190,7 +1530,7 @@
           <a:p>
             <a:fld id="{78E89258-A40F-4400-BA1A-638141289729}" type="datetime1">
               <a:rPr lang="ko-KR" altLang="en-US" smtClean="0"/>
-              <a:t>2018-03-21</a:t>
+              <a:t>2018-03-22</a:t>
             </a:fld>
             <a:endParaRPr lang="ko-KR" altLang="en-US"/>
           </a:p>
@@ -1367,7 +1707,7 @@
           <a:p>
             <a:fld id="{CD116CEF-802E-43F7-8932-78519DF2A264}" type="datetime1">
               <a:rPr lang="ko-KR" altLang="en-US" smtClean="0"/>
-              <a:t>2018-03-21</a:t>
+              <a:t>2018-03-22</a:t>
             </a:fld>
             <a:endParaRPr lang="ko-KR" altLang="en-US"/>
           </a:p>
@@ -1547,7 +1887,7 @@
           <a:p>
             <a:fld id="{EFD9D7C3-1982-427D-BFA7-1AF9687AAB0F}" type="datetime1">
               <a:rPr lang="ko-KR" altLang="en-US" smtClean="0"/>
-              <a:t>2018-03-21</a:t>
+              <a:t>2018-03-22</a:t>
             </a:fld>
             <a:endParaRPr lang="ko-KR" altLang="en-US"/>
           </a:p>
@@ -1717,7 +2057,7 @@
           <a:p>
             <a:fld id="{EDD93E7F-B437-40E5-8ACB-B79696783EFA}" type="datetime1">
               <a:rPr lang="ko-KR" altLang="en-US" smtClean="0"/>
-              <a:t>2018-03-21</a:t>
+              <a:t>2018-03-22</a:t>
             </a:fld>
             <a:endParaRPr lang="ko-KR" altLang="en-US"/>
           </a:p>
@@ -1961,7 +2301,7 @@
           <a:p>
             <a:fld id="{DB249950-0BD4-4F6E-BE3F-CB53B7E2FD06}" type="datetime1">
               <a:rPr lang="ko-KR" altLang="en-US" smtClean="0"/>
-              <a:t>2018-03-21</a:t>
+              <a:t>2018-03-22</a:t>
             </a:fld>
             <a:endParaRPr lang="ko-KR" altLang="en-US"/>
           </a:p>
@@ -2193,7 +2533,7 @@
           <a:p>
             <a:fld id="{7B016D7E-32C0-4DB3-B6B3-0506A62840FB}" type="datetime1">
               <a:rPr lang="ko-KR" altLang="en-US" smtClean="0"/>
-              <a:t>2018-03-21</a:t>
+              <a:t>2018-03-22</a:t>
             </a:fld>
             <a:endParaRPr lang="ko-KR" altLang="en-US"/>
           </a:p>
@@ -2560,7 +2900,7 @@
           <a:p>
             <a:fld id="{B246672D-B3FD-4B2E-92C0-4A80DA670927}" type="datetime1">
               <a:rPr lang="ko-KR" altLang="en-US" smtClean="0"/>
-              <a:t>2018-03-21</a:t>
+              <a:t>2018-03-22</a:t>
             </a:fld>
             <a:endParaRPr lang="ko-KR" altLang="en-US"/>
           </a:p>
@@ -2678,7 +3018,7 @@
           <a:p>
             <a:fld id="{9B9B7D2E-B202-4D7A-9519-0C490A04EB9C}" type="datetime1">
               <a:rPr lang="ko-KR" altLang="en-US" smtClean="0"/>
-              <a:t>2018-03-21</a:t>
+              <a:t>2018-03-22</a:t>
             </a:fld>
             <a:endParaRPr lang="ko-KR" altLang="en-US"/>
           </a:p>
@@ -2773,7 +3113,7 @@
           <a:p>
             <a:fld id="{12FB9327-987E-47D6-AE2D-63CED8A79494}" type="datetime1">
               <a:rPr lang="ko-KR" altLang="en-US" smtClean="0"/>
-              <a:t>2018-03-21</a:t>
+              <a:t>2018-03-22</a:t>
             </a:fld>
             <a:endParaRPr lang="ko-KR" altLang="en-US"/>
           </a:p>
@@ -3050,7 +3390,7 @@
           <a:p>
             <a:fld id="{D8D87011-7294-4632-A156-4F695AB9E41C}" type="datetime1">
               <a:rPr lang="ko-KR" altLang="en-US" smtClean="0"/>
-              <a:t>2018-03-21</a:t>
+              <a:t>2018-03-22</a:t>
             </a:fld>
             <a:endParaRPr lang="ko-KR" altLang="en-US"/>
           </a:p>
@@ -3307,7 +3647,7 @@
           <a:p>
             <a:fld id="{1BDC7FDB-72DE-4D65-AF4F-510496DAF70F}" type="datetime1">
               <a:rPr lang="ko-KR" altLang="en-US" smtClean="0"/>
-              <a:t>2018-03-21</a:t>
+              <a:t>2018-03-22</a:t>
             </a:fld>
             <a:endParaRPr lang="ko-KR" altLang="en-US"/>
           </a:p>
@@ -3520,7 +3860,7 @@
           <a:p>
             <a:fld id="{9A286DBF-DB43-470A-A903-26374CB6EF47}" type="datetime1">
               <a:rPr lang="ko-KR" altLang="en-US" smtClean="0"/>
-              <a:t>2018-03-21</a:t>
+              <a:t>2018-03-22</a:t>
             </a:fld>
             <a:endParaRPr lang="ko-KR" altLang="en-US"/>
           </a:p>
@@ -3990,7 +4330,7 @@
                 </a:solidFill>
                 <a:latin typeface="Arial" panose="020B0604020202020204" pitchFamily="34" charset="0"/>
               </a:rPr>
-              <a:t>Ch.3</a:t>
+              <a:t>Ch.4</a:t>
             </a:r>
             <a:r>
               <a:rPr lang="en-US" altLang="ko-KR" sz="3200" dirty="0">
@@ -4131,7 +4471,7 @@
           <a:p>
             <a:fld id="{32C03489-23FC-4021-B9AB-958EFB3C0FE7}" type="datetime1">
               <a:rPr lang="ko-KR" altLang="en-US" smtClean="0"/>
-              <a:t>2018-03-21</a:t>
+              <a:t>2018-03-22</a:t>
             </a:fld>
             <a:endParaRPr lang="ko-KR" altLang="en-US"/>
           </a:p>
@@ -4164,6 +4504,589 @@
     <p:extLst>
       <p:ext uri="{BB962C8B-B14F-4D97-AF65-F5344CB8AC3E}">
         <p14:creationId xmlns:p14="http://schemas.microsoft.com/office/powerpoint/2010/main" val="22502826"/>
+      </p:ext>
+    </p:extLst>
+  </p:cSld>
+  <p:clrMapOvr>
+    <a:masterClrMapping/>
+  </p:clrMapOvr>
+  <p:timing>
+    <p:tnLst>
+      <p:par>
+        <p:cTn id="1" dur="indefinite" restart="never" nodeType="tmRoot"/>
+      </p:par>
+    </p:tnLst>
+  </p:timing>
+</p:sld>
+</file>
+
+<file path=ppt/slides/slide10.xml><?xml version="1.0" encoding="utf-8"?>
+<p:sld xmlns:a="http://schemas.openxmlformats.org/drawingml/2006/main" xmlns:r="http://schemas.openxmlformats.org/officeDocument/2006/relationships" xmlns:p="http://schemas.openxmlformats.org/presentationml/2006/main">
+  <p:cSld>
+    <p:spTree>
+      <p:nvGrpSpPr>
+        <p:cNvPr id="1" name=""/>
+        <p:cNvGrpSpPr/>
+        <p:nvPr/>
+      </p:nvGrpSpPr>
+      <p:grpSpPr>
+        <a:xfrm>
+          <a:off x="0" y="0"/>
+          <a:ext cx="0" cy="0"/>
+          <a:chOff x="0" y="0"/>
+          <a:chExt cx="0" cy="0"/>
+        </a:xfrm>
+      </p:grpSpPr>
+      <p:sp>
+        <p:nvSpPr>
+          <p:cNvPr id="6199" name="Rectangle 55"/>
+          <p:cNvSpPr>
+            <a:spLocks noChangeArrowheads="1"/>
+          </p:cNvSpPr>
+          <p:nvPr/>
+        </p:nvSpPr>
+        <p:spPr bwMode="auto">
+          <a:xfrm>
+            <a:off x="0" y="0"/>
+            <a:ext cx="9144000" cy="692150"/>
+          </a:xfrm>
+          <a:prstGeom prst="rect">
+            <a:avLst/>
+          </a:prstGeom>
+          <a:solidFill>
+            <a:srgbClr val="3333FF"/>
+          </a:solidFill>
+          <a:ln>
+            <a:noFill/>
+          </a:ln>
+          <a:effectLst/>
+          <a:extLst>
+            <a:ext uri="{91240B29-F687-4F45-9708-019B960494DF}">
+              <a14:hiddenLine xmlns:a14="http://schemas.microsoft.com/office/drawing/2010/main" w="9525">
+                <a:solidFill>
+                  <a:schemeClr val="tx1"/>
+                </a:solidFill>
+                <a:miter lim="800000"/>
+                <a:headEnd/>
+                <a:tailEnd/>
+              </a14:hiddenLine>
+            </a:ext>
+            <a:ext uri="{AF507438-7753-43E0-B8FC-AC1667EBCBE1}">
+              <a14:hiddenEffects xmlns:a14="http://schemas.microsoft.com/office/drawing/2010/main">
+                <a:effectLst>
+                  <a:outerShdw dist="35921" dir="2700000" algn="ctr" rotWithShape="0">
+                    <a:schemeClr val="bg2"/>
+                  </a:outerShdw>
+                </a:effectLst>
+              </a14:hiddenEffects>
+            </a:ext>
+          </a:extLst>
+        </p:spPr>
+        <p:txBody>
+          <a:bodyPr wrap="none" anchor="ctr"/>
+          <a:lstStyle/>
+          <a:p>
+            <a:pPr algn="ctr"/>
+            <a:r>
+              <a:rPr lang="en-US" altLang="ko-KR" sz="2500" dirty="0" smtClean="0">
+                <a:solidFill>
+                  <a:schemeClr val="bg1"/>
+                </a:solidFill>
+                <a:latin typeface="Arial" panose="020B0604020202020204" pitchFamily="34" charset="0"/>
+              </a:rPr>
+              <a:t>2</a:t>
+            </a:r>
+            <a:r>
+              <a:rPr lang="en-US" altLang="ko-KR" sz="2500" dirty="0" smtClean="0">
+                <a:solidFill>
+                  <a:schemeClr val="bg1"/>
+                </a:solidFill>
+                <a:latin typeface="Arial" panose="020B0604020202020204" pitchFamily="34" charset="0"/>
+              </a:rPr>
+              <a:t>.2 Random and Systematic Errors in Sample Thickness</a:t>
+            </a:r>
+            <a:endParaRPr lang="en-US" altLang="ko-KR" sz="2500" dirty="0" smtClean="0">
+              <a:solidFill>
+                <a:schemeClr val="bg1"/>
+              </a:solidFill>
+              <a:latin typeface="Arial" panose="020B0604020202020204" pitchFamily="34" charset="0"/>
+            </a:endParaRPr>
+          </a:p>
+        </p:txBody>
+      </p:sp>
+      <p:sp>
+        <p:nvSpPr>
+          <p:cNvPr id="2" name="날짜 개체 틀 1"/>
+          <p:cNvSpPr>
+            <a:spLocks noGrp="1"/>
+          </p:cNvSpPr>
+          <p:nvPr>
+            <p:ph type="dt" sz="half" idx="10"/>
+          </p:nvPr>
+        </p:nvSpPr>
+        <p:spPr/>
+        <p:txBody>
+          <a:bodyPr/>
+          <a:lstStyle/>
+          <a:p>
+            <a:fld id="{53646E5C-8775-44A9-9523-40B6CCA06789}" type="datetime1">
+              <a:rPr lang="ko-KR" altLang="en-US" smtClean="0"/>
+              <a:t>2018-03-23</a:t>
+            </a:fld>
+            <a:endParaRPr lang="ko-KR" altLang="en-US"/>
+          </a:p>
+        </p:txBody>
+      </p:sp>
+      <p:sp>
+        <p:nvSpPr>
+          <p:cNvPr id="15" name="슬라이드 번호 개체 틀 14"/>
+          <p:cNvSpPr>
+            <a:spLocks noGrp="1"/>
+          </p:cNvSpPr>
+          <p:nvPr>
+            <p:ph type="sldNum" sz="quarter" idx="12"/>
+          </p:nvPr>
+        </p:nvSpPr>
+        <p:spPr/>
+        <p:txBody>
+          <a:bodyPr/>
+          <a:lstStyle/>
+          <a:p>
+            <a:fld id="{8765F8EB-1186-4395-8E70-F957669279DD}" type="slidenum">
+              <a:rPr lang="ko-KR" altLang="en-US" smtClean="0"/>
+              <a:t>10</a:t>
+            </a:fld>
+            <a:endParaRPr lang="ko-KR" altLang="en-US"/>
+          </a:p>
+        </p:txBody>
+      </p:sp>
+      <p:sp>
+        <p:nvSpPr>
+          <p:cNvPr id="18" name="TextBox 17"/>
+          <p:cNvSpPr txBox="1"/>
+          <p:nvPr/>
+        </p:nvSpPr>
+        <p:spPr>
+          <a:xfrm>
+            <a:off x="720969" y="914202"/>
+            <a:ext cx="7794381" cy="1015663"/>
+          </a:xfrm>
+          <a:prstGeom prst="rect">
+            <a:avLst/>
+          </a:prstGeom>
+          <a:noFill/>
+        </p:spPr>
+        <p:txBody>
+          <a:bodyPr wrap="square" rtlCol="0">
+            <a:spAutoFit/>
+          </a:bodyPr>
+          <a:lstStyle/>
+          <a:p>
+            <a:r>
+              <a:rPr lang="en-US" altLang="ko-KR" sz="2000" dirty="0" smtClean="0"/>
+              <a:t> A random error occurs in a relatively </a:t>
+            </a:r>
+            <a:r>
+              <a:rPr lang="en-US" altLang="ko-KR" sz="2000" dirty="0" smtClean="0">
+                <a:solidFill>
+                  <a:srgbClr val="3333FF"/>
+                </a:solidFill>
+              </a:rPr>
+              <a:t>short time scale</a:t>
+            </a:r>
+            <a:r>
+              <a:rPr lang="en-US" altLang="ko-KR" sz="2000" dirty="0" smtClean="0"/>
+              <a:t>, in contrast to a systematic error that can be observed only when the measurement time span is </a:t>
+            </a:r>
+            <a:r>
+              <a:rPr lang="en-US" altLang="ko-KR" sz="2000" dirty="0" smtClean="0">
+                <a:solidFill>
+                  <a:srgbClr val="3333FF"/>
+                </a:solidFill>
+              </a:rPr>
+              <a:t>long enough </a:t>
+            </a:r>
+            <a:endParaRPr lang="en-US" altLang="ko-KR" sz="2000" dirty="0" smtClean="0">
+              <a:solidFill>
+                <a:srgbClr val="3333FF"/>
+              </a:solidFill>
+            </a:endParaRPr>
+          </a:p>
+        </p:txBody>
+      </p:sp>
+    </p:spTree>
+    <p:extLst>
+      <p:ext uri="{BB962C8B-B14F-4D97-AF65-F5344CB8AC3E}">
+        <p14:creationId xmlns:p14="http://schemas.microsoft.com/office/powerpoint/2010/main" val="4125546126"/>
+      </p:ext>
+    </p:extLst>
+  </p:cSld>
+  <p:clrMapOvr>
+    <a:masterClrMapping/>
+  </p:clrMapOvr>
+  <p:timing>
+    <p:tnLst>
+      <p:par>
+        <p:cTn id="1" dur="indefinite" restart="never" nodeType="tmRoot"/>
+      </p:par>
+    </p:tnLst>
+  </p:timing>
+</p:sld>
+</file>
+
+<file path=ppt/slides/slide11.xml><?xml version="1.0" encoding="utf-8"?>
+<p:sld xmlns:a="http://schemas.openxmlformats.org/drawingml/2006/main" xmlns:r="http://schemas.openxmlformats.org/officeDocument/2006/relationships" xmlns:p="http://schemas.openxmlformats.org/presentationml/2006/main">
+  <p:cSld>
+    <p:spTree>
+      <p:nvGrpSpPr>
+        <p:cNvPr id="1" name=""/>
+        <p:cNvGrpSpPr/>
+        <p:nvPr/>
+      </p:nvGrpSpPr>
+      <p:grpSpPr>
+        <a:xfrm>
+          <a:off x="0" y="0"/>
+          <a:ext cx="0" cy="0"/>
+          <a:chOff x="0" y="0"/>
+          <a:chExt cx="0" cy="0"/>
+        </a:xfrm>
+      </p:grpSpPr>
+      <p:sp>
+        <p:nvSpPr>
+          <p:cNvPr id="6199" name="Rectangle 55"/>
+          <p:cNvSpPr>
+            <a:spLocks noChangeArrowheads="1"/>
+          </p:cNvSpPr>
+          <p:nvPr/>
+        </p:nvSpPr>
+        <p:spPr bwMode="auto">
+          <a:xfrm>
+            <a:off x="0" y="0"/>
+            <a:ext cx="9144000" cy="692150"/>
+          </a:xfrm>
+          <a:prstGeom prst="rect">
+            <a:avLst/>
+          </a:prstGeom>
+          <a:solidFill>
+            <a:srgbClr val="3333FF"/>
+          </a:solidFill>
+          <a:ln>
+            <a:noFill/>
+          </a:ln>
+          <a:effectLst/>
+          <a:extLst>
+            <a:ext uri="{91240B29-F687-4F45-9708-019B960494DF}">
+              <a14:hiddenLine xmlns:a14="http://schemas.microsoft.com/office/drawing/2010/main" w="9525">
+                <a:solidFill>
+                  <a:schemeClr val="tx1"/>
+                </a:solidFill>
+                <a:miter lim="800000"/>
+                <a:headEnd/>
+                <a:tailEnd/>
+              </a14:hiddenLine>
+            </a:ext>
+            <a:ext uri="{AF507438-7753-43E0-B8FC-AC1667EBCBE1}">
+              <a14:hiddenEffects xmlns:a14="http://schemas.microsoft.com/office/drawing/2010/main">
+                <a:effectLst>
+                  <a:outerShdw dist="35921" dir="2700000" algn="ctr" rotWithShape="0">
+                    <a:schemeClr val="bg2"/>
+                  </a:outerShdw>
+                </a:effectLst>
+              </a14:hiddenEffects>
+            </a:ext>
+          </a:extLst>
+        </p:spPr>
+        <p:txBody>
+          <a:bodyPr wrap="none" anchor="ctr"/>
+          <a:lstStyle/>
+          <a:p>
+            <a:pPr algn="ctr"/>
+            <a:r>
+              <a:rPr lang="en-US" altLang="ko-KR" sz="2800" dirty="0" smtClean="0">
+                <a:solidFill>
+                  <a:schemeClr val="bg1"/>
+                </a:solidFill>
+                <a:latin typeface="Arial" panose="020B0604020202020204" pitchFamily="34" charset="0"/>
+              </a:rPr>
+              <a:t>References</a:t>
+            </a:r>
+            <a:endParaRPr lang="en-US" altLang="ko-KR" sz="2800" dirty="0">
+              <a:solidFill>
+                <a:schemeClr val="bg1"/>
+              </a:solidFill>
+              <a:latin typeface="Arial" panose="020B0604020202020204" pitchFamily="34" charset="0"/>
+            </a:endParaRPr>
+          </a:p>
+        </p:txBody>
+      </p:sp>
+      <p:sp>
+        <p:nvSpPr>
+          <p:cNvPr id="2" name="TextBox 1"/>
+          <p:cNvSpPr txBox="1"/>
+          <p:nvPr/>
+        </p:nvSpPr>
+        <p:spPr>
+          <a:xfrm>
+            <a:off x="268165" y="1362807"/>
+            <a:ext cx="8607669" cy="3139321"/>
+          </a:xfrm>
+          <a:prstGeom prst="rect">
+            <a:avLst/>
+          </a:prstGeom>
+          <a:noFill/>
+        </p:spPr>
+        <p:txBody>
+          <a:bodyPr wrap="square" rtlCol="0">
+            <a:spAutoFit/>
+          </a:bodyPr>
+          <a:lstStyle/>
+          <a:p>
+            <a:pPr marL="285750" indent="-285750">
+              <a:buFont typeface="Arial" panose="020B0604020202020204" pitchFamily="34" charset="0"/>
+              <a:buChar char="•"/>
+            </a:pPr>
+            <a:r>
+              <a:rPr lang="en-US" altLang="ko-KR" i="1" dirty="0" smtClean="0">
+                <a:latin typeface="Times New Roman" panose="02020603050405020304" pitchFamily="18" charset="0"/>
+                <a:cs typeface="Times New Roman" panose="02020603050405020304" pitchFamily="18" charset="0"/>
+              </a:rPr>
+              <a:t>International Vocabulary of Basic and General Terms in Metrology </a:t>
+            </a:r>
+            <a:r>
+              <a:rPr lang="en-US" altLang="ko-KR" dirty="0" smtClean="0">
+                <a:latin typeface="Times New Roman" panose="02020603050405020304" pitchFamily="18" charset="0"/>
+                <a:cs typeface="Times New Roman" panose="02020603050405020304" pitchFamily="18" charset="0"/>
+              </a:rPr>
+              <a:t>(</a:t>
+            </a:r>
+            <a:r>
+              <a:rPr lang="en-US" altLang="ko-KR" i="1" dirty="0" smtClean="0">
+                <a:latin typeface="Times New Roman" panose="02020603050405020304" pitchFamily="18" charset="0"/>
+                <a:cs typeface="Times New Roman" panose="02020603050405020304" pitchFamily="18" charset="0"/>
+              </a:rPr>
+              <a:t>VIM</a:t>
+            </a:r>
+            <a:r>
+              <a:rPr lang="en-US" altLang="ko-KR" dirty="0" smtClean="0">
+                <a:latin typeface="Times New Roman" panose="02020603050405020304" pitchFamily="18" charset="0"/>
+                <a:cs typeface="Times New Roman" panose="02020603050405020304" pitchFamily="18" charset="0"/>
+              </a:rPr>
+              <a:t>), ISO, 2004.</a:t>
+            </a:r>
+          </a:p>
+          <a:p>
+            <a:pPr marL="285750" indent="-285750">
+              <a:buFont typeface="Arial" panose="020B0604020202020204" pitchFamily="34" charset="0"/>
+              <a:buChar char="•"/>
+            </a:pPr>
+            <a:r>
+              <a:rPr lang="en-US" altLang="ko-KR" dirty="0" err="1" smtClean="0">
+                <a:latin typeface="Times New Roman" panose="02020603050405020304" pitchFamily="18" charset="0"/>
+                <a:cs typeface="Times New Roman" panose="02020603050405020304" pitchFamily="18" charset="0"/>
+              </a:rPr>
+              <a:t>Grabe</a:t>
+            </a:r>
+            <a:r>
+              <a:rPr lang="en-US" altLang="ko-KR" dirty="0" smtClean="0">
+                <a:latin typeface="Times New Roman" panose="02020603050405020304" pitchFamily="18" charset="0"/>
+                <a:cs typeface="Times New Roman" panose="02020603050405020304" pitchFamily="18" charset="0"/>
+              </a:rPr>
+              <a:t>, M., </a:t>
+            </a:r>
+            <a:r>
+              <a:rPr lang="en-US" altLang="ko-KR" i="1" dirty="0" smtClean="0">
+                <a:latin typeface="Times New Roman" panose="02020603050405020304" pitchFamily="18" charset="0"/>
+                <a:cs typeface="Times New Roman" panose="02020603050405020304" pitchFamily="18" charset="0"/>
+              </a:rPr>
+              <a:t>Measurement Uncertainties in Science and Technology</a:t>
+            </a:r>
+            <a:r>
+              <a:rPr lang="en-US" altLang="ko-KR" dirty="0" smtClean="0">
+                <a:latin typeface="Times New Roman" panose="02020603050405020304" pitchFamily="18" charset="0"/>
+                <a:cs typeface="Times New Roman" panose="02020603050405020304" pitchFamily="18" charset="0"/>
+              </a:rPr>
+              <a:t>, New York: Springer, 2005</a:t>
+            </a:r>
+            <a:r>
+              <a:rPr lang="en-US" altLang="ko-KR" dirty="0" smtClean="0">
+                <a:latin typeface="Times New Roman" panose="02020603050405020304" pitchFamily="18" charset="0"/>
+                <a:cs typeface="Times New Roman" panose="02020603050405020304" pitchFamily="18" charset="0"/>
+              </a:rPr>
+              <a:t>.</a:t>
+            </a:r>
+          </a:p>
+          <a:p>
+            <a:pPr marL="285750" indent="-285750">
+              <a:buFont typeface="Arial" panose="020B0604020202020204" pitchFamily="34" charset="0"/>
+              <a:buChar char="•"/>
+            </a:pPr>
+            <a:r>
+              <a:rPr lang="en-US" altLang="ko-KR" dirty="0" err="1" smtClean="0">
+                <a:latin typeface="Times New Roman" panose="02020603050405020304" pitchFamily="18" charset="0"/>
+                <a:cs typeface="Times New Roman" panose="02020603050405020304" pitchFamily="18" charset="0"/>
+              </a:rPr>
+              <a:t>Grabe</a:t>
+            </a:r>
+            <a:r>
+              <a:rPr lang="en-US" altLang="ko-KR" dirty="0" smtClean="0">
+                <a:latin typeface="Times New Roman" panose="02020603050405020304" pitchFamily="18" charset="0"/>
+                <a:cs typeface="Times New Roman" panose="02020603050405020304" pitchFamily="18" charset="0"/>
+              </a:rPr>
+              <a:t>, M., “Estimation of Measurement Uncertainties-An Alternative to the ISO Guide,” </a:t>
+            </a:r>
+            <a:r>
+              <a:rPr lang="en-US" altLang="ko-KR" i="1" dirty="0" err="1" smtClean="0">
+                <a:latin typeface="Times New Roman" panose="02020603050405020304" pitchFamily="18" charset="0"/>
+                <a:cs typeface="Times New Roman" panose="02020603050405020304" pitchFamily="18" charset="0"/>
+              </a:rPr>
+              <a:t>Metrologia</a:t>
+            </a:r>
+            <a:r>
+              <a:rPr lang="en-US" altLang="ko-KR" dirty="0" smtClean="0">
+                <a:latin typeface="Times New Roman" panose="02020603050405020304" pitchFamily="18" charset="0"/>
+                <a:cs typeface="Times New Roman" panose="02020603050405020304" pitchFamily="18" charset="0"/>
+              </a:rPr>
+              <a:t>, Vol. 38, 2001, pp. 97-106.</a:t>
+            </a:r>
+          </a:p>
+          <a:p>
+            <a:pPr marL="285750" indent="-285750">
+              <a:buFont typeface="Arial" panose="020B0604020202020204" pitchFamily="34" charset="0"/>
+              <a:buChar char="•"/>
+            </a:pPr>
+            <a:r>
+              <a:rPr lang="en-US" altLang="ko-KR" dirty="0" smtClean="0">
+                <a:latin typeface="Times New Roman" panose="02020603050405020304" pitchFamily="18" charset="0"/>
+                <a:cs typeface="Times New Roman" panose="02020603050405020304" pitchFamily="18" charset="0"/>
+              </a:rPr>
+              <a:t>Lira, I. H., and W. </a:t>
+            </a:r>
+            <a:r>
+              <a:rPr lang="en-US" altLang="ko-KR" dirty="0" err="1" smtClean="0">
+                <a:latin typeface="Times New Roman" panose="02020603050405020304" pitchFamily="18" charset="0"/>
+                <a:cs typeface="Times New Roman" panose="02020603050405020304" pitchFamily="18" charset="0"/>
+              </a:rPr>
+              <a:t>Wöger</a:t>
+            </a:r>
+            <a:r>
+              <a:rPr lang="en-US" altLang="ko-KR" dirty="0" smtClean="0">
+                <a:latin typeface="Times New Roman" panose="02020603050405020304" pitchFamily="18" charset="0"/>
+                <a:cs typeface="Times New Roman" panose="02020603050405020304" pitchFamily="18" charset="0"/>
+              </a:rPr>
+              <a:t>, “The Evaluation od Standard Uncertainty in the Presence of Limited Resolution of Indicating Devices,” </a:t>
+            </a:r>
+            <a:r>
+              <a:rPr lang="en-US" altLang="ko-KR" i="1" dirty="0" smtClean="0">
+                <a:latin typeface="Times New Roman" panose="02020603050405020304" pitchFamily="18" charset="0"/>
+                <a:cs typeface="Times New Roman" panose="02020603050405020304" pitchFamily="18" charset="0"/>
+              </a:rPr>
+              <a:t>Measurement Science and Technology</a:t>
+            </a:r>
+            <a:r>
+              <a:rPr lang="en-US" altLang="ko-KR" dirty="0" smtClean="0">
+                <a:latin typeface="Times New Roman" panose="02020603050405020304" pitchFamily="18" charset="0"/>
+                <a:cs typeface="Times New Roman" panose="02020603050405020304" pitchFamily="18" charset="0"/>
+              </a:rPr>
+              <a:t>, Vol. 8, 1997, pp. 441-443.</a:t>
+            </a:r>
+          </a:p>
+          <a:p>
+            <a:pPr marL="285750" indent="-285750">
+              <a:buFont typeface="Arial" panose="020B0604020202020204" pitchFamily="34" charset="0"/>
+              <a:buChar char="•"/>
+            </a:pPr>
+            <a:r>
+              <a:rPr lang="en-US" altLang="ko-KR" dirty="0" err="1">
+                <a:latin typeface="Times New Roman" panose="02020603050405020304" pitchFamily="18" charset="0"/>
+                <a:cs typeface="Times New Roman" panose="02020603050405020304" pitchFamily="18" charset="0"/>
+              </a:rPr>
+              <a:t>Withayachumnankul</a:t>
+            </a:r>
+            <a:r>
+              <a:rPr lang="en-US" altLang="ko-KR" dirty="0">
+                <a:latin typeface="Times New Roman" panose="02020603050405020304" pitchFamily="18" charset="0"/>
+                <a:cs typeface="Times New Roman" panose="02020603050405020304" pitchFamily="18" charset="0"/>
+              </a:rPr>
+              <a:t>, W., B. M. Fischer, H. Lin, and D. Abbott, “Uncertainty in terahertz time-domain </a:t>
+            </a:r>
+            <a:r>
+              <a:rPr lang="en-US" altLang="ko-KR" dirty="0" smtClean="0">
+                <a:latin typeface="Times New Roman" panose="02020603050405020304" pitchFamily="18" charset="0"/>
+                <a:cs typeface="Times New Roman" panose="02020603050405020304" pitchFamily="18" charset="0"/>
+              </a:rPr>
+              <a:t>spectroscopy measurement,” </a:t>
+            </a:r>
+            <a:r>
+              <a:rPr lang="en-US" altLang="ko-KR" i="1" dirty="0" smtClean="0">
+                <a:latin typeface="Times New Roman" panose="02020603050405020304" pitchFamily="18" charset="0"/>
+                <a:cs typeface="Times New Roman" panose="02020603050405020304" pitchFamily="18" charset="0"/>
+              </a:rPr>
+              <a:t>Journal of the Optical Society of America</a:t>
+            </a:r>
+            <a:r>
+              <a:rPr lang="en-US" altLang="ko-KR" dirty="0" smtClean="0">
+                <a:latin typeface="Times New Roman" panose="02020603050405020304" pitchFamily="18" charset="0"/>
+                <a:cs typeface="Times New Roman" panose="02020603050405020304" pitchFamily="18" charset="0"/>
+              </a:rPr>
+              <a:t>, Vol. 25, No. 6, 2008, pp. 0159-1072.</a:t>
+            </a:r>
+            <a:endParaRPr lang="en-US" altLang="ko-KR" dirty="0" smtClean="0">
+              <a:latin typeface="Times New Roman" panose="02020603050405020304" pitchFamily="18" charset="0"/>
+              <a:cs typeface="Times New Roman" panose="02020603050405020304" pitchFamily="18" charset="0"/>
+            </a:endParaRPr>
+          </a:p>
+        </p:txBody>
+      </p:sp>
+      <p:sp>
+        <p:nvSpPr>
+          <p:cNvPr id="3" name="날짜 개체 틀 2"/>
+          <p:cNvSpPr>
+            <a:spLocks noGrp="1"/>
+          </p:cNvSpPr>
+          <p:nvPr>
+            <p:ph type="dt" sz="half" idx="10"/>
+          </p:nvPr>
+        </p:nvSpPr>
+        <p:spPr/>
+        <p:txBody>
+          <a:bodyPr/>
+          <a:lstStyle/>
+          <a:p>
+            <a:fld id="{6509A91F-0059-474E-BAEC-65E67593FE25}" type="datetime1">
+              <a:rPr lang="ko-KR" altLang="en-US" smtClean="0"/>
+              <a:t>2018-03-23</a:t>
+            </a:fld>
+            <a:endParaRPr lang="ko-KR" altLang="en-US"/>
+          </a:p>
+        </p:txBody>
+      </p:sp>
+      <p:sp>
+        <p:nvSpPr>
+          <p:cNvPr id="4" name="슬라이드 번호 개체 틀 3"/>
+          <p:cNvSpPr>
+            <a:spLocks noGrp="1"/>
+          </p:cNvSpPr>
+          <p:nvPr>
+            <p:ph type="sldNum" sz="quarter" idx="12"/>
+          </p:nvPr>
+        </p:nvSpPr>
+        <p:spPr/>
+        <p:txBody>
+          <a:bodyPr/>
+          <a:lstStyle/>
+          <a:p>
+            <a:fld id="{8765F8EB-1186-4395-8E70-F957669279DD}" type="slidenum">
+              <a:rPr lang="ko-KR" altLang="en-US" smtClean="0"/>
+              <a:t>11</a:t>
+            </a:fld>
+            <a:endParaRPr lang="ko-KR" altLang="en-US"/>
+          </a:p>
+        </p:txBody>
+      </p:sp>
+    </p:spTree>
+    <p:extLst>
+      <p:ext uri="{BB962C8B-B14F-4D97-AF65-F5344CB8AC3E}">
+        <p14:creationId xmlns:p14="http://schemas.microsoft.com/office/powerpoint/2010/main" val="3518239763"/>
       </p:ext>
     </p:extLst>
   </p:cSld>
@@ -4420,7 +5343,7 @@
           <a:p>
             <a:fld id="{D71C2118-E1AA-468B-9259-8864ED518988}" type="datetime1">
               <a:rPr lang="ko-KR" altLang="en-US" smtClean="0"/>
-              <a:t>2018-03-21</a:t>
+              <a:t>2018-03-22</a:t>
             </a:fld>
             <a:endParaRPr lang="ko-KR" altLang="en-US"/>
           </a:p>
@@ -4629,7 +5552,7 @@
           <a:p>
             <a:fld id="{F85A177F-6FD3-496B-8A9C-B332CA04E863}" type="datetime1">
               <a:rPr lang="ko-KR" altLang="en-US" smtClean="0"/>
-              <a:t>2018-03-21</a:t>
+              <a:t>2018-03-22</a:t>
             </a:fld>
             <a:endParaRPr lang="ko-KR" altLang="en-US"/>
           </a:p>
@@ -4774,7 +5697,7 @@
           <a:p>
             <a:fld id="{53646E5C-8775-44A9-9523-40B6CCA06789}" type="datetime1">
               <a:rPr lang="ko-KR" altLang="en-US" smtClean="0"/>
-              <a:t>2018-03-21</a:t>
+              <a:t>2018-03-22</a:t>
             </a:fld>
             <a:endParaRPr lang="ko-KR" altLang="en-US"/>
           </a:p>
@@ -4996,8 +5919,8 @@
           </a:prstGeom>
         </p:spPr>
       </p:pic>
-      <mc:AlternateContent xmlns:mc="http://schemas.openxmlformats.org/markup-compatibility/2006">
-        <mc:Choice xmlns:a14="http://schemas.microsoft.com/office/drawing/2010/main" Requires="a14">
+      <mc:AlternateContent xmlns:mc="http://schemas.openxmlformats.org/markup-compatibility/2006" xmlns:a14="http://schemas.microsoft.com/office/drawing/2010/main">
+        <mc:Choice Requires="a14">
           <p:sp>
             <p:nvSpPr>
               <p:cNvPr id="9" name="TextBox 8"/>
@@ -5134,6 +6057,7 @@
                 </a:r>
               </a:p>
               <a:p>
+                <a:pPr/>
                 <a14:m>
                   <m:oMathPara xmlns:m="http://schemas.openxmlformats.org/officeDocument/2006/math">
                     <m:oMathParaPr>
@@ -5245,6 +6169,7 @@
                 <a:endParaRPr lang="en-US" altLang="ko-KR" sz="2000" dirty="0" smtClean="0"/>
               </a:p>
               <a:p>
+                <a:pPr/>
                 <a14:m>
                   <m:oMathPara xmlns:m="http://schemas.openxmlformats.org/officeDocument/2006/math">
                     <m:oMathParaPr>
@@ -5325,6 +6250,7 @@
                 <a:endParaRPr lang="en-US" altLang="ko-KR" sz="2000" dirty="0" smtClean="0"/>
               </a:p>
               <a:p>
+                <a:pPr/>
                 <a14:m>
                   <m:oMathPara xmlns:m="http://schemas.openxmlformats.org/officeDocument/2006/math">
                     <m:oMathParaPr>
@@ -5601,6 +6527,7 @@
                 </a:r>
               </a:p>
               <a:p>
+                <a:pPr/>
                 <a14:m>
                   <m:oMathPara xmlns:m="http://schemas.openxmlformats.org/officeDocument/2006/math">
                     <m:oMathParaPr>
@@ -5695,7 +6622,7 @@
             </p:txBody>
           </p:sp>
         </mc:Choice>
-        <mc:Fallback>
+        <mc:Fallback xmlns="">
           <p:sp>
             <p:nvSpPr>
               <p:cNvPr id="9" name="TextBox 8"/>
@@ -5830,12 +6757,6 @@
               </a:rPr>
               <a:t>1.2 Evaluation of Random and Systematic Errors</a:t>
             </a:r>
-            <a:endParaRPr lang="en-US" altLang="ko-KR" sz="2800" dirty="0" smtClean="0">
-              <a:solidFill>
-                <a:schemeClr val="bg1"/>
-              </a:solidFill>
-              <a:latin typeface="Arial" panose="020B0604020202020204" pitchFamily="34" charset="0"/>
-            </a:endParaRPr>
           </a:p>
         </p:txBody>
       </p:sp>
@@ -5856,7 +6777,7 @@
           <a:p>
             <a:fld id="{53646E5C-8775-44A9-9523-40B6CCA06789}" type="datetime1">
               <a:rPr lang="ko-KR" altLang="en-US" smtClean="0"/>
-              <a:t>2018-03-21</a:t>
+              <a:t>2018-03-22</a:t>
             </a:fld>
             <a:endParaRPr lang="ko-KR" altLang="en-US"/>
           </a:p>
@@ -5885,89 +6806,991 @@
           </a:p>
         </p:txBody>
       </p:sp>
-      <p:sp>
-        <p:nvSpPr>
-          <p:cNvPr id="18" name="TextBox 17"/>
-          <p:cNvSpPr txBox="1"/>
-          <p:nvPr/>
-        </p:nvSpPr>
-        <p:spPr>
-          <a:xfrm>
-            <a:off x="720969" y="914202"/>
-            <a:ext cx="7794381" cy="1631216"/>
-          </a:xfrm>
-          <a:prstGeom prst="rect">
-            <a:avLst/>
-          </a:prstGeom>
-          <a:noFill/>
-        </p:spPr>
-        <p:txBody>
-          <a:bodyPr wrap="square" rtlCol="0">
-            <a:spAutoFit/>
-          </a:bodyPr>
-          <a:lstStyle/>
-          <a:p>
-            <a:pPr marL="342900" indent="-342900">
-              <a:buFont typeface="Arial" panose="020B0604020202020204" pitchFamily="34" charset="0"/>
-              <a:buChar char="•"/>
-            </a:pPr>
-            <a:r>
-              <a:rPr lang="en-US" altLang="ko-KR" sz="2000" b="1" dirty="0" smtClean="0"/>
-              <a:t>Type A uncertainty</a:t>
-            </a:r>
-            <a:r>
-              <a:rPr lang="en-US" altLang="ko-KR" sz="2000" dirty="0" smtClean="0"/>
-              <a:t>: Random uncertainties</a:t>
-            </a:r>
-          </a:p>
-          <a:p>
-            <a:r>
-              <a:rPr lang="en-US" altLang="ko-KR" sz="2000" dirty="0">
-                <a:sym typeface="Wingdings" panose="05000000000000000000" pitchFamily="2" charset="2"/>
-              </a:rPr>
-              <a:t>	</a:t>
-            </a:r>
-            <a:r>
-              <a:rPr lang="en-US" altLang="ko-KR" sz="2000" dirty="0" smtClean="0">
-                <a:sym typeface="Wingdings" panose="05000000000000000000" pitchFamily="2" charset="2"/>
-              </a:rPr>
-              <a:t> averaging</a:t>
-            </a:r>
-          </a:p>
-          <a:p>
-            <a:endParaRPr lang="en-US" altLang="ko-KR" sz="2000" dirty="0" smtClean="0"/>
-          </a:p>
-          <a:p>
-            <a:pPr marL="342900" indent="-342900">
-              <a:buFont typeface="Arial" panose="020B0604020202020204" pitchFamily="34" charset="0"/>
-              <a:buChar char="•"/>
-            </a:pPr>
-            <a:r>
-              <a:rPr lang="en-US" altLang="ko-KR" sz="2000" b="1" dirty="0" smtClean="0"/>
-              <a:t>Type B uncertainty</a:t>
-            </a:r>
-            <a:r>
-              <a:rPr lang="en-US" altLang="ko-KR" sz="2000" dirty="0" smtClean="0"/>
-              <a:t>: Systematic uncertainties</a:t>
-            </a:r>
-          </a:p>
-          <a:p>
-            <a:r>
-              <a:rPr lang="en-US" altLang="ko-KR" sz="2000" dirty="0">
-                <a:sym typeface="Wingdings" panose="05000000000000000000" pitchFamily="2" charset="2"/>
-              </a:rPr>
-              <a:t>	</a:t>
-            </a:r>
-            <a:r>
-              <a:rPr lang="en-US" altLang="ko-KR" sz="2000" dirty="0" smtClean="0">
-                <a:sym typeface="Wingdings" panose="05000000000000000000" pitchFamily="2" charset="2"/>
-              </a:rPr>
-              <a:t> cannot be analyzed with statistics</a:t>
-            </a:r>
-            <a:endParaRPr lang="en-US" altLang="ko-KR" sz="2000" dirty="0" smtClean="0"/>
-          </a:p>
-        </p:txBody>
-      </p:sp>
+      <mc:AlternateContent xmlns:mc="http://schemas.openxmlformats.org/markup-compatibility/2006">
+        <mc:Choice xmlns:a14="http://schemas.microsoft.com/office/drawing/2010/main" Requires="a14">
+          <p:sp>
+            <p:nvSpPr>
+              <p:cNvPr id="18" name="TextBox 17"/>
+              <p:cNvSpPr txBox="1"/>
+              <p:nvPr/>
+            </p:nvSpPr>
+            <p:spPr>
+              <a:xfrm>
+                <a:off x="720969" y="914202"/>
+                <a:ext cx="7794381" cy="4321055"/>
+              </a:xfrm>
+              <a:prstGeom prst="rect">
+                <a:avLst/>
+              </a:prstGeom>
+              <a:noFill/>
+            </p:spPr>
+            <p:txBody>
+              <a:bodyPr wrap="square" rtlCol="0">
+                <a:spAutoFit/>
+              </a:bodyPr>
+              <a:lstStyle/>
+              <a:p>
+                <a:pPr marL="342900" indent="-342900">
+                  <a:buFont typeface="Arial" panose="020B0604020202020204" pitchFamily="34" charset="0"/>
+                  <a:buChar char="•"/>
+                </a:pPr>
+                <a:r>
+                  <a:rPr lang="en-US" altLang="ko-KR" sz="2000" b="1" dirty="0" smtClean="0"/>
+                  <a:t>Confidence interval</a:t>
+                </a:r>
+                <a:r>
+                  <a:rPr lang="en-US" altLang="ko-KR" sz="2000" dirty="0" smtClean="0"/>
+                  <a:t>:</a:t>
+                </a:r>
+              </a:p>
+              <a:p>
+                <a14:m>
+                  <m:oMathPara xmlns:m="http://schemas.openxmlformats.org/officeDocument/2006/math">
+                    <m:oMathParaPr>
+                      <m:jc m:val="centerGroup"/>
+                    </m:oMathParaPr>
+                    <m:oMath xmlns:m="http://schemas.openxmlformats.org/officeDocument/2006/math">
+                      <m:acc>
+                        <m:accPr>
+                          <m:chr m:val="̅"/>
+                          <m:ctrlPr>
+                            <a:rPr lang="ko-KR" altLang="en-US" sz="2000" i="1">
+                              <a:latin typeface="Cambria Math" panose="02040503050406030204" pitchFamily="18" charset="0"/>
+                            </a:rPr>
+                          </m:ctrlPr>
+                        </m:accPr>
+                        <m:e>
+                          <m:r>
+                            <a:rPr lang="en-US" altLang="ko-KR" sz="2000" i="1">
+                              <a:latin typeface="Cambria Math" panose="02040503050406030204" pitchFamily="18" charset="0"/>
+                            </a:rPr>
+                            <m:t>𝑥</m:t>
+                          </m:r>
+                        </m:e>
+                      </m:acc>
+                      <m:r>
+                        <a:rPr lang="en-US" altLang="ko-KR" sz="2000" i="1">
+                          <a:latin typeface="Cambria Math" panose="02040503050406030204" pitchFamily="18" charset="0"/>
+                        </a:rPr>
+                        <m:t>−</m:t>
+                      </m:r>
+                      <m:f>
+                        <m:fPr>
+                          <m:ctrlPr>
+                            <a:rPr lang="en-US" altLang="ko-KR" sz="2000" i="1">
+                              <a:latin typeface="Cambria Math" panose="02040503050406030204" pitchFamily="18" charset="0"/>
+                            </a:rPr>
+                          </m:ctrlPr>
+                        </m:fPr>
+                        <m:num>
+                          <m:sSub>
+                            <m:sSubPr>
+                              <m:ctrlPr>
+                                <a:rPr lang="en-US" altLang="ko-KR" sz="2000" i="1">
+                                  <a:latin typeface="Cambria Math" panose="02040503050406030204" pitchFamily="18" charset="0"/>
+                                </a:rPr>
+                              </m:ctrlPr>
+                            </m:sSubPr>
+                            <m:e>
+                              <m:r>
+                                <a:rPr lang="en-US" altLang="ko-KR" sz="2000" i="1">
+                                  <a:latin typeface="Cambria Math" panose="02040503050406030204" pitchFamily="18" charset="0"/>
+                                </a:rPr>
+                                <m:t>𝑡</m:t>
+                              </m:r>
+                            </m:e>
+                            <m:sub>
+                              <m:r>
+                                <a:rPr lang="en-US" altLang="ko-KR" sz="2000" i="1">
+                                  <a:latin typeface="Cambria Math" panose="02040503050406030204" pitchFamily="18" charset="0"/>
+                                </a:rPr>
+                                <m:t>𝑃</m:t>
+                              </m:r>
+                            </m:sub>
+                          </m:sSub>
+                        </m:num>
+                        <m:den>
+                          <m:rad>
+                            <m:radPr>
+                              <m:degHide m:val="on"/>
+                              <m:ctrlPr>
+                                <a:rPr lang="en-US" altLang="ko-KR" sz="2000" i="1">
+                                  <a:latin typeface="Cambria Math" panose="02040503050406030204" pitchFamily="18" charset="0"/>
+                                </a:rPr>
+                              </m:ctrlPr>
+                            </m:radPr>
+                            <m:deg/>
+                            <m:e>
+                              <m:r>
+                                <a:rPr lang="en-US" altLang="ko-KR" sz="2000" i="1">
+                                  <a:latin typeface="Cambria Math" panose="02040503050406030204" pitchFamily="18" charset="0"/>
+                                </a:rPr>
+                                <m:t>𝑁</m:t>
+                              </m:r>
+                            </m:e>
+                          </m:rad>
+                        </m:den>
+                      </m:f>
+                      <m:sSub>
+                        <m:sSubPr>
+                          <m:ctrlPr>
+                            <a:rPr lang="en-US" altLang="ko-KR" sz="2000" i="1">
+                              <a:latin typeface="Cambria Math" panose="02040503050406030204" pitchFamily="18" charset="0"/>
+                            </a:rPr>
+                          </m:ctrlPr>
+                        </m:sSubPr>
+                        <m:e>
+                          <m:r>
+                            <a:rPr lang="en-US" altLang="ko-KR" sz="2000" i="1">
+                              <a:latin typeface="Cambria Math" panose="02040503050406030204" pitchFamily="18" charset="0"/>
+                            </a:rPr>
+                            <m:t>𝑠</m:t>
+                          </m:r>
+                        </m:e>
+                        <m:sub>
+                          <m:r>
+                            <a:rPr lang="en-US" altLang="ko-KR" sz="2000" i="1">
+                              <a:latin typeface="Cambria Math" panose="02040503050406030204" pitchFamily="18" charset="0"/>
+                            </a:rPr>
+                            <m:t>𝑥</m:t>
+                          </m:r>
+                        </m:sub>
+                      </m:sSub>
+                      <m:r>
+                        <a:rPr lang="en-US" altLang="ko-KR" sz="2000" i="1">
+                          <a:latin typeface="Cambria Math" panose="02040503050406030204" pitchFamily="18" charset="0"/>
+                          <a:ea typeface="Cambria Math" panose="02040503050406030204" pitchFamily="18" charset="0"/>
+                        </a:rPr>
+                        <m:t>≤</m:t>
+                      </m:r>
+                      <m:sSub>
+                        <m:sSubPr>
+                          <m:ctrlPr>
+                            <a:rPr lang="en-US" altLang="ko-KR" sz="2000" i="1">
+                              <a:latin typeface="Cambria Math" panose="02040503050406030204" pitchFamily="18" charset="0"/>
+                              <a:ea typeface="Cambria Math" panose="02040503050406030204" pitchFamily="18" charset="0"/>
+                            </a:rPr>
+                          </m:ctrlPr>
+                        </m:sSubPr>
+                        <m:e>
+                          <m:r>
+                            <a:rPr lang="en-US" altLang="ko-KR" sz="2000" i="1">
+                              <a:latin typeface="Cambria Math" panose="02040503050406030204" pitchFamily="18" charset="0"/>
+                              <a:ea typeface="Cambria Math" panose="02040503050406030204" pitchFamily="18" charset="0"/>
+                            </a:rPr>
+                            <m:t>𝜇</m:t>
+                          </m:r>
+                        </m:e>
+                        <m:sub>
+                          <m:r>
+                            <a:rPr lang="en-US" altLang="ko-KR" sz="2000" i="1">
+                              <a:latin typeface="Cambria Math" panose="02040503050406030204" pitchFamily="18" charset="0"/>
+                              <a:ea typeface="Cambria Math" panose="02040503050406030204" pitchFamily="18" charset="0"/>
+                            </a:rPr>
+                            <m:t>𝑥</m:t>
+                          </m:r>
+                        </m:sub>
+                      </m:sSub>
+                      <m:r>
+                        <a:rPr lang="en-US" altLang="ko-KR" sz="2000" i="1">
+                          <a:latin typeface="Cambria Math" panose="02040503050406030204" pitchFamily="18" charset="0"/>
+                          <a:ea typeface="Cambria Math" panose="02040503050406030204" pitchFamily="18" charset="0"/>
+                        </a:rPr>
+                        <m:t>≤</m:t>
+                      </m:r>
+                      <m:acc>
+                        <m:accPr>
+                          <m:chr m:val="̅"/>
+                          <m:ctrlPr>
+                            <a:rPr lang="ko-KR" altLang="en-US" sz="2000" i="1">
+                              <a:latin typeface="Cambria Math" panose="02040503050406030204" pitchFamily="18" charset="0"/>
+                            </a:rPr>
+                          </m:ctrlPr>
+                        </m:accPr>
+                        <m:e>
+                          <m:r>
+                            <a:rPr lang="en-US" altLang="ko-KR" sz="2000" i="1">
+                              <a:latin typeface="Cambria Math" panose="02040503050406030204" pitchFamily="18" charset="0"/>
+                            </a:rPr>
+                            <m:t>𝑥</m:t>
+                          </m:r>
+                        </m:e>
+                      </m:acc>
+                      <m:r>
+                        <a:rPr lang="en-US" altLang="ko-KR" sz="2000" i="1">
+                          <a:latin typeface="Cambria Math" panose="02040503050406030204" pitchFamily="18" charset="0"/>
+                        </a:rPr>
+                        <m:t>+</m:t>
+                      </m:r>
+                      <m:f>
+                        <m:fPr>
+                          <m:ctrlPr>
+                            <a:rPr lang="en-US" altLang="ko-KR" sz="2000" i="1">
+                              <a:latin typeface="Cambria Math" panose="02040503050406030204" pitchFamily="18" charset="0"/>
+                            </a:rPr>
+                          </m:ctrlPr>
+                        </m:fPr>
+                        <m:num>
+                          <m:sSub>
+                            <m:sSubPr>
+                              <m:ctrlPr>
+                                <a:rPr lang="en-US" altLang="ko-KR" sz="2000" i="1">
+                                  <a:latin typeface="Cambria Math" panose="02040503050406030204" pitchFamily="18" charset="0"/>
+                                </a:rPr>
+                              </m:ctrlPr>
+                            </m:sSubPr>
+                            <m:e>
+                              <m:r>
+                                <a:rPr lang="en-US" altLang="ko-KR" sz="2000" i="1">
+                                  <a:latin typeface="Cambria Math" panose="02040503050406030204" pitchFamily="18" charset="0"/>
+                                </a:rPr>
+                                <m:t>𝑡</m:t>
+                              </m:r>
+                            </m:e>
+                            <m:sub>
+                              <m:r>
+                                <a:rPr lang="en-US" altLang="ko-KR" sz="2000" i="1">
+                                  <a:latin typeface="Cambria Math" panose="02040503050406030204" pitchFamily="18" charset="0"/>
+                                </a:rPr>
+                                <m:t>𝑃</m:t>
+                              </m:r>
+                            </m:sub>
+                          </m:sSub>
+                        </m:num>
+                        <m:den>
+                          <m:rad>
+                            <m:radPr>
+                              <m:degHide m:val="on"/>
+                              <m:ctrlPr>
+                                <a:rPr lang="en-US" altLang="ko-KR" sz="2000" i="1">
+                                  <a:latin typeface="Cambria Math" panose="02040503050406030204" pitchFamily="18" charset="0"/>
+                                </a:rPr>
+                              </m:ctrlPr>
+                            </m:radPr>
+                            <m:deg/>
+                            <m:e>
+                              <m:r>
+                                <a:rPr lang="en-US" altLang="ko-KR" sz="2000" i="1">
+                                  <a:latin typeface="Cambria Math" panose="02040503050406030204" pitchFamily="18" charset="0"/>
+                                </a:rPr>
+                                <m:t>𝑁</m:t>
+                              </m:r>
+                            </m:e>
+                          </m:rad>
+                        </m:den>
+                      </m:f>
+                      <m:sSub>
+                        <m:sSubPr>
+                          <m:ctrlPr>
+                            <a:rPr lang="en-US" altLang="ko-KR" sz="2000" i="1">
+                              <a:latin typeface="Cambria Math" panose="02040503050406030204" pitchFamily="18" charset="0"/>
+                            </a:rPr>
+                          </m:ctrlPr>
+                        </m:sSubPr>
+                        <m:e>
+                          <m:r>
+                            <a:rPr lang="en-US" altLang="ko-KR" sz="2000" i="1">
+                              <a:latin typeface="Cambria Math" panose="02040503050406030204" pitchFamily="18" charset="0"/>
+                            </a:rPr>
+                            <m:t>𝑠</m:t>
+                          </m:r>
+                        </m:e>
+                        <m:sub>
+                          <m:r>
+                            <a:rPr lang="en-US" altLang="ko-KR" sz="2000" i="1">
+                              <a:latin typeface="Cambria Math" panose="02040503050406030204" pitchFamily="18" charset="0"/>
+                            </a:rPr>
+                            <m:t>𝑥</m:t>
+                          </m:r>
+                        </m:sub>
+                      </m:sSub>
+                    </m:oMath>
+                  </m:oMathPara>
+                </a14:m>
+                <a:endParaRPr lang="en-US" altLang="ko-KR" sz="2000" dirty="0" smtClean="0"/>
+              </a:p>
+              <a:p>
+                <a:pPr marL="342900" indent="-342900">
+                  <a:buFont typeface="Arial" panose="020B0604020202020204" pitchFamily="34" charset="0"/>
+                  <a:buChar char="•"/>
+                </a:pPr>
+                <a:r>
+                  <a:rPr lang="en-US" altLang="ko-KR" sz="2000" b="1" dirty="0" smtClean="0"/>
+                  <a:t>Empirical variance</a:t>
+                </a:r>
+                <a:r>
+                  <a:rPr lang="en-US" altLang="ko-KR" sz="2000" dirty="0" smtClean="0"/>
+                  <a:t>:</a:t>
+                </a:r>
+              </a:p>
+              <a:p>
+                <a14:m>
+                  <m:oMathPara xmlns:m="http://schemas.openxmlformats.org/officeDocument/2006/math">
+                    <m:oMathParaPr>
+                      <m:jc m:val="centerGroup"/>
+                    </m:oMathParaPr>
+                    <m:oMath xmlns:m="http://schemas.openxmlformats.org/officeDocument/2006/math">
+                      <m:sSubSup>
+                        <m:sSubSupPr>
+                          <m:ctrlPr>
+                            <a:rPr lang="en-US" altLang="ko-KR" sz="2000" b="0" i="1" smtClean="0">
+                              <a:latin typeface="Cambria Math" panose="02040503050406030204" pitchFamily="18" charset="0"/>
+                            </a:rPr>
+                          </m:ctrlPr>
+                        </m:sSubSupPr>
+                        <m:e>
+                          <m:r>
+                            <a:rPr lang="en-US" altLang="ko-KR" sz="2000" b="0" i="1" smtClean="0">
+                              <a:latin typeface="Cambria Math" panose="02040503050406030204" pitchFamily="18" charset="0"/>
+                            </a:rPr>
+                            <m:t>𝑠</m:t>
+                          </m:r>
+                        </m:e>
+                        <m:sub>
+                          <m:r>
+                            <a:rPr lang="en-US" altLang="ko-KR" sz="2000" b="0" i="1" smtClean="0">
+                              <a:latin typeface="Cambria Math" panose="02040503050406030204" pitchFamily="18" charset="0"/>
+                            </a:rPr>
+                            <m:t>𝑥</m:t>
+                          </m:r>
+                        </m:sub>
+                        <m:sup>
+                          <m:r>
+                            <a:rPr lang="en-US" altLang="ko-KR" sz="2000" b="0" i="1" smtClean="0">
+                              <a:latin typeface="Cambria Math" panose="02040503050406030204" pitchFamily="18" charset="0"/>
+                            </a:rPr>
+                            <m:t>2</m:t>
+                          </m:r>
+                        </m:sup>
+                      </m:sSubSup>
+                      <m:r>
+                        <a:rPr lang="en-US" altLang="ko-KR" sz="2000" b="0" i="1" smtClean="0">
+                          <a:latin typeface="Cambria Math" panose="02040503050406030204" pitchFamily="18" charset="0"/>
+                        </a:rPr>
+                        <m:t>=</m:t>
+                      </m:r>
+                      <m:f>
+                        <m:fPr>
+                          <m:ctrlPr>
+                            <a:rPr lang="en-US" altLang="ko-KR" sz="2000" b="0" i="1" smtClean="0">
+                              <a:latin typeface="Cambria Math" panose="02040503050406030204" pitchFamily="18" charset="0"/>
+                            </a:rPr>
+                          </m:ctrlPr>
+                        </m:fPr>
+                        <m:num>
+                          <m:r>
+                            <a:rPr lang="en-US" altLang="ko-KR" sz="2000" b="0" i="1" smtClean="0">
+                              <a:latin typeface="Cambria Math" panose="02040503050406030204" pitchFamily="18" charset="0"/>
+                            </a:rPr>
+                            <m:t>1</m:t>
+                          </m:r>
+                        </m:num>
+                        <m:den>
+                          <m:r>
+                            <a:rPr lang="en-US" altLang="ko-KR" sz="2000" b="0" i="1" smtClean="0">
+                              <a:latin typeface="Cambria Math" panose="02040503050406030204" pitchFamily="18" charset="0"/>
+                            </a:rPr>
+                            <m:t>𝑁</m:t>
+                          </m:r>
+                          <m:r>
+                            <a:rPr lang="en-US" altLang="ko-KR" sz="2000" b="0" i="1" smtClean="0">
+                              <a:latin typeface="Cambria Math" panose="02040503050406030204" pitchFamily="18" charset="0"/>
+                            </a:rPr>
+                            <m:t>−1</m:t>
+                          </m:r>
+                        </m:den>
+                      </m:f>
+                      <m:nary>
+                        <m:naryPr>
+                          <m:chr m:val="∑"/>
+                          <m:ctrlPr>
+                            <a:rPr lang="en-US" altLang="ko-KR" sz="2000" b="0" i="1" smtClean="0">
+                              <a:latin typeface="Cambria Math" panose="02040503050406030204" pitchFamily="18" charset="0"/>
+                            </a:rPr>
+                          </m:ctrlPr>
+                        </m:naryPr>
+                        <m:sub>
+                          <m:r>
+                            <m:rPr>
+                              <m:brk m:alnAt="23"/>
+                            </m:rPr>
+                            <a:rPr lang="en-US" altLang="ko-KR" sz="2000" b="0" i="1" smtClean="0">
+                              <a:latin typeface="Cambria Math" panose="02040503050406030204" pitchFamily="18" charset="0"/>
+                            </a:rPr>
+                            <m:t>𝑙</m:t>
+                          </m:r>
+                          <m:r>
+                            <a:rPr lang="en-US" altLang="ko-KR" sz="2000" b="0" i="1" smtClean="0">
+                              <a:latin typeface="Cambria Math" panose="02040503050406030204" pitchFamily="18" charset="0"/>
+                            </a:rPr>
+                            <m:t>=1</m:t>
+                          </m:r>
+                        </m:sub>
+                        <m:sup>
+                          <m:r>
+                            <a:rPr lang="en-US" altLang="ko-KR" sz="2000" b="0" i="1" smtClean="0">
+                              <a:latin typeface="Cambria Math" panose="02040503050406030204" pitchFamily="18" charset="0"/>
+                            </a:rPr>
+                            <m:t>𝑁</m:t>
+                          </m:r>
+                        </m:sup>
+                        <m:e>
+                          <m:sSup>
+                            <m:sSupPr>
+                              <m:ctrlPr>
+                                <a:rPr lang="en-US" altLang="ko-KR" sz="2000" b="0" i="1" smtClean="0">
+                                  <a:latin typeface="Cambria Math" panose="02040503050406030204" pitchFamily="18" charset="0"/>
+                                </a:rPr>
+                              </m:ctrlPr>
+                            </m:sSupPr>
+                            <m:e>
+                              <m:d>
+                                <m:dPr>
+                                  <m:ctrlPr>
+                                    <a:rPr lang="en-US" altLang="ko-KR" sz="2000" b="0" i="1" smtClean="0">
+                                      <a:latin typeface="Cambria Math" panose="02040503050406030204" pitchFamily="18" charset="0"/>
+                                    </a:rPr>
+                                  </m:ctrlPr>
+                                </m:dPr>
+                                <m:e>
+                                  <m:sSub>
+                                    <m:sSubPr>
+                                      <m:ctrlPr>
+                                        <a:rPr lang="en-US" altLang="ko-KR" sz="2000" b="0" i="1" smtClean="0">
+                                          <a:latin typeface="Cambria Math" panose="02040503050406030204" pitchFamily="18" charset="0"/>
+                                        </a:rPr>
+                                      </m:ctrlPr>
+                                    </m:sSubPr>
+                                    <m:e>
+                                      <m:r>
+                                        <a:rPr lang="en-US" altLang="ko-KR" sz="2000" b="0" i="1" smtClean="0">
+                                          <a:latin typeface="Cambria Math" panose="02040503050406030204" pitchFamily="18" charset="0"/>
+                                        </a:rPr>
+                                        <m:t>𝑥</m:t>
+                                      </m:r>
+                                    </m:e>
+                                    <m:sub>
+                                      <m:r>
+                                        <a:rPr lang="en-US" altLang="ko-KR" sz="2000" b="0" i="1" smtClean="0">
+                                          <a:latin typeface="Cambria Math" panose="02040503050406030204" pitchFamily="18" charset="0"/>
+                                        </a:rPr>
+                                        <m:t>𝑙</m:t>
+                                      </m:r>
+                                    </m:sub>
+                                  </m:sSub>
+                                  <m:r>
+                                    <a:rPr lang="en-US" altLang="ko-KR" sz="2000" b="0" i="1" smtClean="0">
+                                      <a:latin typeface="Cambria Math" panose="02040503050406030204" pitchFamily="18" charset="0"/>
+                                    </a:rPr>
+                                    <m:t>−</m:t>
+                                  </m:r>
+                                  <m:acc>
+                                    <m:accPr>
+                                      <m:chr m:val="̅"/>
+                                      <m:ctrlPr>
+                                        <a:rPr lang="en-US" altLang="ko-KR" sz="2000" b="0" i="1" smtClean="0">
+                                          <a:latin typeface="Cambria Math" panose="02040503050406030204" pitchFamily="18" charset="0"/>
+                                        </a:rPr>
+                                      </m:ctrlPr>
+                                    </m:accPr>
+                                    <m:e>
+                                      <m:r>
+                                        <a:rPr lang="en-US" altLang="ko-KR" sz="2000" b="0" i="1" smtClean="0">
+                                          <a:latin typeface="Cambria Math" panose="02040503050406030204" pitchFamily="18" charset="0"/>
+                                        </a:rPr>
+                                        <m:t>𝑥</m:t>
+                                      </m:r>
+                                    </m:e>
+                                  </m:acc>
+                                </m:e>
+                              </m:d>
+                            </m:e>
+                            <m:sup>
+                              <m:r>
+                                <a:rPr lang="en-US" altLang="ko-KR" sz="2000" b="0" i="1" smtClean="0">
+                                  <a:latin typeface="Cambria Math" panose="02040503050406030204" pitchFamily="18" charset="0"/>
+                                </a:rPr>
+                                <m:t>2</m:t>
+                              </m:r>
+                            </m:sup>
+                          </m:sSup>
+                        </m:e>
+                      </m:nary>
+                    </m:oMath>
+                  </m:oMathPara>
+                </a14:m>
+                <a:endParaRPr lang="en-US" altLang="ko-KR" sz="2000" dirty="0" smtClean="0"/>
+              </a:p>
+              <a:p>
+                <a:pPr marL="342900" indent="-342900">
+                  <a:buFont typeface="Arial" panose="020B0604020202020204" pitchFamily="34" charset="0"/>
+                  <a:buChar char="•"/>
+                </a:pPr>
+                <a:r>
+                  <a:rPr lang="en-US" altLang="ko-KR" sz="2000" dirty="0" smtClean="0"/>
+                  <a:t>Rectangular probability distribution represents a systematic error.</a:t>
+                </a:r>
+              </a:p>
+              <a:p>
+                <a:pPr algn="r"/>
+                <a14:m>
+                  <m:oMath xmlns:m="http://schemas.openxmlformats.org/officeDocument/2006/math">
+                    <m:sSub>
+                      <m:sSubPr>
+                        <m:ctrlPr>
+                          <a:rPr lang="en-US" altLang="ko-KR" sz="2000" b="0" i="1" smtClean="0">
+                            <a:latin typeface="Cambria Math" panose="02040503050406030204" pitchFamily="18" charset="0"/>
+                          </a:rPr>
+                        </m:ctrlPr>
+                      </m:sSubPr>
+                      <m:e>
+                        <m:r>
+                          <a:rPr lang="en-US" altLang="ko-KR" sz="2000" b="0" i="1" smtClean="0">
+                            <a:latin typeface="Cambria Math" panose="02040503050406030204" pitchFamily="18" charset="0"/>
+                          </a:rPr>
+                          <m:t>𝑢</m:t>
+                        </m:r>
+                      </m:e>
+                      <m:sub>
+                        <m:acc>
+                          <m:accPr>
+                            <m:chr m:val="̅"/>
+                            <m:ctrlPr>
+                              <a:rPr lang="en-US" altLang="ko-KR" sz="2000" b="0" i="1" smtClean="0">
+                                <a:latin typeface="Cambria Math" panose="02040503050406030204" pitchFamily="18" charset="0"/>
+                              </a:rPr>
+                            </m:ctrlPr>
+                          </m:accPr>
+                          <m:e>
+                            <m:r>
+                              <a:rPr lang="en-US" altLang="ko-KR" sz="2000" b="0" i="1" smtClean="0">
+                                <a:latin typeface="Cambria Math" panose="02040503050406030204" pitchFamily="18" charset="0"/>
+                              </a:rPr>
+                              <m:t>𝑥</m:t>
+                            </m:r>
+                          </m:e>
+                        </m:acc>
+                      </m:sub>
+                    </m:sSub>
+                    <m:r>
+                      <a:rPr lang="en-US" altLang="ko-KR" sz="2000" b="0" i="1" smtClean="0">
+                        <a:latin typeface="Cambria Math" panose="02040503050406030204" pitchFamily="18" charset="0"/>
+                      </a:rPr>
+                      <m:t>=</m:t>
+                    </m:r>
+                    <m:sSub>
+                      <m:sSubPr>
+                        <m:ctrlPr>
+                          <a:rPr lang="en-US" altLang="ko-KR" sz="2000" b="0" i="1" smtClean="0">
+                            <a:latin typeface="Cambria Math" panose="02040503050406030204" pitchFamily="18" charset="0"/>
+                          </a:rPr>
+                        </m:ctrlPr>
+                      </m:sSubPr>
+                      <m:e>
+                        <m:r>
+                          <a:rPr lang="en-US" altLang="ko-KR" sz="2000" b="0" i="1" smtClean="0">
+                            <a:latin typeface="Cambria Math" panose="02040503050406030204" pitchFamily="18" charset="0"/>
+                          </a:rPr>
+                          <m:t>𝑘</m:t>
+                        </m:r>
+                      </m:e>
+                      <m:sub>
+                        <m:r>
+                          <a:rPr lang="en-US" altLang="ko-KR" sz="2000" b="0" i="1" smtClean="0">
+                            <a:latin typeface="Cambria Math" panose="02040503050406030204" pitchFamily="18" charset="0"/>
+                          </a:rPr>
+                          <m:t>𝑃</m:t>
+                        </m:r>
+                      </m:sub>
+                    </m:sSub>
+                    <m:rad>
+                      <m:radPr>
+                        <m:degHide m:val="on"/>
+                        <m:ctrlPr>
+                          <a:rPr lang="en-US" altLang="ko-KR" sz="2000" b="0" i="1" smtClean="0">
+                            <a:latin typeface="Cambria Math" panose="02040503050406030204" pitchFamily="18" charset="0"/>
+                          </a:rPr>
+                        </m:ctrlPr>
+                      </m:radPr>
+                      <m:deg/>
+                      <m:e>
+                        <m:f>
+                          <m:fPr>
+                            <m:ctrlPr>
+                              <a:rPr lang="en-US" altLang="ko-KR" sz="2000" b="0" i="1" smtClean="0">
+                                <a:latin typeface="Cambria Math" panose="02040503050406030204" pitchFamily="18" charset="0"/>
+                              </a:rPr>
+                            </m:ctrlPr>
+                          </m:fPr>
+                          <m:num>
+                            <m:sSubSup>
+                              <m:sSubSupPr>
+                                <m:ctrlPr>
+                                  <a:rPr lang="en-US" altLang="ko-KR" sz="2000" b="0" i="1" smtClean="0">
+                                    <a:latin typeface="Cambria Math" panose="02040503050406030204" pitchFamily="18" charset="0"/>
+                                  </a:rPr>
+                                </m:ctrlPr>
+                              </m:sSubSupPr>
+                              <m:e>
+                                <m:r>
+                                  <a:rPr lang="en-US" altLang="ko-KR" sz="2000" b="0" i="1" smtClean="0">
+                                    <a:latin typeface="Cambria Math" panose="02040503050406030204" pitchFamily="18" charset="0"/>
+                                  </a:rPr>
+                                  <m:t>𝑠</m:t>
+                                </m:r>
+                              </m:e>
+                              <m:sub>
+                                <m:r>
+                                  <a:rPr lang="en-US" altLang="ko-KR" sz="2000" b="0" i="1" smtClean="0">
+                                    <a:latin typeface="Cambria Math" panose="02040503050406030204" pitchFamily="18" charset="0"/>
+                                  </a:rPr>
+                                  <m:t>𝑥</m:t>
+                                </m:r>
+                              </m:sub>
+                              <m:sup>
+                                <m:r>
+                                  <a:rPr lang="en-US" altLang="ko-KR" sz="2000" b="0" i="1" smtClean="0">
+                                    <a:latin typeface="Cambria Math" panose="02040503050406030204" pitchFamily="18" charset="0"/>
+                                  </a:rPr>
+                                  <m:t>2</m:t>
+                                </m:r>
+                              </m:sup>
+                            </m:sSubSup>
+                          </m:num>
+                          <m:den>
+                            <m:r>
+                              <a:rPr lang="en-US" altLang="ko-KR" sz="2000" b="0" i="1" smtClean="0">
+                                <a:latin typeface="Cambria Math" panose="02040503050406030204" pitchFamily="18" charset="0"/>
+                              </a:rPr>
+                              <m:t>𝑁</m:t>
+                            </m:r>
+                          </m:den>
+                        </m:f>
+                        <m:r>
+                          <a:rPr lang="en-US" altLang="ko-KR" sz="2000" b="0" i="1" smtClean="0">
+                            <a:latin typeface="Cambria Math" panose="02040503050406030204" pitchFamily="18" charset="0"/>
+                          </a:rPr>
+                          <m:t>+</m:t>
+                        </m:r>
+                        <m:f>
+                          <m:fPr>
+                            <m:ctrlPr>
+                              <a:rPr lang="en-US" altLang="ko-KR" sz="2000" b="0" i="1" smtClean="0">
+                                <a:latin typeface="Cambria Math" panose="02040503050406030204" pitchFamily="18" charset="0"/>
+                              </a:rPr>
+                            </m:ctrlPr>
+                          </m:fPr>
+                          <m:num>
+                            <m:sSubSup>
+                              <m:sSubSupPr>
+                                <m:ctrlPr>
+                                  <a:rPr lang="en-US" altLang="ko-KR" sz="2000" b="0" i="1" smtClean="0">
+                                    <a:latin typeface="Cambria Math" panose="02040503050406030204" pitchFamily="18" charset="0"/>
+                                  </a:rPr>
+                                </m:ctrlPr>
+                              </m:sSubSupPr>
+                              <m:e>
+                                <m:r>
+                                  <a:rPr lang="en-US" altLang="ko-KR" sz="2000" b="0" i="1" smtClean="0">
+                                    <a:latin typeface="Cambria Math" panose="02040503050406030204" pitchFamily="18" charset="0"/>
+                                  </a:rPr>
+                                  <m:t>𝑓</m:t>
+                                </m:r>
+                              </m:e>
+                              <m:sub>
+                                <m:r>
+                                  <a:rPr lang="en-US" altLang="ko-KR" sz="2000" b="0" i="1" smtClean="0">
+                                    <a:latin typeface="Cambria Math" panose="02040503050406030204" pitchFamily="18" charset="0"/>
+                                  </a:rPr>
+                                  <m:t>𝑠</m:t>
+                                </m:r>
+                                <m:r>
+                                  <a:rPr lang="en-US" altLang="ko-KR" sz="2000" b="0" i="1" smtClean="0">
+                                    <a:latin typeface="Cambria Math" panose="02040503050406030204" pitchFamily="18" charset="0"/>
+                                  </a:rPr>
+                                  <m:t>,</m:t>
+                                </m:r>
+                                <m:r>
+                                  <a:rPr lang="en-US" altLang="ko-KR" sz="2000" b="0" i="1" smtClean="0">
+                                    <a:latin typeface="Cambria Math" panose="02040503050406030204" pitchFamily="18" charset="0"/>
+                                  </a:rPr>
+                                  <m:t>𝑥</m:t>
+                                </m:r>
+                              </m:sub>
+                              <m:sup>
+                                <m:r>
+                                  <a:rPr lang="en-US" altLang="ko-KR" sz="2000" b="0" i="1" smtClean="0">
+                                    <a:latin typeface="Cambria Math" panose="02040503050406030204" pitchFamily="18" charset="0"/>
+                                  </a:rPr>
+                                  <m:t>2</m:t>
+                                </m:r>
+                              </m:sup>
+                            </m:sSubSup>
+                          </m:num>
+                          <m:den>
+                            <m:r>
+                              <a:rPr lang="en-US" altLang="ko-KR" sz="2000" b="0" i="1" smtClean="0">
+                                <a:latin typeface="Cambria Math" panose="02040503050406030204" pitchFamily="18" charset="0"/>
+                              </a:rPr>
+                              <m:t>3</m:t>
+                            </m:r>
+                          </m:den>
+                        </m:f>
+                      </m:e>
+                    </m:rad>
+                  </m:oMath>
+                </a14:m>
+                <a:r>
+                  <a:rPr lang="en-US" altLang="ko-KR" sz="2000" dirty="0" smtClean="0"/>
+                  <a:t>	:random+systematic</a:t>
+                </a:r>
+                <a:r>
+                  <a:rPr lang="en-US" altLang="ko-KR" sz="2000" dirty="0" smtClean="0"/>
+                  <a:t> errors</a:t>
+                </a:r>
+                <a:endParaRPr lang="en-US" altLang="ko-KR" sz="2000" dirty="0" smtClean="0"/>
+              </a:p>
+              <a:p>
+                <a:pPr marL="342900" indent="-342900">
+                  <a:buFont typeface="Arial" panose="020B0604020202020204" pitchFamily="34" charset="0"/>
+                  <a:buChar char="•"/>
+                </a:pPr>
+                <a:r>
+                  <a:rPr lang="en-US" altLang="ko-KR" sz="2000" dirty="0" smtClean="0"/>
+                  <a:t>Constant systematic error defined over a specific time period.</a:t>
+                </a:r>
+              </a:p>
+              <a:p>
+                <a14:m>
+                  <m:oMathPara xmlns:m="http://schemas.openxmlformats.org/officeDocument/2006/math">
+                    <m:oMathParaPr>
+                      <m:jc m:val="centerGroup"/>
+                    </m:oMathParaPr>
+                    <m:oMath xmlns:m="http://schemas.openxmlformats.org/officeDocument/2006/math">
+                      <m:sSub>
+                        <m:sSubPr>
+                          <m:ctrlPr>
+                            <a:rPr lang="en-US" altLang="ko-KR" sz="2000" b="0" i="1" smtClean="0">
+                              <a:latin typeface="Cambria Math" panose="02040503050406030204" pitchFamily="18" charset="0"/>
+                            </a:rPr>
+                          </m:ctrlPr>
+                        </m:sSubPr>
+                        <m:e>
+                          <m:r>
+                            <a:rPr lang="en-US" altLang="ko-KR" sz="2000" b="0" i="1" smtClean="0">
+                              <a:latin typeface="Cambria Math" panose="02040503050406030204" pitchFamily="18" charset="0"/>
+                            </a:rPr>
+                            <m:t>𝑢</m:t>
+                          </m:r>
+                        </m:e>
+                        <m:sub>
+                          <m:acc>
+                            <m:accPr>
+                              <m:chr m:val="̅"/>
+                              <m:ctrlPr>
+                                <a:rPr lang="en-US" altLang="ko-KR" sz="2000" b="0" i="1" smtClean="0">
+                                  <a:latin typeface="Cambria Math" panose="02040503050406030204" pitchFamily="18" charset="0"/>
+                                </a:rPr>
+                              </m:ctrlPr>
+                            </m:accPr>
+                            <m:e>
+                              <m:r>
+                                <a:rPr lang="en-US" altLang="ko-KR" sz="2000" b="0" i="1" smtClean="0">
+                                  <a:latin typeface="Cambria Math" panose="02040503050406030204" pitchFamily="18" charset="0"/>
+                                </a:rPr>
+                                <m:t>𝑥</m:t>
+                              </m:r>
+                            </m:e>
+                          </m:acc>
+                        </m:sub>
+                      </m:sSub>
+                      <m:r>
+                        <a:rPr lang="en-US" altLang="ko-KR" sz="2000" b="0" i="1" smtClean="0">
+                          <a:latin typeface="Cambria Math" panose="02040503050406030204" pitchFamily="18" charset="0"/>
+                        </a:rPr>
+                        <m:t>=</m:t>
+                      </m:r>
+                      <m:sSub>
+                        <m:sSubPr>
+                          <m:ctrlPr>
+                            <a:rPr lang="en-US" altLang="ko-KR" sz="2000" b="0" i="1" smtClean="0">
+                              <a:latin typeface="Cambria Math" panose="02040503050406030204" pitchFamily="18" charset="0"/>
+                            </a:rPr>
+                          </m:ctrlPr>
+                        </m:sSubPr>
+                        <m:e>
+                          <m:r>
+                            <a:rPr lang="en-US" altLang="ko-KR" sz="2000" b="0" i="1" smtClean="0">
+                              <a:latin typeface="Cambria Math" panose="02040503050406030204" pitchFamily="18" charset="0"/>
+                            </a:rPr>
+                            <m:t>𝑘</m:t>
+                          </m:r>
+                        </m:e>
+                        <m:sub>
+                          <m:r>
+                            <a:rPr lang="en-US" altLang="ko-KR" sz="2000" b="0" i="1" smtClean="0">
+                              <a:latin typeface="Cambria Math" panose="02040503050406030204" pitchFamily="18" charset="0"/>
+                            </a:rPr>
+                            <m:t>𝑃</m:t>
+                          </m:r>
+                        </m:sub>
+                      </m:sSub>
+                      <m:f>
+                        <m:fPr>
+                          <m:ctrlPr>
+                            <a:rPr lang="en-US" altLang="ko-KR" sz="2000" b="0" i="1" smtClean="0">
+                              <a:latin typeface="Cambria Math" panose="02040503050406030204" pitchFamily="18" charset="0"/>
+                            </a:rPr>
+                          </m:ctrlPr>
+                        </m:fPr>
+                        <m:num>
+                          <m:sSub>
+                            <m:sSubPr>
+                              <m:ctrlPr>
+                                <a:rPr lang="en-US" altLang="ko-KR" sz="2000" b="0" i="1" smtClean="0">
+                                  <a:latin typeface="Cambria Math" panose="02040503050406030204" pitchFamily="18" charset="0"/>
+                                </a:rPr>
+                              </m:ctrlPr>
+                            </m:sSubPr>
+                            <m:e>
+                              <m:r>
+                                <a:rPr lang="en-US" altLang="ko-KR" sz="2000" b="0" i="1" smtClean="0">
+                                  <a:latin typeface="Cambria Math" panose="02040503050406030204" pitchFamily="18" charset="0"/>
+                                </a:rPr>
+                                <m:t>𝑠</m:t>
+                              </m:r>
+                            </m:e>
+                            <m:sub>
+                              <m:r>
+                                <a:rPr lang="en-US" altLang="ko-KR" sz="2000" b="0" i="1" smtClean="0">
+                                  <a:latin typeface="Cambria Math" panose="02040503050406030204" pitchFamily="18" charset="0"/>
+                                </a:rPr>
+                                <m:t>𝑥</m:t>
+                              </m:r>
+                            </m:sub>
+                          </m:sSub>
+                        </m:num>
+                        <m:den>
+                          <m:rad>
+                            <m:radPr>
+                              <m:degHide m:val="on"/>
+                              <m:ctrlPr>
+                                <a:rPr lang="en-US" altLang="ko-KR" sz="2000" b="0" i="1" smtClean="0">
+                                  <a:latin typeface="Cambria Math" panose="02040503050406030204" pitchFamily="18" charset="0"/>
+                                </a:rPr>
+                              </m:ctrlPr>
+                            </m:radPr>
+                            <m:deg/>
+                            <m:e>
+                              <m:r>
+                                <a:rPr lang="en-US" altLang="ko-KR" sz="2000" b="0" i="1" smtClean="0">
+                                  <a:latin typeface="Cambria Math" panose="02040503050406030204" pitchFamily="18" charset="0"/>
+                                </a:rPr>
+                                <m:t>𝑁</m:t>
+                              </m:r>
+                            </m:e>
+                          </m:rad>
+                        </m:den>
+                      </m:f>
+                      <m:r>
+                        <a:rPr lang="en-US" altLang="ko-KR" sz="2000" b="0" i="1" smtClean="0">
+                          <a:latin typeface="Cambria Math" panose="02040503050406030204" pitchFamily="18" charset="0"/>
+                        </a:rPr>
+                        <m:t>+</m:t>
+                      </m:r>
+                      <m:sSub>
+                        <m:sSubPr>
+                          <m:ctrlPr>
+                            <a:rPr lang="en-US" altLang="ko-KR" sz="2000" b="0" i="1" smtClean="0">
+                              <a:latin typeface="Cambria Math" panose="02040503050406030204" pitchFamily="18" charset="0"/>
+                            </a:rPr>
+                          </m:ctrlPr>
+                        </m:sSubPr>
+                        <m:e>
+                          <m:r>
+                            <a:rPr lang="en-US" altLang="ko-KR" sz="2000" b="0" i="1" smtClean="0">
+                              <a:latin typeface="Cambria Math" panose="02040503050406030204" pitchFamily="18" charset="0"/>
+                            </a:rPr>
+                            <m:t>𝑓</m:t>
+                          </m:r>
+                        </m:e>
+                        <m:sub>
+                          <m:r>
+                            <a:rPr lang="en-US" altLang="ko-KR" sz="2000" b="0" i="1" smtClean="0">
+                              <a:latin typeface="Cambria Math" panose="02040503050406030204" pitchFamily="18" charset="0"/>
+                            </a:rPr>
+                            <m:t>𝑠</m:t>
+                          </m:r>
+                          <m:r>
+                            <a:rPr lang="en-US" altLang="ko-KR" sz="2000" b="0" i="1" smtClean="0">
+                              <a:latin typeface="Cambria Math" panose="02040503050406030204" pitchFamily="18" charset="0"/>
+                            </a:rPr>
+                            <m:t>,</m:t>
+                          </m:r>
+                          <m:r>
+                            <a:rPr lang="en-US" altLang="ko-KR" sz="2000" b="0" i="1" smtClean="0">
+                              <a:latin typeface="Cambria Math" panose="02040503050406030204" pitchFamily="18" charset="0"/>
+                            </a:rPr>
+                            <m:t>𝑥</m:t>
+                          </m:r>
+                        </m:sub>
+                      </m:sSub>
+                    </m:oMath>
+                  </m:oMathPara>
+                </a14:m>
+                <a:endParaRPr lang="en-US" altLang="ko-KR" sz="2000" b="0" dirty="0" smtClean="0"/>
+              </a:p>
+              <a:p>
+                <a:r>
+                  <a:rPr lang="en-US" altLang="ko-KR" sz="2000" dirty="0" smtClean="0">
+                    <a:sym typeface="Wingdings" panose="05000000000000000000" pitchFamily="2" charset="2"/>
+                  </a:rPr>
+                  <a:t> The selection is based on the nature of the systematic error.</a:t>
+                </a:r>
+                <a:endParaRPr lang="en-US" altLang="ko-KR" sz="2000" dirty="0" smtClean="0"/>
+              </a:p>
+            </p:txBody>
+          </p:sp>
+        </mc:Choice>
+        <mc:Fallback>
+          <p:sp>
+            <p:nvSpPr>
+              <p:cNvPr id="18" name="TextBox 17"/>
+              <p:cNvSpPr txBox="1">
+                <a:spLocks noRot="1" noChangeAspect="1" noMove="1" noResize="1" noEditPoints="1" noAdjustHandles="1" noChangeArrowheads="1" noChangeShapeType="1" noTextEdit="1"/>
+              </p:cNvSpPr>
+              <p:nvPr/>
+            </p:nvSpPr>
+            <p:spPr>
+              <a:xfrm>
+                <a:off x="720969" y="914202"/>
+                <a:ext cx="7794381" cy="4321055"/>
+              </a:xfrm>
+              <a:prstGeom prst="rect">
+                <a:avLst/>
+              </a:prstGeom>
+              <a:blipFill rotWithShape="0">
+                <a:blip r:embed="rId3"/>
+                <a:stretch>
+                  <a:fillRect l="-782" t="-846" r="-782" b="-1551"/>
+                </a:stretch>
+              </a:blipFill>
+            </p:spPr>
+            <p:txBody>
+              <a:bodyPr/>
+              <a:lstStyle/>
+              <a:p>
+                <a:r>
+                  <a:rPr lang="ko-KR" altLang="en-US">
+                    <a:noFill/>
+                  </a:rPr>
+                  <a:t> </a:t>
+                </a:r>
+              </a:p>
+            </p:txBody>
+          </p:sp>
+        </mc:Fallback>
+      </mc:AlternateContent>
       <p:sp>
         <p:nvSpPr>
           <p:cNvPr id="19" name="TextBox 18"/>
@@ -6165,12 +7988,6 @@
               </a:rPr>
               <a:t>1.3 Propagation and Combination of Measurement Uncertainty</a:t>
             </a:r>
-            <a:endParaRPr lang="en-US" altLang="ko-KR" sz="2500" dirty="0" smtClean="0">
-              <a:solidFill>
-                <a:schemeClr val="bg1"/>
-              </a:solidFill>
-              <a:latin typeface="Arial" panose="020B0604020202020204" pitchFamily="34" charset="0"/>
-            </a:endParaRPr>
           </a:p>
         </p:txBody>
       </p:sp>
@@ -6191,7 +8008,7 @@
           <a:p>
             <a:fld id="{53646E5C-8775-44A9-9523-40B6CCA06789}" type="datetime1">
               <a:rPr lang="ko-KR" altLang="en-US" smtClean="0"/>
-              <a:t>2018-03-21</a:t>
+              <a:t>2018-03-22</a:t>
             </a:fld>
             <a:endParaRPr lang="ko-KR" altLang="en-US"/>
           </a:p>
@@ -6220,16 +8037,300 @@
           </a:p>
         </p:txBody>
       </p:sp>
-      <p:sp>
-        <p:nvSpPr>
-          <p:cNvPr id="18" name="TextBox 17"/>
+      <mc:AlternateContent xmlns:mc="http://schemas.openxmlformats.org/markup-compatibility/2006">
+        <mc:Choice xmlns:a14="http://schemas.microsoft.com/office/drawing/2010/main" Requires="a14">
+          <p:sp>
+            <p:nvSpPr>
+              <p:cNvPr id="18" name="TextBox 17"/>
+              <p:cNvSpPr txBox="1"/>
+              <p:nvPr/>
+            </p:nvSpPr>
+            <p:spPr>
+              <a:xfrm>
+                <a:off x="720969" y="914202"/>
+                <a:ext cx="7794381" cy="1938992"/>
+              </a:xfrm>
+              <a:prstGeom prst="rect">
+                <a:avLst/>
+              </a:prstGeom>
+              <a:noFill/>
+            </p:spPr>
+            <p:txBody>
+              <a:bodyPr wrap="square" rtlCol="0">
+                <a:spAutoFit/>
+              </a:bodyPr>
+              <a:lstStyle/>
+              <a:p>
+                <a:pPr marL="342900" indent="-342900">
+                  <a:buFont typeface="Arial" panose="020B0604020202020204" pitchFamily="34" charset="0"/>
+                  <a:buChar char="•"/>
+                </a:pPr>
+                <a:r>
+                  <a:rPr lang="en-US" altLang="ko-KR" sz="2000" b="1" dirty="0" smtClean="0"/>
+                  <a:t>Measurement function</a:t>
+                </a:r>
+                <a:r>
+                  <a:rPr lang="en-US" altLang="ko-KR" sz="2000" dirty="0" smtClean="0"/>
+                  <a:t>: a </a:t>
+                </a:r>
+                <a:r>
+                  <a:rPr lang="en-US" altLang="ko-KR" sz="2000" dirty="0" err="1" smtClean="0"/>
+                  <a:t>meaurand</a:t>
+                </a:r>
+                <a:r>
+                  <a:rPr lang="en-US" altLang="ko-KR" sz="2000" dirty="0" smtClean="0"/>
+                  <a:t> </a:t>
+                </a:r>
+                <a14:m>
+                  <m:oMath xmlns:m="http://schemas.openxmlformats.org/officeDocument/2006/math">
+                    <m:r>
+                      <a:rPr lang="ko-KR" altLang="el-GR" sz="2000" i="1" smtClean="0">
+                        <a:latin typeface="Cambria Math" panose="02040503050406030204" pitchFamily="18" charset="0"/>
+                      </a:rPr>
+                      <m:t>𝛷</m:t>
+                    </m:r>
+                  </m:oMath>
+                </a14:m>
+                <a:r>
+                  <a:rPr lang="en-US" altLang="ko-KR" sz="2000" dirty="0" smtClean="0"/>
+                  <a:t>is a function of many input quantities </a:t>
+                </a:r>
+                <a14:m>
+                  <m:oMath xmlns:m="http://schemas.openxmlformats.org/officeDocument/2006/math">
+                    <m:r>
+                      <a:rPr lang="ko-KR" altLang="el-GR" sz="2000" i="1">
+                        <a:latin typeface="Cambria Math" panose="02040503050406030204" pitchFamily="18" charset="0"/>
+                      </a:rPr>
+                      <m:t>𝛷</m:t>
+                    </m:r>
+                    <m:d>
+                      <m:dPr>
+                        <m:ctrlPr>
+                          <a:rPr lang="en-US" altLang="ko-KR" sz="2000" b="0" i="1" smtClean="0">
+                            <a:latin typeface="Cambria Math" panose="02040503050406030204" pitchFamily="18" charset="0"/>
+                          </a:rPr>
+                        </m:ctrlPr>
+                      </m:dPr>
+                      <m:e>
+                        <m:sSub>
+                          <m:sSubPr>
+                            <m:ctrlPr>
+                              <a:rPr lang="en-US" altLang="ko-KR" sz="2000" b="0" i="1" smtClean="0">
+                                <a:latin typeface="Cambria Math" panose="02040503050406030204" pitchFamily="18" charset="0"/>
+                              </a:rPr>
+                            </m:ctrlPr>
+                          </m:sSubPr>
+                          <m:e>
+                            <m:r>
+                              <a:rPr lang="en-US" altLang="ko-KR" sz="2000" b="0" i="1" smtClean="0">
+                                <a:latin typeface="Cambria Math" panose="02040503050406030204" pitchFamily="18" charset="0"/>
+                              </a:rPr>
+                              <m:t>𝑋</m:t>
+                            </m:r>
+                          </m:e>
+                          <m:sub>
+                            <m:r>
+                              <a:rPr lang="en-US" altLang="ko-KR" sz="2000" b="0" i="1" smtClean="0">
+                                <a:latin typeface="Cambria Math" panose="02040503050406030204" pitchFamily="18" charset="0"/>
+                              </a:rPr>
+                              <m:t>1</m:t>
+                            </m:r>
+                          </m:sub>
+                        </m:sSub>
+                        <m:r>
+                          <a:rPr lang="en-US" altLang="ko-KR" sz="2000" b="0" i="1" smtClean="0">
+                            <a:latin typeface="Cambria Math" panose="02040503050406030204" pitchFamily="18" charset="0"/>
+                          </a:rPr>
+                          <m:t>, </m:t>
+                        </m:r>
+                        <m:sSub>
+                          <m:sSubPr>
+                            <m:ctrlPr>
+                              <a:rPr lang="en-US" altLang="ko-KR" sz="2000" b="0" i="1" smtClean="0">
+                                <a:latin typeface="Cambria Math" panose="02040503050406030204" pitchFamily="18" charset="0"/>
+                              </a:rPr>
+                            </m:ctrlPr>
+                          </m:sSubPr>
+                          <m:e>
+                            <m:r>
+                              <a:rPr lang="en-US" altLang="ko-KR" sz="2000" b="0" i="1" smtClean="0">
+                                <a:latin typeface="Cambria Math" panose="02040503050406030204" pitchFamily="18" charset="0"/>
+                              </a:rPr>
+                              <m:t>𝑋</m:t>
+                            </m:r>
+                          </m:e>
+                          <m:sub>
+                            <m:r>
+                              <a:rPr lang="en-US" altLang="ko-KR" sz="2000" b="0" i="1" smtClean="0">
+                                <a:latin typeface="Cambria Math" panose="02040503050406030204" pitchFamily="18" charset="0"/>
+                              </a:rPr>
+                              <m:t>2</m:t>
+                            </m:r>
+                          </m:sub>
+                        </m:sSub>
+                        <m:r>
+                          <a:rPr lang="en-US" altLang="ko-KR" sz="2000" b="0" i="1" smtClean="0">
+                            <a:latin typeface="Cambria Math" panose="02040503050406030204" pitchFamily="18" charset="0"/>
+                          </a:rPr>
+                          <m:t>, </m:t>
+                        </m:r>
+                        <m:r>
+                          <a:rPr lang="en-US" altLang="ko-KR" sz="2000" b="0" i="1" smtClean="0">
+                            <a:latin typeface="Cambria Math" panose="02040503050406030204" pitchFamily="18" charset="0"/>
+                            <a:ea typeface="Cambria Math" panose="02040503050406030204" pitchFamily="18" charset="0"/>
+                          </a:rPr>
+                          <m:t>⋯, </m:t>
+                        </m:r>
+                        <m:sSub>
+                          <m:sSubPr>
+                            <m:ctrlPr>
+                              <a:rPr lang="en-US" altLang="ko-KR" sz="2000" b="0" i="1" smtClean="0">
+                                <a:latin typeface="Cambria Math" panose="02040503050406030204" pitchFamily="18" charset="0"/>
+                                <a:ea typeface="Cambria Math" panose="02040503050406030204" pitchFamily="18" charset="0"/>
+                              </a:rPr>
+                            </m:ctrlPr>
+                          </m:sSubPr>
+                          <m:e>
+                            <m:r>
+                              <a:rPr lang="en-US" altLang="ko-KR" sz="2000" b="0" i="1" smtClean="0">
+                                <a:latin typeface="Cambria Math" panose="02040503050406030204" pitchFamily="18" charset="0"/>
+                                <a:ea typeface="Cambria Math" panose="02040503050406030204" pitchFamily="18" charset="0"/>
+                              </a:rPr>
+                              <m:t>𝑋</m:t>
+                            </m:r>
+                          </m:e>
+                          <m:sub>
+                            <m:r>
+                              <a:rPr lang="en-US" altLang="ko-KR" sz="2000" b="0" i="1" smtClean="0">
+                                <a:latin typeface="Cambria Math" panose="02040503050406030204" pitchFamily="18" charset="0"/>
+                                <a:ea typeface="Cambria Math" panose="02040503050406030204" pitchFamily="18" charset="0"/>
+                              </a:rPr>
+                              <m:t>𝑀</m:t>
+                            </m:r>
+                          </m:sub>
+                        </m:sSub>
+                      </m:e>
+                    </m:d>
+                  </m:oMath>
+                </a14:m>
+                <a:endParaRPr lang="en-US" altLang="ko-KR" sz="2000" b="0" dirty="0" smtClean="0">
+                  <a:ea typeface="Cambria Math" panose="02040503050406030204" pitchFamily="18" charset="0"/>
+                </a:endParaRPr>
+              </a:p>
+              <a:p>
+                <a:pPr marL="342900" indent="-342900">
+                  <a:buFont typeface="Arial" panose="020B0604020202020204" pitchFamily="34" charset="0"/>
+                  <a:buChar char="•"/>
+                </a:pPr>
+                <a:endParaRPr lang="en-US" altLang="ko-KR" sz="2000" dirty="0" smtClean="0"/>
+              </a:p>
+              <a:p>
+                <a:pPr marL="342900" indent="-342900">
+                  <a:buFont typeface="Arial" panose="020B0604020202020204" pitchFamily="34" charset="0"/>
+                  <a:buChar char="•"/>
+                </a:pPr>
+                <a:r>
+                  <a:rPr lang="en-US" altLang="ko-KR" sz="2000" b="1" dirty="0" smtClean="0"/>
+                  <a:t>Evaluation of uncertainty</a:t>
+                </a:r>
+                <a:r>
+                  <a:rPr lang="en-US" altLang="ko-KR" sz="2000" dirty="0" smtClean="0"/>
+                  <a:t>: </a:t>
+                </a:r>
+                <a:r>
+                  <a:rPr lang="en-US" altLang="ko-KR" sz="2000" dirty="0" smtClean="0">
+                    <a:solidFill>
+                      <a:srgbClr val="3333FF"/>
+                    </a:solidFill>
+                  </a:rPr>
+                  <a:t>numerical</a:t>
+                </a:r>
+                <a:r>
+                  <a:rPr lang="en-US" altLang="ko-KR" sz="2000" dirty="0" smtClean="0"/>
+                  <a:t> or </a:t>
+                </a:r>
+                <a:r>
+                  <a:rPr lang="en-US" altLang="ko-KR" sz="2000" dirty="0" smtClean="0">
+                    <a:solidFill>
+                      <a:srgbClr val="3333FF"/>
+                    </a:solidFill>
+                  </a:rPr>
+                  <a:t>analytical</a:t>
+                </a:r>
+              </a:p>
+              <a:p>
+                <a:r>
+                  <a:rPr lang="en-US" altLang="ko-KR" sz="2000" dirty="0"/>
+                  <a:t>	</a:t>
+                </a:r>
+                <a:r>
+                  <a:rPr lang="en-US" altLang="ko-KR" sz="2000" dirty="0" smtClean="0"/>
+                  <a:t>- Analytical: explicit solution, linear</a:t>
+                </a:r>
+              </a:p>
+              <a:p>
+                <a:r>
+                  <a:rPr lang="en-US" altLang="ko-KR" sz="2000" dirty="0"/>
+                  <a:t>	</a:t>
+                </a:r>
+                <a:r>
+                  <a:rPr lang="en-US" altLang="ko-KR" sz="2000" dirty="0" smtClean="0"/>
+                  <a:t>- Numerical (Monte Carlo): time consuming, nonlinear</a:t>
+                </a:r>
+                <a:endParaRPr lang="en-US" altLang="ko-KR" sz="2000" dirty="0" smtClean="0"/>
+              </a:p>
+            </p:txBody>
+          </p:sp>
+        </mc:Choice>
+        <mc:Fallback>
+          <p:sp>
+            <p:nvSpPr>
+              <p:cNvPr id="18" name="TextBox 17"/>
+              <p:cNvSpPr txBox="1">
+                <a:spLocks noRot="1" noChangeAspect="1" noMove="1" noResize="1" noEditPoints="1" noAdjustHandles="1" noChangeArrowheads="1" noChangeShapeType="1" noTextEdit="1"/>
+              </p:cNvSpPr>
+              <p:nvPr/>
+            </p:nvSpPr>
+            <p:spPr>
+              <a:xfrm>
+                <a:off x="720969" y="914202"/>
+                <a:ext cx="7794381" cy="1938992"/>
+              </a:xfrm>
+              <a:prstGeom prst="rect">
+                <a:avLst/>
+              </a:prstGeom>
+              <a:blipFill rotWithShape="0">
+                <a:blip r:embed="rId3"/>
+                <a:stretch>
+                  <a:fillRect l="-704" t="-1887" b="-4717"/>
+                </a:stretch>
+              </a:blipFill>
+            </p:spPr>
+            <p:txBody>
+              <a:bodyPr/>
+              <a:lstStyle/>
+              <a:p>
+                <a:r>
+                  <a:rPr lang="ko-KR" altLang="en-US">
+                    <a:noFill/>
+                  </a:rPr>
+                  <a:t> </a:t>
+                </a:r>
+              </a:p>
+            </p:txBody>
+          </p:sp>
+        </mc:Fallback>
+      </mc:AlternateContent>
+      <p:sp>
+        <p:nvSpPr>
+          <p:cNvPr id="19" name="TextBox 18"/>
           <p:cNvSpPr txBox="1"/>
           <p:nvPr/>
         </p:nvSpPr>
         <p:spPr>
           <a:xfrm>
-            <a:off x="720969" y="914202"/>
-            <a:ext cx="7794381" cy="1631216"/>
+            <a:off x="268165" y="6078224"/>
+            <a:ext cx="8607669" cy="253916"/>
           </a:xfrm>
           <a:prstGeom prst="rect">
             <a:avLst/>
@@ -6242,126 +8343,6 @@
           </a:bodyPr>
           <a:lstStyle/>
           <a:p>
-            <a:pPr marL="342900" indent="-342900">
-              <a:buFont typeface="Arial" panose="020B0604020202020204" pitchFamily="34" charset="0"/>
-              <a:buChar char="•"/>
-            </a:pPr>
-            <a:r>
-              <a:rPr lang="en-US" altLang="ko-KR" sz="2000" b="1" dirty="0" smtClean="0"/>
-              <a:t>Type A uncertainty</a:t>
-            </a:r>
-            <a:r>
-              <a:rPr lang="en-US" altLang="ko-KR" sz="2000" dirty="0" smtClean="0"/>
-              <a:t>: Random uncertainties</a:t>
-            </a:r>
-          </a:p>
-          <a:p>
-            <a:r>
-              <a:rPr lang="en-US" altLang="ko-KR" sz="2000" dirty="0">
-                <a:sym typeface="Wingdings" panose="05000000000000000000" pitchFamily="2" charset="2"/>
-              </a:rPr>
-              <a:t>	</a:t>
-            </a:r>
-            <a:r>
-              <a:rPr lang="en-US" altLang="ko-KR" sz="2000" dirty="0" smtClean="0">
-                <a:sym typeface="Wingdings" panose="05000000000000000000" pitchFamily="2" charset="2"/>
-              </a:rPr>
-              <a:t> averaging</a:t>
-            </a:r>
-          </a:p>
-          <a:p>
-            <a:endParaRPr lang="en-US" altLang="ko-KR" sz="2000" dirty="0" smtClean="0"/>
-          </a:p>
-          <a:p>
-            <a:pPr marL="342900" indent="-342900">
-              <a:buFont typeface="Arial" panose="020B0604020202020204" pitchFamily="34" charset="0"/>
-              <a:buChar char="•"/>
-            </a:pPr>
-            <a:r>
-              <a:rPr lang="en-US" altLang="ko-KR" sz="2000" b="1" dirty="0" smtClean="0"/>
-              <a:t>Type B uncertainty</a:t>
-            </a:r>
-            <a:r>
-              <a:rPr lang="en-US" altLang="ko-KR" sz="2000" dirty="0" smtClean="0"/>
-              <a:t>: Systematic uncertainties</a:t>
-            </a:r>
-          </a:p>
-          <a:p>
-            <a:r>
-              <a:rPr lang="en-US" altLang="ko-KR" sz="2000" dirty="0">
-                <a:sym typeface="Wingdings" panose="05000000000000000000" pitchFamily="2" charset="2"/>
-              </a:rPr>
-              <a:t>	</a:t>
-            </a:r>
-            <a:r>
-              <a:rPr lang="en-US" altLang="ko-KR" sz="2000" dirty="0" smtClean="0">
-                <a:sym typeface="Wingdings" panose="05000000000000000000" pitchFamily="2" charset="2"/>
-              </a:rPr>
-              <a:t> cannot be analyzed with statistics</a:t>
-            </a:r>
-            <a:endParaRPr lang="en-US" altLang="ko-KR" sz="2000" dirty="0" smtClean="0"/>
-          </a:p>
-        </p:txBody>
-      </p:sp>
-      <p:sp>
-        <p:nvSpPr>
-          <p:cNvPr id="19" name="TextBox 18"/>
-          <p:cNvSpPr txBox="1"/>
-          <p:nvPr/>
-        </p:nvSpPr>
-        <p:spPr>
-          <a:xfrm>
-            <a:off x="268165" y="6078224"/>
-            <a:ext cx="8607669" cy="415498"/>
-          </a:xfrm>
-          <a:prstGeom prst="rect">
-            <a:avLst/>
-          </a:prstGeom>
-          <a:noFill/>
-        </p:spPr>
-        <p:txBody>
-          <a:bodyPr wrap="square" rtlCol="0">
-            <a:spAutoFit/>
-          </a:bodyPr>
-          <a:lstStyle/>
-          <a:p>
-            <a:r>
-              <a:rPr lang="en-US" altLang="ko-KR" sz="1050" i="1" dirty="0">
-                <a:latin typeface="Times New Roman" panose="02020603050405020304" pitchFamily="18" charset="0"/>
-                <a:cs typeface="Times New Roman" panose="02020603050405020304" pitchFamily="18" charset="0"/>
-              </a:rPr>
-              <a:t>International Vocabulary of Basic and General Terms in Metrology </a:t>
-            </a:r>
-            <a:r>
-              <a:rPr lang="en-US" altLang="ko-KR" sz="1050" dirty="0">
-                <a:latin typeface="Times New Roman" panose="02020603050405020304" pitchFamily="18" charset="0"/>
-                <a:cs typeface="Times New Roman" panose="02020603050405020304" pitchFamily="18" charset="0"/>
-              </a:rPr>
-              <a:t>(</a:t>
-            </a:r>
-            <a:r>
-              <a:rPr lang="en-US" altLang="ko-KR" sz="1050" i="1" dirty="0">
-                <a:latin typeface="Times New Roman" panose="02020603050405020304" pitchFamily="18" charset="0"/>
-                <a:cs typeface="Times New Roman" panose="02020603050405020304" pitchFamily="18" charset="0"/>
-              </a:rPr>
-              <a:t>VIM</a:t>
-            </a:r>
-            <a:r>
-              <a:rPr lang="en-US" altLang="ko-KR" sz="1050" dirty="0">
-                <a:latin typeface="Times New Roman" panose="02020603050405020304" pitchFamily="18" charset="0"/>
-                <a:cs typeface="Times New Roman" panose="02020603050405020304" pitchFamily="18" charset="0"/>
-              </a:rPr>
-              <a:t>), ISO, 2004</a:t>
-            </a:r>
-            <a:r>
-              <a:rPr lang="en-US" altLang="ko-KR" sz="1050" dirty="0" smtClean="0">
-                <a:latin typeface="Times New Roman" panose="02020603050405020304" pitchFamily="18" charset="0"/>
-                <a:cs typeface="Times New Roman" panose="02020603050405020304" pitchFamily="18" charset="0"/>
-              </a:rPr>
-              <a:t>.</a:t>
-            </a:r>
-          </a:p>
-          <a:p>
             <a:r>
               <a:rPr lang="en-US" altLang="ko-KR" sz="1050" dirty="0" err="1">
                 <a:latin typeface="Times New Roman" panose="02020603050405020304" pitchFamily="18" charset="0"/>
@@ -6374,28 +8355,28 @@
                 <a:latin typeface="Times New Roman" panose="02020603050405020304" pitchFamily="18" charset="0"/>
                 <a:cs typeface="Times New Roman" panose="02020603050405020304" pitchFamily="18" charset="0"/>
               </a:rPr>
-              <a:t>, M., </a:t>
-            </a:r>
-            <a:r>
-              <a:rPr lang="en-US" altLang="ko-KR" sz="1050" i="1" dirty="0">
+              <a:t>, M., “Estimation of Measurement Uncertainties-An Alternative to the ISO Guide,” </a:t>
+            </a:r>
+            <a:r>
+              <a:rPr lang="en-US" altLang="ko-KR" sz="1050" i="1" dirty="0" err="1">
                 <a:latin typeface="Times New Roman" panose="02020603050405020304" pitchFamily="18" charset="0"/>
                 <a:cs typeface="Times New Roman" panose="02020603050405020304" pitchFamily="18" charset="0"/>
               </a:rPr>
-              <a:t>Measurement Uncertainties in Science and Technology</a:t>
+              <a:t>Metrologia</a:t>
             </a:r>
             <a:r>
               <a:rPr lang="en-US" altLang="ko-KR" sz="1050" dirty="0">
                 <a:latin typeface="Times New Roman" panose="02020603050405020304" pitchFamily="18" charset="0"/>
                 <a:cs typeface="Times New Roman" panose="02020603050405020304" pitchFamily="18" charset="0"/>
               </a:rPr>
-              <a:t>, New York: Springer, 2005</a:t>
+              <a:t>, Vol. 38, </a:t>
             </a:r>
             <a:r>
               <a:rPr lang="en-US" altLang="ko-KR" sz="1050" dirty="0" smtClean="0">
                 <a:latin typeface="Times New Roman" panose="02020603050405020304" pitchFamily="18" charset="0"/>
                 <a:cs typeface="Times New Roman" panose="02020603050405020304" pitchFamily="18" charset="0"/>
               </a:rPr>
-              <a:t>.</a:t>
+              <a:t>2001.</a:t>
             </a:r>
             <a:endParaRPr lang="en-US" altLang="ko-KR" sz="1050" dirty="0">
               <a:latin typeface="Times New Roman" panose="02020603050405020304" pitchFamily="18" charset="0"/>
@@ -6404,30 +8385,2585 @@
           </a:p>
         </p:txBody>
       </p:sp>
-      <p:pic>
-        <p:nvPicPr>
-          <p:cNvPr id="3" name="그림 2"/>
-          <p:cNvPicPr>
-            <a:picLocks noChangeAspect="1"/>
-          </p:cNvPicPr>
+      <p:sp>
+        <p:nvSpPr>
+          <p:cNvPr id="4" name="직사각형 3"/>
+          <p:cNvSpPr/>
           <p:nvPr/>
-        </p:nvPicPr>
-        <p:blipFill>
-          <a:blip r:embed="rId3"/>
-          <a:stretch>
-            <a:fillRect/>
-          </a:stretch>
-        </p:blipFill>
+        </p:nvSpPr>
         <p:spPr>
           <a:xfrm>
-            <a:off x="5858240" y="2211472"/>
-            <a:ext cx="2586771" cy="3866752"/>
+            <a:off x="628650" y="2890580"/>
+            <a:ext cx="2132892" cy="369332"/>
           </a:xfrm>
           <a:prstGeom prst="rect">
             <a:avLst/>
           </a:prstGeom>
         </p:spPr>
-      </p:pic>
+        <p:txBody>
+          <a:bodyPr wrap="none">
+            <a:spAutoFit/>
+          </a:bodyPr>
+          <a:lstStyle/>
+          <a:p>
+            <a:r>
+              <a:rPr lang="en-US" altLang="ko-KR" dirty="0" smtClean="0">
+                <a:solidFill>
+                  <a:srgbClr val="3333FF"/>
+                </a:solidFill>
+              </a:rPr>
+              <a:t>Analytical evaluation</a:t>
+            </a:r>
+            <a:endParaRPr lang="en-US" altLang="ko-KR" dirty="0">
+              <a:solidFill>
+                <a:srgbClr val="3333FF"/>
+              </a:solidFill>
+            </a:endParaRPr>
+          </a:p>
+        </p:txBody>
+      </p:sp>
+      <mc:AlternateContent xmlns:mc="http://schemas.openxmlformats.org/markup-compatibility/2006">
+        <mc:Choice xmlns:a14="http://schemas.microsoft.com/office/drawing/2010/main" Requires="a14">
+          <p:sp>
+            <p:nvSpPr>
+              <p:cNvPr id="5" name="TextBox 4"/>
+              <p:cNvSpPr txBox="1"/>
+              <p:nvPr/>
+            </p:nvSpPr>
+            <p:spPr>
+              <a:xfrm>
+                <a:off x="268165" y="3250376"/>
+                <a:ext cx="4690258" cy="810222"/>
+              </a:xfrm>
+              <a:prstGeom prst="rect">
+                <a:avLst/>
+              </a:prstGeom>
+              <a:noFill/>
+            </p:spPr>
+            <p:txBody>
+              <a:bodyPr wrap="none" lIns="0" tIns="0" rIns="0" bIns="0" rtlCol="0">
+                <a:spAutoFit/>
+              </a:bodyPr>
+              <a:lstStyle/>
+              <a:p>
+                <a14:m>
+                  <m:oMathPara xmlns:m="http://schemas.openxmlformats.org/officeDocument/2006/math">
+                    <m:oMathParaPr>
+                      <m:jc m:val="centerGroup"/>
+                    </m:oMathParaPr>
+                    <m:oMath xmlns:m="http://schemas.openxmlformats.org/officeDocument/2006/math">
+                      <m:sSubSup>
+                        <m:sSubSupPr>
+                          <m:ctrlPr>
+                            <a:rPr lang="en-US" altLang="ko-KR" b="0" i="1" smtClean="0">
+                              <a:latin typeface="Cambria Math" panose="02040503050406030204" pitchFamily="18" charset="0"/>
+                            </a:rPr>
+                          </m:ctrlPr>
+                        </m:sSubSupPr>
+                        <m:e>
+                          <m:r>
+                            <a:rPr lang="en-US" altLang="ko-KR" b="0" i="1" smtClean="0">
+                              <a:latin typeface="Cambria Math" panose="02040503050406030204" pitchFamily="18" charset="0"/>
+                            </a:rPr>
+                            <m:t>𝑠</m:t>
+                          </m:r>
+                        </m:e>
+                        <m:sub>
+                          <m:r>
+                            <a:rPr lang="en-US" altLang="ko-KR" b="0" i="1" smtClean="0">
+                              <a:latin typeface="Cambria Math" panose="02040503050406030204" pitchFamily="18" charset="0"/>
+                            </a:rPr>
+                            <m:t>𝜙</m:t>
+                          </m:r>
+                        </m:sub>
+                        <m:sup>
+                          <m:r>
+                            <a:rPr lang="en-US" altLang="ko-KR" b="0" i="1" smtClean="0">
+                              <a:latin typeface="Cambria Math" panose="02040503050406030204" pitchFamily="18" charset="0"/>
+                            </a:rPr>
+                            <m:t>2</m:t>
+                          </m:r>
+                        </m:sup>
+                      </m:sSubSup>
+                      <m:r>
+                        <a:rPr lang="en-US" altLang="ko-KR" b="0" i="1" smtClean="0">
+                          <a:latin typeface="Cambria Math" panose="02040503050406030204" pitchFamily="18" charset="0"/>
+                        </a:rPr>
+                        <m:t>=</m:t>
+                      </m:r>
+                      <m:nary>
+                        <m:naryPr>
+                          <m:chr m:val="∑"/>
+                          <m:ctrlPr>
+                            <a:rPr lang="en-US" altLang="ko-KR" b="0" i="1" smtClean="0">
+                              <a:latin typeface="Cambria Math" panose="02040503050406030204" pitchFamily="18" charset="0"/>
+                            </a:rPr>
+                          </m:ctrlPr>
+                        </m:naryPr>
+                        <m:sub>
+                          <m:r>
+                            <m:rPr>
+                              <m:brk m:alnAt="23"/>
+                            </m:rPr>
+                            <a:rPr lang="en-US" altLang="ko-KR" b="0" i="1" smtClean="0">
+                              <a:latin typeface="Cambria Math" panose="02040503050406030204" pitchFamily="18" charset="0"/>
+                            </a:rPr>
+                            <m:t>𝑖</m:t>
+                          </m:r>
+                          <m:r>
+                            <a:rPr lang="en-US" altLang="ko-KR" b="0" i="1" smtClean="0">
+                              <a:latin typeface="Cambria Math" panose="02040503050406030204" pitchFamily="18" charset="0"/>
+                            </a:rPr>
+                            <m:t>=1</m:t>
+                          </m:r>
+                        </m:sub>
+                        <m:sup>
+                          <m:r>
+                            <a:rPr lang="en-US" altLang="ko-KR" b="0" i="1" smtClean="0">
+                              <a:latin typeface="Cambria Math" panose="02040503050406030204" pitchFamily="18" charset="0"/>
+                            </a:rPr>
+                            <m:t>𝑀</m:t>
+                          </m:r>
+                        </m:sup>
+                        <m:e>
+                          <m:sSup>
+                            <m:sSupPr>
+                              <m:ctrlPr>
+                                <a:rPr lang="en-US" altLang="ko-KR" b="0" i="1" smtClean="0">
+                                  <a:latin typeface="Cambria Math" panose="02040503050406030204" pitchFamily="18" charset="0"/>
+                                </a:rPr>
+                              </m:ctrlPr>
+                            </m:sSupPr>
+                            <m:e>
+                              <m:d>
+                                <m:dPr>
+                                  <m:ctrlPr>
+                                    <a:rPr lang="en-US" altLang="ko-KR" b="0" i="1" smtClean="0">
+                                      <a:latin typeface="Cambria Math" panose="02040503050406030204" pitchFamily="18" charset="0"/>
+                                    </a:rPr>
+                                  </m:ctrlPr>
+                                </m:dPr>
+                                <m:e>
+                                  <m:f>
+                                    <m:fPr>
+                                      <m:ctrlPr>
+                                        <a:rPr lang="en-US" altLang="ko-KR" b="0" i="1" smtClean="0">
+                                          <a:latin typeface="Cambria Math" panose="02040503050406030204" pitchFamily="18" charset="0"/>
+                                        </a:rPr>
+                                      </m:ctrlPr>
+                                    </m:fPr>
+                                    <m:num>
+                                      <m:r>
+                                        <a:rPr lang="en-US" altLang="ko-KR" b="0" i="1" smtClean="0">
+                                          <a:latin typeface="Cambria Math" panose="02040503050406030204" pitchFamily="18" charset="0"/>
+                                        </a:rPr>
+                                        <m:t>𝜕𝜙</m:t>
+                                      </m:r>
+                                    </m:num>
+                                    <m:den>
+                                      <m:r>
+                                        <a:rPr lang="en-US" altLang="ko-KR" b="0" i="1" smtClean="0">
+                                          <a:latin typeface="Cambria Math" panose="02040503050406030204" pitchFamily="18" charset="0"/>
+                                        </a:rPr>
+                                        <m:t>𝜕</m:t>
+                                      </m:r>
+                                      <m:acc>
+                                        <m:accPr>
+                                          <m:chr m:val="̅"/>
+                                          <m:ctrlPr>
+                                            <a:rPr lang="en-US" altLang="ko-KR" b="0" i="1" smtClean="0">
+                                              <a:latin typeface="Cambria Math" panose="02040503050406030204" pitchFamily="18" charset="0"/>
+                                            </a:rPr>
+                                          </m:ctrlPr>
+                                        </m:accPr>
+                                        <m:e>
+                                          <m:sSub>
+                                            <m:sSubPr>
+                                              <m:ctrlPr>
+                                                <a:rPr lang="en-US" altLang="ko-KR" b="0" i="1" smtClean="0">
+                                                  <a:latin typeface="Cambria Math" panose="02040503050406030204" pitchFamily="18" charset="0"/>
+                                                </a:rPr>
+                                              </m:ctrlPr>
+                                            </m:sSubPr>
+                                            <m:e>
+                                              <m:r>
+                                                <a:rPr lang="en-US" altLang="ko-KR" b="0" i="1" smtClean="0">
+                                                  <a:latin typeface="Cambria Math" panose="02040503050406030204" pitchFamily="18" charset="0"/>
+                                                </a:rPr>
+                                                <m:t>𝑥</m:t>
+                                              </m:r>
+                                            </m:e>
+                                            <m:sub>
+                                              <m:r>
+                                                <a:rPr lang="en-US" altLang="ko-KR" b="0" i="1" smtClean="0">
+                                                  <a:latin typeface="Cambria Math" panose="02040503050406030204" pitchFamily="18" charset="0"/>
+                                                </a:rPr>
+                                                <m:t>𝑖</m:t>
+                                              </m:r>
+                                            </m:sub>
+                                          </m:sSub>
+                                        </m:e>
+                                      </m:acc>
+                                    </m:den>
+                                  </m:f>
+                                </m:e>
+                              </m:d>
+                            </m:e>
+                            <m:sup>
+                              <m:r>
+                                <a:rPr lang="en-US" altLang="ko-KR" b="0" i="1" smtClean="0">
+                                  <a:latin typeface="Cambria Math" panose="02040503050406030204" pitchFamily="18" charset="0"/>
+                                </a:rPr>
+                                <m:t>2</m:t>
+                              </m:r>
+                            </m:sup>
+                          </m:sSup>
+                          <m:sSubSup>
+                            <m:sSubSupPr>
+                              <m:ctrlPr>
+                                <a:rPr lang="en-US" altLang="ko-KR" b="0" i="1" smtClean="0">
+                                  <a:latin typeface="Cambria Math" panose="02040503050406030204" pitchFamily="18" charset="0"/>
+                                </a:rPr>
+                              </m:ctrlPr>
+                            </m:sSubSupPr>
+                            <m:e>
+                              <m:r>
+                                <a:rPr lang="en-US" altLang="ko-KR" b="0" i="1" smtClean="0">
+                                  <a:latin typeface="Cambria Math" panose="02040503050406030204" pitchFamily="18" charset="0"/>
+                                </a:rPr>
+                                <m:t>𝑠</m:t>
+                              </m:r>
+                            </m:e>
+                            <m:sub>
+                              <m:sSub>
+                                <m:sSubPr>
+                                  <m:ctrlPr>
+                                    <a:rPr lang="en-US" altLang="ko-KR" b="0" i="1" smtClean="0">
+                                      <a:latin typeface="Cambria Math" panose="02040503050406030204" pitchFamily="18" charset="0"/>
+                                    </a:rPr>
+                                  </m:ctrlPr>
+                                </m:sSubPr>
+                                <m:e>
+                                  <m:r>
+                                    <a:rPr lang="en-US" altLang="ko-KR" b="0" i="1" smtClean="0">
+                                      <a:latin typeface="Cambria Math" panose="02040503050406030204" pitchFamily="18" charset="0"/>
+                                    </a:rPr>
+                                    <m:t>𝑥</m:t>
+                                  </m:r>
+                                </m:e>
+                                <m:sub>
+                                  <m:r>
+                                    <a:rPr lang="en-US" altLang="ko-KR" b="0" i="1" smtClean="0">
+                                      <a:latin typeface="Cambria Math" panose="02040503050406030204" pitchFamily="18" charset="0"/>
+                                    </a:rPr>
+                                    <m:t>𝑖</m:t>
+                                  </m:r>
+                                </m:sub>
+                              </m:sSub>
+                            </m:sub>
+                            <m:sup>
+                              <m:r>
+                                <a:rPr lang="en-US" altLang="ko-KR" b="0" i="1" smtClean="0">
+                                  <a:latin typeface="Cambria Math" panose="02040503050406030204" pitchFamily="18" charset="0"/>
+                                </a:rPr>
+                                <m:t>2</m:t>
+                              </m:r>
+                            </m:sup>
+                          </m:sSubSup>
+                        </m:e>
+                      </m:nary>
+                      <m:r>
+                        <a:rPr lang="en-US" altLang="ko-KR" b="0" i="1" smtClean="0">
+                          <a:latin typeface="Cambria Math" panose="02040503050406030204" pitchFamily="18" charset="0"/>
+                        </a:rPr>
+                        <m:t>+2</m:t>
+                      </m:r>
+                      <m:nary>
+                        <m:naryPr>
+                          <m:chr m:val="∑"/>
+                          <m:ctrlPr>
+                            <a:rPr lang="en-US" altLang="ko-KR" b="0" i="1" smtClean="0">
+                              <a:latin typeface="Cambria Math" panose="02040503050406030204" pitchFamily="18" charset="0"/>
+                            </a:rPr>
+                          </m:ctrlPr>
+                        </m:naryPr>
+                        <m:sub>
+                          <m:r>
+                            <m:rPr>
+                              <m:brk m:alnAt="23"/>
+                            </m:rPr>
+                            <a:rPr lang="en-US" altLang="ko-KR" b="0" i="1" smtClean="0">
+                              <a:latin typeface="Cambria Math" panose="02040503050406030204" pitchFamily="18" charset="0"/>
+                            </a:rPr>
+                            <m:t>𝑖</m:t>
+                          </m:r>
+                          <m:r>
+                            <a:rPr lang="en-US" altLang="ko-KR" b="0" i="1" smtClean="0">
+                              <a:latin typeface="Cambria Math" panose="02040503050406030204" pitchFamily="18" charset="0"/>
+                            </a:rPr>
+                            <m:t>=1</m:t>
+                          </m:r>
+                        </m:sub>
+                        <m:sup>
+                          <m:r>
+                            <a:rPr lang="en-US" altLang="ko-KR" b="0" i="1" smtClean="0">
+                              <a:latin typeface="Cambria Math" panose="02040503050406030204" pitchFamily="18" charset="0"/>
+                            </a:rPr>
+                            <m:t>𝑀</m:t>
+                          </m:r>
+                          <m:r>
+                            <a:rPr lang="en-US" altLang="ko-KR" b="0" i="1" smtClean="0">
+                              <a:latin typeface="Cambria Math" panose="02040503050406030204" pitchFamily="18" charset="0"/>
+                            </a:rPr>
+                            <m:t>−1</m:t>
+                          </m:r>
+                        </m:sup>
+                        <m:e>
+                          <m:nary>
+                            <m:naryPr>
+                              <m:chr m:val="∑"/>
+                              <m:ctrlPr>
+                                <a:rPr lang="en-US" altLang="ko-KR" b="0" i="1" smtClean="0">
+                                  <a:latin typeface="Cambria Math" panose="02040503050406030204" pitchFamily="18" charset="0"/>
+                                </a:rPr>
+                              </m:ctrlPr>
+                            </m:naryPr>
+                            <m:sub>
+                              <m:r>
+                                <m:rPr>
+                                  <m:brk m:alnAt="23"/>
+                                </m:rPr>
+                                <a:rPr lang="en-US" altLang="ko-KR" b="0" i="1" smtClean="0">
+                                  <a:latin typeface="Cambria Math" panose="02040503050406030204" pitchFamily="18" charset="0"/>
+                                </a:rPr>
+                                <m:t>𝑗</m:t>
+                              </m:r>
+                              <m:r>
+                                <a:rPr lang="en-US" altLang="ko-KR" b="0" i="1" smtClean="0">
+                                  <a:latin typeface="Cambria Math" panose="02040503050406030204" pitchFamily="18" charset="0"/>
+                                </a:rPr>
+                                <m:t>=</m:t>
+                              </m:r>
+                              <m:r>
+                                <a:rPr lang="en-US" altLang="ko-KR" b="0" i="1" smtClean="0">
+                                  <a:latin typeface="Cambria Math" panose="02040503050406030204" pitchFamily="18" charset="0"/>
+                                </a:rPr>
+                                <m:t>𝑖</m:t>
+                              </m:r>
+                              <m:r>
+                                <a:rPr lang="en-US" altLang="ko-KR" b="0" i="1" smtClean="0">
+                                  <a:latin typeface="Cambria Math" panose="02040503050406030204" pitchFamily="18" charset="0"/>
+                                </a:rPr>
+                                <m:t>+1</m:t>
+                              </m:r>
+                            </m:sub>
+                            <m:sup>
+                              <m:r>
+                                <a:rPr lang="en-US" altLang="ko-KR" b="0" i="1" smtClean="0">
+                                  <a:latin typeface="Cambria Math" panose="02040503050406030204" pitchFamily="18" charset="0"/>
+                                </a:rPr>
+                                <m:t>𝑀</m:t>
+                              </m:r>
+                            </m:sup>
+                            <m:e>
+                              <m:f>
+                                <m:fPr>
+                                  <m:ctrlPr>
+                                    <a:rPr lang="en-US" altLang="ko-KR" b="0" i="1" smtClean="0">
+                                      <a:latin typeface="Cambria Math" panose="02040503050406030204" pitchFamily="18" charset="0"/>
+                                    </a:rPr>
+                                  </m:ctrlPr>
+                                </m:fPr>
+                                <m:num>
+                                  <m:r>
+                                    <a:rPr lang="en-US" altLang="ko-KR" b="0" i="1" smtClean="0">
+                                      <a:latin typeface="Cambria Math" panose="02040503050406030204" pitchFamily="18" charset="0"/>
+                                    </a:rPr>
+                                    <m:t>𝜕𝜙</m:t>
+                                  </m:r>
+                                </m:num>
+                                <m:den>
+                                  <m:r>
+                                    <a:rPr lang="en-US" altLang="ko-KR" b="0" i="1" smtClean="0">
+                                      <a:latin typeface="Cambria Math" panose="02040503050406030204" pitchFamily="18" charset="0"/>
+                                    </a:rPr>
+                                    <m:t>𝜕</m:t>
+                                  </m:r>
+                                  <m:acc>
+                                    <m:accPr>
+                                      <m:chr m:val="̅"/>
+                                      <m:ctrlPr>
+                                        <a:rPr lang="en-US" altLang="ko-KR" b="0" i="1" smtClean="0">
+                                          <a:latin typeface="Cambria Math" panose="02040503050406030204" pitchFamily="18" charset="0"/>
+                                        </a:rPr>
+                                      </m:ctrlPr>
+                                    </m:accPr>
+                                    <m:e>
+                                      <m:sSub>
+                                        <m:sSubPr>
+                                          <m:ctrlPr>
+                                            <a:rPr lang="en-US" altLang="ko-KR" b="0" i="1" smtClean="0">
+                                              <a:latin typeface="Cambria Math" panose="02040503050406030204" pitchFamily="18" charset="0"/>
+                                            </a:rPr>
+                                          </m:ctrlPr>
+                                        </m:sSubPr>
+                                        <m:e>
+                                          <m:r>
+                                            <a:rPr lang="en-US" altLang="ko-KR" b="0" i="1" smtClean="0">
+                                              <a:latin typeface="Cambria Math" panose="02040503050406030204" pitchFamily="18" charset="0"/>
+                                            </a:rPr>
+                                            <m:t>𝑥</m:t>
+                                          </m:r>
+                                        </m:e>
+                                        <m:sub>
+                                          <m:r>
+                                            <a:rPr lang="en-US" altLang="ko-KR" b="0" i="1" smtClean="0">
+                                              <a:latin typeface="Cambria Math" panose="02040503050406030204" pitchFamily="18" charset="0"/>
+                                            </a:rPr>
+                                            <m:t>𝑖</m:t>
+                                          </m:r>
+                                        </m:sub>
+                                      </m:sSub>
+                                    </m:e>
+                                  </m:acc>
+                                </m:den>
+                              </m:f>
+                              <m:f>
+                                <m:fPr>
+                                  <m:ctrlPr>
+                                    <a:rPr lang="en-US" altLang="ko-KR" b="0" i="1" smtClean="0">
+                                      <a:latin typeface="Cambria Math" panose="02040503050406030204" pitchFamily="18" charset="0"/>
+                                    </a:rPr>
+                                  </m:ctrlPr>
+                                </m:fPr>
+                                <m:num>
+                                  <m:r>
+                                    <a:rPr lang="en-US" altLang="ko-KR" b="0" i="1" smtClean="0">
+                                      <a:latin typeface="Cambria Math" panose="02040503050406030204" pitchFamily="18" charset="0"/>
+                                    </a:rPr>
+                                    <m:t>𝜕𝜙</m:t>
+                                  </m:r>
+                                </m:num>
+                                <m:den>
+                                  <m:r>
+                                    <a:rPr lang="en-US" altLang="ko-KR" b="0" i="1" smtClean="0">
+                                      <a:latin typeface="Cambria Math" panose="02040503050406030204" pitchFamily="18" charset="0"/>
+                                    </a:rPr>
+                                    <m:t>𝜕</m:t>
+                                  </m:r>
+                                  <m:acc>
+                                    <m:accPr>
+                                      <m:chr m:val="̅"/>
+                                      <m:ctrlPr>
+                                        <a:rPr lang="en-US" altLang="ko-KR" b="0" i="1" smtClean="0">
+                                          <a:latin typeface="Cambria Math" panose="02040503050406030204" pitchFamily="18" charset="0"/>
+                                        </a:rPr>
+                                      </m:ctrlPr>
+                                    </m:accPr>
+                                    <m:e>
+                                      <m:sSub>
+                                        <m:sSubPr>
+                                          <m:ctrlPr>
+                                            <a:rPr lang="en-US" altLang="ko-KR" b="0" i="1" smtClean="0">
+                                              <a:latin typeface="Cambria Math" panose="02040503050406030204" pitchFamily="18" charset="0"/>
+                                            </a:rPr>
+                                          </m:ctrlPr>
+                                        </m:sSubPr>
+                                        <m:e>
+                                          <m:r>
+                                            <a:rPr lang="en-US" altLang="ko-KR" b="0" i="1" smtClean="0">
+                                              <a:latin typeface="Cambria Math" panose="02040503050406030204" pitchFamily="18" charset="0"/>
+                                            </a:rPr>
+                                            <m:t>𝑥</m:t>
+                                          </m:r>
+                                        </m:e>
+                                        <m:sub>
+                                          <m:r>
+                                            <a:rPr lang="en-US" altLang="ko-KR" b="0" i="1" smtClean="0">
+                                              <a:latin typeface="Cambria Math" panose="02040503050406030204" pitchFamily="18" charset="0"/>
+                                            </a:rPr>
+                                            <m:t>𝑗</m:t>
+                                          </m:r>
+                                        </m:sub>
+                                      </m:sSub>
+                                    </m:e>
+                                  </m:acc>
+                                </m:den>
+                              </m:f>
+                              <m:sSub>
+                                <m:sSubPr>
+                                  <m:ctrlPr>
+                                    <a:rPr lang="en-US" altLang="ko-KR" b="0" i="1" smtClean="0">
+                                      <a:latin typeface="Cambria Math" panose="02040503050406030204" pitchFamily="18" charset="0"/>
+                                    </a:rPr>
+                                  </m:ctrlPr>
+                                </m:sSubPr>
+                                <m:e>
+                                  <m:r>
+                                    <a:rPr lang="en-US" altLang="ko-KR" b="0" i="1" smtClean="0">
+                                      <a:latin typeface="Cambria Math" panose="02040503050406030204" pitchFamily="18" charset="0"/>
+                                    </a:rPr>
+                                    <m:t>𝑠</m:t>
+                                  </m:r>
+                                </m:e>
+                                <m:sub>
+                                  <m:sSub>
+                                    <m:sSubPr>
+                                      <m:ctrlPr>
+                                        <a:rPr lang="en-US" altLang="ko-KR" b="0" i="1" smtClean="0">
+                                          <a:latin typeface="Cambria Math" panose="02040503050406030204" pitchFamily="18" charset="0"/>
+                                        </a:rPr>
+                                      </m:ctrlPr>
+                                    </m:sSubPr>
+                                    <m:e>
+                                      <m:r>
+                                        <a:rPr lang="en-US" altLang="ko-KR" b="0" i="1" smtClean="0">
+                                          <a:latin typeface="Cambria Math" panose="02040503050406030204" pitchFamily="18" charset="0"/>
+                                        </a:rPr>
+                                        <m:t>𝑥</m:t>
+                                      </m:r>
+                                    </m:e>
+                                    <m:sub>
+                                      <m:r>
+                                        <a:rPr lang="en-US" altLang="ko-KR" b="0" i="1" smtClean="0">
+                                          <a:latin typeface="Cambria Math" panose="02040503050406030204" pitchFamily="18" charset="0"/>
+                                        </a:rPr>
+                                        <m:t>𝑖</m:t>
+                                      </m:r>
+                                    </m:sub>
+                                  </m:sSub>
+                                </m:sub>
+                              </m:sSub>
+                              <m:sSub>
+                                <m:sSubPr>
+                                  <m:ctrlPr>
+                                    <a:rPr lang="en-US" altLang="ko-KR" b="0" i="1" smtClean="0">
+                                      <a:latin typeface="Cambria Math" panose="02040503050406030204" pitchFamily="18" charset="0"/>
+                                    </a:rPr>
+                                  </m:ctrlPr>
+                                </m:sSubPr>
+                                <m:e>
+                                  <m:r>
+                                    <a:rPr lang="en-US" altLang="ko-KR" b="0" i="1" smtClean="0">
+                                      <a:latin typeface="Cambria Math" panose="02040503050406030204" pitchFamily="18" charset="0"/>
+                                    </a:rPr>
+                                    <m:t>𝑠</m:t>
+                                  </m:r>
+                                </m:e>
+                                <m:sub>
+                                  <m:sSub>
+                                    <m:sSubPr>
+                                      <m:ctrlPr>
+                                        <a:rPr lang="en-US" altLang="ko-KR" b="0" i="1" smtClean="0">
+                                          <a:latin typeface="Cambria Math" panose="02040503050406030204" pitchFamily="18" charset="0"/>
+                                        </a:rPr>
+                                      </m:ctrlPr>
+                                    </m:sSubPr>
+                                    <m:e>
+                                      <m:r>
+                                        <a:rPr lang="en-US" altLang="ko-KR" b="0" i="1" smtClean="0">
+                                          <a:latin typeface="Cambria Math" panose="02040503050406030204" pitchFamily="18" charset="0"/>
+                                        </a:rPr>
+                                        <m:t>𝑥</m:t>
+                                      </m:r>
+                                    </m:e>
+                                    <m:sub>
+                                      <m:r>
+                                        <a:rPr lang="en-US" altLang="ko-KR" b="0" i="1" smtClean="0">
+                                          <a:latin typeface="Cambria Math" panose="02040503050406030204" pitchFamily="18" charset="0"/>
+                                        </a:rPr>
+                                        <m:t>𝑗</m:t>
+                                      </m:r>
+                                    </m:sub>
+                                  </m:sSub>
+                                </m:sub>
+                              </m:sSub>
+                            </m:e>
+                          </m:nary>
+                        </m:e>
+                      </m:nary>
+                    </m:oMath>
+                  </m:oMathPara>
+                </a14:m>
+                <a:endParaRPr lang="ko-KR" altLang="en-US" dirty="0"/>
+              </a:p>
+            </p:txBody>
+          </p:sp>
+        </mc:Choice>
+        <mc:Fallback>
+          <p:sp>
+            <p:nvSpPr>
+              <p:cNvPr id="5" name="TextBox 4"/>
+              <p:cNvSpPr txBox="1">
+                <a:spLocks noRot="1" noChangeAspect="1" noMove="1" noResize="1" noEditPoints="1" noAdjustHandles="1" noChangeArrowheads="1" noChangeShapeType="1" noTextEdit="1"/>
+              </p:cNvSpPr>
+              <p:nvPr/>
+            </p:nvSpPr>
+            <p:spPr>
+              <a:xfrm>
+                <a:off x="268165" y="3250376"/>
+                <a:ext cx="4690258" cy="810222"/>
+              </a:xfrm>
+              <a:prstGeom prst="rect">
+                <a:avLst/>
+              </a:prstGeom>
+              <a:blipFill rotWithShape="0">
+                <a:blip r:embed="rId4"/>
+                <a:stretch>
+                  <a:fillRect/>
+                </a:stretch>
+              </a:blipFill>
+            </p:spPr>
+            <p:txBody>
+              <a:bodyPr/>
+              <a:lstStyle/>
+              <a:p>
+                <a:r>
+                  <a:rPr lang="ko-KR" altLang="en-US">
+                    <a:noFill/>
+                  </a:rPr>
+                  <a:t> </a:t>
+                </a:r>
+              </a:p>
+            </p:txBody>
+          </p:sp>
+        </mc:Fallback>
+      </mc:AlternateContent>
+      <mc:AlternateContent xmlns:mc="http://schemas.openxmlformats.org/markup-compatibility/2006">
+        <mc:Choice xmlns:a14="http://schemas.microsoft.com/office/drawing/2010/main" Requires="a14">
+          <p:sp>
+            <p:nvSpPr>
+              <p:cNvPr id="6" name="TextBox 5"/>
+              <p:cNvSpPr txBox="1"/>
+              <p:nvPr/>
+            </p:nvSpPr>
+            <p:spPr>
+              <a:xfrm>
+                <a:off x="5063327" y="3277370"/>
+                <a:ext cx="1940788" cy="756233"/>
+              </a:xfrm>
+              <a:prstGeom prst="rect">
+                <a:avLst/>
+              </a:prstGeom>
+              <a:noFill/>
+            </p:spPr>
+            <p:txBody>
+              <a:bodyPr wrap="none" lIns="0" tIns="0" rIns="0" bIns="0" rtlCol="0">
+                <a:spAutoFit/>
+              </a:bodyPr>
+              <a:lstStyle/>
+              <a:p>
+                <a14:m>
+                  <m:oMathPara xmlns:m="http://schemas.openxmlformats.org/officeDocument/2006/math">
+                    <m:oMathParaPr>
+                      <m:jc m:val="centerGroup"/>
+                    </m:oMathParaPr>
+                    <m:oMath xmlns:m="http://schemas.openxmlformats.org/officeDocument/2006/math">
+                      <m:sSub>
+                        <m:sSubPr>
+                          <m:ctrlPr>
+                            <a:rPr lang="en-US" altLang="ko-KR" b="0" i="1" smtClean="0">
+                              <a:latin typeface="Cambria Math" panose="02040503050406030204" pitchFamily="18" charset="0"/>
+                            </a:rPr>
+                          </m:ctrlPr>
+                        </m:sSubPr>
+                        <m:e>
+                          <m:r>
+                            <a:rPr lang="en-US" altLang="ko-KR" b="0" i="1" smtClean="0">
+                              <a:latin typeface="Cambria Math" panose="02040503050406030204" pitchFamily="18" charset="0"/>
+                            </a:rPr>
+                            <m:t>𝑓</m:t>
+                          </m:r>
+                        </m:e>
+                        <m:sub>
+                          <m:r>
+                            <a:rPr lang="en-US" altLang="ko-KR" b="0" i="1" smtClean="0">
+                              <a:latin typeface="Cambria Math" panose="02040503050406030204" pitchFamily="18" charset="0"/>
+                            </a:rPr>
+                            <m:t>𝑠</m:t>
+                          </m:r>
+                          <m:r>
+                            <a:rPr lang="en-US" altLang="ko-KR" b="0" i="1" smtClean="0">
+                              <a:latin typeface="Cambria Math" panose="02040503050406030204" pitchFamily="18" charset="0"/>
+                            </a:rPr>
+                            <m:t>,</m:t>
+                          </m:r>
+                          <m:r>
+                            <a:rPr lang="en-US" altLang="ko-KR" b="0" i="1" smtClean="0">
+                              <a:latin typeface="Cambria Math" panose="02040503050406030204" pitchFamily="18" charset="0"/>
+                            </a:rPr>
+                            <m:t>𝜙</m:t>
+                          </m:r>
+                        </m:sub>
+                      </m:sSub>
+                      <m:r>
+                        <a:rPr lang="en-US" altLang="ko-KR" b="0" i="1" smtClean="0">
+                          <a:latin typeface="Cambria Math" panose="02040503050406030204" pitchFamily="18" charset="0"/>
+                        </a:rPr>
+                        <m:t>=</m:t>
+                      </m:r>
+                      <m:nary>
+                        <m:naryPr>
+                          <m:chr m:val="∑"/>
+                          <m:ctrlPr>
+                            <a:rPr lang="en-US" altLang="ko-KR" b="0" i="1" smtClean="0">
+                              <a:latin typeface="Cambria Math" panose="02040503050406030204" pitchFamily="18" charset="0"/>
+                            </a:rPr>
+                          </m:ctrlPr>
+                        </m:naryPr>
+                        <m:sub>
+                          <m:r>
+                            <m:rPr>
+                              <m:brk m:alnAt="23"/>
+                            </m:rPr>
+                            <a:rPr lang="en-US" altLang="ko-KR" b="0" i="1" smtClean="0">
+                              <a:latin typeface="Cambria Math" panose="02040503050406030204" pitchFamily="18" charset="0"/>
+                            </a:rPr>
+                            <m:t>𝑖</m:t>
+                          </m:r>
+                          <m:r>
+                            <a:rPr lang="en-US" altLang="ko-KR" b="0" i="1" smtClean="0">
+                              <a:latin typeface="Cambria Math" panose="02040503050406030204" pitchFamily="18" charset="0"/>
+                            </a:rPr>
+                            <m:t>=1</m:t>
+                          </m:r>
+                        </m:sub>
+                        <m:sup>
+                          <m:r>
+                            <a:rPr lang="en-US" altLang="ko-KR" b="0" i="1" smtClean="0">
+                              <a:latin typeface="Cambria Math" panose="02040503050406030204" pitchFamily="18" charset="0"/>
+                            </a:rPr>
+                            <m:t>𝑚</m:t>
+                          </m:r>
+                        </m:sup>
+                        <m:e>
+                          <m:d>
+                            <m:dPr>
+                              <m:begChr m:val="|"/>
+                              <m:endChr m:val="|"/>
+                              <m:ctrlPr>
+                                <a:rPr lang="en-US" altLang="ko-KR" b="0" i="1" smtClean="0">
+                                  <a:latin typeface="Cambria Math" panose="02040503050406030204" pitchFamily="18" charset="0"/>
+                                </a:rPr>
+                              </m:ctrlPr>
+                            </m:dPr>
+                            <m:e>
+                              <m:f>
+                                <m:fPr>
+                                  <m:ctrlPr>
+                                    <a:rPr lang="en-US" altLang="ko-KR" b="0" i="1" smtClean="0">
+                                      <a:latin typeface="Cambria Math" panose="02040503050406030204" pitchFamily="18" charset="0"/>
+                                    </a:rPr>
+                                  </m:ctrlPr>
+                                </m:fPr>
+                                <m:num>
+                                  <m:r>
+                                    <a:rPr lang="en-US" altLang="ko-KR" b="0" i="1" smtClean="0">
+                                      <a:latin typeface="Cambria Math" panose="02040503050406030204" pitchFamily="18" charset="0"/>
+                                    </a:rPr>
+                                    <m:t>𝜕𝜙</m:t>
+                                  </m:r>
+                                </m:num>
+                                <m:den>
+                                  <m:r>
+                                    <a:rPr lang="en-US" altLang="ko-KR" b="0" i="1" smtClean="0">
+                                      <a:latin typeface="Cambria Math" panose="02040503050406030204" pitchFamily="18" charset="0"/>
+                                    </a:rPr>
+                                    <m:t>𝜕</m:t>
+                                  </m:r>
+                                  <m:acc>
+                                    <m:accPr>
+                                      <m:chr m:val="̅"/>
+                                      <m:ctrlPr>
+                                        <a:rPr lang="en-US" altLang="ko-KR" b="0" i="1" smtClean="0">
+                                          <a:latin typeface="Cambria Math" panose="02040503050406030204" pitchFamily="18" charset="0"/>
+                                        </a:rPr>
+                                      </m:ctrlPr>
+                                    </m:accPr>
+                                    <m:e>
+                                      <m:sSub>
+                                        <m:sSubPr>
+                                          <m:ctrlPr>
+                                            <a:rPr lang="en-US" altLang="ko-KR" b="0" i="1" smtClean="0">
+                                              <a:latin typeface="Cambria Math" panose="02040503050406030204" pitchFamily="18" charset="0"/>
+                                            </a:rPr>
+                                          </m:ctrlPr>
+                                        </m:sSubPr>
+                                        <m:e>
+                                          <m:r>
+                                            <a:rPr lang="en-US" altLang="ko-KR" b="0" i="1" smtClean="0">
+                                              <a:latin typeface="Cambria Math" panose="02040503050406030204" pitchFamily="18" charset="0"/>
+                                            </a:rPr>
+                                            <m:t>𝑥</m:t>
+                                          </m:r>
+                                        </m:e>
+                                        <m:sub>
+                                          <m:r>
+                                            <a:rPr lang="en-US" altLang="ko-KR" b="0" i="1" smtClean="0">
+                                              <a:latin typeface="Cambria Math" panose="02040503050406030204" pitchFamily="18" charset="0"/>
+                                            </a:rPr>
+                                            <m:t>𝑖</m:t>
+                                          </m:r>
+                                        </m:sub>
+                                      </m:sSub>
+                                    </m:e>
+                                  </m:acc>
+                                </m:den>
+                              </m:f>
+                            </m:e>
+                          </m:d>
+                          <m:sSub>
+                            <m:sSubPr>
+                              <m:ctrlPr>
+                                <a:rPr lang="en-US" altLang="ko-KR" b="0" i="1" smtClean="0">
+                                  <a:latin typeface="Cambria Math" panose="02040503050406030204" pitchFamily="18" charset="0"/>
+                                </a:rPr>
+                              </m:ctrlPr>
+                            </m:sSubPr>
+                            <m:e>
+                              <m:r>
+                                <a:rPr lang="en-US" altLang="ko-KR" b="0" i="1" smtClean="0">
+                                  <a:latin typeface="Cambria Math" panose="02040503050406030204" pitchFamily="18" charset="0"/>
+                                </a:rPr>
+                                <m:t>𝑓</m:t>
+                              </m:r>
+                            </m:e>
+                            <m:sub>
+                              <m:r>
+                                <a:rPr lang="en-US" altLang="ko-KR" b="0" i="1" smtClean="0">
+                                  <a:latin typeface="Cambria Math" panose="02040503050406030204" pitchFamily="18" charset="0"/>
+                                </a:rPr>
+                                <m:t>𝑠</m:t>
+                              </m:r>
+                              <m:r>
+                                <a:rPr lang="en-US" altLang="ko-KR" b="0" i="1" smtClean="0">
+                                  <a:latin typeface="Cambria Math" panose="02040503050406030204" pitchFamily="18" charset="0"/>
+                                </a:rPr>
+                                <m:t>,</m:t>
+                              </m:r>
+                              <m:sSub>
+                                <m:sSubPr>
+                                  <m:ctrlPr>
+                                    <a:rPr lang="en-US" altLang="ko-KR" b="0" i="1" smtClean="0">
+                                      <a:latin typeface="Cambria Math" panose="02040503050406030204" pitchFamily="18" charset="0"/>
+                                    </a:rPr>
+                                  </m:ctrlPr>
+                                </m:sSubPr>
+                                <m:e>
+                                  <m:r>
+                                    <a:rPr lang="en-US" altLang="ko-KR" b="0" i="1" smtClean="0">
+                                      <a:latin typeface="Cambria Math" panose="02040503050406030204" pitchFamily="18" charset="0"/>
+                                    </a:rPr>
+                                    <m:t>𝑥</m:t>
+                                  </m:r>
+                                </m:e>
+                                <m:sub>
+                                  <m:r>
+                                    <a:rPr lang="en-US" altLang="ko-KR" b="0" i="1" smtClean="0">
+                                      <a:latin typeface="Cambria Math" panose="02040503050406030204" pitchFamily="18" charset="0"/>
+                                    </a:rPr>
+                                    <m:t>𝑖</m:t>
+                                  </m:r>
+                                </m:sub>
+                              </m:sSub>
+                            </m:sub>
+                          </m:sSub>
+                        </m:e>
+                      </m:nary>
+                    </m:oMath>
+                  </m:oMathPara>
+                </a14:m>
+                <a:endParaRPr lang="ko-KR" altLang="en-US" dirty="0"/>
+              </a:p>
+            </p:txBody>
+          </p:sp>
+        </mc:Choice>
+        <mc:Fallback>
+          <p:sp>
+            <p:nvSpPr>
+              <p:cNvPr id="6" name="TextBox 5"/>
+              <p:cNvSpPr txBox="1">
+                <a:spLocks noRot="1" noChangeAspect="1" noMove="1" noResize="1" noEditPoints="1" noAdjustHandles="1" noChangeArrowheads="1" noChangeShapeType="1" noTextEdit="1"/>
+              </p:cNvSpPr>
+              <p:nvPr/>
+            </p:nvSpPr>
+            <p:spPr>
+              <a:xfrm>
+                <a:off x="5063327" y="3277370"/>
+                <a:ext cx="1940788" cy="756233"/>
+              </a:xfrm>
+              <a:prstGeom prst="rect">
+                <a:avLst/>
+              </a:prstGeom>
+              <a:blipFill rotWithShape="0">
+                <a:blip r:embed="rId5"/>
+                <a:stretch>
+                  <a:fillRect/>
+                </a:stretch>
+              </a:blipFill>
+            </p:spPr>
+            <p:txBody>
+              <a:bodyPr/>
+              <a:lstStyle/>
+              <a:p>
+                <a:r>
+                  <a:rPr lang="ko-KR" altLang="en-US">
+                    <a:noFill/>
+                  </a:rPr>
+                  <a:t> </a:t>
+                </a:r>
+              </a:p>
+            </p:txBody>
+          </p:sp>
+        </mc:Fallback>
+      </mc:AlternateContent>
+      <mc:AlternateContent xmlns:mc="http://schemas.openxmlformats.org/markup-compatibility/2006">
+        <mc:Choice xmlns:a14="http://schemas.microsoft.com/office/drawing/2010/main" Requires="a14">
+          <p:sp>
+            <p:nvSpPr>
+              <p:cNvPr id="7" name="TextBox 6"/>
+              <p:cNvSpPr txBox="1"/>
+              <p:nvPr/>
+            </p:nvSpPr>
+            <p:spPr>
+              <a:xfrm>
+                <a:off x="7109019" y="3499546"/>
+                <a:ext cx="1990801" cy="311880"/>
+              </a:xfrm>
+              <a:prstGeom prst="rect">
+                <a:avLst/>
+              </a:prstGeom>
+              <a:noFill/>
+            </p:spPr>
+            <p:txBody>
+              <a:bodyPr wrap="none" lIns="0" tIns="0" rIns="0" bIns="0" rtlCol="0">
+                <a:spAutoFit/>
+              </a:bodyPr>
+              <a:lstStyle/>
+              <a:p>
+                <a14:m>
+                  <m:oMathPara xmlns:m="http://schemas.openxmlformats.org/officeDocument/2006/math">
+                    <m:oMathParaPr>
+                      <m:jc m:val="centerGroup"/>
+                    </m:oMathParaPr>
+                    <m:oMath xmlns:m="http://schemas.openxmlformats.org/officeDocument/2006/math">
+                      <m:r>
+                        <a:rPr lang="en-US" altLang="ko-KR" b="0" i="1" smtClean="0">
+                          <a:latin typeface="Cambria Math" panose="02040503050406030204" pitchFamily="18" charset="0"/>
+                        </a:rPr>
+                        <m:t>;−</m:t>
+                      </m:r>
+                      <m:sSub>
+                        <m:sSubPr>
+                          <m:ctrlPr>
+                            <a:rPr lang="en-US" altLang="ko-KR" b="0" i="1" smtClean="0">
+                              <a:latin typeface="Cambria Math" panose="02040503050406030204" pitchFamily="18" charset="0"/>
+                            </a:rPr>
+                          </m:ctrlPr>
+                        </m:sSubPr>
+                        <m:e>
+                          <m:r>
+                            <a:rPr lang="en-US" altLang="ko-KR" b="0" i="1" smtClean="0">
+                              <a:latin typeface="Cambria Math" panose="02040503050406030204" pitchFamily="18" charset="0"/>
+                            </a:rPr>
+                            <m:t>𝑓</m:t>
+                          </m:r>
+                        </m:e>
+                        <m:sub>
+                          <m:r>
+                            <a:rPr lang="en-US" altLang="ko-KR" b="0" i="1" smtClean="0">
+                              <a:latin typeface="Cambria Math" panose="02040503050406030204" pitchFamily="18" charset="0"/>
+                            </a:rPr>
+                            <m:t>𝑠</m:t>
+                          </m:r>
+                          <m:r>
+                            <a:rPr lang="en-US" altLang="ko-KR" b="0" i="1" smtClean="0">
+                              <a:latin typeface="Cambria Math" panose="02040503050406030204" pitchFamily="18" charset="0"/>
+                            </a:rPr>
+                            <m:t>,</m:t>
+                          </m:r>
+                          <m:sSub>
+                            <m:sSubPr>
+                              <m:ctrlPr>
+                                <a:rPr lang="en-US" altLang="ko-KR" b="0" i="1" smtClean="0">
+                                  <a:latin typeface="Cambria Math" panose="02040503050406030204" pitchFamily="18" charset="0"/>
+                                </a:rPr>
+                              </m:ctrlPr>
+                            </m:sSubPr>
+                            <m:e>
+                              <m:r>
+                                <a:rPr lang="en-US" altLang="ko-KR" b="0" i="1" smtClean="0">
+                                  <a:latin typeface="Cambria Math" panose="02040503050406030204" pitchFamily="18" charset="0"/>
+                                </a:rPr>
+                                <m:t>𝑥</m:t>
+                              </m:r>
+                            </m:e>
+                            <m:sub>
+                              <m:r>
+                                <a:rPr lang="en-US" altLang="ko-KR" b="0" i="1" smtClean="0">
+                                  <a:latin typeface="Cambria Math" panose="02040503050406030204" pitchFamily="18" charset="0"/>
+                                </a:rPr>
+                                <m:t>𝑖</m:t>
+                              </m:r>
+                            </m:sub>
+                          </m:sSub>
+                        </m:sub>
+                      </m:sSub>
+                      <m:r>
+                        <a:rPr lang="en-US" altLang="ko-KR" b="0" i="1" smtClean="0">
+                          <a:latin typeface="Cambria Math" panose="02040503050406030204" pitchFamily="18" charset="0"/>
+                          <a:ea typeface="Cambria Math" panose="02040503050406030204" pitchFamily="18" charset="0"/>
+                        </a:rPr>
+                        <m:t>≤</m:t>
+                      </m:r>
+                      <m:sSub>
+                        <m:sSubPr>
+                          <m:ctrlPr>
+                            <a:rPr lang="en-US" altLang="ko-KR" b="0" i="1" smtClean="0">
+                              <a:latin typeface="Cambria Math" panose="02040503050406030204" pitchFamily="18" charset="0"/>
+                              <a:ea typeface="Cambria Math" panose="02040503050406030204" pitchFamily="18" charset="0"/>
+                            </a:rPr>
+                          </m:ctrlPr>
+                        </m:sSubPr>
+                        <m:e>
+                          <m:r>
+                            <a:rPr lang="en-US" altLang="ko-KR" b="0" i="1" smtClean="0">
+                              <a:latin typeface="Cambria Math" panose="02040503050406030204" pitchFamily="18" charset="0"/>
+                              <a:ea typeface="Cambria Math" panose="02040503050406030204" pitchFamily="18" charset="0"/>
+                            </a:rPr>
+                            <m:t>𝑓</m:t>
+                          </m:r>
+                        </m:e>
+                        <m:sub>
+                          <m:sSub>
+                            <m:sSubPr>
+                              <m:ctrlPr>
+                                <a:rPr lang="en-US" altLang="ko-KR" b="0" i="1" smtClean="0">
+                                  <a:latin typeface="Cambria Math" panose="02040503050406030204" pitchFamily="18" charset="0"/>
+                                  <a:ea typeface="Cambria Math" panose="02040503050406030204" pitchFamily="18" charset="0"/>
+                                </a:rPr>
+                              </m:ctrlPr>
+                            </m:sSubPr>
+                            <m:e>
+                              <m:r>
+                                <a:rPr lang="en-US" altLang="ko-KR" b="0" i="1" smtClean="0">
+                                  <a:latin typeface="Cambria Math" panose="02040503050406030204" pitchFamily="18" charset="0"/>
+                                  <a:ea typeface="Cambria Math" panose="02040503050406030204" pitchFamily="18" charset="0"/>
+                                </a:rPr>
+                                <m:t>𝑥</m:t>
+                              </m:r>
+                            </m:e>
+                            <m:sub>
+                              <m:r>
+                                <a:rPr lang="en-US" altLang="ko-KR" b="0" i="1" smtClean="0">
+                                  <a:latin typeface="Cambria Math" panose="02040503050406030204" pitchFamily="18" charset="0"/>
+                                  <a:ea typeface="Cambria Math" panose="02040503050406030204" pitchFamily="18" charset="0"/>
+                                </a:rPr>
+                                <m:t>𝑖</m:t>
+                              </m:r>
+                            </m:sub>
+                          </m:sSub>
+                        </m:sub>
+                      </m:sSub>
+                      <m:r>
+                        <a:rPr lang="en-US" altLang="ko-KR" b="0" i="1" smtClean="0">
+                          <a:latin typeface="Cambria Math" panose="02040503050406030204" pitchFamily="18" charset="0"/>
+                          <a:ea typeface="Cambria Math" panose="02040503050406030204" pitchFamily="18" charset="0"/>
+                        </a:rPr>
+                        <m:t>≤</m:t>
+                      </m:r>
+                      <m:sSub>
+                        <m:sSubPr>
+                          <m:ctrlPr>
+                            <a:rPr lang="en-US" altLang="ko-KR" b="0" i="1" smtClean="0">
+                              <a:latin typeface="Cambria Math" panose="02040503050406030204" pitchFamily="18" charset="0"/>
+                              <a:ea typeface="Cambria Math" panose="02040503050406030204" pitchFamily="18" charset="0"/>
+                            </a:rPr>
+                          </m:ctrlPr>
+                        </m:sSubPr>
+                        <m:e>
+                          <m:r>
+                            <a:rPr lang="en-US" altLang="ko-KR" b="0" i="1" smtClean="0">
+                              <a:latin typeface="Cambria Math" panose="02040503050406030204" pitchFamily="18" charset="0"/>
+                              <a:ea typeface="Cambria Math" panose="02040503050406030204" pitchFamily="18" charset="0"/>
+                            </a:rPr>
+                            <m:t>𝑓</m:t>
+                          </m:r>
+                        </m:e>
+                        <m:sub>
+                          <m:r>
+                            <a:rPr lang="en-US" altLang="ko-KR" b="0" i="1" smtClean="0">
+                              <a:latin typeface="Cambria Math" panose="02040503050406030204" pitchFamily="18" charset="0"/>
+                              <a:ea typeface="Cambria Math" panose="02040503050406030204" pitchFamily="18" charset="0"/>
+                            </a:rPr>
+                            <m:t>𝑠</m:t>
+                          </m:r>
+                          <m:r>
+                            <a:rPr lang="en-US" altLang="ko-KR" b="0" i="1" smtClean="0">
+                              <a:latin typeface="Cambria Math" panose="02040503050406030204" pitchFamily="18" charset="0"/>
+                              <a:ea typeface="Cambria Math" panose="02040503050406030204" pitchFamily="18" charset="0"/>
+                            </a:rPr>
+                            <m:t>,</m:t>
+                          </m:r>
+                          <m:sSub>
+                            <m:sSubPr>
+                              <m:ctrlPr>
+                                <a:rPr lang="en-US" altLang="ko-KR" b="0" i="1" smtClean="0">
+                                  <a:latin typeface="Cambria Math" panose="02040503050406030204" pitchFamily="18" charset="0"/>
+                                  <a:ea typeface="Cambria Math" panose="02040503050406030204" pitchFamily="18" charset="0"/>
+                                </a:rPr>
+                              </m:ctrlPr>
+                            </m:sSubPr>
+                            <m:e>
+                              <m:r>
+                                <a:rPr lang="en-US" altLang="ko-KR" b="0" i="1" smtClean="0">
+                                  <a:latin typeface="Cambria Math" panose="02040503050406030204" pitchFamily="18" charset="0"/>
+                                  <a:ea typeface="Cambria Math" panose="02040503050406030204" pitchFamily="18" charset="0"/>
+                                </a:rPr>
+                                <m:t>𝑥</m:t>
+                              </m:r>
+                            </m:e>
+                            <m:sub>
+                              <m:r>
+                                <a:rPr lang="en-US" altLang="ko-KR" b="0" i="1" smtClean="0">
+                                  <a:latin typeface="Cambria Math" panose="02040503050406030204" pitchFamily="18" charset="0"/>
+                                  <a:ea typeface="Cambria Math" panose="02040503050406030204" pitchFamily="18" charset="0"/>
+                                </a:rPr>
+                                <m:t>𝑖</m:t>
+                              </m:r>
+                            </m:sub>
+                          </m:sSub>
+                        </m:sub>
+                      </m:sSub>
+                    </m:oMath>
+                  </m:oMathPara>
+                </a14:m>
+                <a:endParaRPr lang="ko-KR" altLang="en-US" dirty="0"/>
+              </a:p>
+            </p:txBody>
+          </p:sp>
+        </mc:Choice>
+        <mc:Fallback>
+          <p:sp>
+            <p:nvSpPr>
+              <p:cNvPr id="7" name="TextBox 6"/>
+              <p:cNvSpPr txBox="1">
+                <a:spLocks noRot="1" noChangeAspect="1" noMove="1" noResize="1" noEditPoints="1" noAdjustHandles="1" noChangeArrowheads="1" noChangeShapeType="1" noTextEdit="1"/>
+              </p:cNvSpPr>
+              <p:nvPr/>
+            </p:nvSpPr>
+            <p:spPr>
+              <a:xfrm>
+                <a:off x="7109019" y="3499546"/>
+                <a:ext cx="1990801" cy="311880"/>
+              </a:xfrm>
+              <a:prstGeom prst="rect">
+                <a:avLst/>
+              </a:prstGeom>
+              <a:blipFill rotWithShape="0">
+                <a:blip r:embed="rId6"/>
+                <a:stretch>
+                  <a:fillRect b="-21569"/>
+                </a:stretch>
+              </a:blipFill>
+            </p:spPr>
+            <p:txBody>
+              <a:bodyPr/>
+              <a:lstStyle/>
+              <a:p>
+                <a:r>
+                  <a:rPr lang="ko-KR" altLang="en-US">
+                    <a:noFill/>
+                  </a:rPr>
+                  <a:t> </a:t>
+                </a:r>
+              </a:p>
+            </p:txBody>
+          </p:sp>
+        </mc:Fallback>
+      </mc:AlternateContent>
+      <mc:AlternateContent xmlns:mc="http://schemas.openxmlformats.org/markup-compatibility/2006">
+        <mc:Choice xmlns:a14="http://schemas.microsoft.com/office/drawing/2010/main" Requires="a14">
+          <p:sp>
+            <p:nvSpPr>
+              <p:cNvPr id="8" name="TextBox 7"/>
+              <p:cNvSpPr txBox="1"/>
+              <p:nvPr/>
+            </p:nvSpPr>
+            <p:spPr>
+              <a:xfrm>
+                <a:off x="2095970" y="4011211"/>
+                <a:ext cx="4952060" cy="818366"/>
+              </a:xfrm>
+              <a:prstGeom prst="rect">
+                <a:avLst/>
+              </a:prstGeom>
+              <a:noFill/>
+            </p:spPr>
+            <p:txBody>
+              <a:bodyPr wrap="none" lIns="0" tIns="0" rIns="0" bIns="0" rtlCol="0">
+                <a:spAutoFit/>
+              </a:bodyPr>
+              <a:lstStyle/>
+              <a:p>
+                <a14:m>
+                  <m:oMathPara xmlns:m="http://schemas.openxmlformats.org/officeDocument/2006/math">
+                    <m:oMathParaPr>
+                      <m:jc m:val="centerGroup"/>
+                    </m:oMathParaPr>
+                    <m:oMath xmlns:m="http://schemas.openxmlformats.org/officeDocument/2006/math">
+                      <m:sSub>
+                        <m:sSubPr>
+                          <m:ctrlPr>
+                            <a:rPr lang="en-US" altLang="ko-KR" b="0" i="1" smtClean="0">
+                              <a:latin typeface="Cambria Math" panose="02040503050406030204" pitchFamily="18" charset="0"/>
+                            </a:rPr>
+                          </m:ctrlPr>
+                        </m:sSubPr>
+                        <m:e>
+                          <m:r>
+                            <a:rPr lang="en-US" altLang="ko-KR" b="0" i="1" smtClean="0">
+                              <a:latin typeface="Cambria Math" panose="02040503050406030204" pitchFamily="18" charset="0"/>
+                            </a:rPr>
+                            <m:t>𝑢</m:t>
+                          </m:r>
+                        </m:e>
+                        <m:sub>
+                          <m:acc>
+                            <m:accPr>
+                              <m:chr m:val="̅"/>
+                              <m:ctrlPr>
+                                <a:rPr lang="en-US" altLang="ko-KR" b="0" i="1" smtClean="0">
+                                  <a:latin typeface="Cambria Math" panose="02040503050406030204" pitchFamily="18" charset="0"/>
+                                </a:rPr>
+                              </m:ctrlPr>
+                            </m:accPr>
+                            <m:e>
+                              <m:r>
+                                <a:rPr lang="en-US" altLang="ko-KR" b="0" i="1" smtClean="0">
+                                  <a:latin typeface="Cambria Math" panose="02040503050406030204" pitchFamily="18" charset="0"/>
+                                </a:rPr>
+                                <m:t>𝜙</m:t>
+                              </m:r>
+                            </m:e>
+                          </m:acc>
+                        </m:sub>
+                      </m:sSub>
+                      <m:r>
+                        <a:rPr lang="en-US" altLang="ko-KR" b="0" i="1" smtClean="0">
+                          <a:latin typeface="Cambria Math" panose="02040503050406030204" pitchFamily="18" charset="0"/>
+                        </a:rPr>
+                        <m:t>=</m:t>
+                      </m:r>
+                      <m:sSub>
+                        <m:sSubPr>
+                          <m:ctrlPr>
+                            <a:rPr lang="en-US" altLang="ko-KR" b="0" i="1" smtClean="0">
+                              <a:latin typeface="Cambria Math" panose="02040503050406030204" pitchFamily="18" charset="0"/>
+                            </a:rPr>
+                          </m:ctrlPr>
+                        </m:sSubPr>
+                        <m:e>
+                          <m:r>
+                            <a:rPr lang="en-US" altLang="ko-KR" b="0" i="1" smtClean="0">
+                              <a:latin typeface="Cambria Math" panose="02040503050406030204" pitchFamily="18" charset="0"/>
+                            </a:rPr>
+                            <m:t>𝑘</m:t>
+                          </m:r>
+                        </m:e>
+                        <m:sub>
+                          <m:r>
+                            <a:rPr lang="en-US" altLang="ko-KR" b="0" i="1" smtClean="0">
+                              <a:latin typeface="Cambria Math" panose="02040503050406030204" pitchFamily="18" charset="0"/>
+                            </a:rPr>
+                            <m:t>𝑃</m:t>
+                          </m:r>
+                        </m:sub>
+                      </m:sSub>
+                      <m:rad>
+                        <m:radPr>
+                          <m:degHide m:val="on"/>
+                          <m:ctrlPr>
+                            <a:rPr lang="en-US" altLang="ko-KR" b="0" i="1" smtClean="0">
+                              <a:latin typeface="Cambria Math" panose="02040503050406030204" pitchFamily="18" charset="0"/>
+                            </a:rPr>
+                          </m:ctrlPr>
+                        </m:radPr>
+                        <m:deg/>
+                        <m:e>
+                          <m:sSup>
+                            <m:sSupPr>
+                              <m:ctrlPr>
+                                <a:rPr lang="en-US" altLang="ko-KR" b="0" i="1" smtClean="0">
+                                  <a:latin typeface="Cambria Math" panose="02040503050406030204" pitchFamily="18" charset="0"/>
+                                </a:rPr>
+                              </m:ctrlPr>
+                            </m:sSupPr>
+                            <m:e>
+                              <m:d>
+                                <m:dPr>
+                                  <m:ctrlPr>
+                                    <a:rPr lang="en-US" altLang="ko-KR" b="0" i="1" smtClean="0">
+                                      <a:latin typeface="Cambria Math" panose="02040503050406030204" pitchFamily="18" charset="0"/>
+                                    </a:rPr>
+                                  </m:ctrlPr>
+                                </m:dPr>
+                                <m:e>
+                                  <m:f>
+                                    <m:fPr>
+                                      <m:ctrlPr>
+                                        <a:rPr lang="en-US" altLang="ko-KR" b="0" i="1" smtClean="0">
+                                          <a:latin typeface="Cambria Math" panose="02040503050406030204" pitchFamily="18" charset="0"/>
+                                        </a:rPr>
+                                      </m:ctrlPr>
+                                    </m:fPr>
+                                    <m:num>
+                                      <m:r>
+                                        <a:rPr lang="en-US" altLang="ko-KR" b="0" i="1" smtClean="0">
+                                          <a:latin typeface="Cambria Math" panose="02040503050406030204" pitchFamily="18" charset="0"/>
+                                        </a:rPr>
+                                        <m:t>𝜕𝜙</m:t>
+                                      </m:r>
+                                    </m:num>
+                                    <m:den>
+                                      <m:r>
+                                        <a:rPr lang="en-US" altLang="ko-KR" b="0" i="1" smtClean="0">
+                                          <a:latin typeface="Cambria Math" panose="02040503050406030204" pitchFamily="18" charset="0"/>
+                                        </a:rPr>
+                                        <m:t>𝜕</m:t>
+                                      </m:r>
+                                      <m:acc>
+                                        <m:accPr>
+                                          <m:chr m:val="̅"/>
+                                          <m:ctrlPr>
+                                            <a:rPr lang="en-US" altLang="ko-KR" b="0" i="1" smtClean="0">
+                                              <a:latin typeface="Cambria Math" panose="02040503050406030204" pitchFamily="18" charset="0"/>
+                                            </a:rPr>
+                                          </m:ctrlPr>
+                                        </m:accPr>
+                                        <m:e>
+                                          <m:r>
+                                            <a:rPr lang="en-US" altLang="ko-KR" b="0" i="1" smtClean="0">
+                                              <a:latin typeface="Cambria Math" panose="02040503050406030204" pitchFamily="18" charset="0"/>
+                                            </a:rPr>
+                                            <m:t>𝑥</m:t>
+                                          </m:r>
+                                        </m:e>
+                                      </m:acc>
+                                    </m:den>
+                                  </m:f>
+                                </m:e>
+                              </m:d>
+                            </m:e>
+                            <m:sup>
+                              <m:r>
+                                <a:rPr lang="en-US" altLang="ko-KR" b="0" i="1" smtClean="0">
+                                  <a:latin typeface="Cambria Math" panose="02040503050406030204" pitchFamily="18" charset="0"/>
+                                </a:rPr>
+                                <m:t>2</m:t>
+                              </m:r>
+                            </m:sup>
+                          </m:sSup>
+                          <m:d>
+                            <m:dPr>
+                              <m:ctrlPr>
+                                <a:rPr lang="en-US" altLang="ko-KR" b="0" i="1" smtClean="0">
+                                  <a:latin typeface="Cambria Math" panose="02040503050406030204" pitchFamily="18" charset="0"/>
+                                </a:rPr>
+                              </m:ctrlPr>
+                            </m:dPr>
+                            <m:e>
+                              <m:f>
+                                <m:fPr>
+                                  <m:ctrlPr>
+                                    <a:rPr lang="en-US" altLang="ko-KR" b="0" i="1" smtClean="0">
+                                      <a:latin typeface="Cambria Math" panose="02040503050406030204" pitchFamily="18" charset="0"/>
+                                    </a:rPr>
+                                  </m:ctrlPr>
+                                </m:fPr>
+                                <m:num>
+                                  <m:sSubSup>
+                                    <m:sSubSupPr>
+                                      <m:ctrlPr>
+                                        <a:rPr lang="en-US" altLang="ko-KR" b="0" i="1" smtClean="0">
+                                          <a:latin typeface="Cambria Math" panose="02040503050406030204" pitchFamily="18" charset="0"/>
+                                        </a:rPr>
+                                      </m:ctrlPr>
+                                    </m:sSubSupPr>
+                                    <m:e>
+                                      <m:r>
+                                        <a:rPr lang="en-US" altLang="ko-KR" b="0" i="1" smtClean="0">
+                                          <a:latin typeface="Cambria Math" panose="02040503050406030204" pitchFamily="18" charset="0"/>
+                                        </a:rPr>
+                                        <m:t>𝑠</m:t>
+                                      </m:r>
+                                    </m:e>
+                                    <m:sub>
+                                      <m:r>
+                                        <a:rPr lang="en-US" altLang="ko-KR" b="0" i="1" smtClean="0">
+                                          <a:latin typeface="Cambria Math" panose="02040503050406030204" pitchFamily="18" charset="0"/>
+                                        </a:rPr>
+                                        <m:t>𝑥</m:t>
+                                      </m:r>
+                                    </m:sub>
+                                    <m:sup>
+                                      <m:r>
+                                        <a:rPr lang="en-US" altLang="ko-KR" b="0" i="1" smtClean="0">
+                                          <a:latin typeface="Cambria Math" panose="02040503050406030204" pitchFamily="18" charset="0"/>
+                                        </a:rPr>
+                                        <m:t>2</m:t>
+                                      </m:r>
+                                    </m:sup>
+                                  </m:sSubSup>
+                                </m:num>
+                                <m:den>
+                                  <m:sSub>
+                                    <m:sSubPr>
+                                      <m:ctrlPr>
+                                        <a:rPr lang="en-US" altLang="ko-KR" b="0" i="1" smtClean="0">
+                                          <a:latin typeface="Cambria Math" panose="02040503050406030204" pitchFamily="18" charset="0"/>
+                                        </a:rPr>
+                                      </m:ctrlPr>
+                                    </m:sSubPr>
+                                    <m:e>
+                                      <m:r>
+                                        <a:rPr lang="en-US" altLang="ko-KR" b="0" i="1" smtClean="0">
+                                          <a:latin typeface="Cambria Math" panose="02040503050406030204" pitchFamily="18" charset="0"/>
+                                        </a:rPr>
+                                        <m:t>𝑛</m:t>
+                                      </m:r>
+                                    </m:e>
+                                    <m:sub>
+                                      <m:r>
+                                        <a:rPr lang="en-US" altLang="ko-KR" b="0" i="1" smtClean="0">
+                                          <a:latin typeface="Cambria Math" panose="02040503050406030204" pitchFamily="18" charset="0"/>
+                                        </a:rPr>
+                                        <m:t>𝑥</m:t>
+                                      </m:r>
+                                    </m:sub>
+                                  </m:sSub>
+                                </m:den>
+                              </m:f>
+                              <m:r>
+                                <a:rPr lang="en-US" altLang="ko-KR" b="0" i="1" smtClean="0">
+                                  <a:latin typeface="Cambria Math" panose="02040503050406030204" pitchFamily="18" charset="0"/>
+                                </a:rPr>
+                                <m:t>+</m:t>
+                              </m:r>
+                              <m:f>
+                                <m:fPr>
+                                  <m:ctrlPr>
+                                    <a:rPr lang="en-US" altLang="ko-KR" b="0" i="1" smtClean="0">
+                                      <a:latin typeface="Cambria Math" panose="02040503050406030204" pitchFamily="18" charset="0"/>
+                                    </a:rPr>
+                                  </m:ctrlPr>
+                                </m:fPr>
+                                <m:num>
+                                  <m:sSubSup>
+                                    <m:sSubSupPr>
+                                      <m:ctrlPr>
+                                        <a:rPr lang="en-US" altLang="ko-KR" b="0" i="1" smtClean="0">
+                                          <a:latin typeface="Cambria Math" panose="02040503050406030204" pitchFamily="18" charset="0"/>
+                                        </a:rPr>
+                                      </m:ctrlPr>
+                                    </m:sSubSupPr>
+                                    <m:e>
+                                      <m:r>
+                                        <a:rPr lang="en-US" altLang="ko-KR" b="0" i="1" smtClean="0">
+                                          <a:latin typeface="Cambria Math" panose="02040503050406030204" pitchFamily="18" charset="0"/>
+                                        </a:rPr>
+                                        <m:t>𝑓</m:t>
+                                      </m:r>
+                                    </m:e>
+                                    <m:sub>
+                                      <m:r>
+                                        <a:rPr lang="en-US" altLang="ko-KR" b="0" i="1" smtClean="0">
+                                          <a:latin typeface="Cambria Math" panose="02040503050406030204" pitchFamily="18" charset="0"/>
+                                        </a:rPr>
+                                        <m:t>𝑠</m:t>
+                                      </m:r>
+                                      <m:r>
+                                        <a:rPr lang="en-US" altLang="ko-KR" b="0" i="1" smtClean="0">
+                                          <a:latin typeface="Cambria Math" panose="02040503050406030204" pitchFamily="18" charset="0"/>
+                                        </a:rPr>
+                                        <m:t>,</m:t>
+                                      </m:r>
+                                      <m:r>
+                                        <a:rPr lang="en-US" altLang="ko-KR" b="0" i="1" smtClean="0">
+                                          <a:latin typeface="Cambria Math" panose="02040503050406030204" pitchFamily="18" charset="0"/>
+                                        </a:rPr>
+                                        <m:t>𝑥</m:t>
+                                      </m:r>
+                                    </m:sub>
+                                    <m:sup>
+                                      <m:r>
+                                        <a:rPr lang="en-US" altLang="ko-KR" b="0" i="1" smtClean="0">
+                                          <a:latin typeface="Cambria Math" panose="02040503050406030204" pitchFamily="18" charset="0"/>
+                                        </a:rPr>
+                                        <m:t>2</m:t>
+                                      </m:r>
+                                    </m:sup>
+                                  </m:sSubSup>
+                                </m:num>
+                                <m:den>
+                                  <m:r>
+                                    <a:rPr lang="en-US" altLang="ko-KR" b="0" i="1" smtClean="0">
+                                      <a:latin typeface="Cambria Math" panose="02040503050406030204" pitchFamily="18" charset="0"/>
+                                    </a:rPr>
+                                    <m:t>3</m:t>
+                                  </m:r>
+                                </m:den>
+                              </m:f>
+                            </m:e>
+                          </m:d>
+                          <m:r>
+                            <a:rPr lang="en-US" altLang="ko-KR" b="0" i="1" smtClean="0">
+                              <a:latin typeface="Cambria Math" panose="02040503050406030204" pitchFamily="18" charset="0"/>
+                            </a:rPr>
+                            <m:t>+</m:t>
+                          </m:r>
+                          <m:sSup>
+                            <m:sSupPr>
+                              <m:ctrlPr>
+                                <a:rPr lang="en-US" altLang="ko-KR" b="0" i="1" smtClean="0">
+                                  <a:latin typeface="Cambria Math" panose="02040503050406030204" pitchFamily="18" charset="0"/>
+                                </a:rPr>
+                              </m:ctrlPr>
+                            </m:sSupPr>
+                            <m:e>
+                              <m:d>
+                                <m:dPr>
+                                  <m:ctrlPr>
+                                    <a:rPr lang="en-US" altLang="ko-KR" b="0" i="1" smtClean="0">
+                                      <a:latin typeface="Cambria Math" panose="02040503050406030204" pitchFamily="18" charset="0"/>
+                                    </a:rPr>
+                                  </m:ctrlPr>
+                                </m:dPr>
+                                <m:e>
+                                  <m:f>
+                                    <m:fPr>
+                                      <m:ctrlPr>
+                                        <a:rPr lang="en-US" altLang="ko-KR" b="0" i="1" smtClean="0">
+                                          <a:latin typeface="Cambria Math" panose="02040503050406030204" pitchFamily="18" charset="0"/>
+                                        </a:rPr>
+                                      </m:ctrlPr>
+                                    </m:fPr>
+                                    <m:num>
+                                      <m:r>
+                                        <a:rPr lang="en-US" altLang="ko-KR" b="0" i="1" smtClean="0">
+                                          <a:latin typeface="Cambria Math" panose="02040503050406030204" pitchFamily="18" charset="0"/>
+                                        </a:rPr>
+                                        <m:t>𝜕𝜙</m:t>
+                                      </m:r>
+                                    </m:num>
+                                    <m:den>
+                                      <m:r>
+                                        <a:rPr lang="en-US" altLang="ko-KR" b="0" i="1" smtClean="0">
+                                          <a:latin typeface="Cambria Math" panose="02040503050406030204" pitchFamily="18" charset="0"/>
+                                        </a:rPr>
+                                        <m:t>𝜕</m:t>
+                                      </m:r>
+                                      <m:acc>
+                                        <m:accPr>
+                                          <m:chr m:val="̅"/>
+                                          <m:ctrlPr>
+                                            <a:rPr lang="en-US" altLang="ko-KR" b="0" i="1" smtClean="0">
+                                              <a:latin typeface="Cambria Math" panose="02040503050406030204" pitchFamily="18" charset="0"/>
+                                            </a:rPr>
+                                          </m:ctrlPr>
+                                        </m:accPr>
+                                        <m:e>
+                                          <m:r>
+                                            <a:rPr lang="en-US" altLang="ko-KR" b="0" i="1" smtClean="0">
+                                              <a:latin typeface="Cambria Math" panose="02040503050406030204" pitchFamily="18" charset="0"/>
+                                            </a:rPr>
+                                            <m:t>𝑦</m:t>
+                                          </m:r>
+                                        </m:e>
+                                      </m:acc>
+                                    </m:den>
+                                  </m:f>
+                                </m:e>
+                              </m:d>
+                            </m:e>
+                            <m:sup>
+                              <m:r>
+                                <a:rPr lang="en-US" altLang="ko-KR" b="0" i="1" smtClean="0">
+                                  <a:latin typeface="Cambria Math" panose="02040503050406030204" pitchFamily="18" charset="0"/>
+                                </a:rPr>
+                                <m:t>2</m:t>
+                              </m:r>
+                            </m:sup>
+                          </m:sSup>
+                          <m:d>
+                            <m:dPr>
+                              <m:ctrlPr>
+                                <a:rPr lang="en-US" altLang="ko-KR" b="0" i="1" smtClean="0">
+                                  <a:latin typeface="Cambria Math" panose="02040503050406030204" pitchFamily="18" charset="0"/>
+                                </a:rPr>
+                              </m:ctrlPr>
+                            </m:dPr>
+                            <m:e>
+                              <m:f>
+                                <m:fPr>
+                                  <m:ctrlPr>
+                                    <a:rPr lang="en-US" altLang="ko-KR" b="0" i="1" smtClean="0">
+                                      <a:latin typeface="Cambria Math" panose="02040503050406030204" pitchFamily="18" charset="0"/>
+                                    </a:rPr>
+                                  </m:ctrlPr>
+                                </m:fPr>
+                                <m:num>
+                                  <m:sSubSup>
+                                    <m:sSubSupPr>
+                                      <m:ctrlPr>
+                                        <a:rPr lang="en-US" altLang="ko-KR" b="0" i="1" smtClean="0">
+                                          <a:latin typeface="Cambria Math" panose="02040503050406030204" pitchFamily="18" charset="0"/>
+                                        </a:rPr>
+                                      </m:ctrlPr>
+                                    </m:sSubSupPr>
+                                    <m:e>
+                                      <m:r>
+                                        <a:rPr lang="en-US" altLang="ko-KR" b="0" i="1" smtClean="0">
+                                          <a:latin typeface="Cambria Math" panose="02040503050406030204" pitchFamily="18" charset="0"/>
+                                        </a:rPr>
+                                        <m:t>𝑠</m:t>
+                                      </m:r>
+                                    </m:e>
+                                    <m:sub>
+                                      <m:r>
+                                        <a:rPr lang="en-US" altLang="ko-KR" b="0" i="1" smtClean="0">
+                                          <a:latin typeface="Cambria Math" panose="02040503050406030204" pitchFamily="18" charset="0"/>
+                                        </a:rPr>
+                                        <m:t>𝑦</m:t>
+                                      </m:r>
+                                    </m:sub>
+                                    <m:sup>
+                                      <m:r>
+                                        <a:rPr lang="en-US" altLang="ko-KR" b="0" i="1" smtClean="0">
+                                          <a:latin typeface="Cambria Math" panose="02040503050406030204" pitchFamily="18" charset="0"/>
+                                        </a:rPr>
+                                        <m:t>2</m:t>
+                                      </m:r>
+                                    </m:sup>
+                                  </m:sSubSup>
+                                </m:num>
+                                <m:den>
+                                  <m:sSub>
+                                    <m:sSubPr>
+                                      <m:ctrlPr>
+                                        <a:rPr lang="en-US" altLang="ko-KR" b="0" i="1" smtClean="0">
+                                          <a:latin typeface="Cambria Math" panose="02040503050406030204" pitchFamily="18" charset="0"/>
+                                        </a:rPr>
+                                      </m:ctrlPr>
+                                    </m:sSubPr>
+                                    <m:e>
+                                      <m:r>
+                                        <a:rPr lang="en-US" altLang="ko-KR" b="0" i="1" smtClean="0">
+                                          <a:latin typeface="Cambria Math" panose="02040503050406030204" pitchFamily="18" charset="0"/>
+                                        </a:rPr>
+                                        <m:t>𝑛</m:t>
+                                      </m:r>
+                                    </m:e>
+                                    <m:sub>
+                                      <m:r>
+                                        <a:rPr lang="en-US" altLang="ko-KR" b="0" i="1" smtClean="0">
+                                          <a:latin typeface="Cambria Math" panose="02040503050406030204" pitchFamily="18" charset="0"/>
+                                        </a:rPr>
+                                        <m:t>𝑦</m:t>
+                                      </m:r>
+                                    </m:sub>
+                                  </m:sSub>
+                                </m:den>
+                              </m:f>
+                              <m:r>
+                                <a:rPr lang="en-US" altLang="ko-KR" b="0" i="1" smtClean="0">
+                                  <a:latin typeface="Cambria Math" panose="02040503050406030204" pitchFamily="18" charset="0"/>
+                                </a:rPr>
+                                <m:t>+</m:t>
+                              </m:r>
+                              <m:f>
+                                <m:fPr>
+                                  <m:ctrlPr>
+                                    <a:rPr lang="en-US" altLang="ko-KR" b="0" i="1" smtClean="0">
+                                      <a:latin typeface="Cambria Math" panose="02040503050406030204" pitchFamily="18" charset="0"/>
+                                    </a:rPr>
+                                  </m:ctrlPr>
+                                </m:fPr>
+                                <m:num>
+                                  <m:sSubSup>
+                                    <m:sSubSupPr>
+                                      <m:ctrlPr>
+                                        <a:rPr lang="en-US" altLang="ko-KR" b="0" i="1" smtClean="0">
+                                          <a:latin typeface="Cambria Math" panose="02040503050406030204" pitchFamily="18" charset="0"/>
+                                        </a:rPr>
+                                      </m:ctrlPr>
+                                    </m:sSubSupPr>
+                                    <m:e>
+                                      <m:r>
+                                        <a:rPr lang="en-US" altLang="ko-KR" b="0" i="1" smtClean="0">
+                                          <a:latin typeface="Cambria Math" panose="02040503050406030204" pitchFamily="18" charset="0"/>
+                                        </a:rPr>
+                                        <m:t>𝑓</m:t>
+                                      </m:r>
+                                    </m:e>
+                                    <m:sub>
+                                      <m:r>
+                                        <a:rPr lang="en-US" altLang="ko-KR" b="0" i="1" smtClean="0">
+                                          <a:latin typeface="Cambria Math" panose="02040503050406030204" pitchFamily="18" charset="0"/>
+                                        </a:rPr>
+                                        <m:t>𝑠</m:t>
+                                      </m:r>
+                                      <m:r>
+                                        <a:rPr lang="en-US" altLang="ko-KR" b="0" i="1" smtClean="0">
+                                          <a:latin typeface="Cambria Math" panose="02040503050406030204" pitchFamily="18" charset="0"/>
+                                        </a:rPr>
+                                        <m:t>,</m:t>
+                                      </m:r>
+                                      <m:r>
+                                        <a:rPr lang="en-US" altLang="ko-KR" b="0" i="1" smtClean="0">
+                                          <a:latin typeface="Cambria Math" panose="02040503050406030204" pitchFamily="18" charset="0"/>
+                                        </a:rPr>
+                                        <m:t>𝑦</m:t>
+                                      </m:r>
+                                    </m:sub>
+                                    <m:sup>
+                                      <m:r>
+                                        <a:rPr lang="en-US" altLang="ko-KR" b="0" i="1" smtClean="0">
+                                          <a:latin typeface="Cambria Math" panose="02040503050406030204" pitchFamily="18" charset="0"/>
+                                        </a:rPr>
+                                        <m:t>2</m:t>
+                                      </m:r>
+                                    </m:sup>
+                                  </m:sSubSup>
+                                </m:num>
+                                <m:den>
+                                  <m:r>
+                                    <a:rPr lang="en-US" altLang="ko-KR" b="0" i="1" smtClean="0">
+                                      <a:latin typeface="Cambria Math" panose="02040503050406030204" pitchFamily="18" charset="0"/>
+                                    </a:rPr>
+                                    <m:t>3</m:t>
+                                  </m:r>
+                                </m:den>
+                              </m:f>
+                            </m:e>
+                          </m:d>
+                        </m:e>
+                      </m:rad>
+                    </m:oMath>
+                  </m:oMathPara>
+                </a14:m>
+                <a:endParaRPr lang="ko-KR" altLang="en-US" dirty="0"/>
+              </a:p>
+            </p:txBody>
+          </p:sp>
+        </mc:Choice>
+        <mc:Fallback>
+          <p:sp>
+            <p:nvSpPr>
+              <p:cNvPr id="8" name="TextBox 7"/>
+              <p:cNvSpPr txBox="1">
+                <a:spLocks noRot="1" noChangeAspect="1" noMove="1" noResize="1" noEditPoints="1" noAdjustHandles="1" noChangeArrowheads="1" noChangeShapeType="1" noTextEdit="1"/>
+              </p:cNvSpPr>
+              <p:nvPr/>
+            </p:nvSpPr>
+            <p:spPr>
+              <a:xfrm>
+                <a:off x="2095970" y="4011211"/>
+                <a:ext cx="4952060" cy="818366"/>
+              </a:xfrm>
+              <a:prstGeom prst="rect">
+                <a:avLst/>
+              </a:prstGeom>
+              <a:blipFill rotWithShape="0">
+                <a:blip r:embed="rId7"/>
+                <a:stretch>
+                  <a:fillRect b="-746"/>
+                </a:stretch>
+              </a:blipFill>
+            </p:spPr>
+            <p:txBody>
+              <a:bodyPr/>
+              <a:lstStyle/>
+              <a:p>
+                <a:r>
+                  <a:rPr lang="ko-KR" altLang="en-US">
+                    <a:noFill/>
+                  </a:rPr>
+                  <a:t> </a:t>
+                </a:r>
+              </a:p>
+            </p:txBody>
+          </p:sp>
+        </mc:Fallback>
+      </mc:AlternateContent>
+      <mc:AlternateContent xmlns:mc="http://schemas.openxmlformats.org/markup-compatibility/2006">
+        <mc:Choice xmlns:a14="http://schemas.microsoft.com/office/drawing/2010/main" Requires="a14">
+          <p:sp>
+            <p:nvSpPr>
+              <p:cNvPr id="13" name="TextBox 12"/>
+              <p:cNvSpPr txBox="1"/>
+              <p:nvPr/>
+            </p:nvSpPr>
+            <p:spPr>
+              <a:xfrm>
+                <a:off x="564846" y="4829577"/>
+                <a:ext cx="8014309" cy="818366"/>
+              </a:xfrm>
+              <a:prstGeom prst="rect">
+                <a:avLst/>
+              </a:prstGeom>
+              <a:noFill/>
+            </p:spPr>
+            <p:txBody>
+              <a:bodyPr wrap="none" lIns="0" tIns="0" rIns="0" bIns="0" rtlCol="0">
+                <a:spAutoFit/>
+              </a:bodyPr>
+              <a:lstStyle/>
+              <a:p>
+                <a14:m>
+                  <m:oMathPara xmlns:m="http://schemas.openxmlformats.org/officeDocument/2006/math">
+                    <m:oMathParaPr>
+                      <m:jc m:val="centerGroup"/>
+                    </m:oMathParaPr>
+                    <m:oMath xmlns:m="http://schemas.openxmlformats.org/officeDocument/2006/math">
+                      <m:sSub>
+                        <m:sSubPr>
+                          <m:ctrlPr>
+                            <a:rPr lang="en-US" altLang="ko-KR" b="0" i="1" smtClean="0">
+                              <a:latin typeface="Cambria Math" panose="02040503050406030204" pitchFamily="18" charset="0"/>
+                            </a:rPr>
+                          </m:ctrlPr>
+                        </m:sSubPr>
+                        <m:e>
+                          <m:r>
+                            <a:rPr lang="en-US" altLang="ko-KR" b="0" i="1" smtClean="0">
+                              <a:latin typeface="Cambria Math" panose="02040503050406030204" pitchFamily="18" charset="0"/>
+                            </a:rPr>
+                            <m:t>𝑢</m:t>
+                          </m:r>
+                        </m:e>
+                        <m:sub>
+                          <m:acc>
+                            <m:accPr>
+                              <m:chr m:val="̅"/>
+                              <m:ctrlPr>
+                                <a:rPr lang="en-US" altLang="ko-KR" b="0" i="1" smtClean="0">
+                                  <a:latin typeface="Cambria Math" panose="02040503050406030204" pitchFamily="18" charset="0"/>
+                                </a:rPr>
+                              </m:ctrlPr>
+                            </m:accPr>
+                            <m:e>
+                              <m:r>
+                                <a:rPr lang="en-US" altLang="ko-KR" b="0" i="1" smtClean="0">
+                                  <a:latin typeface="Cambria Math" panose="02040503050406030204" pitchFamily="18" charset="0"/>
+                                </a:rPr>
+                                <m:t>𝜙</m:t>
+                              </m:r>
+                            </m:e>
+                          </m:acc>
+                        </m:sub>
+                      </m:sSub>
+                      <m:r>
+                        <a:rPr lang="en-US" altLang="ko-KR" b="0" i="1" smtClean="0">
+                          <a:latin typeface="Cambria Math" panose="02040503050406030204" pitchFamily="18" charset="0"/>
+                        </a:rPr>
+                        <m:t>=</m:t>
+                      </m:r>
+                      <m:f>
+                        <m:fPr>
+                          <m:ctrlPr>
+                            <a:rPr lang="en-US" altLang="ko-KR" b="0" i="1" smtClean="0">
+                              <a:latin typeface="Cambria Math" panose="02040503050406030204" pitchFamily="18" charset="0"/>
+                            </a:rPr>
+                          </m:ctrlPr>
+                        </m:fPr>
+                        <m:num>
+                          <m:sSub>
+                            <m:sSubPr>
+                              <m:ctrlPr>
+                                <a:rPr lang="en-US" altLang="ko-KR" b="0" i="1" smtClean="0">
+                                  <a:latin typeface="Cambria Math" panose="02040503050406030204" pitchFamily="18" charset="0"/>
+                                </a:rPr>
+                              </m:ctrlPr>
+                            </m:sSubPr>
+                            <m:e>
+                              <m:r>
+                                <a:rPr lang="en-US" altLang="ko-KR" b="0" i="1" smtClean="0">
+                                  <a:latin typeface="Cambria Math" panose="02040503050406030204" pitchFamily="18" charset="0"/>
+                                </a:rPr>
+                                <m:t>𝑡</m:t>
+                              </m:r>
+                            </m:e>
+                            <m:sub>
+                              <m:r>
+                                <a:rPr lang="en-US" altLang="ko-KR" b="0" i="1" smtClean="0">
+                                  <a:latin typeface="Cambria Math" panose="02040503050406030204" pitchFamily="18" charset="0"/>
+                                </a:rPr>
+                                <m:t>𝑃</m:t>
+                              </m:r>
+                            </m:sub>
+                          </m:sSub>
+                          <m:d>
+                            <m:dPr>
+                              <m:ctrlPr>
+                                <a:rPr lang="en-US" altLang="ko-KR" b="0" i="1" smtClean="0">
+                                  <a:latin typeface="Cambria Math" panose="02040503050406030204" pitchFamily="18" charset="0"/>
+                                </a:rPr>
+                              </m:ctrlPr>
+                            </m:dPr>
+                            <m:e>
+                              <m:r>
+                                <a:rPr lang="en-US" altLang="ko-KR" b="0" i="1" smtClean="0">
+                                  <a:latin typeface="Cambria Math" panose="02040503050406030204" pitchFamily="18" charset="0"/>
+                                </a:rPr>
+                                <m:t>𝑛</m:t>
+                              </m:r>
+                              <m:r>
+                                <a:rPr lang="en-US" altLang="ko-KR" b="0" i="1" smtClean="0">
+                                  <a:latin typeface="Cambria Math" panose="02040503050406030204" pitchFamily="18" charset="0"/>
+                                </a:rPr>
+                                <m:t>−1</m:t>
+                              </m:r>
+                            </m:e>
+                          </m:d>
+                        </m:num>
+                        <m:den>
+                          <m:rad>
+                            <m:radPr>
+                              <m:degHide m:val="on"/>
+                              <m:ctrlPr>
+                                <a:rPr lang="en-US" altLang="ko-KR" b="0" i="1" smtClean="0">
+                                  <a:latin typeface="Cambria Math" panose="02040503050406030204" pitchFamily="18" charset="0"/>
+                                </a:rPr>
+                              </m:ctrlPr>
+                            </m:radPr>
+                            <m:deg/>
+                            <m:e>
+                              <m:r>
+                                <a:rPr lang="en-US" altLang="ko-KR" b="0" i="1" smtClean="0">
+                                  <a:latin typeface="Cambria Math" panose="02040503050406030204" pitchFamily="18" charset="0"/>
+                                </a:rPr>
+                                <m:t>𝑛</m:t>
+                              </m:r>
+                            </m:e>
+                          </m:rad>
+                        </m:den>
+                      </m:f>
+                      <m:rad>
+                        <m:radPr>
+                          <m:degHide m:val="on"/>
+                          <m:ctrlPr>
+                            <a:rPr lang="en-US" altLang="ko-KR" b="0" i="1" smtClean="0">
+                              <a:latin typeface="Cambria Math" panose="02040503050406030204" pitchFamily="18" charset="0"/>
+                            </a:rPr>
+                          </m:ctrlPr>
+                        </m:radPr>
+                        <m:deg/>
+                        <m:e>
+                          <m:sSup>
+                            <m:sSupPr>
+                              <m:ctrlPr>
+                                <a:rPr lang="en-US" altLang="ko-KR" b="0" i="1" smtClean="0">
+                                  <a:latin typeface="Cambria Math" panose="02040503050406030204" pitchFamily="18" charset="0"/>
+                                </a:rPr>
+                              </m:ctrlPr>
+                            </m:sSupPr>
+                            <m:e>
+                              <m:d>
+                                <m:dPr>
+                                  <m:ctrlPr>
+                                    <a:rPr lang="en-US" altLang="ko-KR" b="0" i="1" smtClean="0">
+                                      <a:latin typeface="Cambria Math" panose="02040503050406030204" pitchFamily="18" charset="0"/>
+                                    </a:rPr>
+                                  </m:ctrlPr>
+                                </m:dPr>
+                                <m:e>
+                                  <m:f>
+                                    <m:fPr>
+                                      <m:ctrlPr>
+                                        <a:rPr lang="en-US" altLang="ko-KR" b="0" i="1" smtClean="0">
+                                          <a:latin typeface="Cambria Math" panose="02040503050406030204" pitchFamily="18" charset="0"/>
+                                        </a:rPr>
+                                      </m:ctrlPr>
+                                    </m:fPr>
+                                    <m:num>
+                                      <m:r>
+                                        <a:rPr lang="en-US" altLang="ko-KR" b="0" i="1" smtClean="0">
+                                          <a:latin typeface="Cambria Math" panose="02040503050406030204" pitchFamily="18" charset="0"/>
+                                        </a:rPr>
+                                        <m:t>𝜕𝜙</m:t>
+                                      </m:r>
+                                    </m:num>
+                                    <m:den>
+                                      <m:r>
+                                        <a:rPr lang="en-US" altLang="ko-KR" b="0" i="1" smtClean="0">
+                                          <a:latin typeface="Cambria Math" panose="02040503050406030204" pitchFamily="18" charset="0"/>
+                                        </a:rPr>
+                                        <m:t>𝜕</m:t>
+                                      </m:r>
+                                      <m:acc>
+                                        <m:accPr>
+                                          <m:chr m:val="̅"/>
+                                          <m:ctrlPr>
+                                            <a:rPr lang="en-US" altLang="ko-KR" b="0" i="1" smtClean="0">
+                                              <a:latin typeface="Cambria Math" panose="02040503050406030204" pitchFamily="18" charset="0"/>
+                                            </a:rPr>
+                                          </m:ctrlPr>
+                                        </m:accPr>
+                                        <m:e>
+                                          <m:r>
+                                            <a:rPr lang="en-US" altLang="ko-KR" b="0" i="1" smtClean="0">
+                                              <a:latin typeface="Cambria Math" panose="02040503050406030204" pitchFamily="18" charset="0"/>
+                                            </a:rPr>
+                                            <m:t>𝑥</m:t>
+                                          </m:r>
+                                        </m:e>
+                                      </m:acc>
+                                    </m:den>
+                                  </m:f>
+                                </m:e>
+                              </m:d>
+                            </m:e>
+                            <m:sup>
+                              <m:r>
+                                <a:rPr lang="en-US" altLang="ko-KR" b="0" i="1" smtClean="0">
+                                  <a:latin typeface="Cambria Math" panose="02040503050406030204" pitchFamily="18" charset="0"/>
+                                </a:rPr>
+                                <m:t>2</m:t>
+                              </m:r>
+                            </m:sup>
+                          </m:sSup>
+                          <m:sSubSup>
+                            <m:sSubSupPr>
+                              <m:ctrlPr>
+                                <a:rPr lang="en-US" altLang="ko-KR" b="0" i="1" smtClean="0">
+                                  <a:latin typeface="Cambria Math" panose="02040503050406030204" pitchFamily="18" charset="0"/>
+                                </a:rPr>
+                              </m:ctrlPr>
+                            </m:sSubSupPr>
+                            <m:e>
+                              <m:r>
+                                <a:rPr lang="en-US" altLang="ko-KR" b="0" i="1" smtClean="0">
+                                  <a:latin typeface="Cambria Math" panose="02040503050406030204" pitchFamily="18" charset="0"/>
+                                </a:rPr>
+                                <m:t>𝑠</m:t>
+                              </m:r>
+                            </m:e>
+                            <m:sub>
+                              <m:r>
+                                <a:rPr lang="en-US" altLang="ko-KR" b="0" i="1" smtClean="0">
+                                  <a:latin typeface="Cambria Math" panose="02040503050406030204" pitchFamily="18" charset="0"/>
+                                </a:rPr>
+                                <m:t>𝑥</m:t>
+                              </m:r>
+                            </m:sub>
+                            <m:sup>
+                              <m:r>
+                                <a:rPr lang="en-US" altLang="ko-KR" b="0" i="1" smtClean="0">
+                                  <a:latin typeface="Cambria Math" panose="02040503050406030204" pitchFamily="18" charset="0"/>
+                                </a:rPr>
+                                <m:t>2</m:t>
+                              </m:r>
+                            </m:sup>
+                          </m:sSubSup>
+                          <m:r>
+                            <a:rPr lang="en-US" altLang="ko-KR" b="0" i="1" smtClean="0">
+                              <a:latin typeface="Cambria Math" panose="02040503050406030204" pitchFamily="18" charset="0"/>
+                            </a:rPr>
+                            <m:t>+2</m:t>
+                          </m:r>
+                          <m:d>
+                            <m:dPr>
+                              <m:ctrlPr>
+                                <a:rPr lang="en-US" altLang="ko-KR" i="1">
+                                  <a:latin typeface="Cambria Math" panose="02040503050406030204" pitchFamily="18" charset="0"/>
+                                </a:rPr>
+                              </m:ctrlPr>
+                            </m:dPr>
+                            <m:e>
+                              <m:f>
+                                <m:fPr>
+                                  <m:ctrlPr>
+                                    <a:rPr lang="en-US" altLang="ko-KR" i="1">
+                                      <a:latin typeface="Cambria Math" panose="02040503050406030204" pitchFamily="18" charset="0"/>
+                                    </a:rPr>
+                                  </m:ctrlPr>
+                                </m:fPr>
+                                <m:num>
+                                  <m:r>
+                                    <a:rPr lang="en-US" altLang="ko-KR" i="1">
+                                      <a:latin typeface="Cambria Math" panose="02040503050406030204" pitchFamily="18" charset="0"/>
+                                    </a:rPr>
+                                    <m:t>𝜕𝜙</m:t>
+                                  </m:r>
+                                </m:num>
+                                <m:den>
+                                  <m:r>
+                                    <a:rPr lang="en-US" altLang="ko-KR" i="1">
+                                      <a:latin typeface="Cambria Math" panose="02040503050406030204" pitchFamily="18" charset="0"/>
+                                    </a:rPr>
+                                    <m:t>𝜕</m:t>
+                                  </m:r>
+                                  <m:acc>
+                                    <m:accPr>
+                                      <m:chr m:val="̅"/>
+                                      <m:ctrlPr>
+                                        <a:rPr lang="en-US" altLang="ko-KR" i="1">
+                                          <a:latin typeface="Cambria Math" panose="02040503050406030204" pitchFamily="18" charset="0"/>
+                                        </a:rPr>
+                                      </m:ctrlPr>
+                                    </m:accPr>
+                                    <m:e>
+                                      <m:r>
+                                        <a:rPr lang="en-US" altLang="ko-KR" i="1">
+                                          <a:latin typeface="Cambria Math" panose="02040503050406030204" pitchFamily="18" charset="0"/>
+                                        </a:rPr>
+                                        <m:t>𝑥</m:t>
+                                      </m:r>
+                                    </m:e>
+                                  </m:acc>
+                                </m:den>
+                              </m:f>
+                            </m:e>
+                          </m:d>
+                          <m:d>
+                            <m:dPr>
+                              <m:ctrlPr>
+                                <a:rPr lang="en-US" altLang="ko-KR" i="1">
+                                  <a:latin typeface="Cambria Math" panose="02040503050406030204" pitchFamily="18" charset="0"/>
+                                </a:rPr>
+                              </m:ctrlPr>
+                            </m:dPr>
+                            <m:e>
+                              <m:f>
+                                <m:fPr>
+                                  <m:ctrlPr>
+                                    <a:rPr lang="en-US" altLang="ko-KR" i="1">
+                                      <a:latin typeface="Cambria Math" panose="02040503050406030204" pitchFamily="18" charset="0"/>
+                                    </a:rPr>
+                                  </m:ctrlPr>
+                                </m:fPr>
+                                <m:num>
+                                  <m:r>
+                                    <a:rPr lang="en-US" altLang="ko-KR" i="1">
+                                      <a:latin typeface="Cambria Math" panose="02040503050406030204" pitchFamily="18" charset="0"/>
+                                    </a:rPr>
+                                    <m:t>𝜕𝜙</m:t>
+                                  </m:r>
+                                </m:num>
+                                <m:den>
+                                  <m:r>
+                                    <a:rPr lang="en-US" altLang="ko-KR" i="1">
+                                      <a:latin typeface="Cambria Math" panose="02040503050406030204" pitchFamily="18" charset="0"/>
+                                    </a:rPr>
+                                    <m:t>𝜕</m:t>
+                                  </m:r>
+                                  <m:acc>
+                                    <m:accPr>
+                                      <m:chr m:val="̅"/>
+                                      <m:ctrlPr>
+                                        <a:rPr lang="en-US" altLang="ko-KR" i="1">
+                                          <a:latin typeface="Cambria Math" panose="02040503050406030204" pitchFamily="18" charset="0"/>
+                                        </a:rPr>
+                                      </m:ctrlPr>
+                                    </m:accPr>
+                                    <m:e>
+                                      <m:r>
+                                        <a:rPr lang="en-US" altLang="ko-KR" i="1">
+                                          <a:latin typeface="Cambria Math" panose="02040503050406030204" pitchFamily="18" charset="0"/>
+                                        </a:rPr>
+                                        <m:t>𝑦</m:t>
+                                      </m:r>
+                                    </m:e>
+                                  </m:acc>
+                                </m:den>
+                              </m:f>
+                            </m:e>
+                          </m:d>
+                          <m:sSub>
+                            <m:sSubPr>
+                              <m:ctrlPr>
+                                <a:rPr lang="en-US" altLang="ko-KR" b="0" i="1" smtClean="0">
+                                  <a:latin typeface="Cambria Math" panose="02040503050406030204" pitchFamily="18" charset="0"/>
+                                </a:rPr>
+                              </m:ctrlPr>
+                            </m:sSubPr>
+                            <m:e>
+                              <m:r>
+                                <a:rPr lang="en-US" altLang="ko-KR" b="0" i="1" smtClean="0">
+                                  <a:latin typeface="Cambria Math" panose="02040503050406030204" pitchFamily="18" charset="0"/>
+                                </a:rPr>
+                                <m:t>𝑠</m:t>
+                              </m:r>
+                            </m:e>
+                            <m:sub>
+                              <m:r>
+                                <a:rPr lang="en-US" altLang="ko-KR" b="0" i="1" smtClean="0">
+                                  <a:latin typeface="Cambria Math" panose="02040503050406030204" pitchFamily="18" charset="0"/>
+                                </a:rPr>
+                                <m:t>𝑥𝑦</m:t>
+                              </m:r>
+                            </m:sub>
+                          </m:sSub>
+                          <m:r>
+                            <a:rPr lang="en-US" altLang="ko-KR" b="0" i="1" smtClean="0">
+                              <a:latin typeface="Cambria Math" panose="02040503050406030204" pitchFamily="18" charset="0"/>
+                            </a:rPr>
+                            <m:t>+</m:t>
+                          </m:r>
+                          <m:sSup>
+                            <m:sSupPr>
+                              <m:ctrlPr>
+                                <a:rPr lang="en-US" altLang="ko-KR" b="0" i="1" smtClean="0">
+                                  <a:latin typeface="Cambria Math" panose="02040503050406030204" pitchFamily="18" charset="0"/>
+                                </a:rPr>
+                              </m:ctrlPr>
+                            </m:sSupPr>
+                            <m:e>
+                              <m:d>
+                                <m:dPr>
+                                  <m:ctrlPr>
+                                    <a:rPr lang="en-US" altLang="ko-KR" b="0" i="1" smtClean="0">
+                                      <a:latin typeface="Cambria Math" panose="02040503050406030204" pitchFamily="18" charset="0"/>
+                                    </a:rPr>
+                                  </m:ctrlPr>
+                                </m:dPr>
+                                <m:e>
+                                  <m:f>
+                                    <m:fPr>
+                                      <m:ctrlPr>
+                                        <a:rPr lang="en-US" altLang="ko-KR" b="0" i="1" smtClean="0">
+                                          <a:latin typeface="Cambria Math" panose="02040503050406030204" pitchFamily="18" charset="0"/>
+                                        </a:rPr>
+                                      </m:ctrlPr>
+                                    </m:fPr>
+                                    <m:num>
+                                      <m:r>
+                                        <a:rPr lang="en-US" altLang="ko-KR" b="0" i="1" smtClean="0">
+                                          <a:latin typeface="Cambria Math" panose="02040503050406030204" pitchFamily="18" charset="0"/>
+                                        </a:rPr>
+                                        <m:t>𝜕𝜙</m:t>
+                                      </m:r>
+                                    </m:num>
+                                    <m:den>
+                                      <m:r>
+                                        <a:rPr lang="en-US" altLang="ko-KR" b="0" i="1" smtClean="0">
+                                          <a:latin typeface="Cambria Math" panose="02040503050406030204" pitchFamily="18" charset="0"/>
+                                        </a:rPr>
+                                        <m:t>𝜕</m:t>
+                                      </m:r>
+                                      <m:acc>
+                                        <m:accPr>
+                                          <m:chr m:val="̅"/>
+                                          <m:ctrlPr>
+                                            <a:rPr lang="en-US" altLang="ko-KR" b="0" i="1" smtClean="0">
+                                              <a:latin typeface="Cambria Math" panose="02040503050406030204" pitchFamily="18" charset="0"/>
+                                            </a:rPr>
+                                          </m:ctrlPr>
+                                        </m:accPr>
+                                        <m:e>
+                                          <m:r>
+                                            <a:rPr lang="en-US" altLang="ko-KR" b="0" i="1" smtClean="0">
+                                              <a:latin typeface="Cambria Math" panose="02040503050406030204" pitchFamily="18" charset="0"/>
+                                            </a:rPr>
+                                            <m:t>𝑦</m:t>
+                                          </m:r>
+                                        </m:e>
+                                      </m:acc>
+                                    </m:den>
+                                  </m:f>
+                                </m:e>
+                              </m:d>
+                            </m:e>
+                            <m:sup>
+                              <m:r>
+                                <a:rPr lang="en-US" altLang="ko-KR" b="0" i="1" smtClean="0">
+                                  <a:latin typeface="Cambria Math" panose="02040503050406030204" pitchFamily="18" charset="0"/>
+                                </a:rPr>
+                                <m:t>2</m:t>
+                              </m:r>
+                            </m:sup>
+                          </m:sSup>
+                          <m:sSubSup>
+                            <m:sSubSupPr>
+                              <m:ctrlPr>
+                                <a:rPr lang="en-US" altLang="ko-KR" b="0" i="1" smtClean="0">
+                                  <a:latin typeface="Cambria Math" panose="02040503050406030204" pitchFamily="18" charset="0"/>
+                                </a:rPr>
+                              </m:ctrlPr>
+                            </m:sSubSupPr>
+                            <m:e>
+                              <m:r>
+                                <a:rPr lang="en-US" altLang="ko-KR" b="0" i="1" smtClean="0">
+                                  <a:latin typeface="Cambria Math" panose="02040503050406030204" pitchFamily="18" charset="0"/>
+                                </a:rPr>
+                                <m:t>𝑠</m:t>
+                              </m:r>
+                            </m:e>
+                            <m:sub>
+                              <m:r>
+                                <a:rPr lang="en-US" altLang="ko-KR" b="0" i="1" smtClean="0">
+                                  <a:latin typeface="Cambria Math" panose="02040503050406030204" pitchFamily="18" charset="0"/>
+                                </a:rPr>
+                                <m:t>𝑦</m:t>
+                              </m:r>
+                            </m:sub>
+                            <m:sup>
+                              <m:r>
+                                <a:rPr lang="en-US" altLang="ko-KR" b="0" i="1" smtClean="0">
+                                  <a:latin typeface="Cambria Math" panose="02040503050406030204" pitchFamily="18" charset="0"/>
+                                </a:rPr>
+                                <m:t>2</m:t>
+                              </m:r>
+                            </m:sup>
+                          </m:sSubSup>
+                        </m:e>
+                      </m:rad>
+                      <m:r>
+                        <a:rPr lang="en-US" altLang="ko-KR" b="0" i="1" smtClean="0">
+                          <a:latin typeface="Cambria Math" panose="02040503050406030204" pitchFamily="18" charset="0"/>
+                        </a:rPr>
+                        <m:t>+</m:t>
+                      </m:r>
+                      <m:d>
+                        <m:dPr>
+                          <m:begChr m:val="|"/>
+                          <m:endChr m:val="|"/>
+                          <m:ctrlPr>
+                            <a:rPr lang="en-US" altLang="ko-KR" b="0" i="1" smtClean="0">
+                              <a:latin typeface="Cambria Math" panose="02040503050406030204" pitchFamily="18" charset="0"/>
+                            </a:rPr>
+                          </m:ctrlPr>
+                        </m:dPr>
+                        <m:e>
+                          <m:f>
+                            <m:fPr>
+                              <m:ctrlPr>
+                                <a:rPr lang="en-US" altLang="ko-KR" b="0" i="1" smtClean="0">
+                                  <a:latin typeface="Cambria Math" panose="02040503050406030204" pitchFamily="18" charset="0"/>
+                                </a:rPr>
+                              </m:ctrlPr>
+                            </m:fPr>
+                            <m:num>
+                              <m:r>
+                                <a:rPr lang="en-US" altLang="ko-KR" b="0" i="1" smtClean="0">
+                                  <a:latin typeface="Cambria Math" panose="02040503050406030204" pitchFamily="18" charset="0"/>
+                                </a:rPr>
+                                <m:t>𝜕𝜙</m:t>
+                              </m:r>
+                            </m:num>
+                            <m:den>
+                              <m:r>
+                                <a:rPr lang="en-US" altLang="ko-KR" b="0" i="1" smtClean="0">
+                                  <a:latin typeface="Cambria Math" panose="02040503050406030204" pitchFamily="18" charset="0"/>
+                                </a:rPr>
+                                <m:t>𝜕</m:t>
+                              </m:r>
+                              <m:acc>
+                                <m:accPr>
+                                  <m:chr m:val="̅"/>
+                                  <m:ctrlPr>
+                                    <a:rPr lang="en-US" altLang="ko-KR" b="0" i="1" smtClean="0">
+                                      <a:latin typeface="Cambria Math" panose="02040503050406030204" pitchFamily="18" charset="0"/>
+                                    </a:rPr>
+                                  </m:ctrlPr>
+                                </m:accPr>
+                                <m:e>
+                                  <m:r>
+                                    <a:rPr lang="en-US" altLang="ko-KR" b="0" i="1" smtClean="0">
+                                      <a:latin typeface="Cambria Math" panose="02040503050406030204" pitchFamily="18" charset="0"/>
+                                    </a:rPr>
+                                    <m:t>𝑥</m:t>
+                                  </m:r>
+                                </m:e>
+                              </m:acc>
+                            </m:den>
+                          </m:f>
+                        </m:e>
+                      </m:d>
+                      <m:sSub>
+                        <m:sSubPr>
+                          <m:ctrlPr>
+                            <a:rPr lang="en-US" altLang="ko-KR" b="0" i="1" smtClean="0">
+                              <a:latin typeface="Cambria Math" panose="02040503050406030204" pitchFamily="18" charset="0"/>
+                            </a:rPr>
+                          </m:ctrlPr>
+                        </m:sSubPr>
+                        <m:e>
+                          <m:r>
+                            <a:rPr lang="en-US" altLang="ko-KR" b="0" i="1" smtClean="0">
+                              <a:latin typeface="Cambria Math" panose="02040503050406030204" pitchFamily="18" charset="0"/>
+                            </a:rPr>
+                            <m:t>𝑓</m:t>
+                          </m:r>
+                        </m:e>
+                        <m:sub>
+                          <m:r>
+                            <a:rPr lang="en-US" altLang="ko-KR" b="0" i="1" smtClean="0">
+                              <a:latin typeface="Cambria Math" panose="02040503050406030204" pitchFamily="18" charset="0"/>
+                            </a:rPr>
+                            <m:t>𝑠</m:t>
+                          </m:r>
+                          <m:r>
+                            <a:rPr lang="en-US" altLang="ko-KR" b="0" i="1" smtClean="0">
+                              <a:latin typeface="Cambria Math" panose="02040503050406030204" pitchFamily="18" charset="0"/>
+                            </a:rPr>
+                            <m:t>,</m:t>
+                          </m:r>
+                          <m:r>
+                            <a:rPr lang="en-US" altLang="ko-KR" b="0" i="1" smtClean="0">
+                              <a:latin typeface="Cambria Math" panose="02040503050406030204" pitchFamily="18" charset="0"/>
+                            </a:rPr>
+                            <m:t>𝑥</m:t>
+                          </m:r>
+                        </m:sub>
+                      </m:sSub>
+                      <m:r>
+                        <a:rPr lang="en-US" altLang="ko-KR" b="0" i="1" smtClean="0">
+                          <a:latin typeface="Cambria Math" panose="02040503050406030204" pitchFamily="18" charset="0"/>
+                        </a:rPr>
+                        <m:t>+</m:t>
+                      </m:r>
+                      <m:d>
+                        <m:dPr>
+                          <m:begChr m:val="|"/>
+                          <m:endChr m:val="|"/>
+                          <m:ctrlPr>
+                            <a:rPr lang="en-US" altLang="ko-KR" b="0" i="1" smtClean="0">
+                              <a:latin typeface="Cambria Math" panose="02040503050406030204" pitchFamily="18" charset="0"/>
+                            </a:rPr>
+                          </m:ctrlPr>
+                        </m:dPr>
+                        <m:e>
+                          <m:f>
+                            <m:fPr>
+                              <m:ctrlPr>
+                                <a:rPr lang="en-US" altLang="ko-KR" b="0" i="1" smtClean="0">
+                                  <a:latin typeface="Cambria Math" panose="02040503050406030204" pitchFamily="18" charset="0"/>
+                                </a:rPr>
+                              </m:ctrlPr>
+                            </m:fPr>
+                            <m:num>
+                              <m:r>
+                                <a:rPr lang="en-US" altLang="ko-KR" b="0" i="1" smtClean="0">
+                                  <a:latin typeface="Cambria Math" panose="02040503050406030204" pitchFamily="18" charset="0"/>
+                                </a:rPr>
+                                <m:t>𝜕𝜙</m:t>
+                              </m:r>
+                            </m:num>
+                            <m:den>
+                              <m:r>
+                                <a:rPr lang="en-US" altLang="ko-KR" b="0" i="1" smtClean="0">
+                                  <a:latin typeface="Cambria Math" panose="02040503050406030204" pitchFamily="18" charset="0"/>
+                                </a:rPr>
+                                <m:t>𝜕</m:t>
+                              </m:r>
+                              <m:acc>
+                                <m:accPr>
+                                  <m:chr m:val="̅"/>
+                                  <m:ctrlPr>
+                                    <a:rPr lang="en-US" altLang="ko-KR" b="0" i="1" smtClean="0">
+                                      <a:latin typeface="Cambria Math" panose="02040503050406030204" pitchFamily="18" charset="0"/>
+                                    </a:rPr>
+                                  </m:ctrlPr>
+                                </m:accPr>
+                                <m:e>
+                                  <m:r>
+                                    <a:rPr lang="en-US" altLang="ko-KR" b="0" i="1" smtClean="0">
+                                      <a:latin typeface="Cambria Math" panose="02040503050406030204" pitchFamily="18" charset="0"/>
+                                    </a:rPr>
+                                    <m:t>𝑦</m:t>
+                                  </m:r>
+                                </m:e>
+                              </m:acc>
+                            </m:den>
+                          </m:f>
+                        </m:e>
+                      </m:d>
+                      <m:sSub>
+                        <m:sSubPr>
+                          <m:ctrlPr>
+                            <a:rPr lang="en-US" altLang="ko-KR" b="0" i="1" smtClean="0">
+                              <a:latin typeface="Cambria Math" panose="02040503050406030204" pitchFamily="18" charset="0"/>
+                            </a:rPr>
+                          </m:ctrlPr>
+                        </m:sSubPr>
+                        <m:e>
+                          <m:r>
+                            <a:rPr lang="en-US" altLang="ko-KR" b="0" i="1" smtClean="0">
+                              <a:latin typeface="Cambria Math" panose="02040503050406030204" pitchFamily="18" charset="0"/>
+                            </a:rPr>
+                            <m:t>𝑓</m:t>
+                          </m:r>
+                        </m:e>
+                        <m:sub>
+                          <m:r>
+                            <a:rPr lang="en-US" altLang="ko-KR" b="0" i="1" smtClean="0">
+                              <a:latin typeface="Cambria Math" panose="02040503050406030204" pitchFamily="18" charset="0"/>
+                            </a:rPr>
+                            <m:t>𝑠</m:t>
+                          </m:r>
+                          <m:r>
+                            <a:rPr lang="en-US" altLang="ko-KR" b="0" i="1" smtClean="0">
+                              <a:latin typeface="Cambria Math" panose="02040503050406030204" pitchFamily="18" charset="0"/>
+                            </a:rPr>
+                            <m:t>,</m:t>
+                          </m:r>
+                          <m:r>
+                            <a:rPr lang="en-US" altLang="ko-KR" b="0" i="1" smtClean="0">
+                              <a:latin typeface="Cambria Math" panose="02040503050406030204" pitchFamily="18" charset="0"/>
+                            </a:rPr>
+                            <m:t>𝑦</m:t>
+                          </m:r>
+                        </m:sub>
+                      </m:sSub>
+                    </m:oMath>
+                  </m:oMathPara>
+                </a14:m>
+                <a:endParaRPr lang="ko-KR" altLang="en-US" dirty="0"/>
+              </a:p>
+            </p:txBody>
+          </p:sp>
+        </mc:Choice>
+        <mc:Fallback>
+          <p:sp>
+            <p:nvSpPr>
+              <p:cNvPr id="13" name="TextBox 12"/>
+              <p:cNvSpPr txBox="1">
+                <a:spLocks noRot="1" noChangeAspect="1" noMove="1" noResize="1" noEditPoints="1" noAdjustHandles="1" noChangeArrowheads="1" noChangeShapeType="1" noTextEdit="1"/>
+              </p:cNvSpPr>
+              <p:nvPr/>
+            </p:nvSpPr>
+            <p:spPr>
+              <a:xfrm>
+                <a:off x="564846" y="4829577"/>
+                <a:ext cx="8014309" cy="818366"/>
+              </a:xfrm>
+              <a:prstGeom prst="rect">
+                <a:avLst/>
+              </a:prstGeom>
+              <a:blipFill rotWithShape="0">
+                <a:blip r:embed="rId8"/>
+                <a:stretch>
+                  <a:fillRect b="-1493"/>
+                </a:stretch>
+              </a:blipFill>
+            </p:spPr>
+            <p:txBody>
+              <a:bodyPr/>
+              <a:lstStyle/>
+              <a:p>
+                <a:r>
+                  <a:rPr lang="ko-KR" altLang="en-US">
+                    <a:noFill/>
+                  </a:rPr>
+                  <a:t> </a:t>
+                </a:r>
+              </a:p>
+            </p:txBody>
+          </p:sp>
+        </mc:Fallback>
+      </mc:AlternateContent>
     </p:spTree>
     <p:extLst>
       <p:ext uri="{BB962C8B-B14F-4D97-AF65-F5344CB8AC3E}">
@@ -6516,14 +11052,698 @@
           <a:p>
             <a:pPr algn="ctr"/>
             <a:r>
-              <a:rPr lang="en-US" altLang="ko-KR" sz="2800" dirty="0" smtClean="0">
+              <a:rPr lang="en-US" altLang="ko-KR" sz="2500" dirty="0" smtClean="0">
                 <a:solidFill>
                   <a:schemeClr val="bg1"/>
                 </a:solidFill>
                 <a:latin typeface="Arial" panose="020B0604020202020204" pitchFamily="34" charset="0"/>
               </a:rPr>
-              <a:t>References</a:t>
-            </a:r>
+              <a:t>1.4 Measurement with Resolution Limit</a:t>
+            </a:r>
+            <a:endParaRPr lang="en-US" altLang="ko-KR" sz="2500" dirty="0" smtClean="0">
+              <a:solidFill>
+                <a:schemeClr val="bg1"/>
+              </a:solidFill>
+              <a:latin typeface="Arial" panose="020B0604020202020204" pitchFamily="34" charset="0"/>
+            </a:endParaRPr>
+          </a:p>
+        </p:txBody>
+      </p:sp>
+      <p:sp>
+        <p:nvSpPr>
+          <p:cNvPr id="2" name="날짜 개체 틀 1"/>
+          <p:cNvSpPr>
+            <a:spLocks noGrp="1"/>
+          </p:cNvSpPr>
+          <p:nvPr>
+            <p:ph type="dt" sz="half" idx="10"/>
+          </p:nvPr>
+        </p:nvSpPr>
+        <p:spPr/>
+        <p:txBody>
+          <a:bodyPr/>
+          <a:lstStyle/>
+          <a:p>
+            <a:fld id="{53646E5C-8775-44A9-9523-40B6CCA06789}" type="datetime1">
+              <a:rPr lang="ko-KR" altLang="en-US" smtClean="0"/>
+              <a:t>2018-03-23</a:t>
+            </a:fld>
+            <a:endParaRPr lang="ko-KR" altLang="en-US"/>
+          </a:p>
+        </p:txBody>
+      </p:sp>
+      <p:sp>
+        <p:nvSpPr>
+          <p:cNvPr id="15" name="슬라이드 번호 개체 틀 14"/>
+          <p:cNvSpPr>
+            <a:spLocks noGrp="1"/>
+          </p:cNvSpPr>
+          <p:nvPr>
+            <p:ph type="sldNum" sz="quarter" idx="12"/>
+          </p:nvPr>
+        </p:nvSpPr>
+        <p:spPr/>
+        <p:txBody>
+          <a:bodyPr/>
+          <a:lstStyle/>
+          <a:p>
+            <a:fld id="{8765F8EB-1186-4395-8E70-F957669279DD}" type="slidenum">
+              <a:rPr lang="ko-KR" altLang="en-US" smtClean="0"/>
+              <a:t>7</a:t>
+            </a:fld>
+            <a:endParaRPr lang="ko-KR" altLang="en-US"/>
+          </a:p>
+        </p:txBody>
+      </p:sp>
+      <p:sp>
+        <p:nvSpPr>
+          <p:cNvPr id="18" name="TextBox 17"/>
+          <p:cNvSpPr txBox="1"/>
+          <p:nvPr/>
+        </p:nvSpPr>
+        <p:spPr>
+          <a:xfrm>
+            <a:off x="720969" y="914202"/>
+            <a:ext cx="7794381" cy="400110"/>
+          </a:xfrm>
+          <a:prstGeom prst="rect">
+            <a:avLst/>
+          </a:prstGeom>
+          <a:noFill/>
+        </p:spPr>
+        <p:txBody>
+          <a:bodyPr wrap="square" rtlCol="0">
+            <a:spAutoFit/>
+          </a:bodyPr>
+          <a:lstStyle/>
+          <a:p>
+            <a:r>
+              <a:rPr lang="en-US" altLang="ko-KR" sz="2000" dirty="0" smtClean="0"/>
+              <a:t>A resolution limit in a measuring device can give rise to a systematic error.</a:t>
+            </a:r>
+            <a:endParaRPr lang="en-US" altLang="ko-KR" sz="2000" dirty="0" smtClean="0"/>
+          </a:p>
+        </p:txBody>
+      </p:sp>
+      <p:sp>
+        <p:nvSpPr>
+          <p:cNvPr id="19" name="TextBox 18"/>
+          <p:cNvSpPr txBox="1"/>
+          <p:nvPr/>
+        </p:nvSpPr>
+        <p:spPr>
+          <a:xfrm>
+            <a:off x="268165" y="6078224"/>
+            <a:ext cx="8607669" cy="415498"/>
+          </a:xfrm>
+          <a:prstGeom prst="rect">
+            <a:avLst/>
+          </a:prstGeom>
+          <a:noFill/>
+        </p:spPr>
+        <p:txBody>
+          <a:bodyPr wrap="square" rtlCol="0">
+            <a:spAutoFit/>
+          </a:bodyPr>
+          <a:lstStyle/>
+          <a:p>
+            <a:r>
+              <a:rPr lang="en-US" altLang="ko-KR" sz="1050" dirty="0">
+                <a:latin typeface="Times New Roman" panose="02020603050405020304" pitchFamily="18" charset="0"/>
+                <a:cs typeface="Times New Roman" panose="02020603050405020304" pitchFamily="18" charset="0"/>
+              </a:rPr>
+              <a:t>Lira, I. H., and W. </a:t>
+            </a:r>
+            <a:r>
+              <a:rPr lang="en-US" altLang="ko-KR" sz="1050" dirty="0" err="1">
+                <a:latin typeface="Times New Roman" panose="02020603050405020304" pitchFamily="18" charset="0"/>
+                <a:cs typeface="Times New Roman" panose="02020603050405020304" pitchFamily="18" charset="0"/>
+              </a:rPr>
+              <a:t>Wöger</a:t>
+            </a:r>
+            <a:r>
+              <a:rPr lang="en-US" altLang="ko-KR" sz="1050" dirty="0">
+                <a:latin typeface="Times New Roman" panose="02020603050405020304" pitchFamily="18" charset="0"/>
+                <a:cs typeface="Times New Roman" panose="02020603050405020304" pitchFamily="18" charset="0"/>
+              </a:rPr>
+              <a:t>, “The Evaluation od Standard Uncertainty in the Presence of Limited Resolution of Indicating Devices,” </a:t>
+            </a:r>
+            <a:r>
+              <a:rPr lang="en-US" altLang="ko-KR" sz="1050" i="1" dirty="0">
+                <a:latin typeface="Times New Roman" panose="02020603050405020304" pitchFamily="18" charset="0"/>
+                <a:cs typeface="Times New Roman" panose="02020603050405020304" pitchFamily="18" charset="0"/>
+              </a:rPr>
+              <a:t>Measurement Science and Technology</a:t>
+            </a:r>
+            <a:r>
+              <a:rPr lang="en-US" altLang="ko-KR" sz="1050" dirty="0">
+                <a:latin typeface="Times New Roman" panose="02020603050405020304" pitchFamily="18" charset="0"/>
+                <a:cs typeface="Times New Roman" panose="02020603050405020304" pitchFamily="18" charset="0"/>
+              </a:rPr>
+              <a:t>, Vol. 8, </a:t>
+            </a:r>
+            <a:r>
+              <a:rPr lang="en-US" altLang="ko-KR" sz="1050" dirty="0" smtClean="0">
+                <a:latin typeface="Times New Roman" panose="02020603050405020304" pitchFamily="18" charset="0"/>
+                <a:cs typeface="Times New Roman" panose="02020603050405020304" pitchFamily="18" charset="0"/>
+              </a:rPr>
+              <a:t>1997.</a:t>
+            </a:r>
+            <a:endParaRPr lang="en-US" altLang="ko-KR" sz="1050" dirty="0">
+              <a:latin typeface="Times New Roman" panose="02020603050405020304" pitchFamily="18" charset="0"/>
+              <a:cs typeface="Times New Roman" panose="02020603050405020304" pitchFamily="18" charset="0"/>
+            </a:endParaRPr>
+          </a:p>
+        </p:txBody>
+      </p:sp>
+      <mc:AlternateContent xmlns:mc="http://schemas.openxmlformats.org/markup-compatibility/2006">
+        <mc:Choice xmlns:a14="http://schemas.microsoft.com/office/drawing/2010/main" Requires="a14">
+          <p:sp>
+            <p:nvSpPr>
+              <p:cNvPr id="3" name="TextBox 2"/>
+              <p:cNvSpPr txBox="1"/>
+              <p:nvPr/>
+            </p:nvSpPr>
+            <p:spPr>
+              <a:xfrm>
+                <a:off x="3565281" y="2035501"/>
+                <a:ext cx="2013438" cy="276999"/>
+              </a:xfrm>
+              <a:prstGeom prst="rect">
+                <a:avLst/>
+              </a:prstGeom>
+              <a:noFill/>
+            </p:spPr>
+            <p:txBody>
+              <a:bodyPr wrap="square" lIns="0" tIns="0" rIns="0" bIns="0" rtlCol="0">
+                <a:spAutoFit/>
+              </a:bodyPr>
+              <a:lstStyle/>
+              <a:p>
+                <a:r>
+                  <a:rPr lang="en-US" altLang="ko-KR" dirty="0" smtClean="0"/>
+                  <a:t>measurand</a:t>
+                </a:r>
+                <a14:m>
+                  <m:oMath xmlns:m="http://schemas.openxmlformats.org/officeDocument/2006/math">
+                    <m:r>
+                      <a:rPr lang="en-US" altLang="ko-KR" b="0" i="0" smtClean="0">
+                        <a:latin typeface="Cambria Math" panose="02040503050406030204" pitchFamily="18" charset="0"/>
+                      </a:rPr>
+                      <m:t> </m:t>
+                    </m:r>
+                    <m:r>
+                      <a:rPr lang="en-US" altLang="ko-KR" b="0" i="1" smtClean="0">
+                        <a:latin typeface="Cambria Math" panose="02040503050406030204" pitchFamily="18" charset="0"/>
+                      </a:rPr>
+                      <m:t>=</m:t>
+                    </m:r>
+                    <m:sSub>
+                      <m:sSubPr>
+                        <m:ctrlPr>
+                          <a:rPr lang="en-US" altLang="ko-KR" b="0" i="1" smtClean="0">
+                            <a:latin typeface="Cambria Math" panose="02040503050406030204" pitchFamily="18" charset="0"/>
+                          </a:rPr>
+                        </m:ctrlPr>
+                      </m:sSubPr>
+                      <m:e>
+                        <m:r>
+                          <a:rPr lang="en-US" altLang="ko-KR" b="0" i="1" smtClean="0">
+                            <a:latin typeface="Cambria Math" panose="02040503050406030204" pitchFamily="18" charset="0"/>
+                          </a:rPr>
+                          <m:t>𝑥</m:t>
+                        </m:r>
+                      </m:e>
+                      <m:sub>
+                        <m:r>
+                          <a:rPr lang="en-US" altLang="ko-KR" b="0" i="1" smtClean="0">
+                            <a:latin typeface="Cambria Math" panose="02040503050406030204" pitchFamily="18" charset="0"/>
+                          </a:rPr>
+                          <m:t>𝑙</m:t>
+                        </m:r>
+                      </m:sub>
+                    </m:sSub>
+                    <m:r>
+                      <a:rPr lang="en-US" altLang="ko-KR" b="0" i="1" smtClean="0">
+                        <a:latin typeface="Cambria Math" panose="02040503050406030204" pitchFamily="18" charset="0"/>
+                      </a:rPr>
+                      <m:t>+</m:t>
+                    </m:r>
+                    <m:r>
+                      <a:rPr lang="en-US" altLang="ko-KR" b="0" i="1" smtClean="0">
+                        <a:latin typeface="Cambria Math" panose="02040503050406030204" pitchFamily="18" charset="0"/>
+                        <a:ea typeface="Cambria Math" panose="02040503050406030204" pitchFamily="18" charset="0"/>
+                      </a:rPr>
+                      <m:t>∆</m:t>
+                    </m:r>
+                  </m:oMath>
+                </a14:m>
+                <a:endParaRPr lang="ko-KR" altLang="en-US" dirty="0"/>
+              </a:p>
+            </p:txBody>
+          </p:sp>
+        </mc:Choice>
+        <mc:Fallback>
+          <p:sp>
+            <p:nvSpPr>
+              <p:cNvPr id="3" name="TextBox 2"/>
+              <p:cNvSpPr txBox="1">
+                <a:spLocks noRot="1" noChangeAspect="1" noMove="1" noResize="1" noEditPoints="1" noAdjustHandles="1" noChangeArrowheads="1" noChangeShapeType="1" noTextEdit="1"/>
+              </p:cNvSpPr>
+              <p:nvPr/>
+            </p:nvSpPr>
+            <p:spPr>
+              <a:xfrm>
+                <a:off x="3565281" y="2035501"/>
+                <a:ext cx="2013438" cy="276999"/>
+              </a:xfrm>
+              <a:prstGeom prst="rect">
+                <a:avLst/>
+              </a:prstGeom>
+              <a:blipFill rotWithShape="0">
+                <a:blip r:embed="rId3"/>
+                <a:stretch>
+                  <a:fillRect l="-7273" t="-28889" r="-303" b="-51111"/>
+                </a:stretch>
+              </a:blipFill>
+            </p:spPr>
+            <p:txBody>
+              <a:bodyPr/>
+              <a:lstStyle/>
+              <a:p>
+                <a:r>
+                  <a:rPr lang="ko-KR" altLang="en-US">
+                    <a:noFill/>
+                  </a:rPr>
+                  <a:t> </a:t>
+                </a:r>
+              </a:p>
+            </p:txBody>
+          </p:sp>
+        </mc:Fallback>
+      </mc:AlternateContent>
+      <mc:AlternateContent xmlns:mc="http://schemas.openxmlformats.org/markup-compatibility/2006">
+        <mc:Choice xmlns:a14="http://schemas.microsoft.com/office/drawing/2010/main" Requires="a14">
+          <p:sp>
+            <p:nvSpPr>
+              <p:cNvPr id="8" name="TextBox 7"/>
+              <p:cNvSpPr txBox="1"/>
+              <p:nvPr/>
+            </p:nvSpPr>
+            <p:spPr>
+              <a:xfrm>
+                <a:off x="6520256" y="2035501"/>
+                <a:ext cx="1163395" cy="276999"/>
+              </a:xfrm>
+              <a:prstGeom prst="rect">
+                <a:avLst/>
+              </a:prstGeom>
+              <a:noFill/>
+            </p:spPr>
+            <p:txBody>
+              <a:bodyPr wrap="none" lIns="0" tIns="0" rIns="0" bIns="0" rtlCol="0">
+                <a:spAutoFit/>
+              </a:bodyPr>
+              <a:lstStyle/>
+              <a:p>
+                <a14:m>
+                  <m:oMathPara xmlns:m="http://schemas.openxmlformats.org/officeDocument/2006/math">
+                    <m:oMathParaPr>
+                      <m:jc m:val="centerGroup"/>
+                    </m:oMathParaPr>
+                    <m:oMath xmlns:m="http://schemas.openxmlformats.org/officeDocument/2006/math">
+                      <m:r>
+                        <a:rPr lang="en-US" altLang="ko-KR" b="0" i="1" smtClean="0">
+                          <a:latin typeface="Cambria Math" panose="02040503050406030204" pitchFamily="18" charset="0"/>
+                          <a:ea typeface="Cambria Math" panose="02040503050406030204" pitchFamily="18" charset="0"/>
+                        </a:rPr>
+                        <m:t>; </m:t>
+                      </m:r>
+                      <m:d>
+                        <m:dPr>
+                          <m:begChr m:val="|"/>
+                          <m:endChr m:val="|"/>
+                          <m:ctrlPr>
+                            <a:rPr lang="en-US" altLang="ko-KR" b="0" i="1" smtClean="0">
+                              <a:latin typeface="Cambria Math" panose="02040503050406030204" pitchFamily="18" charset="0"/>
+                              <a:ea typeface="Cambria Math" panose="02040503050406030204" pitchFamily="18" charset="0"/>
+                            </a:rPr>
+                          </m:ctrlPr>
+                        </m:dPr>
+                        <m:e>
+                          <m:r>
+                            <a:rPr lang="en-US" altLang="ko-KR" i="1">
+                              <a:latin typeface="Cambria Math" panose="02040503050406030204" pitchFamily="18" charset="0"/>
+                              <a:ea typeface="Cambria Math" panose="02040503050406030204" pitchFamily="18" charset="0"/>
+                            </a:rPr>
+                            <m:t>∆</m:t>
+                          </m:r>
+                        </m:e>
+                      </m:d>
+                      <m:r>
+                        <a:rPr lang="en-US" altLang="ko-KR" b="0" i="1" smtClean="0">
+                          <a:latin typeface="Cambria Math" panose="02040503050406030204" pitchFamily="18" charset="0"/>
+                          <a:ea typeface="Cambria Math" panose="02040503050406030204" pitchFamily="18" charset="0"/>
+                        </a:rPr>
+                        <m:t>≤</m:t>
+                      </m:r>
+                      <m:r>
+                        <a:rPr lang="en-US" altLang="ko-KR" b="0" i="1" smtClean="0">
+                          <a:latin typeface="Cambria Math" panose="02040503050406030204" pitchFamily="18" charset="0"/>
+                          <a:ea typeface="Cambria Math" panose="02040503050406030204" pitchFamily="18" charset="0"/>
+                        </a:rPr>
+                        <m:t>𝛿</m:t>
+                      </m:r>
+                      <m:r>
+                        <a:rPr lang="en-US" altLang="ko-KR" b="0" i="1" smtClean="0">
+                          <a:latin typeface="Cambria Math" panose="02040503050406030204" pitchFamily="18" charset="0"/>
+                          <a:ea typeface="Cambria Math" panose="02040503050406030204" pitchFamily="18" charset="0"/>
+                        </a:rPr>
+                        <m:t>/2</m:t>
+                      </m:r>
+                    </m:oMath>
+                  </m:oMathPara>
+                </a14:m>
+                <a:endParaRPr lang="ko-KR" altLang="en-US" dirty="0"/>
+              </a:p>
+            </p:txBody>
+          </p:sp>
+        </mc:Choice>
+        <mc:Fallback>
+          <p:sp>
+            <p:nvSpPr>
+              <p:cNvPr id="8" name="TextBox 7"/>
+              <p:cNvSpPr txBox="1">
+                <a:spLocks noRot="1" noChangeAspect="1" noMove="1" noResize="1" noEditPoints="1" noAdjustHandles="1" noChangeArrowheads="1" noChangeShapeType="1" noTextEdit="1"/>
+              </p:cNvSpPr>
+              <p:nvPr/>
+            </p:nvSpPr>
+            <p:spPr>
+              <a:xfrm>
+                <a:off x="6520256" y="2035501"/>
+                <a:ext cx="1163395" cy="276999"/>
+              </a:xfrm>
+              <a:prstGeom prst="rect">
+                <a:avLst/>
+              </a:prstGeom>
+              <a:blipFill rotWithShape="0">
+                <a:blip r:embed="rId4"/>
+                <a:stretch>
+                  <a:fillRect l="-3684" t="-2222" r="-4737" b="-35556"/>
+                </a:stretch>
+              </a:blipFill>
+            </p:spPr>
+            <p:txBody>
+              <a:bodyPr/>
+              <a:lstStyle/>
+              <a:p>
+                <a:r>
+                  <a:rPr lang="ko-KR" altLang="en-US">
+                    <a:noFill/>
+                  </a:rPr>
+                  <a:t> </a:t>
+                </a:r>
+              </a:p>
+            </p:txBody>
+          </p:sp>
+        </mc:Fallback>
+      </mc:AlternateContent>
+      <mc:AlternateContent xmlns:mc="http://schemas.openxmlformats.org/markup-compatibility/2006">
+        <mc:Choice xmlns:a14="http://schemas.microsoft.com/office/drawing/2010/main" Requires="a14">
+          <p:sp>
+            <p:nvSpPr>
+              <p:cNvPr id="4" name="TextBox 3"/>
+              <p:cNvSpPr txBox="1"/>
+              <p:nvPr/>
+            </p:nvSpPr>
+            <p:spPr>
+              <a:xfrm>
+                <a:off x="3674125" y="2471834"/>
+                <a:ext cx="1795748" cy="430374"/>
+              </a:xfrm>
+              <a:prstGeom prst="rect">
+                <a:avLst/>
+              </a:prstGeom>
+              <a:noFill/>
+            </p:spPr>
+            <p:txBody>
+              <a:bodyPr wrap="none" lIns="0" tIns="0" rIns="0" bIns="0" rtlCol="0">
+                <a:spAutoFit/>
+              </a:bodyPr>
+              <a:lstStyle/>
+              <a:p>
+                <a:r>
+                  <a:rPr lang="en-US" altLang="ko-KR" b="0" dirty="0" smtClean="0"/>
+                  <a:t>Variance </a:t>
+                </a:r>
+                <a14:m>
+                  <m:oMath xmlns:m="http://schemas.openxmlformats.org/officeDocument/2006/math">
+                    <m:r>
+                      <a:rPr lang="en-US" altLang="ko-KR" b="0" i="0" smtClean="0">
+                        <a:latin typeface="Cambria Math" panose="02040503050406030204" pitchFamily="18" charset="0"/>
+                      </a:rPr>
+                      <m:t>=</m:t>
+                    </m:r>
+                    <m:sSubSup>
+                      <m:sSubSupPr>
+                        <m:ctrlPr>
+                          <a:rPr lang="en-US" altLang="ko-KR" b="0" i="1" smtClean="0">
+                            <a:latin typeface="Cambria Math" panose="02040503050406030204" pitchFamily="18" charset="0"/>
+                          </a:rPr>
+                        </m:ctrlPr>
+                      </m:sSubSupPr>
+                      <m:e>
+                        <m:r>
+                          <a:rPr lang="en-US" altLang="ko-KR" b="0" i="1" smtClean="0">
+                            <a:latin typeface="Cambria Math" panose="02040503050406030204" pitchFamily="18" charset="0"/>
+                          </a:rPr>
+                          <m:t>𝑠</m:t>
+                        </m:r>
+                      </m:e>
+                      <m:sub>
+                        <m:r>
+                          <a:rPr lang="en-US" altLang="ko-KR" b="0" i="1" smtClean="0">
+                            <a:latin typeface="Cambria Math" panose="02040503050406030204" pitchFamily="18" charset="0"/>
+                          </a:rPr>
+                          <m:t>𝑥</m:t>
+                        </m:r>
+                      </m:sub>
+                      <m:sup>
+                        <m:r>
+                          <a:rPr lang="en-US" altLang="ko-KR" b="0" i="1" smtClean="0">
+                            <a:latin typeface="Cambria Math" panose="02040503050406030204" pitchFamily="18" charset="0"/>
+                          </a:rPr>
+                          <m:t>2</m:t>
+                        </m:r>
+                      </m:sup>
+                    </m:sSubSup>
+                    <m:r>
+                      <a:rPr lang="en-US" altLang="ko-KR" b="0" i="1" smtClean="0">
+                        <a:latin typeface="Cambria Math" panose="02040503050406030204" pitchFamily="18" charset="0"/>
+                      </a:rPr>
+                      <m:t>+</m:t>
+                    </m:r>
+                    <m:f>
+                      <m:fPr>
+                        <m:ctrlPr>
+                          <a:rPr lang="en-US" altLang="ko-KR" b="0" i="1" smtClean="0">
+                            <a:latin typeface="Cambria Math" panose="02040503050406030204" pitchFamily="18" charset="0"/>
+                          </a:rPr>
+                        </m:ctrlPr>
+                      </m:fPr>
+                      <m:num>
+                        <m:sSup>
+                          <m:sSupPr>
+                            <m:ctrlPr>
+                              <a:rPr lang="en-US" altLang="ko-KR" b="0" i="1" smtClean="0">
+                                <a:latin typeface="Cambria Math" panose="02040503050406030204" pitchFamily="18" charset="0"/>
+                              </a:rPr>
+                            </m:ctrlPr>
+                          </m:sSupPr>
+                          <m:e>
+                            <m:r>
+                              <a:rPr lang="en-US" altLang="ko-KR" b="0" i="1" smtClean="0">
+                                <a:latin typeface="Cambria Math" panose="02040503050406030204" pitchFamily="18" charset="0"/>
+                              </a:rPr>
+                              <m:t>𝛿</m:t>
+                            </m:r>
+                          </m:e>
+                          <m:sup>
+                            <m:r>
+                              <a:rPr lang="en-US" altLang="ko-KR" b="0" i="1" smtClean="0">
+                                <a:latin typeface="Cambria Math" panose="02040503050406030204" pitchFamily="18" charset="0"/>
+                              </a:rPr>
+                              <m:t>2</m:t>
+                            </m:r>
+                          </m:sup>
+                        </m:sSup>
+                      </m:num>
+                      <m:den>
+                        <m:r>
+                          <a:rPr lang="en-US" altLang="ko-KR" b="0" i="1" smtClean="0">
+                            <a:latin typeface="Cambria Math" panose="02040503050406030204" pitchFamily="18" charset="0"/>
+                          </a:rPr>
+                          <m:t>12</m:t>
+                        </m:r>
+                      </m:den>
+                    </m:f>
+                  </m:oMath>
+                </a14:m>
+                <a:endParaRPr lang="ko-KR" altLang="en-US" dirty="0"/>
+              </a:p>
+            </p:txBody>
+          </p:sp>
+        </mc:Choice>
+        <mc:Fallback>
+          <p:sp>
+            <p:nvSpPr>
+              <p:cNvPr id="4" name="TextBox 3"/>
+              <p:cNvSpPr txBox="1">
+                <a:spLocks noRot="1" noChangeAspect="1" noMove="1" noResize="1" noEditPoints="1" noAdjustHandles="1" noChangeArrowheads="1" noChangeShapeType="1" noTextEdit="1"/>
+              </p:cNvSpPr>
+              <p:nvPr/>
+            </p:nvSpPr>
+            <p:spPr>
+              <a:xfrm>
+                <a:off x="3674125" y="2471834"/>
+                <a:ext cx="1795748" cy="430374"/>
+              </a:xfrm>
+              <a:prstGeom prst="rect">
+                <a:avLst/>
+              </a:prstGeom>
+              <a:blipFill rotWithShape="0">
+                <a:blip r:embed="rId5"/>
+                <a:stretch>
+                  <a:fillRect l="-8163" b="-19718"/>
+                </a:stretch>
+              </a:blipFill>
+            </p:spPr>
+            <p:txBody>
+              <a:bodyPr/>
+              <a:lstStyle/>
+              <a:p>
+                <a:r>
+                  <a:rPr lang="ko-KR" altLang="en-US">
+                    <a:noFill/>
+                  </a:rPr>
+                  <a:t> </a:t>
+                </a:r>
+              </a:p>
+            </p:txBody>
+          </p:sp>
+        </mc:Fallback>
+      </mc:AlternateContent>
+      <p:pic>
+        <p:nvPicPr>
+          <p:cNvPr id="5" name="그림 4"/>
+          <p:cNvPicPr>
+            <a:picLocks noChangeAspect="1"/>
+          </p:cNvPicPr>
+          <p:nvPr/>
+        </p:nvPicPr>
+        <p:blipFill>
+          <a:blip r:embed="rId6"/>
+          <a:stretch>
+            <a:fillRect/>
+          </a:stretch>
+        </p:blipFill>
+        <p:spPr>
+          <a:xfrm>
+            <a:off x="2147886" y="3151550"/>
+            <a:ext cx="4848225" cy="1828800"/>
+          </a:xfrm>
+          <a:prstGeom prst="rect">
+            <a:avLst/>
+          </a:prstGeom>
+        </p:spPr>
+      </p:pic>
+    </p:spTree>
+    <p:extLst>
+      <p:ext uri="{BB962C8B-B14F-4D97-AF65-F5344CB8AC3E}">
+        <p14:creationId xmlns:p14="http://schemas.microsoft.com/office/powerpoint/2010/main" val="3692594134"/>
+      </p:ext>
+    </p:extLst>
+  </p:cSld>
+  <p:clrMapOvr>
+    <a:masterClrMapping/>
+  </p:clrMapOvr>
+  <p:timing>
+    <p:tnLst>
+      <p:par>
+        <p:cTn id="1" dur="indefinite" restart="never" nodeType="tmRoot"/>
+      </p:par>
+    </p:tnLst>
+  </p:timing>
+</p:sld>
+</file>
+
+<file path=ppt/slides/slide8.xml><?xml version="1.0" encoding="utf-8"?>
+<p:sld xmlns:a="http://schemas.openxmlformats.org/drawingml/2006/main" xmlns:r="http://schemas.openxmlformats.org/officeDocument/2006/relationships" xmlns:p="http://schemas.openxmlformats.org/presentationml/2006/main">
+  <p:cSld>
+    <p:spTree>
+      <p:nvGrpSpPr>
+        <p:cNvPr id="1" name=""/>
+        <p:cNvGrpSpPr/>
+        <p:nvPr/>
+      </p:nvGrpSpPr>
+      <p:grpSpPr>
+        <a:xfrm>
+          <a:off x="0" y="0"/>
+          <a:ext cx="0" cy="0"/>
+          <a:chOff x="0" y="0"/>
+          <a:chExt cx="0" cy="0"/>
+        </a:xfrm>
+      </p:grpSpPr>
+      <p:sp>
+        <p:nvSpPr>
+          <p:cNvPr id="6199" name="Rectangle 55"/>
+          <p:cNvSpPr>
+            <a:spLocks noChangeArrowheads="1"/>
+          </p:cNvSpPr>
+          <p:nvPr/>
+        </p:nvSpPr>
+        <p:spPr bwMode="auto">
+          <a:xfrm>
+            <a:off x="0" y="0"/>
+            <a:ext cx="9144000" cy="692150"/>
+          </a:xfrm>
+          <a:prstGeom prst="rect">
+            <a:avLst/>
+          </a:prstGeom>
+          <a:solidFill>
+            <a:srgbClr val="3333FF"/>
+          </a:solidFill>
+          <a:ln>
+            <a:noFill/>
+          </a:ln>
+          <a:effectLst/>
+          <a:extLst>
+            <a:ext uri="{91240B29-F687-4F45-9708-019B960494DF}">
+              <a14:hiddenLine xmlns:a14="http://schemas.microsoft.com/office/drawing/2010/main" w="9525">
+                <a:solidFill>
+                  <a:schemeClr val="tx1"/>
+                </a:solidFill>
+                <a:miter lim="800000"/>
+                <a:headEnd/>
+                <a:tailEnd/>
+              </a14:hiddenLine>
+            </a:ext>
+            <a:ext uri="{AF507438-7753-43E0-B8FC-AC1667EBCBE1}">
+              <a14:hiddenEffects xmlns:a14="http://schemas.microsoft.com/office/drawing/2010/main">
+                <a:effectLst>
+                  <a:outerShdw dist="35921" dir="2700000" algn="ctr" rotWithShape="0">
+                    <a:schemeClr val="bg2"/>
+                  </a:outerShdw>
+                </a:effectLst>
+              </a14:hiddenEffects>
+            </a:ext>
+          </a:extLst>
+        </p:spPr>
+        <p:txBody>
+          <a:bodyPr wrap="none" anchor="ctr"/>
+          <a:lstStyle/>
+          <a:p>
+            <a:pPr algn="ctr"/>
             <a:endParaRPr lang="en-US" altLang="ko-KR" sz="2800" dirty="0">
               <a:solidFill>
                 <a:schemeClr val="bg1"/>
@@ -6535,14 +11755,305 @@
       </p:sp>
       <p:sp>
         <p:nvSpPr>
-          <p:cNvPr id="2" name="TextBox 1"/>
+          <p:cNvPr id="2" name="직사각형 1"/>
+          <p:cNvSpPr/>
+          <p:nvPr/>
+        </p:nvSpPr>
+        <p:spPr>
+          <a:xfrm>
+            <a:off x="1286256" y="2004529"/>
+            <a:ext cx="6571488" cy="2848942"/>
+          </a:xfrm>
+          <a:prstGeom prst="rect">
+            <a:avLst/>
+          </a:prstGeom>
+          <a:noFill/>
+          <a:ln w="38100">
+            <a:solidFill>
+              <a:srgbClr val="3333FF"/>
+            </a:solidFill>
+          </a:ln>
+        </p:spPr>
+        <p:style>
+          <a:lnRef idx="2">
+            <a:schemeClr val="accent1">
+              <a:shade val="50000"/>
+            </a:schemeClr>
+          </a:lnRef>
+          <a:fillRef idx="1">
+            <a:schemeClr val="accent1"/>
+          </a:fillRef>
+          <a:effectRef idx="0">
+            <a:schemeClr val="accent1"/>
+          </a:effectRef>
+          <a:fontRef idx="minor">
+            <a:schemeClr val="lt1"/>
+          </a:fontRef>
+        </p:style>
+        <p:txBody>
+          <a:bodyPr rtlCol="0" anchor="ctr"/>
+          <a:lstStyle/>
+          <a:p>
+            <a:pPr algn="ctr"/>
+            <a:r>
+              <a:rPr lang="en-US" altLang="ko-KR" sz="3600" dirty="0" smtClean="0">
+                <a:solidFill>
+                  <a:srgbClr val="3333FF"/>
+                </a:solidFill>
+                <a:latin typeface="Arial" panose="020B0604020202020204" pitchFamily="34" charset="0"/>
+              </a:rPr>
+              <a:t>Sources of </a:t>
+            </a:r>
+            <a:r>
+              <a:rPr lang="en-US" altLang="ko-KR" sz="3600" dirty="0" err="1" smtClean="0">
+                <a:solidFill>
+                  <a:srgbClr val="3333FF"/>
+                </a:solidFill>
+                <a:latin typeface="Arial" panose="020B0604020202020204" pitchFamily="34" charset="0"/>
+              </a:rPr>
+              <a:t>Unccertainty</a:t>
+            </a:r>
+            <a:r>
+              <a:rPr lang="en-US" altLang="ko-KR" sz="3600" dirty="0" smtClean="0">
+                <a:solidFill>
+                  <a:srgbClr val="3333FF"/>
+                </a:solidFill>
+                <a:latin typeface="Arial" panose="020B0604020202020204" pitchFamily="34" charset="0"/>
+              </a:rPr>
+              <a:t> in</a:t>
+            </a:r>
+          </a:p>
+          <a:p>
+            <a:pPr algn="ctr"/>
+            <a:r>
+              <a:rPr lang="en-US" altLang="ko-KR" sz="3600" dirty="0" smtClean="0">
+                <a:solidFill>
+                  <a:srgbClr val="3333FF"/>
+                </a:solidFill>
+                <a:latin typeface="Arial" panose="020B0604020202020204" pitchFamily="34" charset="0"/>
+              </a:rPr>
+              <a:t>Terahertz TDS</a:t>
+            </a:r>
+            <a:endParaRPr lang="ko-KR" altLang="en-US" sz="3600" dirty="0"/>
+          </a:p>
+        </p:txBody>
+      </p:sp>
+      <p:sp>
+        <p:nvSpPr>
+          <p:cNvPr id="3" name="날짜 개체 틀 2"/>
+          <p:cNvSpPr>
+            <a:spLocks noGrp="1"/>
+          </p:cNvSpPr>
+          <p:nvPr>
+            <p:ph type="dt" sz="half" idx="10"/>
+          </p:nvPr>
+        </p:nvSpPr>
+        <p:spPr/>
+        <p:txBody>
+          <a:bodyPr/>
+          <a:lstStyle/>
+          <a:p>
+            <a:fld id="{F85A177F-6FD3-496B-8A9C-B332CA04E863}" type="datetime1">
+              <a:rPr lang="ko-KR" altLang="en-US" smtClean="0"/>
+              <a:t>2018-03-22</a:t>
+            </a:fld>
+            <a:endParaRPr lang="ko-KR" altLang="en-US"/>
+          </a:p>
+        </p:txBody>
+      </p:sp>
+      <p:sp>
+        <p:nvSpPr>
+          <p:cNvPr id="4" name="슬라이드 번호 개체 틀 3"/>
+          <p:cNvSpPr>
+            <a:spLocks noGrp="1"/>
+          </p:cNvSpPr>
+          <p:nvPr>
+            <p:ph type="sldNum" sz="quarter" idx="12"/>
+          </p:nvPr>
+        </p:nvSpPr>
+        <p:spPr/>
+        <p:txBody>
+          <a:bodyPr/>
+          <a:lstStyle/>
+          <a:p>
+            <a:fld id="{8765F8EB-1186-4395-8E70-F957669279DD}" type="slidenum">
+              <a:rPr lang="ko-KR" altLang="en-US" smtClean="0"/>
+              <a:t>8</a:t>
+            </a:fld>
+            <a:endParaRPr lang="ko-KR" altLang="en-US"/>
+          </a:p>
+        </p:txBody>
+      </p:sp>
+    </p:spTree>
+    <p:extLst>
+      <p:ext uri="{BB962C8B-B14F-4D97-AF65-F5344CB8AC3E}">
+        <p14:creationId xmlns:p14="http://schemas.microsoft.com/office/powerpoint/2010/main" val="487246982"/>
+      </p:ext>
+    </p:extLst>
+  </p:cSld>
+  <p:clrMapOvr>
+    <a:masterClrMapping/>
+  </p:clrMapOvr>
+  <p:timing>
+    <p:tnLst>
+      <p:par>
+        <p:cTn id="1" dur="indefinite" restart="never" nodeType="tmRoot"/>
+      </p:par>
+    </p:tnLst>
+  </p:timing>
+</p:sld>
+</file>
+
+<file path=ppt/slides/slide9.xml><?xml version="1.0" encoding="utf-8"?>
+<p:sld xmlns:a="http://schemas.openxmlformats.org/drawingml/2006/main" xmlns:r="http://schemas.openxmlformats.org/officeDocument/2006/relationships" xmlns:p="http://schemas.openxmlformats.org/presentationml/2006/main">
+  <p:cSld>
+    <p:spTree>
+      <p:nvGrpSpPr>
+        <p:cNvPr id="1" name=""/>
+        <p:cNvGrpSpPr/>
+        <p:nvPr/>
+      </p:nvGrpSpPr>
+      <p:grpSpPr>
+        <a:xfrm>
+          <a:off x="0" y="0"/>
+          <a:ext cx="0" cy="0"/>
+          <a:chOff x="0" y="0"/>
+          <a:chExt cx="0" cy="0"/>
+        </a:xfrm>
+      </p:grpSpPr>
+      <p:sp>
+        <p:nvSpPr>
+          <p:cNvPr id="6199" name="Rectangle 55"/>
+          <p:cNvSpPr>
+            <a:spLocks noChangeArrowheads="1"/>
+          </p:cNvSpPr>
+          <p:nvPr/>
+        </p:nvSpPr>
+        <p:spPr bwMode="auto">
+          <a:xfrm>
+            <a:off x="0" y="0"/>
+            <a:ext cx="9144000" cy="692150"/>
+          </a:xfrm>
+          <a:prstGeom prst="rect">
+            <a:avLst/>
+          </a:prstGeom>
+          <a:solidFill>
+            <a:srgbClr val="3333FF"/>
+          </a:solidFill>
+          <a:ln>
+            <a:noFill/>
+          </a:ln>
+          <a:effectLst/>
+          <a:extLst>
+            <a:ext uri="{91240B29-F687-4F45-9708-019B960494DF}">
+              <a14:hiddenLine xmlns:a14="http://schemas.microsoft.com/office/drawing/2010/main" w="9525">
+                <a:solidFill>
+                  <a:schemeClr val="tx1"/>
+                </a:solidFill>
+                <a:miter lim="800000"/>
+                <a:headEnd/>
+                <a:tailEnd/>
+              </a14:hiddenLine>
+            </a:ext>
+            <a:ext uri="{AF507438-7753-43E0-B8FC-AC1667EBCBE1}">
+              <a14:hiddenEffects xmlns:a14="http://schemas.microsoft.com/office/drawing/2010/main">
+                <a:effectLst>
+                  <a:outerShdw dist="35921" dir="2700000" algn="ctr" rotWithShape="0">
+                    <a:schemeClr val="bg2"/>
+                  </a:outerShdw>
+                </a:effectLst>
+              </a14:hiddenEffects>
+            </a:ext>
+          </a:extLst>
+        </p:spPr>
+        <p:txBody>
+          <a:bodyPr wrap="none" anchor="ctr"/>
+          <a:lstStyle/>
+          <a:p>
+            <a:pPr algn="ctr"/>
+            <a:r>
+              <a:rPr lang="en-US" altLang="ko-KR" sz="2500" dirty="0" smtClean="0">
+                <a:solidFill>
+                  <a:schemeClr val="bg1"/>
+                </a:solidFill>
+                <a:latin typeface="Arial" panose="020B0604020202020204" pitchFamily="34" charset="0"/>
+              </a:rPr>
+              <a:t>2</a:t>
+            </a:r>
+            <a:r>
+              <a:rPr lang="en-US" altLang="ko-KR" sz="2500" dirty="0" smtClean="0">
+                <a:solidFill>
+                  <a:schemeClr val="bg1"/>
+                </a:solidFill>
+                <a:latin typeface="Arial" panose="020B0604020202020204" pitchFamily="34" charset="0"/>
+              </a:rPr>
+              <a:t>.1 Random and Systematic Errors in Amplitude</a:t>
+            </a:r>
+            <a:endParaRPr lang="en-US" altLang="ko-KR" sz="2500" dirty="0" smtClean="0">
+              <a:solidFill>
+                <a:schemeClr val="bg1"/>
+              </a:solidFill>
+              <a:latin typeface="Arial" panose="020B0604020202020204" pitchFamily="34" charset="0"/>
+            </a:endParaRPr>
+          </a:p>
+        </p:txBody>
+      </p:sp>
+      <p:sp>
+        <p:nvSpPr>
+          <p:cNvPr id="2" name="날짜 개체 틀 1"/>
+          <p:cNvSpPr>
+            <a:spLocks noGrp="1"/>
+          </p:cNvSpPr>
+          <p:nvPr>
+            <p:ph type="dt" sz="half" idx="10"/>
+          </p:nvPr>
+        </p:nvSpPr>
+        <p:spPr/>
+        <p:txBody>
+          <a:bodyPr/>
+          <a:lstStyle/>
+          <a:p>
+            <a:fld id="{53646E5C-8775-44A9-9523-40B6CCA06789}" type="datetime1">
+              <a:rPr lang="ko-KR" altLang="en-US" smtClean="0"/>
+              <a:t>2018-03-23</a:t>
+            </a:fld>
+            <a:endParaRPr lang="ko-KR" altLang="en-US"/>
+          </a:p>
+        </p:txBody>
+      </p:sp>
+      <p:sp>
+        <p:nvSpPr>
+          <p:cNvPr id="15" name="슬라이드 번호 개체 틀 14"/>
+          <p:cNvSpPr>
+            <a:spLocks noGrp="1"/>
+          </p:cNvSpPr>
+          <p:nvPr>
+            <p:ph type="sldNum" sz="quarter" idx="12"/>
+          </p:nvPr>
+        </p:nvSpPr>
+        <p:spPr/>
+        <p:txBody>
+          <a:bodyPr/>
+          <a:lstStyle/>
+          <a:p>
+            <a:fld id="{8765F8EB-1186-4395-8E70-F957669279DD}" type="slidenum">
+              <a:rPr lang="ko-KR" altLang="en-US" smtClean="0"/>
+              <a:t>9</a:t>
+            </a:fld>
+            <a:endParaRPr lang="ko-KR" altLang="en-US"/>
+          </a:p>
+        </p:txBody>
+      </p:sp>
+      <p:sp>
+        <p:nvSpPr>
+          <p:cNvPr id="18" name="TextBox 17"/>
           <p:cNvSpPr txBox="1"/>
           <p:nvPr/>
         </p:nvSpPr>
         <p:spPr>
           <a:xfrm>
-            <a:off x="268165" y="1362807"/>
-            <a:ext cx="8607669" cy="923330"/>
+            <a:off x="720969" y="914202"/>
+            <a:ext cx="7794381" cy="1015663"/>
           </a:xfrm>
           <a:prstGeom prst="rect">
             <a:avLst/>
@@ -6555,136 +12066,133 @@
           </a:bodyPr>
           <a:lstStyle/>
           <a:p>
-            <a:pPr marL="285750" indent="-285750">
-              <a:buFont typeface="Arial" panose="020B0604020202020204" pitchFamily="34" charset="0"/>
-              <a:buChar char="•"/>
-            </a:pPr>
-            <a:r>
-              <a:rPr lang="en-US" altLang="ko-KR" i="1" dirty="0" smtClean="0">
+            <a:r>
+              <a:rPr lang="en-US" altLang="ko-KR" sz="2000" dirty="0" smtClean="0"/>
+              <a:t> A random error occurs in a relatively </a:t>
+            </a:r>
+            <a:r>
+              <a:rPr lang="en-US" altLang="ko-KR" sz="2000" dirty="0" smtClean="0">
+                <a:solidFill>
+                  <a:srgbClr val="3333FF"/>
+                </a:solidFill>
+              </a:rPr>
+              <a:t>short time scale</a:t>
+            </a:r>
+            <a:r>
+              <a:rPr lang="en-US" altLang="ko-KR" sz="2000" dirty="0" smtClean="0"/>
+              <a:t>, in contrast to a systematic error that can be observed only when the measurement time span is </a:t>
+            </a:r>
+            <a:r>
+              <a:rPr lang="en-US" altLang="ko-KR" sz="2000" dirty="0" smtClean="0">
+                <a:solidFill>
+                  <a:srgbClr val="3333FF"/>
+                </a:solidFill>
+              </a:rPr>
+              <a:t>long enough </a:t>
+            </a:r>
+            <a:endParaRPr lang="en-US" altLang="ko-KR" sz="2000" dirty="0" smtClean="0">
+              <a:solidFill>
+                <a:srgbClr val="3333FF"/>
+              </a:solidFill>
+            </a:endParaRPr>
+          </a:p>
+        </p:txBody>
+      </p:sp>
+      <p:pic>
+        <p:nvPicPr>
+          <p:cNvPr id="13" name="그림 12"/>
+          <p:cNvPicPr>
+            <a:picLocks noChangeAspect="1"/>
+          </p:cNvPicPr>
+          <p:nvPr/>
+        </p:nvPicPr>
+        <p:blipFill>
+          <a:blip r:embed="rId3"/>
+          <a:stretch>
+            <a:fillRect/>
+          </a:stretch>
+        </p:blipFill>
+        <p:spPr>
+          <a:xfrm>
+            <a:off x="2280688" y="2076771"/>
+            <a:ext cx="4582624" cy="3041865"/>
+          </a:xfrm>
+          <a:prstGeom prst="rect">
+            <a:avLst/>
+          </a:prstGeom>
+        </p:spPr>
+      </p:pic>
+      <p:sp>
+        <p:nvSpPr>
+          <p:cNvPr id="14" name="TextBox 13"/>
+          <p:cNvSpPr txBox="1"/>
+          <p:nvPr/>
+        </p:nvSpPr>
+        <p:spPr>
+          <a:xfrm>
+            <a:off x="268165" y="6078224"/>
+            <a:ext cx="8607669" cy="415498"/>
+          </a:xfrm>
+          <a:prstGeom prst="rect">
+            <a:avLst/>
+          </a:prstGeom>
+          <a:noFill/>
+        </p:spPr>
+        <p:txBody>
+          <a:bodyPr wrap="square" rtlCol="0">
+            <a:spAutoFit/>
+          </a:bodyPr>
+          <a:lstStyle/>
+          <a:p>
+            <a:r>
+              <a:rPr lang="en-US" altLang="ko-KR" sz="1050" dirty="0" err="1">
                 <a:latin typeface="Times New Roman" panose="02020603050405020304" pitchFamily="18" charset="0"/>
                 <a:cs typeface="Times New Roman" panose="02020603050405020304" pitchFamily="18" charset="0"/>
               </a:rPr>
-              <a:t>International Vocabulary of Basic and General Terms in Metrology </a:t>
-            </a:r>
-            <a:r>
-              <a:rPr lang="en-US" altLang="ko-KR" dirty="0" smtClean="0">
+              <a:t>Withayachumnankul</a:t>
+            </a:r>
+            <a:r>
+              <a:rPr lang="en-US" altLang="ko-KR" sz="1050" dirty="0">
                 <a:latin typeface="Times New Roman" panose="02020603050405020304" pitchFamily="18" charset="0"/>
                 <a:cs typeface="Times New Roman" panose="02020603050405020304" pitchFamily="18" charset="0"/>
               </a:rPr>
-              <a:t>(</a:t>
-            </a:r>
-            <a:r>
-              <a:rPr lang="en-US" altLang="ko-KR" i="1" dirty="0" smtClean="0">
+              <a:t>, W., B. M. Fischer, H. Lin, and D. Abbott, “Uncertainty in terahertz time-domain spectroscopy measurement,” </a:t>
+            </a:r>
+            <a:r>
+              <a:rPr lang="en-US" altLang="ko-KR" sz="1050" i="1" dirty="0">
                 <a:latin typeface="Times New Roman" panose="02020603050405020304" pitchFamily="18" charset="0"/>
                 <a:cs typeface="Times New Roman" panose="02020603050405020304" pitchFamily="18" charset="0"/>
               </a:rPr>
-              <a:t>VIM</a:t>
-            </a:r>
-            <a:r>
-              <a:rPr lang="en-US" altLang="ko-KR" dirty="0" smtClean="0">
+              <a:t>Journal of the Optical Society of America</a:t>
+            </a:r>
+            <a:r>
+              <a:rPr lang="en-US" altLang="ko-KR" sz="1050" dirty="0">
                 <a:latin typeface="Times New Roman" panose="02020603050405020304" pitchFamily="18" charset="0"/>
                 <a:cs typeface="Times New Roman" panose="02020603050405020304" pitchFamily="18" charset="0"/>
               </a:rPr>
-              <a:t>), ISO, 2004</a:t>
-            </a:r>
-            <a:r>
-              <a:rPr lang="en-US" altLang="ko-KR" dirty="0" smtClean="0">
+              <a:t>, Vol. 25, No. 6, </a:t>
+            </a:r>
+            <a:r>
+              <a:rPr lang="en-US" altLang="ko-KR" sz="1050" dirty="0" smtClean="0">
+                <a:latin typeface="Times New Roman" panose="02020603050405020304" pitchFamily="18" charset="0"/>
+                <a:cs typeface="Times New Roman" panose="02020603050405020304" pitchFamily="18" charset="0"/>
+              </a:rPr>
+              <a:t>2008</a:t>
+            </a:r>
+            <a:r>
+              <a:rPr lang="en-US" altLang="ko-KR" sz="1050" dirty="0">
                 <a:latin typeface="Times New Roman" panose="02020603050405020304" pitchFamily="18" charset="0"/>
                 <a:cs typeface="Times New Roman" panose="02020603050405020304" pitchFamily="18" charset="0"/>
               </a:rPr>
               <a:t>.</a:t>
             </a:r>
           </a:p>
-          <a:p>
-            <a:pPr marL="285750" indent="-285750">
-              <a:buFont typeface="Arial" panose="020B0604020202020204" pitchFamily="34" charset="0"/>
-              <a:buChar char="•"/>
-            </a:pPr>
-            <a:r>
-              <a:rPr lang="en-US" altLang="ko-KR" dirty="0" err="1" smtClean="0">
-                <a:latin typeface="Times New Roman" panose="02020603050405020304" pitchFamily="18" charset="0"/>
-                <a:cs typeface="Times New Roman" panose="02020603050405020304" pitchFamily="18" charset="0"/>
-              </a:rPr>
-              <a:t>Grabe</a:t>
-            </a:r>
-            <a:r>
-              <a:rPr lang="en-US" altLang="ko-KR" dirty="0" smtClean="0">
-                <a:latin typeface="Times New Roman" panose="02020603050405020304" pitchFamily="18" charset="0"/>
-                <a:cs typeface="Times New Roman" panose="02020603050405020304" pitchFamily="18" charset="0"/>
-              </a:rPr>
-              <a:t>, M., </a:t>
-            </a:r>
-            <a:r>
-              <a:rPr lang="en-US" altLang="ko-KR" i="1" dirty="0" smtClean="0">
-                <a:latin typeface="Times New Roman" panose="02020603050405020304" pitchFamily="18" charset="0"/>
-                <a:cs typeface="Times New Roman" panose="02020603050405020304" pitchFamily="18" charset="0"/>
-              </a:rPr>
-              <a:t>Measurement Uncertainties in Science and Technology</a:t>
-            </a:r>
-            <a:r>
-              <a:rPr lang="en-US" altLang="ko-KR" dirty="0" smtClean="0">
-                <a:latin typeface="Times New Roman" panose="02020603050405020304" pitchFamily="18" charset="0"/>
-                <a:cs typeface="Times New Roman" panose="02020603050405020304" pitchFamily="18" charset="0"/>
-              </a:rPr>
-              <a:t>, New York: Springer, 2005.</a:t>
-            </a:r>
-            <a:endParaRPr lang="en-US" altLang="ko-KR" dirty="0" smtClean="0">
-              <a:latin typeface="Times New Roman" panose="02020603050405020304" pitchFamily="18" charset="0"/>
-              <a:cs typeface="Times New Roman" panose="02020603050405020304" pitchFamily="18" charset="0"/>
-            </a:endParaRPr>
-          </a:p>
-        </p:txBody>
-      </p:sp>
-      <p:sp>
-        <p:nvSpPr>
-          <p:cNvPr id="3" name="날짜 개체 틀 2"/>
-          <p:cNvSpPr>
-            <a:spLocks noGrp="1"/>
-          </p:cNvSpPr>
-          <p:nvPr>
-            <p:ph type="dt" sz="half" idx="10"/>
-          </p:nvPr>
-        </p:nvSpPr>
-        <p:spPr/>
-        <p:txBody>
-          <a:bodyPr/>
-          <a:lstStyle/>
-          <a:p>
-            <a:fld id="{6509A91F-0059-474E-BAEC-65E67593FE25}" type="datetime1">
-              <a:rPr lang="ko-KR" altLang="en-US" smtClean="0"/>
-              <a:t>2018-03-21</a:t>
-            </a:fld>
-            <a:endParaRPr lang="ko-KR" altLang="en-US"/>
-          </a:p>
-        </p:txBody>
-      </p:sp>
-      <p:sp>
-        <p:nvSpPr>
-          <p:cNvPr id="4" name="슬라이드 번호 개체 틀 3"/>
-          <p:cNvSpPr>
-            <a:spLocks noGrp="1"/>
-          </p:cNvSpPr>
-          <p:nvPr>
-            <p:ph type="sldNum" sz="quarter" idx="12"/>
-          </p:nvPr>
-        </p:nvSpPr>
-        <p:spPr/>
-        <p:txBody>
-          <a:bodyPr/>
-          <a:lstStyle/>
-          <a:p>
-            <a:fld id="{8765F8EB-1186-4395-8E70-F957669279DD}" type="slidenum">
-              <a:rPr lang="ko-KR" altLang="en-US" smtClean="0"/>
-              <a:t>7</a:t>
-            </a:fld>
-            <a:endParaRPr lang="ko-KR" altLang="en-US"/>
-          </a:p>
         </p:txBody>
       </p:sp>
     </p:spTree>
     <p:extLst>
       <p:ext uri="{BB962C8B-B14F-4D97-AF65-F5344CB8AC3E}">
-        <p14:creationId xmlns:p14="http://schemas.microsoft.com/office/powerpoint/2010/main" val="3518239763"/>
+        <p14:creationId xmlns:p14="http://schemas.microsoft.com/office/powerpoint/2010/main" val="837782604"/>
       </p:ext>
     </p:extLst>
   </p:cSld>

--- a/Terahertz Metrology/Ch4/Terahertz Metrology_Ch4.pptx
+++ b/Terahertz Metrology/Ch4/Terahertz Metrology_Ch4.pptx
@@ -29,7 +29,7 @@
     <p:sldId id="275" r:id="rId20"/>
   </p:sldIdLst>
   <p:sldSz cx="9144000" cy="6858000" type="screen4x3"/>
-  <p:notesSz cx="6858000" cy="9144000"/>
+  <p:notesSz cx="6735763" cy="9866313"/>
   <p:defaultTextStyle>
     <a:defPPr>
       <a:defRPr lang="ko-KR"/>
@@ -168,7 +168,7 @@
         <p:spPr>
           <a:xfrm>
             <a:off x="0" y="0"/>
-            <a:ext cx="2971800" cy="458788"/>
+            <a:ext cx="2918831" cy="495029"/>
           </a:xfrm>
           <a:prstGeom prst="rect">
             <a:avLst/>
@@ -198,8 +198,8 @@
         </p:nvSpPr>
         <p:spPr>
           <a:xfrm>
-            <a:off x="3884613" y="0"/>
-            <a:ext cx="2971800" cy="458788"/>
+            <a:off x="3815373" y="0"/>
+            <a:ext cx="2918831" cy="495029"/>
           </a:xfrm>
           <a:prstGeom prst="rect">
             <a:avLst/>
@@ -215,7 +215,7 @@
           <a:p>
             <a:fld id="{A9D6DECA-6E4E-4D09-9277-E151A2E3F74C}" type="datetimeFigureOut">
               <a:rPr lang="ko-KR" altLang="en-US" smtClean="0"/>
-              <a:t>2018-03-24</a:t>
+              <a:t>2018-03-26</a:t>
             </a:fld>
             <a:endParaRPr lang="ko-KR" altLang="en-US"/>
           </a:p>
@@ -233,8 +233,8 @@
         </p:nvSpPr>
         <p:spPr>
           <a:xfrm>
-            <a:off x="1371600" y="1143000"/>
-            <a:ext cx="4114800" cy="3086100"/>
+            <a:off x="1149350" y="1233488"/>
+            <a:ext cx="4437063" cy="3328987"/>
           </a:xfrm>
           <a:prstGeom prst="rect">
             <a:avLst/>
@@ -266,8 +266,8 @@
         </p:nvSpPr>
         <p:spPr>
           <a:xfrm>
-            <a:off x="685800" y="4400550"/>
-            <a:ext cx="5486400" cy="3600450"/>
+            <a:off x="673577" y="4748163"/>
+            <a:ext cx="5388610" cy="3884861"/>
           </a:xfrm>
           <a:prstGeom prst="rect">
             <a:avLst/>
@@ -326,8 +326,8 @@
         </p:nvSpPr>
         <p:spPr>
           <a:xfrm>
-            <a:off x="0" y="8685213"/>
-            <a:ext cx="2971800" cy="458787"/>
+            <a:off x="0" y="9371286"/>
+            <a:ext cx="2918831" cy="495028"/>
           </a:xfrm>
           <a:prstGeom prst="rect">
             <a:avLst/>
@@ -357,8 +357,8 @@
         </p:nvSpPr>
         <p:spPr>
           <a:xfrm>
-            <a:off x="3884613" y="8685213"/>
-            <a:ext cx="2971800" cy="458787"/>
+            <a:off x="3815373" y="9371286"/>
+            <a:ext cx="2918831" cy="495028"/>
           </a:xfrm>
           <a:prstGeom prst="rect">
             <a:avLst/>
@@ -2210,7 +2210,7 @@
           <a:p>
             <a:fld id="{78E89258-A40F-4400-BA1A-638141289729}" type="datetime1">
               <a:rPr lang="ko-KR" altLang="en-US" smtClean="0"/>
-              <a:t>2018-03-24</a:t>
+              <a:t>2018-03-26</a:t>
             </a:fld>
             <a:endParaRPr lang="ko-KR" altLang="en-US"/>
           </a:p>
@@ -2387,7 +2387,7 @@
           <a:p>
             <a:fld id="{CD116CEF-802E-43F7-8932-78519DF2A264}" type="datetime1">
               <a:rPr lang="ko-KR" altLang="en-US" smtClean="0"/>
-              <a:t>2018-03-24</a:t>
+              <a:t>2018-03-26</a:t>
             </a:fld>
             <a:endParaRPr lang="ko-KR" altLang="en-US"/>
           </a:p>
@@ -2567,7 +2567,7 @@
           <a:p>
             <a:fld id="{EFD9D7C3-1982-427D-BFA7-1AF9687AAB0F}" type="datetime1">
               <a:rPr lang="ko-KR" altLang="en-US" smtClean="0"/>
-              <a:t>2018-03-24</a:t>
+              <a:t>2018-03-26</a:t>
             </a:fld>
             <a:endParaRPr lang="ko-KR" altLang="en-US"/>
           </a:p>
@@ -2737,7 +2737,7 @@
           <a:p>
             <a:fld id="{EDD93E7F-B437-40E5-8ACB-B79696783EFA}" type="datetime1">
               <a:rPr lang="ko-KR" altLang="en-US" smtClean="0"/>
-              <a:t>2018-03-24</a:t>
+              <a:t>2018-03-26</a:t>
             </a:fld>
             <a:endParaRPr lang="ko-KR" altLang="en-US"/>
           </a:p>
@@ -2981,7 +2981,7 @@
           <a:p>
             <a:fld id="{DB249950-0BD4-4F6E-BE3F-CB53B7E2FD06}" type="datetime1">
               <a:rPr lang="ko-KR" altLang="en-US" smtClean="0"/>
-              <a:t>2018-03-24</a:t>
+              <a:t>2018-03-26</a:t>
             </a:fld>
             <a:endParaRPr lang="ko-KR" altLang="en-US"/>
           </a:p>
@@ -3213,7 +3213,7 @@
           <a:p>
             <a:fld id="{7B016D7E-32C0-4DB3-B6B3-0506A62840FB}" type="datetime1">
               <a:rPr lang="ko-KR" altLang="en-US" smtClean="0"/>
-              <a:t>2018-03-24</a:t>
+              <a:t>2018-03-26</a:t>
             </a:fld>
             <a:endParaRPr lang="ko-KR" altLang="en-US"/>
           </a:p>
@@ -3580,7 +3580,7 @@
           <a:p>
             <a:fld id="{B246672D-B3FD-4B2E-92C0-4A80DA670927}" type="datetime1">
               <a:rPr lang="ko-KR" altLang="en-US" smtClean="0"/>
-              <a:t>2018-03-24</a:t>
+              <a:t>2018-03-26</a:t>
             </a:fld>
             <a:endParaRPr lang="ko-KR" altLang="en-US"/>
           </a:p>
@@ -3698,7 +3698,7 @@
           <a:p>
             <a:fld id="{9B9B7D2E-B202-4D7A-9519-0C490A04EB9C}" type="datetime1">
               <a:rPr lang="ko-KR" altLang="en-US" smtClean="0"/>
-              <a:t>2018-03-24</a:t>
+              <a:t>2018-03-26</a:t>
             </a:fld>
             <a:endParaRPr lang="ko-KR" altLang="en-US"/>
           </a:p>
@@ -3793,7 +3793,7 @@
           <a:p>
             <a:fld id="{12FB9327-987E-47D6-AE2D-63CED8A79494}" type="datetime1">
               <a:rPr lang="ko-KR" altLang="en-US" smtClean="0"/>
-              <a:t>2018-03-24</a:t>
+              <a:t>2018-03-26</a:t>
             </a:fld>
             <a:endParaRPr lang="ko-KR" altLang="en-US"/>
           </a:p>
@@ -4070,7 +4070,7 @@
           <a:p>
             <a:fld id="{D8D87011-7294-4632-A156-4F695AB9E41C}" type="datetime1">
               <a:rPr lang="ko-KR" altLang="en-US" smtClean="0"/>
-              <a:t>2018-03-24</a:t>
+              <a:t>2018-03-26</a:t>
             </a:fld>
             <a:endParaRPr lang="ko-KR" altLang="en-US"/>
           </a:p>
@@ -4327,7 +4327,7 @@
           <a:p>
             <a:fld id="{1BDC7FDB-72DE-4D65-AF4F-510496DAF70F}" type="datetime1">
               <a:rPr lang="ko-KR" altLang="en-US" smtClean="0"/>
-              <a:t>2018-03-24</a:t>
+              <a:t>2018-03-26</a:t>
             </a:fld>
             <a:endParaRPr lang="ko-KR" altLang="en-US"/>
           </a:p>
@@ -4540,7 +4540,7 @@
           <a:p>
             <a:fld id="{9A286DBF-DB43-470A-A903-26374CB6EF47}" type="datetime1">
               <a:rPr lang="ko-KR" altLang="en-US" smtClean="0"/>
-              <a:t>2018-03-24</a:t>
+              <a:t>2018-03-26</a:t>
             </a:fld>
             <a:endParaRPr lang="ko-KR" altLang="en-US"/>
           </a:p>
@@ -5151,7 +5151,7 @@
           <a:p>
             <a:fld id="{32C03489-23FC-4021-B9AB-958EFB3C0FE7}" type="datetime1">
               <a:rPr lang="ko-KR" altLang="en-US" smtClean="0"/>
-              <a:t>2018-03-24</a:t>
+              <a:t>2018-03-26</a:t>
             </a:fld>
             <a:endParaRPr lang="ko-KR" altLang="en-US"/>
           </a:p>
@@ -5177,6 +5177,108 @@
               <a:t>1</a:t>
             </a:fld>
             <a:endParaRPr lang="ko-KR" altLang="en-US"/>
+          </a:p>
+        </p:txBody>
+      </p:sp>
+      <p:sp>
+        <p:nvSpPr>
+          <p:cNvPr id="6" name="Text Box 14"/>
+          <p:cNvSpPr txBox="1">
+            <a:spLocks noChangeArrowheads="1"/>
+          </p:cNvSpPr>
+          <p:nvPr/>
+        </p:nvSpPr>
+        <p:spPr bwMode="auto">
+          <a:xfrm>
+            <a:off x="1431614" y="3681553"/>
+            <a:ext cx="6298263" cy="338554"/>
+          </a:xfrm>
+          <a:prstGeom prst="rect">
+            <a:avLst/>
+          </a:prstGeom>
+          <a:noFill/>
+          <a:ln>
+            <a:noFill/>
+          </a:ln>
+          <a:effectLst/>
+          <a:extLst>
+            <a:ext uri="{909E8E84-426E-40DD-AFC4-6F175D3DCCD1}">
+              <a14:hiddenFill xmlns:a14="http://schemas.microsoft.com/office/drawing/2010/main">
+                <a:solidFill>
+                  <a:schemeClr val="accent1"/>
+                </a:solidFill>
+              </a14:hiddenFill>
+            </a:ext>
+            <a:ext uri="{91240B29-F687-4F45-9708-019B960494DF}">
+              <a14:hiddenLine xmlns:a14="http://schemas.microsoft.com/office/drawing/2010/main" w="9525">
+                <a:solidFill>
+                  <a:srgbClr val="3333FF"/>
+                </a:solidFill>
+                <a:miter lim="800000"/>
+                <a:headEnd/>
+                <a:tailEnd/>
+              </a14:hiddenLine>
+            </a:ext>
+            <a:ext uri="{AF507438-7753-43E0-B8FC-AC1667EBCBE1}">
+              <a14:hiddenEffects xmlns:a14="http://schemas.microsoft.com/office/drawing/2010/main">
+                <a:effectLst>
+                  <a:outerShdw dist="35921" dir="2700000" algn="ctr" rotWithShape="0">
+                    <a:schemeClr val="bg2"/>
+                  </a:outerShdw>
+                </a:effectLst>
+              </a14:hiddenEffects>
+            </a:ext>
+          </a:extLst>
+        </p:spPr>
+        <p:txBody>
+          <a:bodyPr wrap="none">
+            <a:spAutoFit/>
+          </a:bodyPr>
+          <a:lstStyle/>
+          <a:p>
+            <a:pPr algn="ctr"/>
+            <a:r>
+              <a:rPr lang="en-US" altLang="ko-KR" sz="1600" dirty="0" err="1" smtClean="0">
+                <a:solidFill>
+                  <a:srgbClr val="3333FF"/>
+                </a:solidFill>
+                <a:latin typeface="Arial" panose="020B0604020202020204" pitchFamily="34" charset="0"/>
+              </a:rPr>
+              <a:t>Withawat</a:t>
+            </a:r>
+            <a:r>
+              <a:rPr lang="en-US" altLang="ko-KR" sz="1600" dirty="0" smtClean="0">
+                <a:solidFill>
+                  <a:srgbClr val="3333FF"/>
+                </a:solidFill>
+                <a:latin typeface="Arial" panose="020B0604020202020204" pitchFamily="34" charset="0"/>
+              </a:rPr>
+              <a:t> </a:t>
+            </a:r>
+            <a:r>
+              <a:rPr lang="en-US" altLang="ko-KR" sz="1600" dirty="0" err="1" smtClean="0">
+                <a:solidFill>
+                  <a:srgbClr val="3333FF"/>
+                </a:solidFill>
+                <a:latin typeface="Arial" panose="020B0604020202020204" pitchFamily="34" charset="0"/>
+              </a:rPr>
+              <a:t>Withayachumnankul</a:t>
+            </a:r>
+            <a:r>
+              <a:rPr lang="en-US" altLang="ko-KR" sz="1600" dirty="0" smtClean="0">
+                <a:solidFill>
+                  <a:srgbClr val="3333FF"/>
+                </a:solidFill>
+                <a:latin typeface="Arial" panose="020B0604020202020204" pitchFamily="34" charset="0"/>
+              </a:rPr>
+              <a:t>, Bernd M. Fischer, and Derek Abbott</a:t>
+            </a:r>
+            <a:endParaRPr lang="en-US" altLang="ko-KR" sz="1600" dirty="0">
+              <a:solidFill>
+                <a:srgbClr val="3333FF"/>
+              </a:solidFill>
+              <a:latin typeface="Arial" panose="020B0604020202020204" pitchFamily="34" charset="0"/>
+            </a:endParaRPr>
           </a:p>
         </p:txBody>
       </p:sp>
@@ -5296,7 +5398,7 @@
           <a:p>
             <a:fld id="{53646E5C-8775-44A9-9523-40B6CCA06789}" type="datetime1">
               <a:rPr lang="ko-KR" altLang="en-US" smtClean="0"/>
-              <a:t>2018-03-24</a:t>
+              <a:t>2018-03-26</a:t>
             </a:fld>
             <a:endParaRPr lang="ko-KR" altLang="en-US"/>
           </a:p>
@@ -5325,75 +5427,8 @@
           </a:p>
         </p:txBody>
       </p:sp>
-      <p:sp>
-        <p:nvSpPr>
-          <p:cNvPr id="14" name="TextBox 13"/>
-          <p:cNvSpPr txBox="1"/>
-          <p:nvPr/>
-        </p:nvSpPr>
-        <p:spPr>
-          <a:xfrm>
-            <a:off x="268165" y="6078224"/>
-            <a:ext cx="8607669" cy="415498"/>
-          </a:xfrm>
-          <a:prstGeom prst="rect">
-            <a:avLst/>
-          </a:prstGeom>
-          <a:noFill/>
-        </p:spPr>
-        <p:txBody>
-          <a:bodyPr wrap="square" rtlCol="0">
-            <a:spAutoFit/>
-          </a:bodyPr>
-          <a:lstStyle/>
-          <a:p>
-            <a:r>
-              <a:rPr lang="en-US" altLang="ko-KR" sz="1050" dirty="0" err="1">
-                <a:latin typeface="Times New Roman" panose="02020603050405020304" pitchFamily="18" charset="0"/>
-                <a:cs typeface="Times New Roman" panose="02020603050405020304" pitchFamily="18" charset="0"/>
-              </a:rPr>
-              <a:t>Withayachumnankul</a:t>
-            </a:r>
-            <a:r>
-              <a:rPr lang="en-US" altLang="ko-KR" sz="1050" dirty="0">
-                <a:latin typeface="Times New Roman" panose="02020603050405020304" pitchFamily="18" charset="0"/>
-                <a:cs typeface="Times New Roman" panose="02020603050405020304" pitchFamily="18" charset="0"/>
-              </a:rPr>
-              <a:t>, W., B. M. Fischer, H. Lin, and D. Abbott, “Uncertainty in terahertz time-domain spectroscopy measurement,” </a:t>
-            </a:r>
-            <a:r>
-              <a:rPr lang="en-US" altLang="ko-KR" sz="1050" i="1" dirty="0">
-                <a:latin typeface="Times New Roman" panose="02020603050405020304" pitchFamily="18" charset="0"/>
-                <a:cs typeface="Times New Roman" panose="02020603050405020304" pitchFamily="18" charset="0"/>
-              </a:rPr>
-              <a:t>Journal of the Optical Society of America</a:t>
-            </a:r>
-            <a:r>
-              <a:rPr lang="en-US" altLang="ko-KR" sz="1050" dirty="0">
-                <a:latin typeface="Times New Roman" panose="02020603050405020304" pitchFamily="18" charset="0"/>
-                <a:cs typeface="Times New Roman" panose="02020603050405020304" pitchFamily="18" charset="0"/>
-              </a:rPr>
-              <a:t>, Vol. 25, No. 6, </a:t>
-            </a:r>
-            <a:r>
-              <a:rPr lang="en-US" altLang="ko-KR" sz="1050" dirty="0" smtClean="0">
-                <a:latin typeface="Times New Roman" panose="02020603050405020304" pitchFamily="18" charset="0"/>
-                <a:cs typeface="Times New Roman" panose="02020603050405020304" pitchFamily="18" charset="0"/>
-              </a:rPr>
-              <a:t>2008</a:t>
-            </a:r>
-            <a:r>
-              <a:rPr lang="en-US" altLang="ko-KR" sz="1050" dirty="0">
-                <a:latin typeface="Times New Roman" panose="02020603050405020304" pitchFamily="18" charset="0"/>
-                <a:cs typeface="Times New Roman" panose="02020603050405020304" pitchFamily="18" charset="0"/>
-              </a:rPr>
-              <a:t>.</a:t>
-            </a:r>
-          </a:p>
-        </p:txBody>
-      </p:sp>
-      <mc:AlternateContent xmlns:mc="http://schemas.openxmlformats.org/markup-compatibility/2006">
-        <mc:Choice xmlns:a14="http://schemas.microsoft.com/office/drawing/2010/main" Requires="a14">
+      <mc:AlternateContent xmlns:mc="http://schemas.openxmlformats.org/markup-compatibility/2006" xmlns:a14="http://schemas.microsoft.com/office/drawing/2010/main">
+        <mc:Choice Requires="a14">
           <p:sp>
             <p:nvSpPr>
               <p:cNvPr id="3" name="TextBox 2"/>
@@ -5416,6 +5451,7 @@
               </a:bodyPr>
               <a:lstStyle/>
               <a:p>
+                <a:pPr/>
                 <a14:m>
                   <m:oMathPara xmlns:m="http://schemas.openxmlformats.org/officeDocument/2006/math">
                     <m:oMathParaPr>
@@ -5848,7 +5884,7 @@
             </p:txBody>
           </p:sp>
         </mc:Choice>
-        <mc:Fallback>
+        <mc:Fallback xmlns="">
           <p:sp>
             <p:nvSpPr>
               <p:cNvPr id="3" name="TextBox 2"/>
@@ -5887,8 +5923,8 @@
           </p:sp>
         </mc:Fallback>
       </mc:AlternateContent>
-      <mc:AlternateContent xmlns:mc="http://schemas.openxmlformats.org/markup-compatibility/2006">
-        <mc:Choice xmlns:a14="http://schemas.microsoft.com/office/drawing/2010/main" Requires="a14">
+      <mc:AlternateContent xmlns:mc="http://schemas.openxmlformats.org/markup-compatibility/2006" xmlns:a14="http://schemas.microsoft.com/office/drawing/2010/main">
+        <mc:Choice Requires="a14">
           <p:sp>
             <p:nvSpPr>
               <p:cNvPr id="9" name="TextBox 8"/>
@@ -5911,6 +5947,7 @@
               </a:bodyPr>
               <a:lstStyle/>
               <a:p>
+                <a:pPr/>
                 <a14:m>
                   <m:oMathPara xmlns:m="http://schemas.openxmlformats.org/officeDocument/2006/math">
                     <m:oMathParaPr>
@@ -6617,7 +6654,7 @@
             </p:txBody>
           </p:sp>
         </mc:Choice>
-        <mc:Fallback>
+        <mc:Fallback xmlns="">
           <p:sp>
             <p:nvSpPr>
               <p:cNvPr id="9" name="TextBox 8"/>
@@ -6656,8 +6693,8 @@
           </p:sp>
         </mc:Fallback>
       </mc:AlternateContent>
-      <mc:AlternateContent xmlns:mc="http://schemas.openxmlformats.org/markup-compatibility/2006">
-        <mc:Choice xmlns:a14="http://schemas.microsoft.com/office/drawing/2010/main" Requires="a14">
+      <mc:AlternateContent xmlns:mc="http://schemas.openxmlformats.org/markup-compatibility/2006" xmlns:a14="http://schemas.microsoft.com/office/drawing/2010/main">
+        <mc:Choice Requires="a14">
           <p:sp>
             <p:nvSpPr>
               <p:cNvPr id="4" name="TextBox 3"/>
@@ -6680,6 +6717,7 @@
               </a:bodyPr>
               <a:lstStyle/>
               <a:p>
+                <a:pPr/>
                 <a14:m>
                   <m:oMathPara xmlns:m="http://schemas.openxmlformats.org/officeDocument/2006/math">
                     <m:oMathParaPr>
@@ -6982,7 +7020,7 @@
             </p:txBody>
           </p:sp>
         </mc:Choice>
-        <mc:Fallback>
+        <mc:Fallback xmlns="">
           <p:sp>
             <p:nvSpPr>
               <p:cNvPr id="4" name="TextBox 3"/>
@@ -7021,8 +7059,8 @@
           </p:sp>
         </mc:Fallback>
       </mc:AlternateContent>
-      <mc:AlternateContent xmlns:mc="http://schemas.openxmlformats.org/markup-compatibility/2006">
-        <mc:Choice xmlns:a14="http://schemas.microsoft.com/office/drawing/2010/main" Requires="a14">
+      <mc:AlternateContent xmlns:mc="http://schemas.openxmlformats.org/markup-compatibility/2006" xmlns:a14="http://schemas.microsoft.com/office/drawing/2010/main">
+        <mc:Choice Requires="a14">
           <p:sp>
             <p:nvSpPr>
               <p:cNvPr id="12" name="TextBox 11"/>
@@ -7045,6 +7083,7 @@
               </a:bodyPr>
               <a:lstStyle/>
               <a:p>
+                <a:pPr/>
                 <a14:m>
                   <m:oMathPara xmlns:m="http://schemas.openxmlformats.org/officeDocument/2006/math">
                     <m:oMathParaPr>
@@ -7347,7 +7386,7 @@
             </p:txBody>
           </p:sp>
         </mc:Choice>
-        <mc:Fallback>
+        <mc:Fallback xmlns="">
           <p:sp>
             <p:nvSpPr>
               <p:cNvPr id="12" name="TextBox 11"/>
@@ -7386,8 +7425,8 @@
           </p:sp>
         </mc:Fallback>
       </mc:AlternateContent>
-      <mc:AlternateContent xmlns:mc="http://schemas.openxmlformats.org/markup-compatibility/2006">
-        <mc:Choice xmlns:a14="http://schemas.microsoft.com/office/drawing/2010/main" Requires="a14">
+      <mc:AlternateContent xmlns:mc="http://schemas.openxmlformats.org/markup-compatibility/2006" xmlns:a14="http://schemas.microsoft.com/office/drawing/2010/main">
+        <mc:Choice Requires="a14">
           <p:sp>
             <p:nvSpPr>
               <p:cNvPr id="17" name="TextBox 16"/>
@@ -7410,6 +7449,7 @@
               </a:bodyPr>
               <a:lstStyle/>
               <a:p>
+                <a:pPr/>
                 <a14:m>
                   <m:oMathPara xmlns:m="http://schemas.openxmlformats.org/officeDocument/2006/math">
                     <m:oMathParaPr>
@@ -7712,7 +7752,7 @@
             </p:txBody>
           </p:sp>
         </mc:Choice>
-        <mc:Fallback>
+        <mc:Fallback xmlns="">
           <p:sp>
             <p:nvSpPr>
               <p:cNvPr id="17" name="TextBox 16"/>
@@ -7751,8 +7791,8 @@
           </p:sp>
         </mc:Fallback>
       </mc:AlternateContent>
-      <mc:AlternateContent xmlns:mc="http://schemas.openxmlformats.org/markup-compatibility/2006">
-        <mc:Choice xmlns:a14="http://schemas.microsoft.com/office/drawing/2010/main" Requires="a14">
+      <mc:AlternateContent xmlns:mc="http://schemas.openxmlformats.org/markup-compatibility/2006" xmlns:a14="http://schemas.microsoft.com/office/drawing/2010/main">
+        <mc:Choice Requires="a14">
           <p:sp>
             <p:nvSpPr>
               <p:cNvPr id="19" name="TextBox 18"/>
@@ -7775,6 +7815,7 @@
               </a:bodyPr>
               <a:lstStyle/>
               <a:p>
+                <a:pPr/>
                 <a14:m>
                   <m:oMathPara xmlns:m="http://schemas.openxmlformats.org/officeDocument/2006/math">
                     <m:oMathParaPr>
@@ -8077,7 +8118,7 @@
             </p:txBody>
           </p:sp>
         </mc:Choice>
-        <mc:Fallback>
+        <mc:Fallback xmlns="">
           <p:sp>
             <p:nvSpPr>
               <p:cNvPr id="19" name="TextBox 18"/>
@@ -8142,7 +8183,6 @@
               <a:rPr lang="en-US" altLang="ko-KR" sz="2000" dirty="0" smtClean="0"/>
               <a:t>Where, </a:t>
             </a:r>
-            <a:endParaRPr lang="en-US" altLang="ko-KR" sz="2000" dirty="0" smtClean="0"/>
           </a:p>
         </p:txBody>
       </p:sp>
@@ -8276,7 +8316,52 @@
               <a:rPr lang="en-US" altLang="ko-KR" sz="2000" dirty="0" smtClean="0"/>
               <a:t>decrease the variance</a:t>
             </a:r>
-            <a:endParaRPr lang="en-US" altLang="ko-KR" sz="2000" dirty="0" smtClean="0"/>
+          </a:p>
+        </p:txBody>
+      </p:sp>
+      <p:sp>
+        <p:nvSpPr>
+          <p:cNvPr id="16" name="직사각형 15"/>
+          <p:cNvSpPr/>
+          <p:nvPr/>
+        </p:nvSpPr>
+        <p:spPr>
+          <a:xfrm>
+            <a:off x="5520062" y="4068737"/>
+            <a:ext cx="2876591" cy="735839"/>
+          </a:xfrm>
+          <a:prstGeom prst="rect">
+            <a:avLst/>
+          </a:prstGeom>
+          <a:noFill/>
+          <a:ln w="38100">
+            <a:solidFill>
+              <a:srgbClr val="FF0000"/>
+            </a:solidFill>
+          </a:ln>
+        </p:spPr>
+        <p:style>
+          <a:lnRef idx="2">
+            <a:schemeClr val="accent1">
+              <a:shade val="50000"/>
+            </a:schemeClr>
+          </a:lnRef>
+          <a:fillRef idx="1">
+            <a:schemeClr val="accent1"/>
+          </a:fillRef>
+          <a:effectRef idx="0">
+            <a:schemeClr val="accent1"/>
+          </a:effectRef>
+          <a:fontRef idx="minor">
+            <a:schemeClr val="lt1"/>
+          </a:fontRef>
+        </p:style>
+        <p:txBody>
+          <a:bodyPr rtlCol="0" anchor="ctr"/>
+          <a:lstStyle/>
+          <a:p>
+            <a:pPr algn="ctr"/>
+            <a:endParaRPr lang="ko-KR" altLang="en-US"/>
           </a:p>
         </p:txBody>
       </p:sp>
@@ -8396,7 +8481,7 @@
           <a:p>
             <a:fld id="{53646E5C-8775-44A9-9523-40B6CCA06789}" type="datetime1">
               <a:rPr lang="ko-KR" altLang="en-US" smtClean="0"/>
-              <a:t>2018-03-24</a:t>
+              <a:t>2018-03-26</a:t>
             </a:fld>
             <a:endParaRPr lang="ko-KR" altLang="en-US"/>
           </a:p>
@@ -8449,11 +8534,7 @@
           <a:p>
             <a:r>
               <a:rPr lang="en-US" altLang="ko-KR" sz="2000" dirty="0" smtClean="0"/>
-              <a:t> </a:t>
-            </a:r>
-            <a:r>
-              <a:rPr lang="en-US" altLang="ko-KR" sz="2000" dirty="0" smtClean="0"/>
-              <a:t>Random error in thickness measurement</a:t>
+              <a:t> Random error in thickness measurement</a:t>
             </a:r>
           </a:p>
           <a:p>
@@ -8475,7 +8556,6 @@
               <a:rPr lang="en-US" altLang="ko-KR" sz="2000" dirty="0" smtClean="0"/>
               <a:t>Bio-sample can shrink due to dehydration or cryogenically frozen</a:t>
             </a:r>
-            <a:endParaRPr lang="en-US" altLang="ko-KR" sz="2000" dirty="0" smtClean="0"/>
           </a:p>
         </p:txBody>
       </p:sp>
@@ -8553,8 +8633,8 @@
           </a:p>
         </p:txBody>
       </p:sp>
-      <mc:AlternateContent xmlns:mc="http://schemas.openxmlformats.org/markup-compatibility/2006">
-        <mc:Choice xmlns:a14="http://schemas.microsoft.com/office/drawing/2010/main" Requires="a14">
+      <mc:AlternateContent xmlns:mc="http://schemas.openxmlformats.org/markup-compatibility/2006" xmlns:a14="http://schemas.microsoft.com/office/drawing/2010/main">
+        <mc:Choice Requires="a14">
           <p:sp>
             <p:nvSpPr>
               <p:cNvPr id="3" name="TextBox 2"/>
@@ -8577,6 +8657,7 @@
               </a:bodyPr>
               <a:lstStyle/>
               <a:p>
+                <a:pPr/>
                 <a14:m>
                   <m:oMathPara xmlns:m="http://schemas.openxmlformats.org/officeDocument/2006/math">
                     <m:oMathParaPr>
@@ -8797,7 +8878,7 @@
             </p:txBody>
           </p:sp>
         </mc:Choice>
-        <mc:Fallback>
+        <mc:Fallback xmlns="">
           <p:sp>
             <p:nvSpPr>
               <p:cNvPr id="3" name="TextBox 2"/>
@@ -8836,8 +8917,8 @@
           </p:sp>
         </mc:Fallback>
       </mc:AlternateContent>
-      <mc:AlternateContent xmlns:mc="http://schemas.openxmlformats.org/markup-compatibility/2006">
-        <mc:Choice xmlns:a14="http://schemas.microsoft.com/office/drawing/2010/main" Requires="a14">
+      <mc:AlternateContent xmlns:mc="http://schemas.openxmlformats.org/markup-compatibility/2006" xmlns:a14="http://schemas.microsoft.com/office/drawing/2010/main">
+        <mc:Choice Requires="a14">
           <p:sp>
             <p:nvSpPr>
               <p:cNvPr id="4" name="TextBox 3"/>
@@ -8860,6 +8941,7 @@
               </a:bodyPr>
               <a:lstStyle/>
               <a:p>
+                <a:pPr/>
                 <a14:m>
                   <m:oMathPara xmlns:m="http://schemas.openxmlformats.org/officeDocument/2006/math">
                     <m:oMathParaPr>
@@ -9302,7 +9384,7 @@
             </p:txBody>
           </p:sp>
         </mc:Choice>
-        <mc:Fallback>
+        <mc:Fallback xmlns="">
           <p:sp>
             <p:nvSpPr>
               <p:cNvPr id="4" name="TextBox 3"/>
@@ -9341,8 +9423,8 @@
           </p:sp>
         </mc:Fallback>
       </mc:AlternateContent>
-      <mc:AlternateContent xmlns:mc="http://schemas.openxmlformats.org/markup-compatibility/2006">
-        <mc:Choice xmlns:a14="http://schemas.microsoft.com/office/drawing/2010/main" Requires="a14">
+      <mc:AlternateContent xmlns:mc="http://schemas.openxmlformats.org/markup-compatibility/2006" xmlns:a14="http://schemas.microsoft.com/office/drawing/2010/main">
+        <mc:Choice Requires="a14">
           <p:sp>
             <p:nvSpPr>
               <p:cNvPr id="5" name="TextBox 4"/>
@@ -9365,6 +9447,7 @@
               </a:bodyPr>
               <a:lstStyle/>
               <a:p>
+                <a:pPr/>
                 <a14:m>
                   <m:oMathPara xmlns:m="http://schemas.openxmlformats.org/officeDocument/2006/math">
                     <m:oMathParaPr>
@@ -9604,7 +9687,7 @@
             </p:txBody>
           </p:sp>
         </mc:Choice>
-        <mc:Fallback>
+        <mc:Fallback xmlns="">
           <p:sp>
             <p:nvSpPr>
               <p:cNvPr id="5" name="TextBox 4"/>
@@ -9643,8 +9726,8 @@
           </p:sp>
         </mc:Fallback>
       </mc:AlternateContent>
-      <mc:AlternateContent xmlns:mc="http://schemas.openxmlformats.org/markup-compatibility/2006">
-        <mc:Choice xmlns:a14="http://schemas.microsoft.com/office/drawing/2010/main" Requires="a14">
+      <mc:AlternateContent xmlns:mc="http://schemas.openxmlformats.org/markup-compatibility/2006" xmlns:a14="http://schemas.microsoft.com/office/drawing/2010/main">
+        <mc:Choice Requires="a14">
           <p:sp>
             <p:nvSpPr>
               <p:cNvPr id="9" name="TextBox 8"/>
@@ -9667,6 +9750,7 @@
               </a:bodyPr>
               <a:lstStyle/>
               <a:p>
+                <a:pPr/>
                 <a14:m>
                   <m:oMathPara xmlns:m="http://schemas.openxmlformats.org/officeDocument/2006/math">
                     <m:oMathParaPr>
@@ -10161,7 +10245,7 @@
             </p:txBody>
           </p:sp>
         </mc:Choice>
-        <mc:Fallback>
+        <mc:Fallback xmlns="">
           <p:sp>
             <p:nvSpPr>
               <p:cNvPr id="9" name="TextBox 8"/>
@@ -10246,7 +10330,6 @@
               <a:rPr lang="en-US" altLang="ko-KR" sz="2000" dirty="0" smtClean="0"/>
               <a:t>owever a thicker sample also results in a weaker sample signal.</a:t>
             </a:r>
-            <a:endParaRPr lang="en-US" altLang="ko-KR" sz="2000" dirty="0" smtClean="0"/>
           </a:p>
         </p:txBody>
       </p:sp>
@@ -10346,12 +10429,6 @@
               </a:rPr>
               <a:t>2.3 Random and Systematic Errors in Sample Alignment</a:t>
             </a:r>
-            <a:endParaRPr lang="en-US" altLang="ko-KR" sz="2500" dirty="0" smtClean="0">
-              <a:solidFill>
-                <a:schemeClr val="bg1"/>
-              </a:solidFill>
-              <a:latin typeface="Arial" panose="020B0604020202020204" pitchFamily="34" charset="0"/>
-            </a:endParaRPr>
           </a:p>
         </p:txBody>
       </p:sp>
@@ -10372,7 +10449,7 @@
           <a:p>
             <a:fld id="{53646E5C-8775-44A9-9523-40B6CCA06789}" type="datetime1">
               <a:rPr lang="ko-KR" altLang="en-US" smtClean="0"/>
-              <a:t>2018-03-24</a:t>
+              <a:t>2018-03-26</a:t>
             </a:fld>
             <a:endParaRPr lang="ko-KR" altLang="en-US"/>
           </a:p>
@@ -10427,7 +10504,6 @@
               <a:rPr lang="en-US" altLang="ko-KR" sz="2000" dirty="0" smtClean="0"/>
               <a:t> If the sample is moved in among several measurements, the error is random. However, if the sample is fixed throughout measurements, the error from the sample alignment is systematic.</a:t>
             </a:r>
-            <a:endParaRPr lang="en-US" altLang="ko-KR" sz="2000" dirty="0" smtClean="0"/>
           </a:p>
         </p:txBody>
       </p:sp>
@@ -10457,7 +10533,6 @@
               <a:rPr lang="en-US" altLang="ko-KR" sz="2000" dirty="0" smtClean="0"/>
               <a:t>The deviation in the refractive index due to the sample alignment is independent of the sample thickness</a:t>
             </a:r>
-            <a:endParaRPr lang="en-US" altLang="ko-KR" sz="2000" dirty="0" smtClean="0"/>
           </a:p>
         </p:txBody>
       </p:sp>
@@ -10485,8 +10560,8 @@
           </a:prstGeom>
         </p:spPr>
       </p:pic>
-      <mc:AlternateContent xmlns:mc="http://schemas.openxmlformats.org/markup-compatibility/2006">
-        <mc:Choice xmlns:a14="http://schemas.microsoft.com/office/drawing/2010/main" Requires="a14">
+      <mc:AlternateContent xmlns:mc="http://schemas.openxmlformats.org/markup-compatibility/2006" xmlns:a14="http://schemas.microsoft.com/office/drawing/2010/main">
+        <mc:Choice Requires="a14">
           <p:sp>
             <p:nvSpPr>
               <p:cNvPr id="10" name="TextBox 9"/>
@@ -10509,6 +10584,7 @@
               </a:bodyPr>
               <a:lstStyle/>
               <a:p>
+                <a:pPr/>
                 <a14:m>
                   <m:oMathPara xmlns:m="http://schemas.openxmlformats.org/officeDocument/2006/math">
                     <m:oMathParaPr>
@@ -10631,13 +10707,7 @@
                             <a:rPr lang="en-US" altLang="ko-KR" b="0" i="1" smtClean="0">
                               <a:latin typeface="Cambria Math" panose="02040503050406030204" pitchFamily="18" charset="0"/>
                             </a:rPr>
-                            <m:t>−</m:t>
-                          </m:r>
-                          <m:r>
-                            <a:rPr lang="en-US" altLang="ko-KR" b="0" i="1" smtClean="0">
-                              <a:latin typeface="Cambria Math" panose="02040503050406030204" pitchFamily="18" charset="0"/>
-                            </a:rPr>
-                            <m:t>1</m:t>
+                            <m:t>−1</m:t>
                           </m:r>
                         </m:e>
                       </m:d>
@@ -10649,7 +10719,7 @@
             </p:txBody>
           </p:sp>
         </mc:Choice>
-        <mc:Fallback>
+        <mc:Fallback xmlns="">
           <p:sp>
             <p:nvSpPr>
               <p:cNvPr id="10" name="TextBox 9"/>
@@ -10688,8 +10758,8 @@
           </p:sp>
         </mc:Fallback>
       </mc:AlternateContent>
-      <mc:AlternateContent xmlns:mc="http://schemas.openxmlformats.org/markup-compatibility/2006">
-        <mc:Choice xmlns:a14="http://schemas.microsoft.com/office/drawing/2010/main" Requires="a14">
+      <mc:AlternateContent xmlns:mc="http://schemas.openxmlformats.org/markup-compatibility/2006" xmlns:a14="http://schemas.microsoft.com/office/drawing/2010/main">
+        <mc:Choice Requires="a14">
           <p:sp>
             <p:nvSpPr>
               <p:cNvPr id="11" name="TextBox 10"/>
@@ -10712,6 +10782,7 @@
               </a:bodyPr>
               <a:lstStyle/>
               <a:p>
+                <a:pPr/>
                 <a14:m>
                   <m:oMathPara xmlns:m="http://schemas.openxmlformats.org/officeDocument/2006/math">
                     <m:oMathParaPr>
@@ -10884,7 +10955,7 @@
             </p:txBody>
           </p:sp>
         </mc:Choice>
-        <mc:Fallback>
+        <mc:Fallback xmlns="">
           <p:sp>
             <p:nvSpPr>
               <p:cNvPr id="11" name="TextBox 10"/>
@@ -10923,8 +10994,8 @@
           </p:sp>
         </mc:Fallback>
       </mc:AlternateContent>
-      <mc:AlternateContent xmlns:mc="http://schemas.openxmlformats.org/markup-compatibility/2006">
-        <mc:Choice xmlns:a14="http://schemas.microsoft.com/office/drawing/2010/main" Requires="a14">
+      <mc:AlternateContent xmlns:mc="http://schemas.openxmlformats.org/markup-compatibility/2006" xmlns:a14="http://schemas.microsoft.com/office/drawing/2010/main">
+        <mc:Choice Requires="a14">
           <p:sp>
             <p:nvSpPr>
               <p:cNvPr id="12" name="TextBox 11"/>
@@ -10947,6 +11018,7 @@
               </a:bodyPr>
               <a:lstStyle/>
               <a:p>
+                <a:pPr/>
                 <a14:m>
                   <m:oMathPara xmlns:m="http://schemas.openxmlformats.org/officeDocument/2006/math">
                     <m:oMathParaPr>
@@ -11323,7 +11395,7 @@
             </p:txBody>
           </p:sp>
         </mc:Choice>
-        <mc:Fallback>
+        <mc:Fallback xmlns="">
           <p:sp>
             <p:nvSpPr>
               <p:cNvPr id="12" name="TextBox 11"/>
@@ -11362,6 +11434,43 @@
           </p:sp>
         </mc:Fallback>
       </mc:AlternateContent>
+      <p:sp>
+        <p:nvSpPr>
+          <p:cNvPr id="14" name="직사각형 13"/>
+          <p:cNvSpPr/>
+          <p:nvPr/>
+        </p:nvSpPr>
+        <p:spPr>
+          <a:xfrm>
+            <a:off x="5341327" y="2189009"/>
+            <a:ext cx="3239965" cy="307777"/>
+          </a:xfrm>
+          <a:prstGeom prst="rect">
+            <a:avLst/>
+          </a:prstGeom>
+        </p:spPr>
+        <p:txBody>
+          <a:bodyPr wrap="square">
+            <a:spAutoFit/>
+          </a:bodyPr>
+          <a:lstStyle/>
+          <a:p>
+            <a:r>
+              <a:rPr lang="en-US" altLang="ko-KR" sz="1400" dirty="0" smtClean="0">
+                <a:solidFill>
+                  <a:srgbClr val="3333FF"/>
+                </a:solidFill>
+              </a:rPr>
+              <a:t>The deviation in the propagation distance</a:t>
+            </a:r>
+            <a:endParaRPr lang="en-US" altLang="ko-KR" sz="1400" dirty="0">
+              <a:solidFill>
+                <a:srgbClr val="3333FF"/>
+              </a:solidFill>
+            </a:endParaRPr>
+          </a:p>
+        </p:txBody>
+      </p:sp>
     </p:spTree>
     <p:extLst>
       <p:ext uri="{BB962C8B-B14F-4D97-AF65-F5344CB8AC3E}">
@@ -11458,12 +11567,6 @@
               </a:rPr>
               <a:t>2.4 Systematic Error in the Approximated Transfer Function</a:t>
             </a:r>
-            <a:endParaRPr lang="en-US" altLang="ko-KR" sz="2500" dirty="0" smtClean="0">
-              <a:solidFill>
-                <a:schemeClr val="bg1"/>
-              </a:solidFill>
-              <a:latin typeface="Arial" panose="020B0604020202020204" pitchFamily="34" charset="0"/>
-            </a:endParaRPr>
           </a:p>
         </p:txBody>
       </p:sp>
@@ -11484,7 +11587,7 @@
           <a:p>
             <a:fld id="{53646E5C-8775-44A9-9523-40B6CCA06789}" type="datetime1">
               <a:rPr lang="ko-KR" altLang="en-US" smtClean="0"/>
-              <a:t>2018-03-24</a:t>
+              <a:t>2018-03-26</a:t>
             </a:fld>
             <a:endParaRPr lang="ko-KR" altLang="en-US"/>
           </a:p>
@@ -11539,7 +11642,6 @@
               <a:rPr lang="en-US" altLang="ko-KR" sz="2000" dirty="0" smtClean="0"/>
               <a:t>The optical constants can be based on an approximated transfer function.</a:t>
             </a:r>
-            <a:endParaRPr lang="en-US" altLang="ko-KR" sz="2000" dirty="0" smtClean="0"/>
           </a:p>
         </p:txBody>
       </p:sp>
@@ -11569,7 +11671,6 @@
               <a:rPr lang="en-US" altLang="ko-KR" sz="2000" dirty="0" smtClean="0"/>
               <a:t>However, a precise approach involves a complicated iterative calculation, and most researchers trade off this complexity with a small error from the approximation</a:t>
             </a:r>
-            <a:endParaRPr lang="en-US" altLang="ko-KR" sz="2000" dirty="0" smtClean="0"/>
           </a:p>
         </p:txBody>
       </p:sp>
@@ -11584,7 +11685,7 @@
             <p:spPr>
               <a:xfrm>
                 <a:off x="1712422" y="1536364"/>
-                <a:ext cx="6164060" cy="617861"/>
+                <a:ext cx="5719579" cy="524118"/>
               </a:xfrm>
               <a:prstGeom prst="rect">
                 <a:avLst/>
@@ -11597,6 +11698,7 @@
               </a:bodyPr>
               <a:lstStyle/>
               <a:p>
+                <a:pPr/>
                 <a14:m>
                   <m:oMathPara xmlns:m="http://schemas.openxmlformats.org/officeDocument/2006/math">
                     <m:oMathParaPr>
@@ -11763,32 +11865,27 @@
                         <a:rPr lang="en-US" altLang="ko-KR" b="0" i="1" smtClean="0">
                           <a:latin typeface="Cambria Math" panose="02040503050406030204" pitchFamily="18" charset="0"/>
                         </a:rPr>
-                        <m:t>=−</m:t>
+                        <m:t>=</m:t>
                       </m:r>
-                      <m:func>
-                        <m:funcPr>
+                      <m:d>
+                        <m:dPr>
+                          <m:begChr m:val="["/>
+                          <m:endChr m:val="]"/>
                           <m:ctrlPr>
                             <a:rPr lang="en-US" altLang="ko-KR" b="0" i="1" smtClean="0">
                               <a:latin typeface="Cambria Math" panose="02040503050406030204" pitchFamily="18" charset="0"/>
                             </a:rPr>
                           </m:ctrlPr>
-                        </m:funcPr>
-                        <m:fName>
-                          <m:r>
-                            <m:rPr>
-                              <m:sty m:val="p"/>
-                            </m:rPr>
-                            <a:rPr lang="en-US" altLang="ko-KR" b="0" i="0" smtClean="0">
-                              <a:latin typeface="Cambria Math" panose="02040503050406030204" pitchFamily="18" charset="0"/>
-                            </a:rPr>
-                            <m:t>arg</m:t>
-                          </m:r>
-                        </m:fName>
+                        </m:dPr>
                         <m:e>
+                          <m:r>
+                            <a:rPr lang="en-US" altLang="ko-KR" b="0" i="1" smtClean="0">
+                              <a:latin typeface="Cambria Math" panose="02040503050406030204" pitchFamily="18" charset="0"/>
+                            </a:rPr>
+                            <m:t>𝑛</m:t>
+                          </m:r>
                           <m:d>
                             <m:dPr>
-                              <m:begChr m:val="{"/>
-                              <m:endChr m:val="}"/>
                               <m:ctrlPr>
                                 <a:rPr lang="en-US" altLang="ko-KR" b="0" i="1" smtClean="0">
                                   <a:latin typeface="Cambria Math" panose="02040503050406030204" pitchFamily="18" charset="0"/>
@@ -11796,193 +11893,88 @@
                               </m:ctrlPr>
                             </m:dPr>
                             <m:e>
-                              <m:f>
-                                <m:fPr>
-                                  <m:ctrlPr>
-                                    <a:rPr lang="en-US" altLang="ko-KR" b="0" i="1" smtClean="0">
-                                      <a:latin typeface="Cambria Math" panose="02040503050406030204" pitchFamily="18" charset="0"/>
-                                    </a:rPr>
-                                  </m:ctrlPr>
-                                </m:fPr>
-                                <m:num>
-                                  <m:r>
-                                    <a:rPr lang="en-US" altLang="ko-KR" b="0" i="1" smtClean="0">
-                                      <a:latin typeface="Cambria Math" panose="02040503050406030204" pitchFamily="18" charset="0"/>
-                                    </a:rPr>
-                                    <m:t>4</m:t>
-                                  </m:r>
-                                  <m:acc>
-                                    <m:accPr>
-                                      <m:chr m:val="̂"/>
-                                      <m:ctrlPr>
-                                        <a:rPr lang="en-US" altLang="ko-KR" b="0" i="1" smtClean="0">
-                                          <a:latin typeface="Cambria Math" panose="02040503050406030204" pitchFamily="18" charset="0"/>
-                                        </a:rPr>
-                                      </m:ctrlPr>
-                                    </m:accPr>
-                                    <m:e>
-                                      <m:r>
-                                        <a:rPr lang="en-US" altLang="ko-KR" b="0" i="1" smtClean="0">
-                                          <a:latin typeface="Cambria Math" panose="02040503050406030204" pitchFamily="18" charset="0"/>
-                                        </a:rPr>
-                                        <m:t>𝑛</m:t>
-                                      </m:r>
-                                    </m:e>
-                                  </m:acc>
-                                  <m:d>
-                                    <m:dPr>
-                                      <m:ctrlPr>
-                                        <a:rPr lang="en-US" altLang="ko-KR" b="0" i="1" smtClean="0">
-                                          <a:latin typeface="Cambria Math" panose="02040503050406030204" pitchFamily="18" charset="0"/>
-                                        </a:rPr>
-                                      </m:ctrlPr>
-                                    </m:dPr>
-                                    <m:e>
-                                      <m:r>
-                                        <a:rPr lang="en-US" altLang="ko-KR" b="0" i="1" smtClean="0">
-                                          <a:latin typeface="Cambria Math" panose="02040503050406030204" pitchFamily="18" charset="0"/>
-                                        </a:rPr>
-                                        <m:t>𝜔</m:t>
-                                      </m:r>
-                                    </m:e>
-                                  </m:d>
-                                  <m:sSub>
-                                    <m:sSubPr>
-                                      <m:ctrlPr>
-                                        <a:rPr lang="en-US" altLang="ko-KR" b="0" i="1" smtClean="0">
-                                          <a:latin typeface="Cambria Math" panose="02040503050406030204" pitchFamily="18" charset="0"/>
-                                        </a:rPr>
-                                      </m:ctrlPr>
-                                    </m:sSubPr>
-                                    <m:e>
-                                      <m:r>
-                                        <a:rPr lang="en-US" altLang="ko-KR" b="0" i="1" smtClean="0">
-                                          <a:latin typeface="Cambria Math" panose="02040503050406030204" pitchFamily="18" charset="0"/>
-                                        </a:rPr>
-                                        <m:t>𝑛</m:t>
-                                      </m:r>
-                                    </m:e>
-                                    <m:sub>
-                                      <m:r>
-                                        <a:rPr lang="en-US" altLang="ko-KR" b="0" i="1" smtClean="0">
-                                          <a:latin typeface="Cambria Math" panose="02040503050406030204" pitchFamily="18" charset="0"/>
-                                        </a:rPr>
-                                        <m:t>0</m:t>
-                                      </m:r>
-                                    </m:sub>
-                                  </m:sSub>
-                                </m:num>
-                                <m:den>
-                                  <m:sSup>
-                                    <m:sSupPr>
-                                      <m:ctrlPr>
-                                        <a:rPr lang="en-US" altLang="ko-KR" b="0" i="1" smtClean="0">
-                                          <a:latin typeface="Cambria Math" panose="02040503050406030204" pitchFamily="18" charset="0"/>
-                                        </a:rPr>
-                                      </m:ctrlPr>
-                                    </m:sSupPr>
-                                    <m:e>
-                                      <m:d>
-                                        <m:dPr>
-                                          <m:begChr m:val="["/>
-                                          <m:endChr m:val="]"/>
-                                          <m:ctrlPr>
-                                            <a:rPr lang="en-US" altLang="ko-KR" b="0" i="1" smtClean="0">
-                                              <a:latin typeface="Cambria Math" panose="02040503050406030204" pitchFamily="18" charset="0"/>
-                                            </a:rPr>
-                                          </m:ctrlPr>
-                                        </m:dPr>
-                                        <m:e>
-                                          <m:acc>
-                                            <m:accPr>
-                                              <m:chr m:val="̂"/>
-                                              <m:ctrlPr>
-                                                <a:rPr lang="en-US" altLang="ko-KR" b="0" i="1" smtClean="0">
-                                                  <a:latin typeface="Cambria Math" panose="02040503050406030204" pitchFamily="18" charset="0"/>
-                                                </a:rPr>
-                                              </m:ctrlPr>
-                                            </m:accPr>
-                                            <m:e>
-                                              <m:r>
-                                                <a:rPr lang="en-US" altLang="ko-KR" b="0" i="1" smtClean="0">
-                                                  <a:latin typeface="Cambria Math" panose="02040503050406030204" pitchFamily="18" charset="0"/>
-                                                </a:rPr>
-                                                <m:t>𝑛</m:t>
-                                              </m:r>
-                                            </m:e>
-                                          </m:acc>
-                                          <m:d>
-                                            <m:dPr>
-                                              <m:ctrlPr>
-                                                <a:rPr lang="en-US" altLang="ko-KR" b="0" i="1" smtClean="0">
-                                                  <a:latin typeface="Cambria Math" panose="02040503050406030204" pitchFamily="18" charset="0"/>
-                                                </a:rPr>
-                                              </m:ctrlPr>
-                                            </m:dPr>
-                                            <m:e>
-                                              <m:r>
-                                                <a:rPr lang="en-US" altLang="ko-KR" b="0" i="1" smtClean="0">
-                                                  <a:latin typeface="Cambria Math" panose="02040503050406030204" pitchFamily="18" charset="0"/>
-                                                </a:rPr>
-                                                <m:t>𝜔</m:t>
-                                              </m:r>
-                                            </m:e>
-                                          </m:d>
-                                          <m:r>
-                                            <a:rPr lang="en-US" altLang="ko-KR" b="0" i="1" smtClean="0">
-                                              <a:latin typeface="Cambria Math" panose="02040503050406030204" pitchFamily="18" charset="0"/>
-                                            </a:rPr>
-                                            <m:t>+</m:t>
-                                          </m:r>
-                                          <m:sSub>
-                                            <m:sSubPr>
-                                              <m:ctrlPr>
-                                                <a:rPr lang="en-US" altLang="ko-KR" b="0" i="1" smtClean="0">
-                                                  <a:latin typeface="Cambria Math" panose="02040503050406030204" pitchFamily="18" charset="0"/>
-                                                </a:rPr>
-                                              </m:ctrlPr>
-                                            </m:sSubPr>
-                                            <m:e>
-                                              <m:r>
-                                                <a:rPr lang="en-US" altLang="ko-KR" b="0" i="1" smtClean="0">
-                                                  <a:latin typeface="Cambria Math" panose="02040503050406030204" pitchFamily="18" charset="0"/>
-                                                </a:rPr>
-                                                <m:t>𝑛</m:t>
-                                              </m:r>
-                                            </m:e>
-                                            <m:sub>
-                                              <m:r>
-                                                <a:rPr lang="en-US" altLang="ko-KR" b="0" i="1" smtClean="0">
-                                                  <a:latin typeface="Cambria Math" panose="02040503050406030204" pitchFamily="18" charset="0"/>
-                                                </a:rPr>
-                                                <m:t>0</m:t>
-                                              </m:r>
-                                            </m:sub>
-                                          </m:sSub>
-                                          <m:r>
-                                            <a:rPr lang="en-US" altLang="ko-KR" b="0" i="1" smtClean="0">
-                                              <a:latin typeface="Cambria Math" panose="02040503050406030204" pitchFamily="18" charset="0"/>
-                                            </a:rPr>
-                                            <m:t> </m:t>
-                                          </m:r>
-                                        </m:e>
-                                      </m:d>
-                                    </m:e>
-                                    <m:sup>
-                                      <m:r>
-                                        <a:rPr lang="en-US" altLang="ko-KR" b="0" i="1" smtClean="0">
-                                          <a:latin typeface="Cambria Math" panose="02040503050406030204" pitchFamily="18" charset="0"/>
-                                        </a:rPr>
-                                        <m:t>2</m:t>
-                                      </m:r>
-                                    </m:sup>
-                                  </m:sSup>
-                                </m:den>
-                              </m:f>
+                              <m:r>
+                                <a:rPr lang="en-US" altLang="ko-KR" b="0" i="1" smtClean="0">
+                                  <a:latin typeface="Cambria Math" panose="02040503050406030204" pitchFamily="18" charset="0"/>
+                                </a:rPr>
+                                <m:t>𝜔</m:t>
+                              </m:r>
+                            </m:e>
+                          </m:d>
+                          <m:r>
+                            <a:rPr lang="en-US" altLang="ko-KR" b="0" i="1" smtClean="0">
+                              <a:latin typeface="Cambria Math" panose="02040503050406030204" pitchFamily="18" charset="0"/>
+                            </a:rPr>
+                            <m:t>−</m:t>
+                          </m:r>
+                          <m:acc>
+                            <m:accPr>
+                              <m:chr m:val="̂"/>
+                              <m:ctrlPr>
+                                <a:rPr lang="en-US" altLang="ko-KR" b="0" i="1" smtClean="0">
+                                  <a:latin typeface="Cambria Math" panose="02040503050406030204" pitchFamily="18" charset="0"/>
+                                </a:rPr>
+                              </m:ctrlPr>
+                            </m:accPr>
+                            <m:e>
+                              <m:r>
+                                <a:rPr lang="en-US" altLang="ko-KR" b="0" i="1" smtClean="0">
+                                  <a:latin typeface="Cambria Math" panose="02040503050406030204" pitchFamily="18" charset="0"/>
+                                </a:rPr>
+                                <m:t>𝑛</m:t>
+                              </m:r>
+                            </m:e>
+                          </m:acc>
+                          <m:d>
+                            <m:dPr>
+                              <m:ctrlPr>
+                                <a:rPr lang="en-US" altLang="ko-KR" b="0" i="1" smtClean="0">
+                                  <a:latin typeface="Cambria Math" panose="02040503050406030204" pitchFamily="18" charset="0"/>
+                                </a:rPr>
+                              </m:ctrlPr>
+                            </m:dPr>
+                            <m:e>
+                              <m:r>
+                                <a:rPr lang="en-US" altLang="ko-KR" b="0" i="1" smtClean="0">
+                                  <a:latin typeface="Cambria Math" panose="02040503050406030204" pitchFamily="18" charset="0"/>
+                                </a:rPr>
+                                <m:t>𝜔</m:t>
+                              </m:r>
                             </m:e>
                           </m:d>
                         </m:e>
-                      </m:func>
+                      </m:d>
+                      <m:f>
+                        <m:fPr>
+                          <m:ctrlPr>
+                            <a:rPr lang="en-US" altLang="ko-KR" b="0" i="1" smtClean="0">
+                              <a:latin typeface="Cambria Math" panose="02040503050406030204" pitchFamily="18" charset="0"/>
+                            </a:rPr>
+                          </m:ctrlPr>
+                        </m:fPr>
+                        <m:num>
+                          <m:r>
+                            <a:rPr lang="en-US" altLang="ko-KR" b="0" i="1" smtClean="0">
+                              <a:latin typeface="Cambria Math" panose="02040503050406030204" pitchFamily="18" charset="0"/>
+                            </a:rPr>
+                            <m:t>𝜔</m:t>
+                          </m:r>
+                          <m:r>
+                            <a:rPr lang="en-US" altLang="ko-KR" b="0" i="1" smtClean="0">
+                              <a:latin typeface="Cambria Math" panose="02040503050406030204" pitchFamily="18" charset="0"/>
+                            </a:rPr>
+                            <m:t>𝑙</m:t>
+                          </m:r>
+                        </m:num>
+                        <m:den>
+                          <m:r>
+                            <a:rPr lang="en-US" altLang="ko-KR" b="0" i="1" smtClean="0">
+                              <a:latin typeface="Cambria Math" panose="02040503050406030204" pitchFamily="18" charset="0"/>
+                            </a:rPr>
+                            <m:t>𝑐</m:t>
+                          </m:r>
+                        </m:den>
+                      </m:f>
                     </m:oMath>
                   </m:oMathPara>
                 </a14:m>
@@ -12003,15 +11995,15 @@
             <p:spPr>
               <a:xfrm>
                 <a:off x="1712422" y="1536364"/>
-                <a:ext cx="6164060" cy="617861"/>
+                <a:ext cx="5719579" cy="524118"/>
               </a:xfrm>
               <a:prstGeom prst="rect">
                 <a:avLst/>
               </a:prstGeom>
-              <a:blipFill>
+              <a:blipFill rotWithShape="0">
                 <a:blip r:embed="rId3"/>
                 <a:stretch>
-                  <a:fillRect b="-990"/>
+                  <a:fillRect/>
                 </a:stretch>
               </a:blipFill>
             </p:spPr>
@@ -12030,8 +12022,8 @@
           </p:sp>
         </mc:Fallback>
       </mc:AlternateContent>
-      <mc:AlternateContent xmlns:mc="http://schemas.openxmlformats.org/markup-compatibility/2006">
-        <mc:Choice xmlns:a14="http://schemas.microsoft.com/office/drawing/2010/main" Requires="a14">
+      <mc:AlternateContent xmlns:mc="http://schemas.openxmlformats.org/markup-compatibility/2006" xmlns:a14="http://schemas.microsoft.com/office/drawing/2010/main">
+        <mc:Choice Requires="a14">
           <p:sp>
             <p:nvSpPr>
               <p:cNvPr id="4" name="TextBox 3"/>
@@ -12054,6 +12046,7 @@
               </a:bodyPr>
               <a:lstStyle/>
               <a:p>
+                <a:pPr/>
                 <a14:m>
                   <m:oMathPara xmlns:m="http://schemas.openxmlformats.org/officeDocument/2006/math">
                     <m:oMathParaPr>
@@ -12594,7 +12587,7 @@
             </p:txBody>
           </p:sp>
         </mc:Choice>
-        <mc:Fallback>
+        <mc:Fallback xmlns="">
           <p:sp>
             <p:nvSpPr>
               <p:cNvPr id="4" name="TextBox 3"/>
@@ -12633,8 +12626,8 @@
           </p:sp>
         </mc:Fallback>
       </mc:AlternateContent>
-      <mc:AlternateContent xmlns:mc="http://schemas.openxmlformats.org/markup-compatibility/2006">
-        <mc:Choice xmlns:a14="http://schemas.microsoft.com/office/drawing/2010/main" Requires="a14">
+      <mc:AlternateContent xmlns:mc="http://schemas.openxmlformats.org/markup-compatibility/2006" xmlns:a14="http://schemas.microsoft.com/office/drawing/2010/main">
+        <mc:Choice Requires="a14">
           <p:sp>
             <p:nvSpPr>
               <p:cNvPr id="5" name="TextBox 4"/>
@@ -12657,6 +12650,7 @@
               </a:bodyPr>
               <a:lstStyle/>
               <a:p>
+                <a:pPr/>
                 <a14:m>
                   <m:oMathPara xmlns:m="http://schemas.openxmlformats.org/officeDocument/2006/math">
                     <m:oMathParaPr>
@@ -12823,7 +12817,7 @@
             </p:txBody>
           </p:sp>
         </mc:Choice>
-        <mc:Fallback>
+        <mc:Fallback xmlns="">
           <p:sp>
             <p:nvSpPr>
               <p:cNvPr id="5" name="TextBox 4"/>
@@ -12862,8 +12856,8 @@
           </p:sp>
         </mc:Fallback>
       </mc:AlternateContent>
-      <mc:AlternateContent xmlns:mc="http://schemas.openxmlformats.org/markup-compatibility/2006">
-        <mc:Choice xmlns:a14="http://schemas.microsoft.com/office/drawing/2010/main" Requires="a14">
+      <mc:AlternateContent xmlns:mc="http://schemas.openxmlformats.org/markup-compatibility/2006" xmlns:a14="http://schemas.microsoft.com/office/drawing/2010/main">
+        <mc:Choice Requires="a14">
           <p:sp>
             <p:nvSpPr>
               <p:cNvPr id="6" name="TextBox 5"/>
@@ -12886,6 +12880,7 @@
               </a:bodyPr>
               <a:lstStyle/>
               <a:p>
+                <a:pPr/>
                 <a14:m>
                   <m:oMathPara xmlns:m="http://schemas.openxmlformats.org/officeDocument/2006/math">
                     <m:oMathParaPr>
@@ -13300,7 +13295,7 @@
             </p:txBody>
           </p:sp>
         </mc:Choice>
-        <mc:Fallback>
+        <mc:Fallback xmlns="">
           <p:sp>
             <p:nvSpPr>
               <p:cNvPr id="6" name="TextBox 5"/>
@@ -13435,12 +13430,6 @@
               </a:rPr>
               <a:t>2.5 Systematic Error in Physical Constants</a:t>
             </a:r>
-            <a:endParaRPr lang="en-US" altLang="ko-KR" sz="2500" dirty="0" smtClean="0">
-              <a:solidFill>
-                <a:schemeClr val="bg1"/>
-              </a:solidFill>
-              <a:latin typeface="Arial" panose="020B0604020202020204" pitchFamily="34" charset="0"/>
-            </a:endParaRPr>
           </a:p>
         </p:txBody>
       </p:sp>
@@ -13461,7 +13450,7 @@
           <a:p>
             <a:fld id="{53646E5C-8775-44A9-9523-40B6CCA06789}" type="datetime1">
               <a:rPr lang="ko-KR" altLang="en-US" smtClean="0"/>
-              <a:t>2018-03-25</a:t>
+              <a:t>2018-03-26</a:t>
             </a:fld>
             <a:endParaRPr lang="ko-KR" altLang="en-US"/>
           </a:p>
@@ -13516,12 +13505,11 @@
               <a:rPr lang="en-US" altLang="ko-KR" sz="2000" dirty="0" smtClean="0"/>
               <a:t>The refractive index of air is slightly larger than unity and is dependent on the temperature and pressure.</a:t>
             </a:r>
-            <a:endParaRPr lang="en-US" altLang="ko-KR" sz="2000" dirty="0" smtClean="0"/>
           </a:p>
         </p:txBody>
       </p:sp>
-      <mc:AlternateContent xmlns:mc="http://schemas.openxmlformats.org/markup-compatibility/2006">
-        <mc:Choice xmlns:a14="http://schemas.microsoft.com/office/drawing/2010/main" Requires="a14">
+      <mc:AlternateContent xmlns:mc="http://schemas.openxmlformats.org/markup-compatibility/2006" xmlns:a14="http://schemas.microsoft.com/office/drawing/2010/main">
+        <mc:Choice Requires="a14">
           <p:sp>
             <p:nvSpPr>
               <p:cNvPr id="3" name="TextBox 2"/>
@@ -13544,6 +13532,7 @@
               </a:bodyPr>
               <a:lstStyle/>
               <a:p>
+                <a:pPr/>
                 <a14:m>
                   <m:oMathPara xmlns:m="http://schemas.openxmlformats.org/officeDocument/2006/math">
                     <m:oMathParaPr>
@@ -13696,7 +13685,7 @@
             </p:txBody>
           </p:sp>
         </mc:Choice>
-        <mc:Fallback>
+        <mc:Fallback xmlns="">
           <p:sp>
             <p:nvSpPr>
               <p:cNvPr id="3" name="TextBox 2"/>
@@ -13735,8 +13724,8 @@
           </p:sp>
         </mc:Fallback>
       </mc:AlternateContent>
-      <mc:AlternateContent xmlns:mc="http://schemas.openxmlformats.org/markup-compatibility/2006">
-        <mc:Choice xmlns:a14="http://schemas.microsoft.com/office/drawing/2010/main" Requires="a14">
+      <mc:AlternateContent xmlns:mc="http://schemas.openxmlformats.org/markup-compatibility/2006" xmlns:a14="http://schemas.microsoft.com/office/drawing/2010/main">
+        <mc:Choice Requires="a14">
           <p:sp>
             <p:nvSpPr>
               <p:cNvPr id="8" name="TextBox 7"/>
@@ -13817,7 +13806,7 @@
             </p:txBody>
           </p:sp>
         </mc:Choice>
-        <mc:Fallback>
+        <mc:Fallback xmlns="">
           <p:sp>
             <p:nvSpPr>
               <p:cNvPr id="8" name="TextBox 7"/>
@@ -13856,8 +13845,8 @@
           </p:sp>
         </mc:Fallback>
       </mc:AlternateContent>
-      <mc:AlternateContent xmlns:mc="http://schemas.openxmlformats.org/markup-compatibility/2006">
-        <mc:Choice xmlns:a14="http://schemas.microsoft.com/office/drawing/2010/main" Requires="a14">
+      <mc:AlternateContent xmlns:mc="http://schemas.openxmlformats.org/markup-compatibility/2006" xmlns:a14="http://schemas.microsoft.com/office/drawing/2010/main">
+        <mc:Choice Requires="a14">
           <p:sp>
             <p:nvSpPr>
               <p:cNvPr id="4" name="TextBox 3"/>
@@ -13880,6 +13869,7 @@
               </a:bodyPr>
               <a:lstStyle/>
               <a:p>
+                <a:pPr/>
                 <a14:m>
                   <m:oMathPara xmlns:m="http://schemas.openxmlformats.org/officeDocument/2006/math">
                     <m:oMathParaPr>
@@ -14030,7 +14020,7 @@
             </p:txBody>
           </p:sp>
         </mc:Choice>
-        <mc:Fallback>
+        <mc:Fallback xmlns="">
           <p:sp>
             <p:nvSpPr>
               <p:cNvPr id="4" name="TextBox 3"/>
@@ -14069,8 +14059,8 @@
           </p:sp>
         </mc:Fallback>
       </mc:AlternateContent>
-      <mc:AlternateContent xmlns:mc="http://schemas.openxmlformats.org/markup-compatibility/2006">
-        <mc:Choice xmlns:a14="http://schemas.microsoft.com/office/drawing/2010/main" Requires="a14">
+      <mc:AlternateContent xmlns:mc="http://schemas.openxmlformats.org/markup-compatibility/2006" xmlns:a14="http://schemas.microsoft.com/office/drawing/2010/main">
+        <mc:Choice Requires="a14">
           <p:sp>
             <p:nvSpPr>
               <p:cNvPr id="5" name="TextBox 4"/>
@@ -14093,6 +14083,7 @@
               </a:bodyPr>
               <a:lstStyle/>
               <a:p>
+                <a:pPr/>
                 <a14:m>
                   <m:oMathPara xmlns:m="http://schemas.openxmlformats.org/officeDocument/2006/math">
                     <m:oMathParaPr>
@@ -14376,7 +14367,7 @@
             </p:txBody>
           </p:sp>
         </mc:Choice>
-        <mc:Fallback>
+        <mc:Fallback xmlns="">
           <p:sp>
             <p:nvSpPr>
               <p:cNvPr id="5" name="TextBox 4"/>
@@ -14415,8 +14406,8 @@
           </p:sp>
         </mc:Fallback>
       </mc:AlternateContent>
-      <mc:AlternateContent xmlns:mc="http://schemas.openxmlformats.org/markup-compatibility/2006">
-        <mc:Choice xmlns:a14="http://schemas.microsoft.com/office/drawing/2010/main" Requires="a14">
+      <mc:AlternateContent xmlns:mc="http://schemas.openxmlformats.org/markup-compatibility/2006" xmlns:a14="http://schemas.microsoft.com/office/drawing/2010/main">
+        <mc:Choice Requires="a14">
           <p:sp>
             <p:nvSpPr>
               <p:cNvPr id="6" name="TextBox 5"/>
@@ -14439,6 +14430,7 @@
               </a:bodyPr>
               <a:lstStyle/>
               <a:p>
+                <a:pPr/>
                 <a14:m>
                   <m:oMathPara xmlns:m="http://schemas.openxmlformats.org/officeDocument/2006/math">
                     <m:oMathParaPr>
@@ -14574,7 +14566,7 @@
             </p:txBody>
           </p:sp>
         </mc:Choice>
-        <mc:Fallback>
+        <mc:Fallback xmlns="">
           <p:sp>
             <p:nvSpPr>
               <p:cNvPr id="6" name="TextBox 5"/>
@@ -14709,12 +14701,6 @@
               </a:rPr>
               <a:t>2.6 Uncertainty in Optical constants: A Combination of Variance</a:t>
             </a:r>
-            <a:endParaRPr lang="en-US" altLang="ko-KR" sz="2500" dirty="0" smtClean="0">
-              <a:solidFill>
-                <a:schemeClr val="bg1"/>
-              </a:solidFill>
-              <a:latin typeface="Arial" panose="020B0604020202020204" pitchFamily="34" charset="0"/>
-            </a:endParaRPr>
           </a:p>
         </p:txBody>
       </p:sp>
@@ -14735,7 +14721,7 @@
           <a:p>
             <a:fld id="{53646E5C-8775-44A9-9523-40B6CCA06789}" type="datetime1">
               <a:rPr lang="ko-KR" altLang="en-US" smtClean="0"/>
-              <a:t>2018-03-25</a:t>
+              <a:t>2018-03-26</a:t>
             </a:fld>
             <a:endParaRPr lang="ko-KR" altLang="en-US"/>
           </a:p>
@@ -14790,12 +14776,11 @@
               <a:rPr lang="en-US" altLang="ko-KR" sz="2000" dirty="0" smtClean="0"/>
               <a:t>Many sources of error contribute to the variance of the measured optical constants. The combination could be either arithmetic or geometric, dependent on the type of source.</a:t>
             </a:r>
-            <a:endParaRPr lang="en-US" altLang="ko-KR" sz="2000" dirty="0" smtClean="0"/>
           </a:p>
         </p:txBody>
       </p:sp>
-      <mc:AlternateContent xmlns:mc="http://schemas.openxmlformats.org/markup-compatibility/2006">
-        <mc:Choice xmlns:a14="http://schemas.microsoft.com/office/drawing/2010/main" Requires="a14">
+      <mc:AlternateContent xmlns:mc="http://schemas.openxmlformats.org/markup-compatibility/2006" xmlns:a14="http://schemas.microsoft.com/office/drawing/2010/main">
+        <mc:Choice Requires="a14">
           <p:sp>
             <p:nvSpPr>
               <p:cNvPr id="5" name="TextBox 4"/>
@@ -14818,6 +14803,7 @@
               </a:bodyPr>
               <a:lstStyle/>
               <a:p>
+                <a:pPr/>
                 <a14:m>
                   <m:oMathPara xmlns:m="http://schemas.openxmlformats.org/officeDocument/2006/math">
                     <m:oMathParaPr>
@@ -15529,7 +15515,7 @@
             </p:txBody>
           </p:sp>
         </mc:Choice>
-        <mc:Fallback>
+        <mc:Fallback xmlns="">
           <p:sp>
             <p:nvSpPr>
               <p:cNvPr id="5" name="TextBox 4"/>
@@ -15568,8 +15554,8 @@
           </p:sp>
         </mc:Fallback>
       </mc:AlternateContent>
-      <mc:AlternateContent xmlns:mc="http://schemas.openxmlformats.org/markup-compatibility/2006">
-        <mc:Choice xmlns:a14="http://schemas.microsoft.com/office/drawing/2010/main" Requires="a14">
+      <mc:AlternateContent xmlns:mc="http://schemas.openxmlformats.org/markup-compatibility/2006" xmlns:a14="http://schemas.microsoft.com/office/drawing/2010/main">
+        <mc:Choice Requires="a14">
           <p:sp>
             <p:nvSpPr>
               <p:cNvPr id="10" name="TextBox 9"/>
@@ -15592,6 +15578,7 @@
               </a:bodyPr>
               <a:lstStyle/>
               <a:p>
+                <a:pPr/>
                 <a14:m>
                   <m:oMathPara xmlns:m="http://schemas.openxmlformats.org/officeDocument/2006/math">
                     <m:oMathParaPr>
@@ -16315,7 +16302,7 @@
             </p:txBody>
           </p:sp>
         </mc:Choice>
-        <mc:Fallback>
+        <mc:Fallback xmlns="">
           <p:sp>
             <p:nvSpPr>
               <p:cNvPr id="10" name="TextBox 9"/>
@@ -16522,7 +16509,7 @@
           <a:p>
             <a:fld id="{F85A177F-6FD3-496B-8A9C-B332CA04E863}" type="datetime1">
               <a:rPr lang="ko-KR" altLang="en-US" smtClean="0"/>
-              <a:t>2018-03-25</a:t>
+              <a:t>2018-03-26</a:t>
             </a:fld>
             <a:endParaRPr lang="ko-KR" altLang="en-US"/>
           </a:p>
@@ -16682,7 +16669,7 @@
           <a:p>
             <a:fld id="{53646E5C-8775-44A9-9523-40B6CCA06789}" type="datetime1">
               <a:rPr lang="ko-KR" altLang="en-US" smtClean="0"/>
-              <a:t>2018-03-25</a:t>
+              <a:t>2018-03-26</a:t>
             </a:fld>
             <a:endParaRPr lang="ko-KR" altLang="en-US"/>
           </a:p>
@@ -16708,36 +16695,6 @@
               <a:t>17</a:t>
             </a:fld>
             <a:endParaRPr lang="ko-KR" altLang="en-US"/>
-          </a:p>
-        </p:txBody>
-      </p:sp>
-      <p:sp>
-        <p:nvSpPr>
-          <p:cNvPr id="18" name="TextBox 17"/>
-          <p:cNvSpPr txBox="1"/>
-          <p:nvPr/>
-        </p:nvSpPr>
-        <p:spPr>
-          <a:xfrm>
-            <a:off x="720969" y="914202"/>
-            <a:ext cx="7794381" cy="1015663"/>
-          </a:xfrm>
-          <a:prstGeom prst="rect">
-            <a:avLst/>
-          </a:prstGeom>
-          <a:noFill/>
-        </p:spPr>
-        <p:txBody>
-          <a:bodyPr wrap="square" rtlCol="0">
-            <a:spAutoFit/>
-          </a:bodyPr>
-          <a:lstStyle/>
-          <a:p>
-            <a:r>
-              <a:rPr lang="en-US" altLang="ko-KR" sz="2000" dirty="0" smtClean="0"/>
-              <a:t>Many sources of error contribute to the variance of the measured optical constants. The combination could be either arithmetic or geometric, dependent on the type of source.</a:t>
-            </a:r>
-            <a:endParaRPr lang="en-US" altLang="ko-KR" sz="2000" dirty="0" smtClean="0"/>
           </a:p>
         </p:txBody>
       </p:sp>
@@ -16765,6 +16722,52 @@
           </a:prstGeom>
         </p:spPr>
       </p:pic>
+      <p:sp>
+        <p:nvSpPr>
+          <p:cNvPr id="7" name="TextBox 6"/>
+          <p:cNvSpPr txBox="1"/>
+          <p:nvPr/>
+        </p:nvSpPr>
+        <p:spPr>
+          <a:xfrm>
+            <a:off x="720969" y="914202"/>
+            <a:ext cx="7794381" cy="1323439"/>
+          </a:xfrm>
+          <a:prstGeom prst="rect">
+            <a:avLst/>
+          </a:prstGeom>
+          <a:noFill/>
+        </p:spPr>
+        <p:txBody>
+          <a:bodyPr wrap="square" rtlCol="0">
+            <a:spAutoFit/>
+          </a:bodyPr>
+          <a:lstStyle/>
+          <a:p>
+            <a:r>
+              <a:rPr lang="en-US" altLang="ko-KR" sz="2000" dirty="0"/>
+              <a:t>The lactose sample is prepared by mixing 25 mg of </a:t>
+            </a:r>
+            <a:r>
+              <a:rPr lang="en-US" altLang="ko-KR" sz="2000" dirty="0" smtClean="0"/>
+              <a:t>α-lactose monohydrate with </a:t>
+            </a:r>
+            <a:r>
+              <a:rPr lang="en-US" altLang="ko-KR" sz="2000" dirty="0"/>
+              <a:t>HDPE powder and pressing the mixture using a hydraulic </a:t>
+            </a:r>
+            <a:r>
+              <a:rPr lang="en-US" altLang="ko-KR" sz="2000" dirty="0" smtClean="0"/>
+              <a:t>press into </a:t>
+            </a:r>
+            <a:r>
+              <a:rPr lang="en-US" altLang="ko-KR" sz="2000" dirty="0"/>
+              <a:t>a solid disk with a diameter of 13 mm and a thickness of 1.85 mm.</a:t>
+            </a:r>
+            <a:endParaRPr lang="en-US" altLang="ko-KR" sz="2000" dirty="0" smtClean="0"/>
+          </a:p>
+        </p:txBody>
+      </p:sp>
     </p:spTree>
     <p:extLst>
       <p:ext uri="{BB962C8B-B14F-4D97-AF65-F5344CB8AC3E}">
@@ -16896,7 +16899,7 @@
           <a:p>
             <a:fld id="{53646E5C-8775-44A9-9523-40B6CCA06789}" type="datetime1">
               <a:rPr lang="ko-KR" altLang="en-US" smtClean="0"/>
-              <a:t>2018-03-25</a:t>
+              <a:t>2018-03-26</a:t>
             </a:fld>
             <a:endParaRPr lang="ko-KR" altLang="en-US"/>
           </a:p>
@@ -16922,36 +16925,6 @@
               <a:t>18</a:t>
             </a:fld>
             <a:endParaRPr lang="ko-KR" altLang="en-US"/>
-          </a:p>
-        </p:txBody>
-      </p:sp>
-      <p:sp>
-        <p:nvSpPr>
-          <p:cNvPr id="18" name="TextBox 17"/>
-          <p:cNvSpPr txBox="1"/>
-          <p:nvPr/>
-        </p:nvSpPr>
-        <p:spPr>
-          <a:xfrm>
-            <a:off x="720969" y="914202"/>
-            <a:ext cx="7794381" cy="1015663"/>
-          </a:xfrm>
-          <a:prstGeom prst="rect">
-            <a:avLst/>
-          </a:prstGeom>
-          <a:noFill/>
-        </p:spPr>
-        <p:txBody>
-          <a:bodyPr wrap="square" rtlCol="0">
-            <a:spAutoFit/>
-          </a:bodyPr>
-          <a:lstStyle/>
-          <a:p>
-            <a:r>
-              <a:rPr lang="en-US" altLang="ko-KR" sz="2000" dirty="0" smtClean="0"/>
-              <a:t>Many sources of error contribute to the variance of the measured optical constants. The combination could be either arithmetic or geometric, dependent on the type of source.</a:t>
-            </a:r>
-            <a:endParaRPr lang="en-US" altLang="ko-KR" sz="2000" dirty="0" smtClean="0"/>
           </a:p>
         </p:txBody>
       </p:sp>
@@ -16971,8 +16944,8 @@
         </p:blipFill>
         <p:spPr>
           <a:xfrm>
-            <a:off x="1125013" y="2019149"/>
-            <a:ext cx="6893973" cy="3912935"/>
+            <a:off x="571381" y="1167090"/>
+            <a:ext cx="8001238" cy="4541405"/>
           </a:xfrm>
           <a:prstGeom prst="rect">
             <a:avLst/>
@@ -17170,14 +17143,7 @@
                 <a:latin typeface="Times New Roman" panose="02020603050405020304" pitchFamily="18" charset="0"/>
                 <a:cs typeface="Times New Roman" panose="02020603050405020304" pitchFamily="18" charset="0"/>
               </a:rPr>
-              <a:t>, Vol. 38, 2001, pp. 97-106</a:t>
-            </a:r>
-            <a:r>
-              <a:rPr lang="en-US" altLang="ko-KR" dirty="0" smtClean="0">
-                <a:latin typeface="Times New Roman" panose="02020603050405020304" pitchFamily="18" charset="0"/>
-                <a:cs typeface="Times New Roman" panose="02020603050405020304" pitchFamily="18" charset="0"/>
-              </a:rPr>
-              <a:t>.</a:t>
+              <a:t>, Vol. 38, 2001, pp. 97-106.</a:t>
             </a:r>
           </a:p>
           <a:p>
@@ -17220,10 +17186,6 @@
               </a:rPr>
               <a:t>.</a:t>
             </a:r>
-            <a:endParaRPr lang="en-US" altLang="ko-KR" dirty="0" smtClean="0">
-              <a:latin typeface="Times New Roman" panose="02020603050405020304" pitchFamily="18" charset="0"/>
-              <a:cs typeface="Times New Roman" panose="02020603050405020304" pitchFamily="18" charset="0"/>
-            </a:endParaRPr>
           </a:p>
           <a:p>
             <a:pPr marL="285750" indent="-285750">
@@ -17326,7 +17288,7 @@
           <a:p>
             <a:fld id="{6509A91F-0059-474E-BAEC-65E67593FE25}" type="datetime1">
               <a:rPr lang="ko-KR" altLang="en-US" smtClean="0"/>
-              <a:t>2018-03-25</a:t>
+              <a:t>2018-03-26</a:t>
             </a:fld>
             <a:endParaRPr lang="ko-KR" altLang="en-US"/>
           </a:p>
@@ -17615,7 +17577,7 @@
           <a:p>
             <a:fld id="{D71C2118-E1AA-468B-9259-8864ED518988}" type="datetime1">
               <a:rPr lang="ko-KR" altLang="en-US" smtClean="0"/>
-              <a:t>2018-03-24</a:t>
+              <a:t>2018-03-26</a:t>
             </a:fld>
             <a:endParaRPr lang="ko-KR" altLang="en-US"/>
           </a:p>
@@ -17824,7 +17786,7 @@
           <a:p>
             <a:fld id="{F85A177F-6FD3-496B-8A9C-B332CA04E863}" type="datetime1">
               <a:rPr lang="ko-KR" altLang="en-US" smtClean="0"/>
-              <a:t>2018-03-24</a:t>
+              <a:t>2018-03-26</a:t>
             </a:fld>
             <a:endParaRPr lang="ko-KR" altLang="en-US"/>
           </a:p>
@@ -17969,7 +17931,7 @@
           <a:p>
             <a:fld id="{53646E5C-8775-44A9-9523-40B6CCA06789}" type="datetime1">
               <a:rPr lang="ko-KR" altLang="en-US" smtClean="0"/>
-              <a:t>2018-03-24</a:t>
+              <a:t>2018-03-26</a:t>
             </a:fld>
             <a:endParaRPr lang="ko-KR" altLang="en-US"/>
           </a:p>
@@ -19049,7 +19011,7 @@
           <a:p>
             <a:fld id="{53646E5C-8775-44A9-9523-40B6CCA06789}" type="datetime1">
               <a:rPr lang="ko-KR" altLang="en-US" smtClean="0"/>
-              <a:t>2018-03-24</a:t>
+              <a:t>2018-03-26</a:t>
             </a:fld>
             <a:endParaRPr lang="ko-KR" altLang="en-US"/>
           </a:p>
@@ -20278,7 +20240,7 @@
           <a:p>
             <a:fld id="{53646E5C-8775-44A9-9523-40B6CCA06789}" type="datetime1">
               <a:rPr lang="ko-KR" altLang="en-US" smtClean="0"/>
-              <a:t>2018-03-24</a:t>
+              <a:t>2018-03-26</a:t>
             </a:fld>
             <a:endParaRPr lang="ko-KR" altLang="en-US"/>
           </a:p>
@@ -20784,13 +20746,7 @@
                             <a:rPr lang="en-US" altLang="ko-KR" b="0" i="1" smtClean="0">
                               <a:latin typeface="Cambria Math" panose="02040503050406030204" pitchFamily="18" charset="0"/>
                             </a:rPr>
-                            <m:t>=</m:t>
-                          </m:r>
-                          <m:r>
-                            <a:rPr lang="en-US" altLang="ko-KR" b="0" i="1" smtClean="0">
-                              <a:latin typeface="Cambria Math" panose="02040503050406030204" pitchFamily="18" charset="0"/>
-                            </a:rPr>
-                            <m:t>1</m:t>
+                            <m:t>=1</m:t>
                           </m:r>
                         </m:sub>
                         <m:sup>
@@ -20952,13 +20908,7 @@
                         <a:rPr lang="en-US" altLang="ko-KR" b="0" i="1" smtClean="0">
                           <a:latin typeface="Cambria Math" panose="02040503050406030204" pitchFamily="18" charset="0"/>
                         </a:rPr>
-                        <m:t>+</m:t>
-                      </m:r>
-                      <m:r>
-                        <a:rPr lang="en-US" altLang="ko-KR" b="0" i="1" smtClean="0">
-                          <a:latin typeface="Cambria Math" panose="02040503050406030204" pitchFamily="18" charset="0"/>
-                        </a:rPr>
-                        <m:t>2</m:t>
+                        <m:t>+2</m:t>
                       </m:r>
                       <m:nary>
                         <m:naryPr>
@@ -20983,13 +20933,7 @@
                             <a:rPr lang="en-US" altLang="ko-KR" b="0" i="1" smtClean="0">
                               <a:latin typeface="Cambria Math" panose="02040503050406030204" pitchFamily="18" charset="0"/>
                             </a:rPr>
-                            <m:t>=</m:t>
-                          </m:r>
-                          <m:r>
-                            <a:rPr lang="en-US" altLang="ko-KR" b="0" i="1" smtClean="0">
-                              <a:latin typeface="Cambria Math" panose="02040503050406030204" pitchFamily="18" charset="0"/>
-                            </a:rPr>
-                            <m:t>1</m:t>
+                            <m:t>=1</m:t>
                           </m:r>
                         </m:sub>
                         <m:sup>
@@ -21003,13 +20947,7 @@
                             <a:rPr lang="en-US" altLang="ko-KR" b="0" i="1" smtClean="0">
                               <a:latin typeface="Cambria Math" panose="02040503050406030204" pitchFamily="18" charset="0"/>
                             </a:rPr>
-                            <m:t>−</m:t>
-                          </m:r>
-                          <m:r>
-                            <a:rPr lang="en-US" altLang="ko-KR" b="0" i="1" smtClean="0">
-                              <a:latin typeface="Cambria Math" panose="02040503050406030204" pitchFamily="18" charset="0"/>
-                            </a:rPr>
-                            <m:t>1</m:t>
+                            <m:t>−1</m:t>
                           </m:r>
                         </m:sup>
                         <m:e>
@@ -21048,13 +20986,7 @@
                                 <a:rPr lang="en-US" altLang="ko-KR" b="0" i="1" smtClean="0">
                                   <a:latin typeface="Cambria Math" panose="02040503050406030204" pitchFamily="18" charset="0"/>
                                 </a:rPr>
-                                <m:t>+</m:t>
-                              </m:r>
-                              <m:r>
-                                <a:rPr lang="en-US" altLang="ko-KR" b="0" i="1" smtClean="0">
-                                  <a:latin typeface="Cambria Math" panose="02040503050406030204" pitchFamily="18" charset="0"/>
-                                </a:rPr>
-                                <m:t>1</m:t>
+                                <m:t>+1</m:t>
                               </m:r>
                             </m:sub>
                             <m:sup>
@@ -21426,13 +21358,7 @@
                             <a:rPr lang="en-US" altLang="ko-KR" b="0" i="1" smtClean="0">
                               <a:latin typeface="Cambria Math" panose="02040503050406030204" pitchFamily="18" charset="0"/>
                             </a:rPr>
-                            <m:t>=</m:t>
-                          </m:r>
-                          <m:r>
-                            <a:rPr lang="en-US" altLang="ko-KR" b="0" i="1" smtClean="0">
-                              <a:latin typeface="Cambria Math" panose="02040503050406030204" pitchFamily="18" charset="0"/>
-                            </a:rPr>
-                            <m:t>1</m:t>
+                            <m:t>=1</m:t>
                           </m:r>
                         </m:sub>
                         <m:sup>
@@ -22632,13 +22558,7 @@
                                 <a:rPr lang="en-US" altLang="ko-KR" b="0" i="1" smtClean="0">
                                   <a:latin typeface="Cambria Math" panose="02040503050406030204" pitchFamily="18" charset="0"/>
                                 </a:rPr>
-                                <m:t>−</m:t>
-                              </m:r>
-                              <m:r>
-                                <a:rPr lang="en-US" altLang="ko-KR" b="0" i="1" smtClean="0">
-                                  <a:latin typeface="Cambria Math" panose="02040503050406030204" pitchFamily="18" charset="0"/>
-                                </a:rPr>
-                                <m:t>1</m:t>
+                                <m:t>−1</m:t>
                               </m:r>
                             </m:e>
                           </m:d>
@@ -22786,13 +22706,7 @@
                             <a:rPr lang="en-US" altLang="ko-KR" b="0" i="1" smtClean="0">
                               <a:latin typeface="Cambria Math" panose="02040503050406030204" pitchFamily="18" charset="0"/>
                             </a:rPr>
-                            <m:t>+</m:t>
-                          </m:r>
-                          <m:r>
-                            <a:rPr lang="en-US" altLang="ko-KR" b="0" i="1" smtClean="0">
-                              <a:latin typeface="Cambria Math" panose="02040503050406030204" pitchFamily="18" charset="0"/>
-                            </a:rPr>
-                            <m:t>2</m:t>
+                            <m:t>+2</m:t>
                           </m:r>
                           <m:d>
                             <m:dPr>
@@ -23402,7 +23316,7 @@
           <a:p>
             <a:fld id="{53646E5C-8775-44A9-9523-40B6CCA06789}" type="datetime1">
               <a:rPr lang="ko-KR" altLang="en-US" smtClean="0"/>
-              <a:t>2018-03-24</a:t>
+              <a:t>2018-03-26</a:t>
             </a:fld>
             <a:endParaRPr lang="ko-KR" altLang="en-US"/>
           </a:p>
@@ -24171,7 +24085,7 @@
           <a:p>
             <a:fld id="{F85A177F-6FD3-496B-8A9C-B332CA04E863}" type="datetime1">
               <a:rPr lang="ko-KR" altLang="en-US" smtClean="0"/>
-              <a:t>2018-03-24</a:t>
+              <a:t>2018-03-26</a:t>
             </a:fld>
             <a:endParaRPr lang="ko-KR" altLang="en-US"/>
           </a:p>
@@ -24316,7 +24230,7 @@
           <a:p>
             <a:fld id="{53646E5C-8775-44A9-9523-40B6CCA06789}" type="datetime1">
               <a:rPr lang="ko-KR" altLang="en-US" smtClean="0"/>
-              <a:t>2018-03-24</a:t>
+              <a:t>2018-03-26</a:t>
             </a:fld>
             <a:endParaRPr lang="ko-KR" altLang="en-US"/>
           </a:p>
